--- a/slides/02-DijkstraAndPrim.pptx
+++ b/slides/02-DijkstraAndPrim.pptx
@@ -5,10 +5,10 @@
     <p:sldMasterId id="2147483714" r:id="rId1"/>
   </p:sldMasterIdLst>
   <p:notesMasterIdLst>
-    <p:notesMasterId r:id="rId35"/>
+    <p:notesMasterId r:id="rId36"/>
   </p:notesMasterIdLst>
   <p:handoutMasterIdLst>
-    <p:handoutMasterId r:id="rId36"/>
+    <p:handoutMasterId r:id="rId37"/>
   </p:handoutMasterIdLst>
   <p:sldIdLst>
     <p:sldId id="377" r:id="rId2"/>
@@ -23,32 +23,33 @@
     <p:sldId id="518" r:id="rId11"/>
     <p:sldId id="530" r:id="rId12"/>
     <p:sldId id="531" r:id="rId13"/>
-    <p:sldId id="510" r:id="rId14"/>
-    <p:sldId id="415" r:id="rId15"/>
-    <p:sldId id="416" r:id="rId16"/>
-    <p:sldId id="417" r:id="rId17"/>
-    <p:sldId id="516" r:id="rId18"/>
-    <p:sldId id="446" r:id="rId19"/>
-    <p:sldId id="447" r:id="rId20"/>
-    <p:sldId id="452" r:id="rId21"/>
-    <p:sldId id="440" r:id="rId22"/>
-    <p:sldId id="519" r:id="rId23"/>
-    <p:sldId id="443" r:id="rId24"/>
-    <p:sldId id="522" r:id="rId25"/>
-    <p:sldId id="521" r:id="rId26"/>
-    <p:sldId id="520" r:id="rId27"/>
-    <p:sldId id="524" r:id="rId28"/>
-    <p:sldId id="444" r:id="rId29"/>
-    <p:sldId id="458" r:id="rId30"/>
-    <p:sldId id="410" r:id="rId31"/>
-    <p:sldId id="529" r:id="rId32"/>
-    <p:sldId id="525" r:id="rId33"/>
-    <p:sldId id="526" r:id="rId34"/>
+    <p:sldId id="532" r:id="rId14"/>
+    <p:sldId id="510" r:id="rId15"/>
+    <p:sldId id="415" r:id="rId16"/>
+    <p:sldId id="416" r:id="rId17"/>
+    <p:sldId id="417" r:id="rId18"/>
+    <p:sldId id="516" r:id="rId19"/>
+    <p:sldId id="446" r:id="rId20"/>
+    <p:sldId id="447" r:id="rId21"/>
+    <p:sldId id="452" r:id="rId22"/>
+    <p:sldId id="440" r:id="rId23"/>
+    <p:sldId id="519" r:id="rId24"/>
+    <p:sldId id="443" r:id="rId25"/>
+    <p:sldId id="522" r:id="rId26"/>
+    <p:sldId id="521" r:id="rId27"/>
+    <p:sldId id="520" r:id="rId28"/>
+    <p:sldId id="524" r:id="rId29"/>
+    <p:sldId id="444" r:id="rId30"/>
+    <p:sldId id="458" r:id="rId31"/>
+    <p:sldId id="410" r:id="rId32"/>
+    <p:sldId id="529" r:id="rId33"/>
+    <p:sldId id="525" r:id="rId34"/>
+    <p:sldId id="526" r:id="rId35"/>
   </p:sldIdLst>
   <p:sldSz cx="12192000" cy="6858000"/>
   <p:notesSz cx="7315200" cy="9601200"/>
   <p:custDataLst>
-    <p:tags r:id="rId37"/>
+    <p:tags r:id="rId38"/>
   </p:custDataLst>
   <p:defaultTextStyle>
     <a:defPPr>
@@ -1034,7 +1035,7 @@
             <a:fld id="{01579B5F-A22B-4049-B456-587BD3D5757E}" type="slidenum">
               <a:rPr lang="en-US" smtClean="0"/>
               <a:pPr/>
-              <a:t>14</a:t>
+              <a:t>15</a:t>
             </a:fld>
             <a:endParaRPr lang="en-US"/>
           </a:p>
@@ -1155,7 +1156,7 @@
             <a:fld id="{2EBB3A84-340F-4C09-91DC-CFCF1045DE19}" type="slidenum">
               <a:rPr lang="en-US"/>
               <a:pPr/>
-              <a:t>21</a:t>
+              <a:t>22</a:t>
             </a:fld>
             <a:endParaRPr lang="en-US"/>
           </a:p>
@@ -5764,42 +5765,28 @@
       </p:grpSpPr>
       <p:sp>
         <p:nvSpPr>
-          <p:cNvPr id="5" name="Title 4"/>
+          <p:cNvPr id="39938" name="Rectangle 2"/>
           <p:cNvSpPr>
-            <a:spLocks noGrp="1"/>
+            <a:spLocks noGrp="1" noChangeArrowheads="1"/>
           </p:cNvSpPr>
           <p:nvPr>
             <p:ph type="title"/>
+            <p:custDataLst>
+              <p:tags r:id="rId1"/>
+            </p:custDataLst>
           </p:nvPr>
         </p:nvSpPr>
         <p:spPr/>
         <p:txBody>
-          <a:bodyPr/>
+          <a:bodyPr>
+            <a:normAutofit/>
+          </a:bodyPr>
           <a:lstStyle/>
           <a:p>
             <a:r>
               <a:rPr lang="en-US" dirty="0"/>
-              <a:t>Prim’s Algorithm</a:t>
-            </a:r>
-          </a:p>
-        </p:txBody>
-      </p:sp>
-      <p:sp>
-        <p:nvSpPr>
-          <p:cNvPr id="6" name="Text Placeholder 5"/>
-          <p:cNvSpPr>
-            <a:spLocks noGrp="1"/>
-          </p:cNvSpPr>
-          <p:nvPr>
-            <p:ph type="body" idx="1"/>
-          </p:nvPr>
-        </p:nvSpPr>
-        <p:spPr/>
-        <p:txBody>
-          <a:bodyPr/>
-          <a:lstStyle/>
-          <a:p>
-            <a:endParaRPr lang="en-US"/>
+              <a:t>Proof w/ Picture:</a:t>
+            </a:r>
           </a:p>
         </p:txBody>
       </p:sp>
@@ -5818,7 +5805,7 @@
           <a:bodyPr/>
           <a:lstStyle/>
           <a:p>
-            <a:fld id="{030EE116-056E-4288-B7F7-411CB7E437A9}" type="slidenum">
+            <a:fld id="{DACC1BBE-66B1-403A-8C7E-C57A0F3A107F}" type="slidenum">
               <a:rPr lang="en-US" smtClean="0"/>
               <a:pPr/>
               <a:t>13</a:t>
@@ -5827,10 +5814,32 @@
           </a:p>
         </p:txBody>
       </p:sp>
+      <p:sp>
+        <p:nvSpPr>
+          <p:cNvPr id="37891" name="Rectangle 3"/>
+          <p:cNvSpPr>
+            <a:spLocks noGrp="1" noChangeArrowheads="1"/>
+          </p:cNvSpPr>
+          <p:nvPr>
+            <p:ph sz="quarter" idx="1"/>
+            <p:custDataLst>
+              <p:tags r:id="rId2"/>
+            </p:custDataLst>
+          </p:nvPr>
+        </p:nvSpPr>
+        <p:spPr/>
+        <p:txBody>
+          <a:bodyPr/>
+          <a:lstStyle/>
+          <a:p>
+            <a:endParaRPr lang="en-US" dirty="0"/>
+          </a:p>
+        </p:txBody>
+      </p:sp>
     </p:spTree>
     <p:extLst>
       <p:ext uri="{BB962C8B-B14F-4D97-AF65-F5344CB8AC3E}">
-        <p14:creationId xmlns:p14="http://schemas.microsoft.com/office/powerpoint/2010/main" val="1834445483"/>
+        <p14:creationId xmlns:p14="http://schemas.microsoft.com/office/powerpoint/2010/main" val="3378576395"/>
       </p:ext>
     </p:extLst>
   </p:cSld>
@@ -5859,6 +5868,101 @@
       </p:grpSpPr>
       <p:sp>
         <p:nvSpPr>
+          <p:cNvPr id="5" name="Title 4"/>
+          <p:cNvSpPr>
+            <a:spLocks noGrp="1"/>
+          </p:cNvSpPr>
+          <p:nvPr>
+            <p:ph type="title"/>
+          </p:nvPr>
+        </p:nvSpPr>
+        <p:spPr/>
+        <p:txBody>
+          <a:bodyPr/>
+          <a:lstStyle/>
+          <a:p>
+            <a:r>
+              <a:rPr lang="en-US" dirty="0"/>
+              <a:t>Prim’s Algorithm</a:t>
+            </a:r>
+          </a:p>
+        </p:txBody>
+      </p:sp>
+      <p:sp>
+        <p:nvSpPr>
+          <p:cNvPr id="6" name="Text Placeholder 5"/>
+          <p:cNvSpPr>
+            <a:spLocks noGrp="1"/>
+          </p:cNvSpPr>
+          <p:nvPr>
+            <p:ph type="body" idx="1"/>
+          </p:nvPr>
+        </p:nvSpPr>
+        <p:spPr/>
+        <p:txBody>
+          <a:bodyPr/>
+          <a:lstStyle/>
+          <a:p>
+            <a:endParaRPr lang="en-US"/>
+          </a:p>
+        </p:txBody>
+      </p:sp>
+      <p:sp>
+        <p:nvSpPr>
+          <p:cNvPr id="4" name="Slide Number Placeholder 3"/>
+          <p:cNvSpPr>
+            <a:spLocks noGrp="1"/>
+          </p:cNvSpPr>
+          <p:nvPr>
+            <p:ph type="sldNum" sz="quarter" idx="12"/>
+          </p:nvPr>
+        </p:nvSpPr>
+        <p:spPr/>
+        <p:txBody>
+          <a:bodyPr/>
+          <a:lstStyle/>
+          <a:p>
+            <a:fld id="{030EE116-056E-4288-B7F7-411CB7E437A9}" type="slidenum">
+              <a:rPr lang="en-US" smtClean="0"/>
+              <a:pPr/>
+              <a:t>14</a:t>
+            </a:fld>
+            <a:endParaRPr lang="en-US"/>
+          </a:p>
+        </p:txBody>
+      </p:sp>
+    </p:spTree>
+    <p:extLst>
+      <p:ext uri="{BB962C8B-B14F-4D97-AF65-F5344CB8AC3E}">
+        <p14:creationId xmlns:p14="http://schemas.microsoft.com/office/powerpoint/2010/main" val="1834445483"/>
+      </p:ext>
+    </p:extLst>
+  </p:cSld>
+  <p:clrMapOvr>
+    <a:masterClrMapping/>
+  </p:clrMapOvr>
+</p:sld>
+</file>
+
+<file path=ppt/slides/slide15.xml><?xml version="1.0" encoding="utf-8"?>
+<p:sld xmlns:a="http://schemas.openxmlformats.org/drawingml/2006/main" xmlns:r="http://schemas.openxmlformats.org/officeDocument/2006/relationships" xmlns:p="http://schemas.openxmlformats.org/presentationml/2006/main">
+  <p:cSld>
+    <p:spTree>
+      <p:nvGrpSpPr>
+        <p:cNvPr id="1" name=""/>
+        <p:cNvGrpSpPr/>
+        <p:nvPr/>
+      </p:nvGrpSpPr>
+      <p:grpSpPr>
+        <a:xfrm>
+          <a:off x="0" y="0"/>
+          <a:ext cx="0" cy="0"/>
+          <a:chOff x="0" y="0"/>
+          <a:chExt cx="0" cy="0"/>
+        </a:xfrm>
+      </p:grpSpPr>
+      <p:sp>
+        <p:nvSpPr>
           <p:cNvPr id="65538" name="Rectangle 2"/>
           <p:cNvSpPr>
             <a:spLocks noGrp="1" noChangeArrowheads="1"/>
@@ -5901,7 +6005,7 @@
             <a:fld id="{DACC1BBE-66B1-403A-8C7E-C57A0F3A107F}" type="slidenum">
               <a:rPr lang="en-US" smtClean="0"/>
               <a:pPr/>
-              <a:t>14</a:t>
+              <a:t>15</a:t>
             </a:fld>
             <a:endParaRPr lang="en-US"/>
           </a:p>
@@ -7474,144 +7578,6 @@
 </p:sld>
 </file>
 
-<file path=ppt/slides/slide15.xml><?xml version="1.0" encoding="utf-8"?>
-<p:sld xmlns:a="http://schemas.openxmlformats.org/drawingml/2006/main" xmlns:r="http://schemas.openxmlformats.org/officeDocument/2006/relationships" xmlns:p="http://schemas.openxmlformats.org/presentationml/2006/main">
-  <p:cSld>
-    <p:spTree>
-      <p:nvGrpSpPr>
-        <p:cNvPr id="1" name=""/>
-        <p:cNvGrpSpPr/>
-        <p:nvPr/>
-      </p:nvGrpSpPr>
-      <p:grpSpPr>
-        <a:xfrm>
-          <a:off x="0" y="0"/>
-          <a:ext cx="0" cy="0"/>
-          <a:chOff x="0" y="0"/>
-          <a:chExt cx="0" cy="0"/>
-        </a:xfrm>
-      </p:grpSpPr>
-      <p:sp>
-        <p:nvSpPr>
-          <p:cNvPr id="66562" name="Rectangle 2"/>
-          <p:cNvSpPr>
-            <a:spLocks noGrp="1" noChangeArrowheads="1"/>
-          </p:cNvSpPr>
-          <p:nvPr>
-            <p:ph type="title"/>
-            <p:custDataLst>
-              <p:tags r:id="rId1"/>
-            </p:custDataLst>
-          </p:nvPr>
-        </p:nvSpPr>
-        <p:spPr/>
-        <p:txBody>
-          <a:bodyPr/>
-          <a:lstStyle/>
-          <a:p>
-            <a:pPr eaLnBrk="1" hangingPunct="1"/>
-            <a:r>
-              <a:rPr lang="en-US"/>
-              <a:t>Prim’s Algorithm for MST</a:t>
-            </a:r>
-          </a:p>
-        </p:txBody>
-      </p:sp>
-      <p:sp>
-        <p:nvSpPr>
-          <p:cNvPr id="4" name="Slide Number Placeholder 3"/>
-          <p:cNvSpPr>
-            <a:spLocks noGrp="1"/>
-          </p:cNvSpPr>
-          <p:nvPr>
-            <p:ph type="sldNum" sz="quarter" idx="12"/>
-          </p:nvPr>
-        </p:nvSpPr>
-        <p:spPr/>
-        <p:txBody>
-          <a:bodyPr/>
-          <a:lstStyle/>
-          <a:p>
-            <a:fld id="{DACC1BBE-66B1-403A-8C7E-C57A0F3A107F}" type="slidenum">
-              <a:rPr lang="en-US" smtClean="0"/>
-              <a:pPr/>
-              <a:t>15</a:t>
-            </a:fld>
-            <a:endParaRPr lang="en-US"/>
-          </a:p>
-        </p:txBody>
-      </p:sp>
-      <p:sp>
-        <p:nvSpPr>
-          <p:cNvPr id="66563" name="Rectangle 3"/>
-          <p:cNvSpPr>
-            <a:spLocks noGrp="1" noChangeArrowheads="1"/>
-          </p:cNvSpPr>
-          <p:nvPr>
-            <p:ph sz="quarter" idx="1"/>
-            <p:custDataLst>
-              <p:tags r:id="rId2"/>
-            </p:custDataLst>
-          </p:nvPr>
-        </p:nvSpPr>
-        <p:spPr/>
-        <p:txBody>
-          <a:bodyPr/>
-          <a:lstStyle/>
-          <a:p>
-            <a:pPr eaLnBrk="1" hangingPunct="1"/>
-            <a:r>
-              <a:rPr lang="en-US"/>
-              <a:t>Pick one node as the root,</a:t>
-            </a:r>
-          </a:p>
-          <a:p>
-            <a:pPr eaLnBrk="1" hangingPunct="1"/>
-            <a:r>
-              <a:rPr lang="en-US"/>
-              <a:t>Incrementally add edges that connect a “new” vertex to the tree.</a:t>
-            </a:r>
-          </a:p>
-          <a:p>
-            <a:pPr eaLnBrk="1" hangingPunct="1"/>
-            <a:r>
-              <a:rPr lang="en-US"/>
-              <a:t>Pick the edge (u,v) where:</a:t>
-            </a:r>
-          </a:p>
-          <a:p>
-            <a:pPr lvl="1" eaLnBrk="1" hangingPunct="1"/>
-            <a:r>
-              <a:rPr lang="en-US"/>
-              <a:t>u is in the tree, v is not AND </a:t>
-            </a:r>
-          </a:p>
-          <a:p>
-            <a:pPr lvl="1" eaLnBrk="1" hangingPunct="1"/>
-            <a:r>
-              <a:rPr lang="en-US"/>
-              <a:t>where the edge weight is the smallest of all edges (where u is in the tree and v is not).</a:t>
-            </a:r>
-          </a:p>
-          <a:p>
-            <a:pPr eaLnBrk="1" hangingPunct="1"/>
-            <a:endParaRPr lang="en-US"/>
-          </a:p>
-        </p:txBody>
-      </p:sp>
-    </p:spTree>
-    <p:extLst>
-      <p:ext uri="{BB962C8B-B14F-4D97-AF65-F5344CB8AC3E}">
-        <p14:creationId xmlns:p14="http://schemas.microsoft.com/office/powerpoint/2010/main" val="2163137422"/>
-      </p:ext>
-    </p:extLst>
-  </p:cSld>
-  <p:clrMapOvr>
-    <a:masterClrMapping/>
-  </p:clrMapOvr>
-</p:sld>
-</file>
-
 <file path=ppt/slides/slide16.xml><?xml version="1.0" encoding="utf-8"?>
 <p:sld xmlns:a="http://schemas.openxmlformats.org/drawingml/2006/main" xmlns:r="http://schemas.openxmlformats.org/officeDocument/2006/relationships" xmlns:p="http://schemas.openxmlformats.org/presentationml/2006/main">
   <p:cSld>
@@ -7631,7 +7597,33 @@
       </p:grpSpPr>
       <p:sp>
         <p:nvSpPr>
-          <p:cNvPr id="48" name="Slide Number Placeholder 47"/>
+          <p:cNvPr id="66562" name="Rectangle 2"/>
+          <p:cNvSpPr>
+            <a:spLocks noGrp="1" noChangeArrowheads="1"/>
+          </p:cNvSpPr>
+          <p:nvPr>
+            <p:ph type="title"/>
+            <p:custDataLst>
+              <p:tags r:id="rId1"/>
+            </p:custDataLst>
+          </p:nvPr>
+        </p:nvSpPr>
+        <p:spPr/>
+        <p:txBody>
+          <a:bodyPr/>
+          <a:lstStyle/>
+          <a:p>
+            <a:pPr eaLnBrk="1" hangingPunct="1"/>
+            <a:r>
+              <a:rPr lang="en-US"/>
+              <a:t>Prim’s Algorithm for MST</a:t>
+            </a:r>
+          </a:p>
+        </p:txBody>
+      </p:sp>
+      <p:sp>
+        <p:nvSpPr>
+          <p:cNvPr id="4" name="Slide Number Placeholder 3"/>
           <p:cNvSpPr>
             <a:spLocks noGrp="1"/>
           </p:cNvSpPr>
@@ -7648,6 +7640,118 @@
               <a:rPr lang="en-US" smtClean="0"/>
               <a:pPr/>
               <a:t>16</a:t>
+            </a:fld>
+            <a:endParaRPr lang="en-US"/>
+          </a:p>
+        </p:txBody>
+      </p:sp>
+      <p:sp>
+        <p:nvSpPr>
+          <p:cNvPr id="66563" name="Rectangle 3"/>
+          <p:cNvSpPr>
+            <a:spLocks noGrp="1" noChangeArrowheads="1"/>
+          </p:cNvSpPr>
+          <p:nvPr>
+            <p:ph sz="quarter" idx="1"/>
+            <p:custDataLst>
+              <p:tags r:id="rId2"/>
+            </p:custDataLst>
+          </p:nvPr>
+        </p:nvSpPr>
+        <p:spPr/>
+        <p:txBody>
+          <a:bodyPr/>
+          <a:lstStyle/>
+          <a:p>
+            <a:pPr eaLnBrk="1" hangingPunct="1"/>
+            <a:r>
+              <a:rPr lang="en-US"/>
+              <a:t>Pick one node as the root,</a:t>
+            </a:r>
+          </a:p>
+          <a:p>
+            <a:pPr eaLnBrk="1" hangingPunct="1"/>
+            <a:r>
+              <a:rPr lang="en-US"/>
+              <a:t>Incrementally add edges that connect a “new” vertex to the tree.</a:t>
+            </a:r>
+          </a:p>
+          <a:p>
+            <a:pPr eaLnBrk="1" hangingPunct="1"/>
+            <a:r>
+              <a:rPr lang="en-US"/>
+              <a:t>Pick the edge (u,v) where:</a:t>
+            </a:r>
+          </a:p>
+          <a:p>
+            <a:pPr lvl="1" eaLnBrk="1" hangingPunct="1"/>
+            <a:r>
+              <a:rPr lang="en-US"/>
+              <a:t>u is in the tree, v is not AND </a:t>
+            </a:r>
+          </a:p>
+          <a:p>
+            <a:pPr lvl="1" eaLnBrk="1" hangingPunct="1"/>
+            <a:r>
+              <a:rPr lang="en-US"/>
+              <a:t>where the edge weight is the smallest of all edges (where u is in the tree and v is not).</a:t>
+            </a:r>
+          </a:p>
+          <a:p>
+            <a:pPr eaLnBrk="1" hangingPunct="1"/>
+            <a:endParaRPr lang="en-US"/>
+          </a:p>
+        </p:txBody>
+      </p:sp>
+    </p:spTree>
+    <p:extLst>
+      <p:ext uri="{BB962C8B-B14F-4D97-AF65-F5344CB8AC3E}">
+        <p14:creationId xmlns:p14="http://schemas.microsoft.com/office/powerpoint/2010/main" val="2163137422"/>
+      </p:ext>
+    </p:extLst>
+  </p:cSld>
+  <p:clrMapOvr>
+    <a:masterClrMapping/>
+  </p:clrMapOvr>
+</p:sld>
+</file>
+
+<file path=ppt/slides/slide17.xml><?xml version="1.0" encoding="utf-8"?>
+<p:sld xmlns:a="http://schemas.openxmlformats.org/drawingml/2006/main" xmlns:r="http://schemas.openxmlformats.org/officeDocument/2006/relationships" xmlns:p="http://schemas.openxmlformats.org/presentationml/2006/main">
+  <p:cSld>
+    <p:spTree>
+      <p:nvGrpSpPr>
+        <p:cNvPr id="1" name=""/>
+        <p:cNvGrpSpPr/>
+        <p:nvPr/>
+      </p:nvGrpSpPr>
+      <p:grpSpPr>
+        <a:xfrm>
+          <a:off x="0" y="0"/>
+          <a:ext cx="0" cy="0"/>
+          <a:chOff x="0" y="0"/>
+          <a:chExt cx="0" cy="0"/>
+        </a:xfrm>
+      </p:grpSpPr>
+      <p:sp>
+        <p:nvSpPr>
+          <p:cNvPr id="48" name="Slide Number Placeholder 47"/>
+          <p:cNvSpPr>
+            <a:spLocks noGrp="1"/>
+          </p:cNvSpPr>
+          <p:nvPr>
+            <p:ph type="sldNum" sz="quarter" idx="12"/>
+          </p:nvPr>
+        </p:nvSpPr>
+        <p:spPr/>
+        <p:txBody>
+          <a:bodyPr/>
+          <a:lstStyle/>
+          <a:p>
+            <a:fld id="{DACC1BBE-66B1-403A-8C7E-C57A0F3A107F}" type="slidenum">
+              <a:rPr lang="en-US" smtClean="0"/>
+              <a:pPr/>
+              <a:t>17</a:t>
             </a:fld>
             <a:endParaRPr lang="en-US"/>
           </a:p>
@@ -8907,7 +9011,7 @@
 </p:sld>
 </file>
 
-<file path=ppt/slides/slide17.xml><?xml version="1.0" encoding="utf-8"?>
+<file path=ppt/slides/slide18.xml><?xml version="1.0" encoding="utf-8"?>
 <p:sld xmlns:a="http://schemas.openxmlformats.org/drawingml/2006/main" xmlns:r="http://schemas.openxmlformats.org/officeDocument/2006/relationships" xmlns:p="http://schemas.openxmlformats.org/presentationml/2006/main">
   <p:cSld>
     <p:spTree>
@@ -8942,7 +9046,7 @@
             <a:fld id="{DACC1BBE-66B1-403A-8C7E-C57A0F3A107F}" type="slidenum">
               <a:rPr lang="en-US" smtClean="0"/>
               <a:pPr/>
-              <a:t>17</a:t>
+              <a:t>18</a:t>
             </a:fld>
             <a:endParaRPr lang="en-US"/>
           </a:p>
@@ -11413,164 +11517,6 @@
 </p:sld>
 </file>
 
-<file path=ppt/slides/slide18.xml><?xml version="1.0" encoding="utf-8"?>
-<p:sld xmlns:a="http://schemas.openxmlformats.org/drawingml/2006/main" xmlns:r="http://schemas.openxmlformats.org/officeDocument/2006/relationships" xmlns:p="http://schemas.openxmlformats.org/presentationml/2006/main">
-  <p:cSld>
-    <p:spTree>
-      <p:nvGrpSpPr>
-        <p:cNvPr id="1" name=""/>
-        <p:cNvGrpSpPr/>
-        <p:nvPr/>
-      </p:nvGrpSpPr>
-      <p:grpSpPr>
-        <a:xfrm>
-          <a:off x="0" y="0"/>
-          <a:ext cx="0" cy="0"/>
-          <a:chOff x="0" y="0"/>
-          <a:chExt cx="0" cy="0"/>
-        </a:xfrm>
-      </p:grpSpPr>
-      <p:sp>
-        <p:nvSpPr>
-          <p:cNvPr id="45059" name="Rectangle 2"/>
-          <p:cNvSpPr>
-            <a:spLocks noGrp="1" noChangeArrowheads="1"/>
-          </p:cNvSpPr>
-          <p:nvPr>
-            <p:ph type="title"/>
-            <p:custDataLst>
-              <p:tags r:id="rId1"/>
-            </p:custDataLst>
-          </p:nvPr>
-        </p:nvSpPr>
-        <p:spPr/>
-        <p:txBody>
-          <a:bodyPr/>
-          <a:lstStyle/>
-          <a:p>
-            <a:r>
-              <a:rPr lang="en-US"/>
-              <a:t>Prim’s MST Algorithm</a:t>
-            </a:r>
-          </a:p>
-        </p:txBody>
-      </p:sp>
-      <p:sp>
-        <p:nvSpPr>
-          <p:cNvPr id="4" name="Slide Number Placeholder 3"/>
-          <p:cNvSpPr>
-            <a:spLocks noGrp="1"/>
-          </p:cNvSpPr>
-          <p:nvPr>
-            <p:ph type="sldNum" sz="quarter" idx="12"/>
-          </p:nvPr>
-        </p:nvSpPr>
-        <p:spPr/>
-        <p:txBody>
-          <a:bodyPr/>
-          <a:lstStyle/>
-          <a:p>
-            <a:fld id="{DACC1BBE-66B1-403A-8C7E-C57A0F3A107F}" type="slidenum">
-              <a:rPr lang="en-US" smtClean="0"/>
-              <a:pPr/>
-              <a:t>18</a:t>
-            </a:fld>
-            <a:endParaRPr lang="en-US"/>
-          </a:p>
-        </p:txBody>
-      </p:sp>
-      <p:sp>
-        <p:nvSpPr>
-          <p:cNvPr id="45060" name="Rectangle 3"/>
-          <p:cNvSpPr>
-            <a:spLocks noGrp="1" noChangeArrowheads="1"/>
-          </p:cNvSpPr>
-          <p:nvPr>
-            <p:ph sz="quarter" idx="1"/>
-            <p:custDataLst>
-              <p:tags r:id="rId2"/>
-            </p:custDataLst>
-          </p:nvPr>
-        </p:nvSpPr>
-        <p:spPr/>
-        <p:txBody>
-          <a:bodyPr/>
-          <a:lstStyle/>
-          <a:p>
-            <a:r>
-              <a:rPr lang="en-US" sz="2800" dirty="0"/>
-              <a:t>Greedy strategy:</a:t>
-            </a:r>
-          </a:p>
-          <a:p>
-            <a:pPr lvl="1"/>
-            <a:r>
-              <a:rPr lang="en-US" sz="2400" dirty="0"/>
-              <a:t>Choose some start vertex as current-tree</a:t>
-            </a:r>
-          </a:p>
-          <a:p>
-            <a:pPr lvl="1"/>
-            <a:r>
-              <a:rPr lang="en-US" sz="2400" dirty="0"/>
-              <a:t>Greedy rule: Add edge from graph to current-tree that</a:t>
-            </a:r>
-          </a:p>
-          <a:p>
-            <a:pPr lvl="2"/>
-            <a:r>
-              <a:rPr lang="en-US" sz="2200" dirty="0"/>
-              <a:t>has the lowest weight of edges that…</a:t>
-            </a:r>
-          </a:p>
-          <a:p>
-            <a:pPr lvl="2"/>
-            <a:r>
-              <a:rPr lang="en-US" sz="2200" dirty="0"/>
-              <a:t>have one vertex in the tree and one not in the tree.</a:t>
-            </a:r>
-          </a:p>
-          <a:p>
-            <a:r>
-              <a:rPr lang="en-US" sz="2800" dirty="0"/>
-              <a:t>Thus builds-up one tree by adding a new edge to it</a:t>
-            </a:r>
-          </a:p>
-          <a:p>
-            <a:pPr algn="l"/>
-            <a:r>
-              <a:rPr lang="en-US" sz="2800" dirty="0"/>
-              <a:t>Can this lead to an infeasible solution?</a:t>
-            </a:r>
-            <a:br>
-              <a:rPr lang="en-US" sz="2800" dirty="0"/>
-            </a:br>
-            <a:r>
-              <a:rPr lang="en-US" sz="2800" dirty="0"/>
-              <a:t>(Tell me why not.)</a:t>
-            </a:r>
-          </a:p>
-          <a:p>
-            <a:r>
-              <a:rPr lang="en-US" sz="2800" dirty="0"/>
-              <a:t>Is it optimal? (Yes. Need a proof.)</a:t>
-            </a:r>
-          </a:p>
-        </p:txBody>
-      </p:sp>
-    </p:spTree>
-    <p:extLst>
-      <p:ext uri="{BB962C8B-B14F-4D97-AF65-F5344CB8AC3E}">
-        <p14:creationId xmlns:p14="http://schemas.microsoft.com/office/powerpoint/2010/main" val="231288105"/>
-      </p:ext>
-    </p:extLst>
-  </p:cSld>
-  <p:clrMapOvr>
-    <a:masterClrMapping/>
-  </p:clrMapOvr>
-</p:sld>
-</file>
-
 <file path=ppt/slides/slide19.xml><?xml version="1.0" encoding="utf-8"?>
 <p:sld xmlns:a="http://schemas.openxmlformats.org/drawingml/2006/main" xmlns:r="http://schemas.openxmlformats.org/officeDocument/2006/relationships" xmlns:p="http://schemas.openxmlformats.org/presentationml/2006/main">
   <p:cSld>
@@ -11590,7 +11536,7 @@
       </p:grpSpPr>
       <p:sp>
         <p:nvSpPr>
-          <p:cNvPr id="46083" name="Rectangle 2"/>
+          <p:cNvPr id="45059" name="Rectangle 2"/>
           <p:cNvSpPr>
             <a:spLocks noGrp="1" noChangeArrowheads="1"/>
           </p:cNvSpPr>
@@ -11608,7 +11554,7 @@
           <a:p>
             <a:r>
               <a:rPr lang="en-US"/>
-              <a:t>Tracking Edges for Prim’s MST</a:t>
+              <a:t>Prim’s MST Algorithm</a:t>
             </a:r>
           </a:p>
         </p:txBody>
@@ -11639,7 +11585,7 @@
       </p:sp>
       <p:sp>
         <p:nvSpPr>
-          <p:cNvPr id="46084" name="Rectangle 3"/>
+          <p:cNvPr id="45060" name="Rectangle 3"/>
           <p:cNvSpPr>
             <a:spLocks noGrp="1" noChangeArrowheads="1"/>
           </p:cNvSpPr>
@@ -11655,96 +11601,71 @@
           <a:bodyPr/>
           <a:lstStyle/>
           <a:p>
-            <a:pPr>
-              <a:lnSpc>
-                <a:spcPct val="90000"/>
-              </a:lnSpc>
-            </a:pPr>
             <a:r>
               <a:rPr lang="en-US" sz="2800" dirty="0"/>
-              <a:t>Candidate edges:  edge from a tree-node to a non-tree node</a:t>
-            </a:r>
-          </a:p>
-          <a:p>
-            <a:pPr lvl="1">
-              <a:lnSpc>
-                <a:spcPct val="90000"/>
-              </a:lnSpc>
-            </a:pPr>
+              <a:t>Greedy strategy:</a:t>
+            </a:r>
+          </a:p>
+          <a:p>
+            <a:pPr lvl="1"/>
             <a:r>
               <a:rPr lang="en-US" sz="2400" dirty="0"/>
-              <a:t>Since we’ll choose smallest, keep only one candidate edge for each non-tree node</a:t>
-            </a:r>
-          </a:p>
-          <a:p>
-            <a:pPr lvl="1">
-              <a:lnSpc>
-                <a:spcPct val="90000"/>
-              </a:lnSpc>
-            </a:pPr>
+              <a:t>Choose some start vertex as current-tree</a:t>
+            </a:r>
+          </a:p>
+          <a:p>
+            <a:pPr lvl="1"/>
             <a:r>
               <a:rPr lang="en-US" sz="2400" dirty="0"/>
-              <a:t>But, may need to make sure we always have the smallest edge for each non-tree node</a:t>
-            </a:r>
-          </a:p>
-          <a:p>
-            <a:pPr>
-              <a:lnSpc>
-                <a:spcPct val="90000"/>
-              </a:lnSpc>
-            </a:pPr>
+              <a:t>Greedy rule: Add edge from graph to current-tree that</a:t>
+            </a:r>
+          </a:p>
+          <a:p>
+            <a:pPr lvl="2"/>
+            <a:r>
+              <a:rPr lang="en-US" sz="2200" dirty="0"/>
+              <a:t>has the lowest weight of edges that…</a:t>
+            </a:r>
+          </a:p>
+          <a:p>
+            <a:pPr lvl="2"/>
+            <a:r>
+              <a:rPr lang="en-US" sz="2200" dirty="0"/>
+              <a:t>have one vertex in the tree and one not in the tree.</a:t>
+            </a:r>
+          </a:p>
+          <a:p>
             <a:r>
               <a:rPr lang="en-US" sz="2800" dirty="0"/>
-              <a:t>Fringe-nodes: non-trees nodes adjacent to the tree</a:t>
-            </a:r>
-          </a:p>
-          <a:p>
-            <a:pPr>
-              <a:lnSpc>
-                <a:spcPct val="90000"/>
-              </a:lnSpc>
-            </a:pPr>
+              <a:t>Thus builds-up one tree by adding a new edge to it</a:t>
+            </a:r>
+          </a:p>
+          <a:p>
+            <a:pPr algn="l"/>
             <a:r>
               <a:rPr lang="en-US" sz="2800" dirty="0"/>
-              <a:t>Need data structure to hold fringe-nodes</a:t>
-            </a:r>
-          </a:p>
-          <a:p>
-            <a:pPr lvl="1">
-              <a:lnSpc>
-                <a:spcPct val="90000"/>
-              </a:lnSpc>
-            </a:pPr>
-            <a:r>
-              <a:rPr lang="en-US" sz="2400" dirty="0"/>
-              <a:t>Priority queue, ordered by min-edge weight</a:t>
-            </a:r>
-          </a:p>
-          <a:p>
-            <a:pPr lvl="1">
-              <a:lnSpc>
-                <a:spcPct val="90000"/>
-              </a:lnSpc>
-            </a:pPr>
-            <a:r>
-              <a:rPr lang="en-US" sz="2400" dirty="0"/>
-              <a:t>May need to update priorities!</a:t>
-            </a:r>
-          </a:p>
-          <a:p>
-            <a:pPr>
-              <a:lnSpc>
-                <a:spcPct val="90000"/>
-              </a:lnSpc>
-            </a:pPr>
-            <a:endParaRPr lang="en-US" sz="2800" dirty="0"/>
+              <a:t>Can this lead to an infeasible solution?</a:t>
+            </a:r>
+            <a:br>
+              <a:rPr lang="en-US" sz="2800" dirty="0"/>
+            </a:br>
+            <a:r>
+              <a:rPr lang="en-US" sz="2800" dirty="0"/>
+              <a:t>(Tell me why not.)</a:t>
+            </a:r>
+          </a:p>
+          <a:p>
+            <a:r>
+              <a:rPr lang="en-US" sz="2800" dirty="0"/>
+              <a:t>Is it optimal? (Yes. Need a proof.)</a:t>
+            </a:r>
           </a:p>
         </p:txBody>
       </p:sp>
     </p:spTree>
     <p:extLst>
       <p:ext uri="{BB962C8B-B14F-4D97-AF65-F5344CB8AC3E}">
-        <p14:creationId xmlns:p14="http://schemas.microsoft.com/office/powerpoint/2010/main" val="3903810571"/>
+        <p14:creationId xmlns:p14="http://schemas.microsoft.com/office/powerpoint/2010/main" val="231288105"/>
       </p:ext>
     </p:extLst>
   </p:cSld>
@@ -11915,7 +11836,7 @@
       </p:grpSpPr>
       <p:sp>
         <p:nvSpPr>
-          <p:cNvPr id="47107" name="Rectangle 2"/>
+          <p:cNvPr id="46083" name="Rectangle 2"/>
           <p:cNvSpPr>
             <a:spLocks noGrp="1" noChangeArrowheads="1"/>
           </p:cNvSpPr>
@@ -11932,8 +11853,8 @@
           <a:lstStyle/>
           <a:p>
             <a:r>
-              <a:rPr lang="en-US" dirty="0"/>
-              <a:t>Prim’s Algorithm</a:t>
+              <a:rPr lang="en-US"/>
+              <a:t>Tracking Edges for Prim’s MST</a:t>
             </a:r>
           </a:p>
         </p:txBody>
@@ -11964,7 +11885,7 @@
       </p:sp>
       <p:sp>
         <p:nvSpPr>
-          <p:cNvPr id="47137" name="Rectangle 35"/>
+          <p:cNvPr id="46084" name="Rectangle 3"/>
           <p:cNvSpPr>
             <a:spLocks noGrp="1" noChangeArrowheads="1"/>
           </p:cNvSpPr>
@@ -11975,27 +11896,41 @@
             </p:custDataLst>
           </p:nvPr>
         </p:nvSpPr>
-        <p:spPr>
-          <a:noFill/>
-        </p:spPr>
-        <p:txBody>
-          <a:bodyPr>
-            <a:normAutofit fontScale="92500" lnSpcReduction="10000"/>
-          </a:bodyPr>
+        <p:spPr/>
+        <p:txBody>
+          <a:bodyPr/>
           <a:lstStyle/>
           <a:p>
             <a:pPr>
               <a:lnSpc>
                 <a:spcPct val="90000"/>
               </a:lnSpc>
-              <a:buFont typeface="Monotype Sorts" charset="2"/>
-              <a:buNone/>
             </a:pPr>
             <a:r>
-              <a:rPr lang="en-US" sz="2000" b="1" dirty="0">
-                <a:latin typeface="Courier New" pitchFamily="49" charset="0"/>
-              </a:rPr>
-              <a:t>MST-Prim(G, wt)</a:t>
+              <a:rPr lang="en-US" sz="2800" dirty="0"/>
+              <a:t>Candidate edges:  edge from a tree-node to a non-tree node</a:t>
+            </a:r>
+          </a:p>
+          <a:p>
+            <a:pPr lvl="1">
+              <a:lnSpc>
+                <a:spcPct val="90000"/>
+              </a:lnSpc>
+            </a:pPr>
+            <a:r>
+              <a:rPr lang="en-US" sz="2400" dirty="0"/>
+              <a:t>Since we’ll choose smallest, keep only one candidate edge for each non-tree node</a:t>
+            </a:r>
+          </a:p>
+          <a:p>
+            <a:pPr lvl="1">
+              <a:lnSpc>
+                <a:spcPct val="90000"/>
+              </a:lnSpc>
+            </a:pPr>
+            <a:r>
+              <a:rPr lang="en-US" sz="2400" dirty="0"/>
+              <a:t>But, may need to make sure we always have the smallest edge for each non-tree node</a:t>
             </a:r>
           </a:p>
           <a:p>
@@ -12003,14 +11938,10 @@
               <a:lnSpc>
                 <a:spcPct val="90000"/>
               </a:lnSpc>
-              <a:buFont typeface="Monotype Sorts" charset="2"/>
-              <a:buNone/>
             </a:pPr>
             <a:r>
-              <a:rPr lang="en-US" sz="2000" b="1" dirty="0">
-                <a:latin typeface="Courier New" pitchFamily="49" charset="0"/>
-              </a:rPr>
-              <a:t> init PQ to be empty;</a:t>
+              <a:rPr lang="en-US" sz="2800" dirty="0"/>
+              <a:t>Fringe-nodes: non-trees nodes adjacent to the tree</a:t>
             </a:r>
           </a:p>
           <a:p>
@@ -12018,26 +11949,32 @@
               <a:lnSpc>
                 <a:spcPct val="90000"/>
               </a:lnSpc>
-              <a:buFont typeface="Monotype Sorts" charset="2"/>
-              <a:buNone/>
             </a:pPr>
             <a:r>
-              <a:rPr lang="en-US" sz="2000" b="1" dirty="0">
-                <a:latin typeface="Courier New" pitchFamily="49" charset="0"/>
-              </a:rPr>
-              <a:t> </a:t>
-            </a:r>
-            <a:r>
-              <a:rPr lang="en-US" sz="2000" b="1" dirty="0" err="1">
-                <a:latin typeface="Courier New" pitchFamily="49" charset="0"/>
-              </a:rPr>
-              <a:t>PQ.Insert</a:t>
-            </a:r>
-            <a:r>
-              <a:rPr lang="en-US" sz="2000" b="1" dirty="0">
-                <a:latin typeface="Courier New" pitchFamily="49" charset="0"/>
-              </a:rPr>
-              <a:t>(s, wt=0);</a:t>
+              <a:rPr lang="en-US" sz="2800" dirty="0"/>
+              <a:t>Need data structure to hold fringe-nodes</a:t>
+            </a:r>
+          </a:p>
+          <a:p>
+            <a:pPr lvl="1">
+              <a:lnSpc>
+                <a:spcPct val="90000"/>
+              </a:lnSpc>
+            </a:pPr>
+            <a:r>
+              <a:rPr lang="en-US" sz="2400" dirty="0"/>
+              <a:t>Priority queue, ordered by min-edge weight</a:t>
+            </a:r>
+          </a:p>
+          <a:p>
+            <a:pPr lvl="1">
+              <a:lnSpc>
+                <a:spcPct val="90000"/>
+              </a:lnSpc>
+            </a:pPr>
+            <a:r>
+              <a:rPr lang="en-US" sz="2400" dirty="0"/>
+              <a:t>May need to update priorities!</a:t>
             </a:r>
           </a:p>
           <a:p>
@@ -12045,330 +11982,15 @@
               <a:lnSpc>
                 <a:spcPct val="90000"/>
               </a:lnSpc>
-              <a:buFont typeface="Monotype Sorts" charset="2"/>
-              <a:buNone/>
             </a:pPr>
-            <a:r>
-              <a:rPr lang="en-US" sz="2000" b="1" dirty="0">
-                <a:latin typeface="Courier New" pitchFamily="49" charset="0"/>
-                <a:sym typeface="Symbol" pitchFamily="18" charset="2"/>
-              </a:rPr>
-              <a:t> parent[s] = NULL;</a:t>
-            </a:r>
-          </a:p>
-          <a:p>
-            <a:pPr>
-              <a:lnSpc>
-                <a:spcPct val="90000"/>
-              </a:lnSpc>
-              <a:buFont typeface="Monotype Sorts" charset="2"/>
-              <a:buNone/>
-            </a:pPr>
-            <a:r>
-              <a:rPr lang="en-US" sz="2000" b="1" dirty="0">
-                <a:latin typeface="Courier New" pitchFamily="49" charset="0"/>
-                <a:sym typeface="Symbol" pitchFamily="18" charset="2"/>
-              </a:rPr>
-              <a:t> while (PQ not empty)</a:t>
-            </a:r>
-          </a:p>
-          <a:p>
-            <a:pPr>
-              <a:lnSpc>
-                <a:spcPct val="90000"/>
-              </a:lnSpc>
-              <a:buFont typeface="Monotype Sorts" charset="2"/>
-              <a:buNone/>
-            </a:pPr>
-            <a:r>
-              <a:rPr lang="en-US" sz="2000" b="1" dirty="0">
-                <a:latin typeface="Courier New" pitchFamily="49" charset="0"/>
-                <a:sym typeface="Symbol" pitchFamily="18" charset="2"/>
-              </a:rPr>
-              <a:t>   v = </a:t>
-            </a:r>
-            <a:r>
-              <a:rPr lang="en-US" sz="2000" b="1" dirty="0" err="1">
-                <a:latin typeface="Courier New" pitchFamily="49" charset="0"/>
-                <a:sym typeface="Symbol" pitchFamily="18" charset="2"/>
-              </a:rPr>
-              <a:t>PQ.ExtractMin</a:t>
-            </a:r>
-            <a:r>
-              <a:rPr lang="en-US" sz="2000" b="1" dirty="0">
-                <a:latin typeface="Courier New" pitchFamily="49" charset="0"/>
-                <a:sym typeface="Symbol" pitchFamily="18" charset="2"/>
-              </a:rPr>
-              <a:t>();</a:t>
-            </a:r>
-          </a:p>
-          <a:p>
-            <a:pPr>
-              <a:lnSpc>
-                <a:spcPct val="90000"/>
-              </a:lnSpc>
-              <a:buFont typeface="Monotype Sorts" charset="2"/>
-              <a:buNone/>
-            </a:pPr>
-            <a:r>
-              <a:rPr lang="en-US" sz="2000" b="1" dirty="0">
-                <a:latin typeface="Courier New" pitchFamily="49" charset="0"/>
-                <a:sym typeface="Symbol" pitchFamily="18" charset="2"/>
-              </a:rPr>
-              <a:t>   for each w</a:t>
-            </a:r>
-            <a:r>
-              <a:rPr lang="en-US" sz="2000" b="1" dirty="0">
-                <a:latin typeface="Courier New" pitchFamily="49" charset="0"/>
-              </a:rPr>
-              <a:t> </a:t>
-            </a:r>
-            <a:r>
-              <a:rPr lang="en-US" sz="2000" b="1" dirty="0" err="1">
-                <a:latin typeface="Courier New" pitchFamily="49" charset="0"/>
-                <a:sym typeface="Symbol" pitchFamily="18" charset="2"/>
-              </a:rPr>
-              <a:t>adj</a:t>
-            </a:r>
-            <a:r>
-              <a:rPr lang="en-US" sz="2000" b="1" dirty="0">
-                <a:latin typeface="Courier New" pitchFamily="49" charset="0"/>
-                <a:sym typeface="Symbol" pitchFamily="18" charset="2"/>
-              </a:rPr>
-              <a:t> to v</a:t>
-            </a:r>
-          </a:p>
-          <a:p>
-            <a:pPr>
-              <a:lnSpc>
-                <a:spcPct val="90000"/>
-              </a:lnSpc>
-              <a:buFont typeface="Monotype Sorts" charset="2"/>
-              <a:buNone/>
-            </a:pPr>
-            <a:r>
-              <a:rPr lang="en-US" sz="2000" b="1" dirty="0">
-                <a:latin typeface="Courier New" pitchFamily="49" charset="0"/>
-                <a:sym typeface="Symbol" pitchFamily="18" charset="2"/>
-              </a:rPr>
-              <a:t>     if (w</a:t>
-            </a:r>
-            <a:r>
-              <a:rPr lang="en-US" sz="2000" b="1" dirty="0">
-                <a:latin typeface="Courier New" pitchFamily="49" charset="0"/>
-              </a:rPr>
-              <a:t> </a:t>
-            </a:r>
-            <a:r>
-              <a:rPr lang="en-US" sz="2000" b="1" dirty="0">
-                <a:latin typeface="Courier New" pitchFamily="49" charset="0"/>
-                <a:sym typeface="Symbol" pitchFamily="18" charset="2"/>
-              </a:rPr>
-              <a:t>is unseen) {</a:t>
-            </a:r>
-          </a:p>
-          <a:p>
-            <a:pPr>
-              <a:lnSpc>
-                <a:spcPct val="90000"/>
-              </a:lnSpc>
-              <a:buFont typeface="Monotype Sorts" charset="2"/>
-              <a:buNone/>
-            </a:pPr>
-            <a:r>
-              <a:rPr lang="en-US" sz="2000" b="1" dirty="0">
-                <a:latin typeface="Courier New" pitchFamily="49" charset="0"/>
-                <a:sym typeface="Symbol" pitchFamily="18" charset="2"/>
-              </a:rPr>
-              <a:t>        </a:t>
-            </a:r>
-            <a:r>
-              <a:rPr lang="en-US" sz="2000" b="1" dirty="0" err="1">
-                <a:latin typeface="Courier New" pitchFamily="49" charset="0"/>
-                <a:sym typeface="Symbol" pitchFamily="18" charset="2"/>
-              </a:rPr>
-              <a:t>PQ.Insert</a:t>
-            </a:r>
-            <a:r>
-              <a:rPr lang="en-US" sz="2000" b="1" dirty="0">
-                <a:latin typeface="Courier New" pitchFamily="49" charset="0"/>
-                <a:sym typeface="Symbol" pitchFamily="18" charset="2"/>
-              </a:rPr>
-              <a:t>(w, wt(</a:t>
-            </a:r>
-            <a:r>
-              <a:rPr lang="en-US" sz="2000" b="1" dirty="0" err="1">
-                <a:latin typeface="Courier New" pitchFamily="49" charset="0"/>
-                <a:sym typeface="Symbol" pitchFamily="18" charset="2"/>
-              </a:rPr>
-              <a:t>v,w</a:t>
-            </a:r>
-            <a:r>
-              <a:rPr lang="en-US" sz="2000" b="1" dirty="0">
-                <a:latin typeface="Courier New" pitchFamily="49" charset="0"/>
-                <a:sym typeface="Symbol" pitchFamily="18" charset="2"/>
-              </a:rPr>
-              <a:t>));</a:t>
-            </a:r>
-          </a:p>
-          <a:p>
-            <a:pPr>
-              <a:lnSpc>
-                <a:spcPct val="90000"/>
-              </a:lnSpc>
-              <a:buFont typeface="Monotype Sorts" charset="2"/>
-              <a:buNone/>
-            </a:pPr>
-            <a:r>
-              <a:rPr lang="en-US" sz="2000" b="1" dirty="0">
-                <a:latin typeface="Courier New" pitchFamily="49" charset="0"/>
-                <a:sym typeface="Symbol" pitchFamily="18" charset="2"/>
-              </a:rPr>
-              <a:t>        parent[w] = v;</a:t>
-            </a:r>
-          </a:p>
-          <a:p>
-            <a:pPr>
-              <a:lnSpc>
-                <a:spcPct val="90000"/>
-              </a:lnSpc>
-              <a:buFont typeface="Monotype Sorts" charset="2"/>
-              <a:buNone/>
-            </a:pPr>
-            <a:r>
-              <a:rPr lang="en-US" sz="2000" b="1" dirty="0">
-                <a:latin typeface="Courier New" pitchFamily="49" charset="0"/>
-                <a:sym typeface="Symbol" pitchFamily="18" charset="2"/>
-              </a:rPr>
-              <a:t>	   }</a:t>
-            </a:r>
-          </a:p>
-          <a:p>
-            <a:pPr>
-              <a:lnSpc>
-                <a:spcPct val="90000"/>
-              </a:lnSpc>
-              <a:buFont typeface="Monotype Sorts" charset="2"/>
-              <a:buNone/>
-            </a:pPr>
-            <a:r>
-              <a:rPr lang="en-US" sz="2000" b="1" dirty="0">
-                <a:latin typeface="Courier New" pitchFamily="49" charset="0"/>
-                <a:sym typeface="Symbol" pitchFamily="18" charset="2"/>
-              </a:rPr>
-              <a:t>     else if (w is fringe &amp;&amp; wt[</a:t>
-            </a:r>
-            <a:r>
-              <a:rPr lang="en-US" sz="2000" b="1" dirty="0" err="1">
-                <a:latin typeface="Courier New" pitchFamily="49" charset="0"/>
-                <a:sym typeface="Symbol" pitchFamily="18" charset="2"/>
-              </a:rPr>
-              <a:t>v,w</a:t>
-            </a:r>
-            <a:r>
-              <a:rPr lang="en-US" sz="2000" b="1" dirty="0">
-                <a:latin typeface="Courier New" pitchFamily="49" charset="0"/>
-                <a:sym typeface="Symbol" pitchFamily="18" charset="2"/>
-              </a:rPr>
-              <a:t>] &lt; </a:t>
-            </a:r>
-            <a:r>
-              <a:rPr lang="en-US" sz="2000" b="1" dirty="0" err="1">
-                <a:latin typeface="Courier New" pitchFamily="49" charset="0"/>
-                <a:sym typeface="Symbol" pitchFamily="18" charset="2"/>
-              </a:rPr>
-              <a:t>fringeWt</a:t>
-            </a:r>
-            <a:r>
-              <a:rPr lang="en-US" sz="2000" b="1" dirty="0">
-                <a:latin typeface="Courier New" pitchFamily="49" charset="0"/>
-                <a:sym typeface="Symbol" pitchFamily="18" charset="2"/>
-              </a:rPr>
-              <a:t>(w)){</a:t>
-            </a:r>
-          </a:p>
-          <a:p>
-            <a:pPr>
-              <a:lnSpc>
-                <a:spcPct val="90000"/>
-              </a:lnSpc>
-              <a:buFont typeface="Monotype Sorts" charset="2"/>
-              <a:buNone/>
-            </a:pPr>
-            <a:r>
-              <a:rPr lang="en-US" sz="2000" b="1" dirty="0">
-                <a:latin typeface="Courier New" pitchFamily="49" charset="0"/>
-                <a:sym typeface="Symbol" pitchFamily="18" charset="2"/>
-              </a:rPr>
-              <a:t>        </a:t>
-            </a:r>
-            <a:r>
-              <a:rPr lang="en-US" sz="2000" b="1" dirty="0" err="1">
-                <a:latin typeface="Courier New" pitchFamily="49" charset="0"/>
-                <a:sym typeface="Symbol" pitchFamily="18" charset="2"/>
-              </a:rPr>
-              <a:t>PQ.decreaseKey</a:t>
-            </a:r>
-            <a:r>
-              <a:rPr lang="en-US" sz="2000" b="1" dirty="0">
-                <a:latin typeface="Courier New" pitchFamily="49" charset="0"/>
-                <a:sym typeface="Symbol" pitchFamily="18" charset="2"/>
-              </a:rPr>
-              <a:t>(w, wt[</a:t>
-            </a:r>
-            <a:r>
-              <a:rPr lang="en-US" sz="2000" b="1" dirty="0" err="1">
-                <a:latin typeface="Courier New" pitchFamily="49" charset="0"/>
-                <a:sym typeface="Symbol" pitchFamily="18" charset="2"/>
-              </a:rPr>
-              <a:t>v,w</a:t>
-            </a:r>
-            <a:r>
-              <a:rPr lang="en-US" sz="2000" b="1" dirty="0">
-                <a:latin typeface="Courier New" pitchFamily="49" charset="0"/>
-                <a:sym typeface="Symbol" pitchFamily="18" charset="2"/>
-              </a:rPr>
-              <a:t>]);</a:t>
-            </a:r>
-          </a:p>
-          <a:p>
-            <a:pPr>
-              <a:lnSpc>
-                <a:spcPct val="90000"/>
-              </a:lnSpc>
-              <a:buFont typeface="Monotype Sorts" charset="2"/>
-              <a:buNone/>
-            </a:pPr>
-            <a:r>
-              <a:rPr lang="en-US" sz="2000" b="1" dirty="0">
-                <a:latin typeface="Courier New" pitchFamily="49" charset="0"/>
-                <a:sym typeface="Symbol" pitchFamily="18" charset="2"/>
-              </a:rPr>
-              <a:t>        parent[w] = v;</a:t>
-            </a:r>
-          </a:p>
-          <a:p>
-            <a:pPr>
-              <a:lnSpc>
-                <a:spcPct val="90000"/>
-              </a:lnSpc>
-              <a:buFont typeface="Monotype Sorts" charset="2"/>
-              <a:buNone/>
-            </a:pPr>
-            <a:r>
-              <a:rPr lang="en-US" sz="2000" b="1" dirty="0">
-                <a:latin typeface="Courier New" pitchFamily="49" charset="0"/>
-                <a:sym typeface="Symbol" pitchFamily="18" charset="2"/>
-              </a:rPr>
-              <a:t>     }</a:t>
-            </a:r>
+            <a:endParaRPr lang="en-US" sz="2800" dirty="0"/>
           </a:p>
         </p:txBody>
       </p:sp>
     </p:spTree>
     <p:extLst>
       <p:ext uri="{BB962C8B-B14F-4D97-AF65-F5344CB8AC3E}">
-        <p14:creationId xmlns:p14="http://schemas.microsoft.com/office/powerpoint/2010/main" val="2057633374"/>
+        <p14:creationId xmlns:p14="http://schemas.microsoft.com/office/powerpoint/2010/main" val="3903810571"/>
       </p:ext>
     </p:extLst>
   </p:cSld>
@@ -12397,7 +12019,7 @@
       </p:grpSpPr>
       <p:sp>
         <p:nvSpPr>
-          <p:cNvPr id="68611" name="Rectangle 2"/>
+          <p:cNvPr id="47107" name="Rectangle 2"/>
           <p:cNvSpPr>
             <a:spLocks noGrp="1" noChangeArrowheads="1"/>
           </p:cNvSpPr>
@@ -12414,8 +12036,8 @@
           <a:lstStyle/>
           <a:p>
             <a:r>
-              <a:rPr lang="en-US"/>
-              <a:t>Cost of Prim’s Algorithm</a:t>
+              <a:rPr lang="en-US" dirty="0"/>
+              <a:t>Prim’s Algorithm</a:t>
             </a:r>
           </a:p>
         </p:txBody>
@@ -12446,7 +12068,7 @@
       </p:sp>
       <p:sp>
         <p:nvSpPr>
-          <p:cNvPr id="68612" name="Rectangle 3"/>
+          <p:cNvPr id="47137" name="Rectangle 35"/>
           <p:cNvSpPr>
             <a:spLocks noGrp="1" noChangeArrowheads="1"/>
           </p:cNvSpPr>
@@ -12457,106 +12079,392 @@
             </p:custDataLst>
           </p:nvPr>
         </p:nvSpPr>
-        <p:spPr/>
-        <p:txBody>
-          <a:bodyPr/>
-          <a:lstStyle/>
-          <a:p>
-            <a:r>
-              <a:rPr lang="en-US" dirty="0"/>
-              <a:t>Looks VERY similar to Dijkstra’s doesn’t it!!</a:t>
-            </a:r>
-          </a:p>
-          <a:p>
-            <a:endParaRPr lang="en-US" dirty="0">
-              <a:sym typeface="Symbol" pitchFamily="18" charset="2"/>
-            </a:endParaRPr>
-          </a:p>
-          <a:p>
-            <a:r>
-              <a:rPr lang="en-US" dirty="0">
+        <p:spPr>
+          <a:noFill/>
+        </p:spPr>
+        <p:txBody>
+          <a:bodyPr>
+            <a:normAutofit fontScale="92500" lnSpcReduction="10000"/>
+          </a:bodyPr>
+          <a:lstStyle/>
+          <a:p>
+            <a:pPr>
+              <a:lnSpc>
+                <a:spcPct val="90000"/>
+              </a:lnSpc>
+              <a:buFont typeface="Monotype Sorts" charset="2"/>
+              <a:buNone/>
+            </a:pPr>
+            <a:r>
+              <a:rPr lang="en-US" sz="2000" b="1" dirty="0">
+                <a:latin typeface="Courier New" pitchFamily="49" charset="0"/>
+              </a:rPr>
+              <a:t>MST-Prim(G, wt)</a:t>
+            </a:r>
+          </a:p>
+          <a:p>
+            <a:pPr>
+              <a:lnSpc>
+                <a:spcPct val="90000"/>
+              </a:lnSpc>
+              <a:buFont typeface="Monotype Sorts" charset="2"/>
+              <a:buNone/>
+            </a:pPr>
+            <a:r>
+              <a:rPr lang="en-US" sz="2000" b="1" dirty="0">
+                <a:latin typeface="Courier New" pitchFamily="49" charset="0"/>
+              </a:rPr>
+              <a:t> init PQ to be empty;</a:t>
+            </a:r>
+          </a:p>
+          <a:p>
+            <a:pPr>
+              <a:lnSpc>
+                <a:spcPct val="90000"/>
+              </a:lnSpc>
+              <a:buFont typeface="Monotype Sorts" charset="2"/>
+              <a:buNone/>
+            </a:pPr>
+            <a:r>
+              <a:rPr lang="en-US" sz="2000" b="1" dirty="0">
+                <a:latin typeface="Courier New" pitchFamily="49" charset="0"/>
+              </a:rPr>
+              <a:t> </a:t>
+            </a:r>
+            <a:r>
+              <a:rPr lang="en-US" sz="2000" b="1" dirty="0" err="1">
+                <a:latin typeface="Courier New" pitchFamily="49" charset="0"/>
+              </a:rPr>
+              <a:t>PQ.Insert</a:t>
+            </a:r>
+            <a:r>
+              <a:rPr lang="en-US" sz="2000" b="1" dirty="0">
+                <a:latin typeface="Courier New" pitchFamily="49" charset="0"/>
+              </a:rPr>
+              <a:t>(s, wt=0);</a:t>
+            </a:r>
+          </a:p>
+          <a:p>
+            <a:pPr>
+              <a:lnSpc>
+                <a:spcPct val="90000"/>
+              </a:lnSpc>
+              <a:buFont typeface="Monotype Sorts" charset="2"/>
+              <a:buNone/>
+            </a:pPr>
+            <a:r>
+              <a:rPr lang="en-US" sz="2000" b="1" dirty="0">
+                <a:latin typeface="Courier New" pitchFamily="49" charset="0"/>
                 <a:sym typeface="Symbol" pitchFamily="18" charset="2"/>
               </a:rPr>
-              <a:t>Outer loop extracts from PQ total of V times</a:t>
-            </a:r>
-          </a:p>
-          <a:p>
-            <a:pPr lvl="1"/>
-            <a:r>
-              <a:rPr lang="en-US" dirty="0">
+              <a:t> parent[s] = NULL;</a:t>
+            </a:r>
+          </a:p>
+          <a:p>
+            <a:pPr>
+              <a:lnSpc>
+                <a:spcPct val="90000"/>
+              </a:lnSpc>
+              <a:buFont typeface="Monotype Sorts" charset="2"/>
+              <a:buNone/>
+            </a:pPr>
+            <a:r>
+              <a:rPr lang="en-US" sz="2000" b="1" dirty="0">
+                <a:latin typeface="Courier New" pitchFamily="49" charset="0"/>
                 <a:sym typeface="Symbol" pitchFamily="18" charset="2"/>
               </a:rPr>
-              <a:t>O(V*log(V))</a:t>
-            </a:r>
-          </a:p>
-          <a:p>
-            <a:pPr lvl="1"/>
-            <a:endParaRPr lang="en-US" dirty="0">
-              <a:sym typeface="Symbol" pitchFamily="18" charset="2"/>
-            </a:endParaRPr>
-          </a:p>
-          <a:p>
-            <a:r>
-              <a:rPr lang="en-US" dirty="0">
+              <a:t> while (PQ not empty)</a:t>
+            </a:r>
+          </a:p>
+          <a:p>
+            <a:pPr>
+              <a:lnSpc>
+                <a:spcPct val="90000"/>
+              </a:lnSpc>
+              <a:buFont typeface="Monotype Sorts" charset="2"/>
+              <a:buNone/>
+            </a:pPr>
+            <a:r>
+              <a:rPr lang="en-US" sz="2000" b="1" dirty="0">
+                <a:latin typeface="Courier New" pitchFamily="49" charset="0"/>
                 <a:sym typeface="Symbol" pitchFamily="18" charset="2"/>
               </a:rPr>
-              <a:t>Inner loop runs E times total, but calls </a:t>
-            </a:r>
-            <a:r>
-              <a:rPr lang="en-US" dirty="0" err="1">
+              <a:t>   v = </a:t>
+            </a:r>
+            <a:r>
+              <a:rPr lang="en-US" sz="2000" b="1" dirty="0" err="1">
+                <a:latin typeface="Courier New" pitchFamily="49" charset="0"/>
                 <a:sym typeface="Symbol" pitchFamily="18" charset="2"/>
               </a:rPr>
-              <a:t>decreaseKey</a:t>
-            </a:r>
-            <a:r>
-              <a:rPr lang="en-US" dirty="0">
+              <a:t>PQ.ExtractMin</a:t>
+            </a:r>
+            <a:r>
+              <a:rPr lang="en-US" sz="2000" b="1" dirty="0">
+                <a:latin typeface="Courier New" pitchFamily="49" charset="0"/>
                 <a:sym typeface="Symbol" pitchFamily="18" charset="2"/>
               </a:rPr>
-              <a:t>()</a:t>
-            </a:r>
-          </a:p>
-          <a:p>
-            <a:pPr lvl="1"/>
-            <a:r>
-              <a:rPr lang="en-US" dirty="0">
+              <a:t>();</a:t>
+            </a:r>
+          </a:p>
+          <a:p>
+            <a:pPr>
+              <a:lnSpc>
+                <a:spcPct val="90000"/>
+              </a:lnSpc>
+              <a:buFont typeface="Monotype Sorts" charset="2"/>
+              <a:buNone/>
+            </a:pPr>
+            <a:r>
+              <a:rPr lang="en-US" sz="2000" b="1" dirty="0">
+                <a:latin typeface="Courier New" pitchFamily="49" charset="0"/>
                 <a:sym typeface="Symbol" pitchFamily="18" charset="2"/>
               </a:rPr>
-              <a:t>If </a:t>
-            </a:r>
-            <a:r>
-              <a:rPr lang="en-US" dirty="0" err="1">
+              <a:t>   for each w</a:t>
+            </a:r>
+            <a:r>
+              <a:rPr lang="en-US" sz="2000" b="1" dirty="0">
+                <a:latin typeface="Courier New" pitchFamily="49" charset="0"/>
+              </a:rPr>
+              <a:t> </a:t>
+            </a:r>
+            <a:r>
+              <a:rPr lang="en-US" sz="2000" b="1" dirty="0" err="1">
+                <a:latin typeface="Courier New" pitchFamily="49" charset="0"/>
                 <a:sym typeface="Symbol" pitchFamily="18" charset="2"/>
               </a:rPr>
-              <a:t>decreaseKey</a:t>
-            </a:r>
-            <a:r>
-              <a:rPr lang="en-US" dirty="0">
+              <a:t>adj</a:t>
+            </a:r>
+            <a:r>
+              <a:rPr lang="en-US" sz="2000" b="1" dirty="0">
+                <a:latin typeface="Courier New" pitchFamily="49" charset="0"/>
                 <a:sym typeface="Symbol" pitchFamily="18" charset="2"/>
               </a:rPr>
-              <a:t>() is naïve and linear (V), then</a:t>
-            </a:r>
-          </a:p>
-          <a:p>
-            <a:pPr lvl="1"/>
-            <a:r>
-              <a:rPr lang="en-US" dirty="0">
+              <a:t> to v</a:t>
+            </a:r>
+          </a:p>
+          <a:p>
+            <a:pPr>
+              <a:lnSpc>
+                <a:spcPct val="90000"/>
+              </a:lnSpc>
+              <a:buFont typeface="Monotype Sorts" charset="2"/>
+              <a:buNone/>
+            </a:pPr>
+            <a:r>
+              <a:rPr lang="en-US" sz="2000" b="1" dirty="0">
+                <a:latin typeface="Courier New" pitchFamily="49" charset="0"/>
                 <a:sym typeface="Symbol" pitchFamily="18" charset="2"/>
               </a:rPr>
-              <a:t>O(E*V)</a:t>
-            </a:r>
-          </a:p>
-          <a:p>
-            <a:pPr lvl="1"/>
-            <a:endParaRPr lang="en-US" dirty="0">
-              <a:sym typeface="Symbol" pitchFamily="18" charset="2"/>
-            </a:endParaRPr>
-          </a:p>
-          <a:p>
-            <a:r>
-              <a:rPr lang="en-US" dirty="0">
+              <a:t>     if (w</a:t>
+            </a:r>
+            <a:r>
+              <a:rPr lang="en-US" sz="2000" b="1" dirty="0">
+                <a:latin typeface="Courier New" pitchFamily="49" charset="0"/>
+              </a:rPr>
+              <a:t> </a:t>
+            </a:r>
+            <a:r>
+              <a:rPr lang="en-US" sz="2000" b="1" dirty="0">
+                <a:latin typeface="Courier New" pitchFamily="49" charset="0"/>
                 <a:sym typeface="Symbol" pitchFamily="18" charset="2"/>
               </a:rPr>
-              <a:t>Total: O(V*log(V) + E*V)</a:t>
+              <a:t>is unseen) {</a:t>
+            </a:r>
+          </a:p>
+          <a:p>
+            <a:pPr>
+              <a:lnSpc>
+                <a:spcPct val="90000"/>
+              </a:lnSpc>
+              <a:buFont typeface="Monotype Sorts" charset="2"/>
+              <a:buNone/>
+            </a:pPr>
+            <a:r>
+              <a:rPr lang="en-US" sz="2000" b="1" dirty="0">
+                <a:latin typeface="Courier New" pitchFamily="49" charset="0"/>
+                <a:sym typeface="Symbol" pitchFamily="18" charset="2"/>
+              </a:rPr>
+              <a:t>        </a:t>
+            </a:r>
+            <a:r>
+              <a:rPr lang="en-US" sz="2000" b="1" dirty="0" err="1">
+                <a:latin typeface="Courier New" pitchFamily="49" charset="0"/>
+                <a:sym typeface="Symbol" pitchFamily="18" charset="2"/>
+              </a:rPr>
+              <a:t>PQ.Insert</a:t>
+            </a:r>
+            <a:r>
+              <a:rPr lang="en-US" sz="2000" b="1" dirty="0">
+                <a:latin typeface="Courier New" pitchFamily="49" charset="0"/>
+                <a:sym typeface="Symbol" pitchFamily="18" charset="2"/>
+              </a:rPr>
+              <a:t>(w, wt(</a:t>
+            </a:r>
+            <a:r>
+              <a:rPr lang="en-US" sz="2000" b="1" dirty="0" err="1">
+                <a:latin typeface="Courier New" pitchFamily="49" charset="0"/>
+                <a:sym typeface="Symbol" pitchFamily="18" charset="2"/>
+              </a:rPr>
+              <a:t>v,w</a:t>
+            </a:r>
+            <a:r>
+              <a:rPr lang="en-US" sz="2000" b="1" dirty="0">
+                <a:latin typeface="Courier New" pitchFamily="49" charset="0"/>
+                <a:sym typeface="Symbol" pitchFamily="18" charset="2"/>
+              </a:rPr>
+              <a:t>));</a:t>
+            </a:r>
+          </a:p>
+          <a:p>
+            <a:pPr>
+              <a:lnSpc>
+                <a:spcPct val="90000"/>
+              </a:lnSpc>
+              <a:buFont typeface="Monotype Sorts" charset="2"/>
+              <a:buNone/>
+            </a:pPr>
+            <a:r>
+              <a:rPr lang="en-US" sz="2000" b="1" dirty="0">
+                <a:latin typeface="Courier New" pitchFamily="49" charset="0"/>
+                <a:sym typeface="Symbol" pitchFamily="18" charset="2"/>
+              </a:rPr>
+              <a:t>        parent[w] = v;</a:t>
+            </a:r>
+          </a:p>
+          <a:p>
+            <a:pPr>
+              <a:lnSpc>
+                <a:spcPct val="90000"/>
+              </a:lnSpc>
+              <a:buFont typeface="Monotype Sorts" charset="2"/>
+              <a:buNone/>
+            </a:pPr>
+            <a:r>
+              <a:rPr lang="en-US" sz="2000" b="1" dirty="0">
+                <a:latin typeface="Courier New" pitchFamily="49" charset="0"/>
+                <a:sym typeface="Symbol" pitchFamily="18" charset="2"/>
+              </a:rPr>
+              <a:t>	   }</a:t>
+            </a:r>
+          </a:p>
+          <a:p>
+            <a:pPr>
+              <a:lnSpc>
+                <a:spcPct val="90000"/>
+              </a:lnSpc>
+              <a:buFont typeface="Monotype Sorts" charset="2"/>
+              <a:buNone/>
+            </a:pPr>
+            <a:r>
+              <a:rPr lang="en-US" sz="2000" b="1" dirty="0">
+                <a:latin typeface="Courier New" pitchFamily="49" charset="0"/>
+                <a:sym typeface="Symbol" pitchFamily="18" charset="2"/>
+              </a:rPr>
+              <a:t>     else if (w is fringe &amp;&amp; wt[</a:t>
+            </a:r>
+            <a:r>
+              <a:rPr lang="en-US" sz="2000" b="1" dirty="0" err="1">
+                <a:latin typeface="Courier New" pitchFamily="49" charset="0"/>
+                <a:sym typeface="Symbol" pitchFamily="18" charset="2"/>
+              </a:rPr>
+              <a:t>v,w</a:t>
+            </a:r>
+            <a:r>
+              <a:rPr lang="en-US" sz="2000" b="1" dirty="0">
+                <a:latin typeface="Courier New" pitchFamily="49" charset="0"/>
+                <a:sym typeface="Symbol" pitchFamily="18" charset="2"/>
+              </a:rPr>
+              <a:t>] &lt; </a:t>
+            </a:r>
+            <a:r>
+              <a:rPr lang="en-US" sz="2000" b="1" dirty="0" err="1">
+                <a:latin typeface="Courier New" pitchFamily="49" charset="0"/>
+                <a:sym typeface="Symbol" pitchFamily="18" charset="2"/>
+              </a:rPr>
+              <a:t>fringeWt</a:t>
+            </a:r>
+            <a:r>
+              <a:rPr lang="en-US" sz="2000" b="1" dirty="0">
+                <a:latin typeface="Courier New" pitchFamily="49" charset="0"/>
+                <a:sym typeface="Symbol" pitchFamily="18" charset="2"/>
+              </a:rPr>
+              <a:t>(w)){</a:t>
+            </a:r>
+          </a:p>
+          <a:p>
+            <a:pPr>
+              <a:lnSpc>
+                <a:spcPct val="90000"/>
+              </a:lnSpc>
+              <a:buFont typeface="Monotype Sorts" charset="2"/>
+              <a:buNone/>
+            </a:pPr>
+            <a:r>
+              <a:rPr lang="en-US" sz="2000" b="1" dirty="0">
+                <a:latin typeface="Courier New" pitchFamily="49" charset="0"/>
+                <a:sym typeface="Symbol" pitchFamily="18" charset="2"/>
+              </a:rPr>
+              <a:t>        </a:t>
+            </a:r>
+            <a:r>
+              <a:rPr lang="en-US" sz="2000" b="1" dirty="0" err="1">
+                <a:latin typeface="Courier New" pitchFamily="49" charset="0"/>
+                <a:sym typeface="Symbol" pitchFamily="18" charset="2"/>
+              </a:rPr>
+              <a:t>PQ.decreaseKey</a:t>
+            </a:r>
+            <a:r>
+              <a:rPr lang="en-US" sz="2000" b="1" dirty="0">
+                <a:latin typeface="Courier New" pitchFamily="49" charset="0"/>
+                <a:sym typeface="Symbol" pitchFamily="18" charset="2"/>
+              </a:rPr>
+              <a:t>(w, wt[</a:t>
+            </a:r>
+            <a:r>
+              <a:rPr lang="en-US" sz="2000" b="1" dirty="0" err="1">
+                <a:latin typeface="Courier New" pitchFamily="49" charset="0"/>
+                <a:sym typeface="Symbol" pitchFamily="18" charset="2"/>
+              </a:rPr>
+              <a:t>v,w</a:t>
+            </a:r>
+            <a:r>
+              <a:rPr lang="en-US" sz="2000" b="1" dirty="0">
+                <a:latin typeface="Courier New" pitchFamily="49" charset="0"/>
+                <a:sym typeface="Symbol" pitchFamily="18" charset="2"/>
+              </a:rPr>
+              <a:t>]);</a:t>
+            </a:r>
+          </a:p>
+          <a:p>
+            <a:pPr>
+              <a:lnSpc>
+                <a:spcPct val="90000"/>
+              </a:lnSpc>
+              <a:buFont typeface="Monotype Sorts" charset="2"/>
+              <a:buNone/>
+            </a:pPr>
+            <a:r>
+              <a:rPr lang="en-US" sz="2000" b="1" dirty="0">
+                <a:latin typeface="Courier New" pitchFamily="49" charset="0"/>
+                <a:sym typeface="Symbol" pitchFamily="18" charset="2"/>
+              </a:rPr>
+              <a:t>        parent[w] = v;</a:t>
+            </a:r>
+          </a:p>
+          <a:p>
+            <a:pPr>
+              <a:lnSpc>
+                <a:spcPct val="90000"/>
+              </a:lnSpc>
+              <a:buFont typeface="Monotype Sorts" charset="2"/>
+              <a:buNone/>
+            </a:pPr>
+            <a:r>
+              <a:rPr lang="en-US" sz="2000" b="1" dirty="0">
+                <a:latin typeface="Courier New" pitchFamily="49" charset="0"/>
+                <a:sym typeface="Symbol" pitchFamily="18" charset="2"/>
+              </a:rPr>
+              <a:t>     }</a:t>
             </a:r>
           </a:p>
         </p:txBody>
@@ -12564,7 +12472,7 @@
     </p:spTree>
     <p:extLst>
       <p:ext uri="{BB962C8B-B14F-4D97-AF65-F5344CB8AC3E}">
-        <p14:creationId xmlns:p14="http://schemas.microsoft.com/office/powerpoint/2010/main" val="2104563060"/>
+        <p14:creationId xmlns:p14="http://schemas.microsoft.com/office/powerpoint/2010/main" val="2057633374"/>
       </p:ext>
     </p:extLst>
   </p:cSld>
@@ -12593,12 +12501,15 @@
       </p:grpSpPr>
       <p:sp>
         <p:nvSpPr>
-          <p:cNvPr id="5" name="Title 4"/>
+          <p:cNvPr id="68611" name="Rectangle 2"/>
           <p:cNvSpPr>
-            <a:spLocks noGrp="1"/>
+            <a:spLocks noGrp="1" noChangeArrowheads="1"/>
           </p:cNvSpPr>
           <p:nvPr>
             <p:ph type="title"/>
+            <p:custDataLst>
+              <p:tags r:id="rId1"/>
+            </p:custDataLst>
           </p:nvPr>
         </p:nvSpPr>
         <p:spPr/>
@@ -12607,28 +12518,9 @@
           <a:lstStyle/>
           <a:p>
             <a:r>
-              <a:rPr lang="en-US" dirty="0"/>
-              <a:t>Indirect Heaps</a:t>
-            </a:r>
-          </a:p>
-        </p:txBody>
-      </p:sp>
-      <p:sp>
-        <p:nvSpPr>
-          <p:cNvPr id="6" name="Text Placeholder 5"/>
-          <p:cNvSpPr>
-            <a:spLocks noGrp="1"/>
-          </p:cNvSpPr>
-          <p:nvPr>
-            <p:ph type="body" idx="1"/>
-          </p:nvPr>
-        </p:nvSpPr>
-        <p:spPr/>
-        <p:txBody>
-          <a:bodyPr/>
-          <a:lstStyle/>
-          <a:p>
-            <a:endParaRPr lang="en-US"/>
+              <a:rPr lang="en-US"/>
+              <a:t>Cost of Prim’s Algorithm</a:t>
+            </a:r>
           </a:p>
         </p:txBody>
       </p:sp>
@@ -12647,7 +12539,7 @@
           <a:bodyPr/>
           <a:lstStyle/>
           <a:p>
-            <a:fld id="{030EE116-056E-4288-B7F7-411CB7E437A9}" type="slidenum">
+            <a:fld id="{DACC1BBE-66B1-403A-8C7E-C57A0F3A107F}" type="slidenum">
               <a:rPr lang="en-US" smtClean="0"/>
               <a:pPr/>
               <a:t>22</a:t>
@@ -12656,10 +12548,127 @@
           </a:p>
         </p:txBody>
       </p:sp>
+      <p:sp>
+        <p:nvSpPr>
+          <p:cNvPr id="68612" name="Rectangle 3"/>
+          <p:cNvSpPr>
+            <a:spLocks noGrp="1" noChangeArrowheads="1"/>
+          </p:cNvSpPr>
+          <p:nvPr>
+            <p:ph sz="quarter" idx="1"/>
+            <p:custDataLst>
+              <p:tags r:id="rId2"/>
+            </p:custDataLst>
+          </p:nvPr>
+        </p:nvSpPr>
+        <p:spPr/>
+        <p:txBody>
+          <a:bodyPr/>
+          <a:lstStyle/>
+          <a:p>
+            <a:r>
+              <a:rPr lang="en-US" dirty="0"/>
+              <a:t>Looks VERY similar to Dijkstra’s doesn’t it!!</a:t>
+            </a:r>
+          </a:p>
+          <a:p>
+            <a:endParaRPr lang="en-US" dirty="0">
+              <a:sym typeface="Symbol" pitchFamily="18" charset="2"/>
+            </a:endParaRPr>
+          </a:p>
+          <a:p>
+            <a:r>
+              <a:rPr lang="en-US" dirty="0">
+                <a:sym typeface="Symbol" pitchFamily="18" charset="2"/>
+              </a:rPr>
+              <a:t>Outer loop extracts from PQ total of V times</a:t>
+            </a:r>
+          </a:p>
+          <a:p>
+            <a:pPr lvl="1"/>
+            <a:r>
+              <a:rPr lang="en-US" dirty="0">
+                <a:sym typeface="Symbol" pitchFamily="18" charset="2"/>
+              </a:rPr>
+              <a:t>O(V*log(V))</a:t>
+            </a:r>
+          </a:p>
+          <a:p>
+            <a:pPr lvl="1"/>
+            <a:endParaRPr lang="en-US" dirty="0">
+              <a:sym typeface="Symbol" pitchFamily="18" charset="2"/>
+            </a:endParaRPr>
+          </a:p>
+          <a:p>
+            <a:r>
+              <a:rPr lang="en-US" dirty="0">
+                <a:sym typeface="Symbol" pitchFamily="18" charset="2"/>
+              </a:rPr>
+              <a:t>Inner loop runs E times total, but calls </a:t>
+            </a:r>
+            <a:r>
+              <a:rPr lang="en-US" dirty="0" err="1">
+                <a:sym typeface="Symbol" pitchFamily="18" charset="2"/>
+              </a:rPr>
+              <a:t>decreaseKey</a:t>
+            </a:r>
+            <a:r>
+              <a:rPr lang="en-US" dirty="0">
+                <a:sym typeface="Symbol" pitchFamily="18" charset="2"/>
+              </a:rPr>
+              <a:t>()</a:t>
+            </a:r>
+          </a:p>
+          <a:p>
+            <a:pPr lvl="1"/>
+            <a:r>
+              <a:rPr lang="en-US" dirty="0">
+                <a:sym typeface="Symbol" pitchFamily="18" charset="2"/>
+              </a:rPr>
+              <a:t>If </a:t>
+            </a:r>
+            <a:r>
+              <a:rPr lang="en-US" dirty="0" err="1">
+                <a:sym typeface="Symbol" pitchFamily="18" charset="2"/>
+              </a:rPr>
+              <a:t>decreaseKey</a:t>
+            </a:r>
+            <a:r>
+              <a:rPr lang="en-US" dirty="0">
+                <a:sym typeface="Symbol" pitchFamily="18" charset="2"/>
+              </a:rPr>
+              <a:t>() is naïve and linear (V), then</a:t>
+            </a:r>
+          </a:p>
+          <a:p>
+            <a:pPr lvl="1"/>
+            <a:r>
+              <a:rPr lang="en-US" dirty="0">
+                <a:sym typeface="Symbol" pitchFamily="18" charset="2"/>
+              </a:rPr>
+              <a:t>O(E*V)</a:t>
+            </a:r>
+          </a:p>
+          <a:p>
+            <a:pPr lvl="1"/>
+            <a:endParaRPr lang="en-US" dirty="0">
+              <a:sym typeface="Symbol" pitchFamily="18" charset="2"/>
+            </a:endParaRPr>
+          </a:p>
+          <a:p>
+            <a:r>
+              <a:rPr lang="en-US" dirty="0">
+                <a:sym typeface="Symbol" pitchFamily="18" charset="2"/>
+              </a:rPr>
+              <a:t>Total: O(V*log(V) + E*V)</a:t>
+            </a:r>
+          </a:p>
+        </p:txBody>
+      </p:sp>
     </p:spTree>
     <p:extLst>
       <p:ext uri="{BB962C8B-B14F-4D97-AF65-F5344CB8AC3E}">
-        <p14:creationId xmlns:p14="http://schemas.microsoft.com/office/powerpoint/2010/main" val="2264018838"/>
+        <p14:creationId xmlns:p14="http://schemas.microsoft.com/office/powerpoint/2010/main" val="2104563060"/>
       </p:ext>
     </p:extLst>
   </p:cSld>
@@ -12688,15 +12697,12 @@
       </p:grpSpPr>
       <p:sp>
         <p:nvSpPr>
-          <p:cNvPr id="72707" name="Rectangle 2"/>
+          <p:cNvPr id="5" name="Title 4"/>
           <p:cNvSpPr>
-            <a:spLocks noGrp="1" noChangeArrowheads="1"/>
+            <a:spLocks noGrp="1"/>
           </p:cNvSpPr>
           <p:nvPr>
             <p:ph type="title"/>
-            <p:custDataLst>
-              <p:tags r:id="rId1"/>
-            </p:custDataLst>
           </p:nvPr>
         </p:nvSpPr>
         <p:spPr/>
@@ -12705,11 +12711,28 @@
           <a:lstStyle/>
           <a:p>
             <a:r>
-              <a:rPr lang="en-US" dirty="0">
-                <a:sym typeface="Symbol" pitchFamily="18" charset="2"/>
-              </a:rPr>
-              <a:t>Compare</a:t>
-            </a:r>
+              <a:rPr lang="en-US" dirty="0"/>
+              <a:t>Indirect Heaps</a:t>
+            </a:r>
+          </a:p>
+        </p:txBody>
+      </p:sp>
+      <p:sp>
+        <p:nvSpPr>
+          <p:cNvPr id="6" name="Text Placeholder 5"/>
+          <p:cNvSpPr>
+            <a:spLocks noGrp="1"/>
+          </p:cNvSpPr>
+          <p:nvPr>
+            <p:ph type="body" idx="1"/>
+          </p:nvPr>
+        </p:nvSpPr>
+        <p:spPr/>
+        <p:txBody>
+          <a:bodyPr/>
+          <a:lstStyle/>
+          <a:p>
+            <a:endParaRPr lang="en-US"/>
           </a:p>
         </p:txBody>
       </p:sp>
@@ -12728,7 +12751,7 @@
           <a:bodyPr/>
           <a:lstStyle/>
           <a:p>
-            <a:fld id="{DACC1BBE-66B1-403A-8C7E-C57A0F3A107F}" type="slidenum">
+            <a:fld id="{030EE116-056E-4288-B7F7-411CB7E437A9}" type="slidenum">
               <a:rPr lang="en-US" smtClean="0"/>
               <a:pPr/>
               <a:t>23</a:t>
@@ -12737,62 +12760,10 @@
           </a:p>
         </p:txBody>
       </p:sp>
-      <p:sp>
-        <p:nvSpPr>
-          <p:cNvPr id="72708" name="Rectangle 3"/>
-          <p:cNvSpPr>
-            <a:spLocks noGrp="1" noChangeArrowheads="1"/>
-          </p:cNvSpPr>
-          <p:nvPr>
-            <p:ph sz="quarter" idx="1"/>
-            <p:custDataLst>
-              <p:tags r:id="rId2"/>
-            </p:custDataLst>
-          </p:nvPr>
-        </p:nvSpPr>
-        <p:spPr/>
-        <p:txBody>
-          <a:bodyPr/>
-          <a:lstStyle/>
-          <a:p>
-            <a:r>
-              <a:rPr lang="en-US" dirty="0"/>
-              <a:t>Both Dijkstra and Prim have same structure, and suffer from a naïve, slow implementation of </a:t>
-            </a:r>
-            <a:r>
-              <a:rPr lang="en-US" dirty="0" err="1"/>
-              <a:t>decreaseKey</a:t>
-            </a:r>
-            <a:r>
-              <a:rPr lang="en-US" dirty="0"/>
-              <a:t>()</a:t>
-            </a:r>
-          </a:p>
-          <a:p>
-            <a:endParaRPr lang="en-US" dirty="0">
-              <a:sym typeface="Symbol" pitchFamily="18" charset="2"/>
-            </a:endParaRPr>
-          </a:p>
-          <a:p>
-            <a:r>
-              <a:rPr lang="en-US" dirty="0">
-                <a:sym typeface="Symbol" pitchFamily="18" charset="2"/>
-              </a:rPr>
-              <a:t>Let’s compare the code real fast, and then introduce the </a:t>
-            </a:r>
-            <a:r>
-              <a:rPr lang="en-US" b="1" i="1" dirty="0">
-                <a:sym typeface="Symbol" pitchFamily="18" charset="2"/>
-              </a:rPr>
-              <a:t>Indirect Heap</a:t>
-            </a:r>
-          </a:p>
-        </p:txBody>
-      </p:sp>
     </p:spTree>
     <p:extLst>
       <p:ext uri="{BB962C8B-B14F-4D97-AF65-F5344CB8AC3E}">
-        <p14:creationId xmlns:p14="http://schemas.microsoft.com/office/powerpoint/2010/main" val="2920895330"/>
+        <p14:creationId xmlns:p14="http://schemas.microsoft.com/office/powerpoint/2010/main" val="2264018838"/>
       </p:ext>
     </p:extLst>
   </p:cSld>
@@ -12821,7 +12792,7 @@
       </p:grpSpPr>
       <p:sp>
         <p:nvSpPr>
-          <p:cNvPr id="86020" name="Rectangle 3"/>
+          <p:cNvPr id="72707" name="Rectangle 2"/>
           <p:cNvSpPr>
             <a:spLocks noGrp="1" noChangeArrowheads="1"/>
           </p:cNvSpPr>
@@ -12838,8 +12809,10 @@
           <a:lstStyle/>
           <a:p>
             <a:r>
-              <a:rPr lang="en-US"/>
-              <a:t>Dijkstra' Algorithm</a:t>
+              <a:rPr lang="en-US" dirty="0">
+                <a:sym typeface="Symbol" pitchFamily="18" charset="2"/>
+              </a:rPr>
+              <a:t>Compare</a:t>
             </a:r>
           </a:p>
         </p:txBody>
@@ -12870,7 +12843,7 @@
       </p:sp>
       <p:sp>
         <p:nvSpPr>
-          <p:cNvPr id="86019" name="Rectangle 2"/>
+          <p:cNvPr id="72708" name="Rectangle 3"/>
           <p:cNvSpPr>
             <a:spLocks noGrp="1" noChangeArrowheads="1"/>
           </p:cNvSpPr>
@@ -12881,607 +12854,41 @@
             </p:custDataLst>
           </p:nvPr>
         </p:nvSpPr>
-        <p:spPr>
-          <a:xfrm>
-            <a:off x="1981200" y="1219200"/>
-            <a:ext cx="8229600" cy="5334000"/>
-          </a:xfrm>
-        </p:spPr>
-        <p:txBody>
-          <a:bodyPr>
-            <a:noAutofit/>
-          </a:bodyPr>
-          <a:lstStyle/>
-          <a:p>
-            <a:pPr>
-              <a:lnSpc>
-                <a:spcPct val="80000"/>
-              </a:lnSpc>
-              <a:buFont typeface="Monotype Sorts" charset="2"/>
-              <a:buNone/>
-            </a:pPr>
-            <a:r>
-              <a:rPr lang="en-US" sz="2000" b="1" dirty="0" err="1">
-                <a:latin typeface="Courier New" pitchFamily="49" charset="0"/>
-              </a:rPr>
-              <a:t>dijkstra</a:t>
-            </a:r>
-            <a:r>
-              <a:rPr lang="en-US" sz="2000" b="1" dirty="0">
-                <a:latin typeface="Courier New" pitchFamily="49" charset="0"/>
-              </a:rPr>
-              <a:t>(G, wt,</a:t>
-            </a:r>
-            <a:r>
-              <a:rPr lang="en-US" sz="2000" b="1" dirty="0">
-                <a:solidFill>
-                  <a:schemeClr val="accent1"/>
-                </a:solidFill>
-                <a:latin typeface="Courier New" pitchFamily="49" charset="0"/>
-              </a:rPr>
-              <a:t> s</a:t>
-            </a:r>
-            <a:r>
-              <a:rPr lang="en-US" sz="2000" b="1" dirty="0">
-                <a:latin typeface="Courier New" pitchFamily="49" charset="0"/>
-              </a:rPr>
-              <a:t>)</a:t>
-            </a:r>
-          </a:p>
-          <a:p>
-            <a:pPr>
-              <a:lnSpc>
-                <a:spcPct val="80000"/>
-              </a:lnSpc>
-              <a:buFont typeface="Monotype Sorts" charset="2"/>
-              <a:buNone/>
-            </a:pPr>
-            <a:r>
-              <a:rPr lang="en-US" sz="2000" b="1" dirty="0">
-                <a:latin typeface="Courier New" pitchFamily="49" charset="0"/>
-              </a:rPr>
-              <a:t> init PQ to be empty;</a:t>
-            </a:r>
-          </a:p>
-          <a:p>
-            <a:pPr>
-              <a:lnSpc>
-                <a:spcPct val="80000"/>
-              </a:lnSpc>
-              <a:buFont typeface="Monotype Sorts" charset="2"/>
-              <a:buNone/>
-            </a:pPr>
-            <a:r>
-              <a:rPr lang="en-US" sz="2000" b="1" dirty="0">
-                <a:latin typeface="Courier New" pitchFamily="49" charset="0"/>
-              </a:rPr>
-              <a:t> </a:t>
-            </a:r>
-            <a:r>
-              <a:rPr lang="en-US" sz="2000" b="1" dirty="0" err="1">
-                <a:latin typeface="Courier New" pitchFamily="49" charset="0"/>
-              </a:rPr>
-              <a:t>PQ.Insert</a:t>
-            </a:r>
-            <a:r>
-              <a:rPr lang="en-US" sz="2000" b="1" dirty="0">
-                <a:latin typeface="Courier New" pitchFamily="49" charset="0"/>
-              </a:rPr>
-              <a:t>(s, </a:t>
-            </a:r>
-            <a:r>
-              <a:rPr lang="en-US" sz="2000" b="1" dirty="0">
-                <a:solidFill>
-                  <a:schemeClr val="accent1"/>
-                </a:solidFill>
-                <a:latin typeface="Courier New" pitchFamily="49" charset="0"/>
-              </a:rPr>
-              <a:t>dist=0</a:t>
-            </a:r>
-            <a:r>
-              <a:rPr lang="en-US" sz="2000" b="1" dirty="0">
-                <a:latin typeface="Courier New" pitchFamily="49" charset="0"/>
-              </a:rPr>
-              <a:t>);</a:t>
-            </a:r>
-          </a:p>
-          <a:p>
-            <a:pPr>
-              <a:lnSpc>
-                <a:spcPct val="80000"/>
-              </a:lnSpc>
-              <a:buFont typeface="Monotype Sorts" charset="2"/>
-              <a:buNone/>
-            </a:pPr>
-            <a:r>
-              <a:rPr lang="en-US" sz="2000" b="1" dirty="0">
-                <a:latin typeface="Courier New" pitchFamily="49" charset="0"/>
-                <a:sym typeface="Symbol" pitchFamily="18" charset="2"/>
-              </a:rPr>
-              <a:t> parent[s] = NULL; </a:t>
-            </a:r>
-            <a:r>
-              <a:rPr lang="en-US" sz="2000" b="1" dirty="0">
-                <a:solidFill>
-                  <a:schemeClr val="accent1"/>
-                </a:solidFill>
-                <a:latin typeface="Courier New" pitchFamily="49" charset="0"/>
-                <a:sym typeface="Symbol" pitchFamily="18" charset="2"/>
-              </a:rPr>
-              <a:t>dist[s] = 0</a:t>
-            </a:r>
-            <a:r>
-              <a:rPr lang="en-US" sz="2000" b="1" dirty="0">
-                <a:latin typeface="Courier New" pitchFamily="49" charset="0"/>
-                <a:sym typeface="Symbol" pitchFamily="18" charset="2"/>
-              </a:rPr>
-              <a:t>;</a:t>
-            </a:r>
-          </a:p>
-          <a:p>
-            <a:pPr>
-              <a:lnSpc>
-                <a:spcPct val="80000"/>
-              </a:lnSpc>
-              <a:buFont typeface="Monotype Sorts" charset="2"/>
-              <a:buNone/>
-            </a:pPr>
-            <a:r>
-              <a:rPr lang="en-US" sz="2000" b="1" dirty="0">
-                <a:latin typeface="Courier New" pitchFamily="49" charset="0"/>
-                <a:sym typeface="Symbol" pitchFamily="18" charset="2"/>
-              </a:rPr>
-              <a:t> while (PQ not empty)</a:t>
-            </a:r>
-          </a:p>
-          <a:p>
-            <a:pPr>
-              <a:lnSpc>
-                <a:spcPct val="80000"/>
-              </a:lnSpc>
-              <a:buFont typeface="Monotype Sorts" charset="2"/>
-              <a:buNone/>
-            </a:pPr>
-            <a:r>
-              <a:rPr lang="en-US" sz="2000" b="1" dirty="0">
-                <a:latin typeface="Courier New" pitchFamily="49" charset="0"/>
-                <a:sym typeface="Symbol" pitchFamily="18" charset="2"/>
-              </a:rPr>
-              <a:t>   v = </a:t>
-            </a:r>
-            <a:r>
-              <a:rPr lang="en-US" sz="2000" b="1" dirty="0" err="1">
-                <a:latin typeface="Courier New" pitchFamily="49" charset="0"/>
-                <a:sym typeface="Symbol" pitchFamily="18" charset="2"/>
-              </a:rPr>
-              <a:t>PQ.ExtractMin</a:t>
-            </a:r>
-            <a:r>
-              <a:rPr lang="en-US" sz="2000" b="1" dirty="0">
-                <a:latin typeface="Courier New" pitchFamily="49" charset="0"/>
-                <a:sym typeface="Symbol" pitchFamily="18" charset="2"/>
-              </a:rPr>
-              <a:t>();</a:t>
-            </a:r>
-          </a:p>
-          <a:p>
-            <a:pPr>
-              <a:lnSpc>
-                <a:spcPct val="80000"/>
-              </a:lnSpc>
-              <a:buFont typeface="Monotype Sorts" charset="2"/>
-              <a:buNone/>
-            </a:pPr>
-            <a:r>
-              <a:rPr lang="en-US" sz="2000" b="1" dirty="0">
-                <a:latin typeface="Courier New" pitchFamily="49" charset="0"/>
-                <a:sym typeface="Symbol" pitchFamily="18" charset="2"/>
-              </a:rPr>
-              <a:t>   for each </a:t>
-            </a:r>
-            <a:r>
-              <a:rPr lang="en-US" sz="2000" b="1" i="1" dirty="0">
-                <a:latin typeface="Courier New" pitchFamily="49" charset="0"/>
-                <a:sym typeface="Symbol" pitchFamily="18" charset="2"/>
-              </a:rPr>
-              <a:t>w</a:t>
-            </a:r>
-            <a:r>
-              <a:rPr lang="en-US" sz="2000" b="1" dirty="0">
-                <a:latin typeface="Courier New" pitchFamily="49" charset="0"/>
-              </a:rPr>
-              <a:t> </a:t>
-            </a:r>
-            <a:r>
-              <a:rPr lang="en-US" sz="2000" b="1" dirty="0" err="1">
-                <a:latin typeface="Courier New" pitchFamily="49" charset="0"/>
-                <a:sym typeface="Symbol" pitchFamily="18" charset="2"/>
-              </a:rPr>
-              <a:t>adj</a:t>
-            </a:r>
-            <a:r>
-              <a:rPr lang="en-US" sz="2000" b="1" dirty="0">
-                <a:latin typeface="Courier New" pitchFamily="49" charset="0"/>
-                <a:sym typeface="Symbol" pitchFamily="18" charset="2"/>
-              </a:rPr>
-              <a:t> to v</a:t>
-            </a:r>
-          </a:p>
-          <a:p>
-            <a:pPr>
-              <a:lnSpc>
-                <a:spcPct val="80000"/>
-              </a:lnSpc>
-              <a:buFont typeface="Monotype Sorts" charset="2"/>
-              <a:buNone/>
-            </a:pPr>
-            <a:r>
-              <a:rPr lang="en-US" sz="2000" b="1" dirty="0">
-                <a:latin typeface="Courier New" pitchFamily="49" charset="0"/>
-                <a:sym typeface="Symbol" pitchFamily="18" charset="2"/>
-              </a:rPr>
-              <a:t>     if (w</a:t>
-            </a:r>
-            <a:r>
-              <a:rPr lang="en-US" sz="2000" b="1" dirty="0">
-                <a:latin typeface="Courier New" pitchFamily="49" charset="0"/>
-              </a:rPr>
-              <a:t> </a:t>
-            </a:r>
-            <a:r>
-              <a:rPr lang="en-US" sz="2000" b="1" dirty="0">
-                <a:latin typeface="Courier New" pitchFamily="49" charset="0"/>
-                <a:sym typeface="Symbol" pitchFamily="18" charset="2"/>
-              </a:rPr>
-              <a:t>is unseen) {</a:t>
-            </a:r>
-          </a:p>
-          <a:p>
-            <a:pPr>
-              <a:lnSpc>
-                <a:spcPct val="80000"/>
-              </a:lnSpc>
-              <a:buFont typeface="Monotype Sorts" charset="2"/>
-              <a:buNone/>
-            </a:pPr>
-            <a:r>
-              <a:rPr lang="en-US" sz="2000" b="1" dirty="0">
-                <a:latin typeface="Courier New" pitchFamily="49" charset="0"/>
-                <a:sym typeface="Symbol" pitchFamily="18" charset="2"/>
-              </a:rPr>
-              <a:t>        </a:t>
-            </a:r>
-            <a:r>
-              <a:rPr lang="en-US" sz="2000" b="1" dirty="0">
-                <a:solidFill>
-                  <a:schemeClr val="accent1"/>
-                </a:solidFill>
-                <a:latin typeface="Courier New" pitchFamily="49" charset="0"/>
-                <a:sym typeface="Symbol" pitchFamily="18" charset="2"/>
-              </a:rPr>
-              <a:t>dist[w] =</a:t>
-            </a:r>
-            <a:r>
-              <a:rPr lang="en-US" sz="2000" b="1" dirty="0">
-                <a:latin typeface="Courier New" pitchFamily="49" charset="0"/>
-                <a:sym typeface="Symbol" pitchFamily="18" charset="2"/>
-              </a:rPr>
-              <a:t> </a:t>
-            </a:r>
-            <a:r>
-              <a:rPr lang="en-US" sz="2000" b="1" dirty="0">
-                <a:solidFill>
-                  <a:schemeClr val="accent1"/>
-                </a:solidFill>
-                <a:latin typeface="Courier New" pitchFamily="49" charset="0"/>
-                <a:sym typeface="Symbol" pitchFamily="18" charset="2"/>
-              </a:rPr>
-              <a:t>dist[v] + wt(</a:t>
-            </a:r>
-            <a:r>
-              <a:rPr lang="en-US" sz="2000" b="1" dirty="0" err="1">
-                <a:solidFill>
-                  <a:schemeClr val="accent1"/>
-                </a:solidFill>
-                <a:latin typeface="Courier New" pitchFamily="49" charset="0"/>
-                <a:sym typeface="Symbol" pitchFamily="18" charset="2"/>
-              </a:rPr>
-              <a:t>v,w</a:t>
-            </a:r>
-            <a:r>
-              <a:rPr lang="en-US" sz="2000" b="1" dirty="0">
-                <a:solidFill>
-                  <a:schemeClr val="accent1"/>
-                </a:solidFill>
-                <a:latin typeface="Courier New" pitchFamily="49" charset="0"/>
-                <a:sym typeface="Symbol" pitchFamily="18" charset="2"/>
-              </a:rPr>
-              <a:t>)</a:t>
-            </a:r>
-            <a:r>
-              <a:rPr lang="en-US" sz="2000" b="1" dirty="0">
-                <a:latin typeface="Courier New" pitchFamily="49" charset="0"/>
-                <a:sym typeface="Symbol" pitchFamily="18" charset="2"/>
-              </a:rPr>
-              <a:t> </a:t>
-            </a:r>
-          </a:p>
-          <a:p>
-            <a:pPr>
-              <a:lnSpc>
-                <a:spcPct val="80000"/>
-              </a:lnSpc>
-              <a:buFont typeface="Monotype Sorts" charset="2"/>
-              <a:buNone/>
-            </a:pPr>
-            <a:r>
-              <a:rPr lang="en-US" sz="2000" b="1" dirty="0">
-                <a:latin typeface="Courier New" pitchFamily="49" charset="0"/>
-                <a:sym typeface="Symbol" pitchFamily="18" charset="2"/>
-              </a:rPr>
-              <a:t>        </a:t>
-            </a:r>
-            <a:r>
-              <a:rPr lang="en-US" sz="2000" b="1" dirty="0" err="1">
-                <a:latin typeface="Courier New" pitchFamily="49" charset="0"/>
-                <a:sym typeface="Symbol" pitchFamily="18" charset="2"/>
-              </a:rPr>
-              <a:t>PQ.Insert</a:t>
-            </a:r>
-            <a:r>
-              <a:rPr lang="en-US" sz="2000" b="1" dirty="0">
-                <a:latin typeface="Courier New" pitchFamily="49" charset="0"/>
-                <a:sym typeface="Symbol" pitchFamily="18" charset="2"/>
-              </a:rPr>
-              <a:t>(w, </a:t>
-            </a:r>
-            <a:r>
-              <a:rPr lang="en-US" sz="2000" b="1" dirty="0">
-                <a:solidFill>
-                  <a:schemeClr val="accent1"/>
-                </a:solidFill>
-                <a:latin typeface="Courier New" pitchFamily="49" charset="0"/>
-                <a:sym typeface="Symbol" pitchFamily="18" charset="2"/>
-              </a:rPr>
-              <a:t>dist[w] </a:t>
-            </a:r>
-            <a:r>
-              <a:rPr lang="en-US" sz="2000" b="1" dirty="0">
-                <a:latin typeface="Courier New" pitchFamily="49" charset="0"/>
-                <a:sym typeface="Symbol" pitchFamily="18" charset="2"/>
-              </a:rPr>
-              <a:t>);</a:t>
-            </a:r>
-          </a:p>
-          <a:p>
-            <a:pPr>
-              <a:lnSpc>
-                <a:spcPct val="80000"/>
-              </a:lnSpc>
-              <a:buFont typeface="Monotype Sorts" charset="2"/>
-              <a:buNone/>
-            </a:pPr>
-            <a:r>
-              <a:rPr lang="en-US" sz="2000" b="1" dirty="0">
-                <a:latin typeface="Courier New" pitchFamily="49" charset="0"/>
-                <a:sym typeface="Symbol" pitchFamily="18" charset="2"/>
-              </a:rPr>
-              <a:t>        parent[w] = v;</a:t>
-            </a:r>
-          </a:p>
-          <a:p>
-            <a:pPr>
-              <a:lnSpc>
-                <a:spcPct val="80000"/>
-              </a:lnSpc>
-              <a:buFont typeface="Monotype Sorts" charset="2"/>
-              <a:buNone/>
-            </a:pPr>
-            <a:r>
-              <a:rPr lang="en-US" sz="2000" b="1" dirty="0">
-                <a:latin typeface="Courier New" pitchFamily="49" charset="0"/>
-                <a:sym typeface="Symbol" pitchFamily="18" charset="2"/>
-              </a:rPr>
-              <a:t>	   }</a:t>
-            </a:r>
-          </a:p>
-          <a:p>
-            <a:pPr>
-              <a:lnSpc>
-                <a:spcPct val="80000"/>
-              </a:lnSpc>
-              <a:buFont typeface="Monotype Sorts" charset="2"/>
-              <a:buNone/>
-            </a:pPr>
-            <a:r>
-              <a:rPr lang="en-US" sz="2000" b="1" dirty="0">
-                <a:latin typeface="Courier New" pitchFamily="49" charset="0"/>
-                <a:sym typeface="Symbol" pitchFamily="18" charset="2"/>
-              </a:rPr>
-              <a:t>     else if (w is fringe &amp;&amp; </a:t>
-            </a:r>
-            <a:r>
-              <a:rPr lang="en-US" sz="2000" b="1" dirty="0">
-                <a:solidFill>
-                  <a:schemeClr val="accent1"/>
-                </a:solidFill>
-                <a:latin typeface="Courier New" pitchFamily="49" charset="0"/>
-                <a:sym typeface="Symbol" pitchFamily="18" charset="2"/>
-              </a:rPr>
-              <a:t>dist[v] + wt(</a:t>
-            </a:r>
-            <a:r>
-              <a:rPr lang="en-US" sz="2000" b="1" dirty="0" err="1">
-                <a:solidFill>
-                  <a:schemeClr val="accent1"/>
-                </a:solidFill>
-                <a:latin typeface="Courier New" pitchFamily="49" charset="0"/>
-                <a:sym typeface="Symbol" pitchFamily="18" charset="2"/>
-              </a:rPr>
-              <a:t>v,w</a:t>
-            </a:r>
-            <a:r>
-              <a:rPr lang="en-US" sz="2000" b="1" dirty="0">
-                <a:solidFill>
-                  <a:schemeClr val="accent1"/>
-                </a:solidFill>
-                <a:latin typeface="Courier New" pitchFamily="49" charset="0"/>
-                <a:sym typeface="Symbol" pitchFamily="18" charset="2"/>
-              </a:rPr>
-              <a:t>) &lt; dist[w]</a:t>
-            </a:r>
-            <a:r>
-              <a:rPr lang="en-US" sz="2000" b="1" dirty="0">
-                <a:latin typeface="Courier New" pitchFamily="49" charset="0"/>
-                <a:sym typeface="Symbol" pitchFamily="18" charset="2"/>
-              </a:rPr>
-              <a:t> ) {</a:t>
-            </a:r>
-          </a:p>
-          <a:p>
-            <a:pPr>
-              <a:lnSpc>
-                <a:spcPct val="80000"/>
-              </a:lnSpc>
-              <a:buFont typeface="Monotype Sorts" charset="2"/>
-              <a:buNone/>
-            </a:pPr>
-            <a:r>
-              <a:rPr lang="en-US" sz="2000" b="1" dirty="0">
-                <a:latin typeface="Courier New" pitchFamily="49" charset="0"/>
-                <a:sym typeface="Symbol" pitchFamily="18" charset="2"/>
-              </a:rPr>
-              <a:t>        </a:t>
-            </a:r>
-            <a:r>
-              <a:rPr lang="en-US" sz="2000" b="1" dirty="0">
-                <a:solidFill>
-                  <a:schemeClr val="accent1"/>
-                </a:solidFill>
-                <a:latin typeface="Courier New" pitchFamily="49" charset="0"/>
-                <a:sym typeface="Symbol" pitchFamily="18" charset="2"/>
-              </a:rPr>
-              <a:t>dist[w] =</a:t>
-            </a:r>
-            <a:r>
-              <a:rPr lang="en-US" sz="2000" b="1" dirty="0">
-                <a:latin typeface="Courier New" pitchFamily="49" charset="0"/>
-                <a:sym typeface="Symbol" pitchFamily="18" charset="2"/>
-              </a:rPr>
-              <a:t> </a:t>
-            </a:r>
-            <a:r>
-              <a:rPr lang="en-US" sz="2000" b="1" dirty="0">
-                <a:solidFill>
-                  <a:schemeClr val="accent1"/>
-                </a:solidFill>
-                <a:latin typeface="Courier New" pitchFamily="49" charset="0"/>
-                <a:sym typeface="Symbol" pitchFamily="18" charset="2"/>
-              </a:rPr>
-              <a:t>dist[v] + wt(</a:t>
-            </a:r>
-            <a:r>
-              <a:rPr lang="en-US" sz="2000" b="1" dirty="0" err="1">
-                <a:solidFill>
-                  <a:schemeClr val="accent1"/>
-                </a:solidFill>
-                <a:latin typeface="Courier New" pitchFamily="49" charset="0"/>
-                <a:sym typeface="Symbol" pitchFamily="18" charset="2"/>
-              </a:rPr>
-              <a:t>v,w</a:t>
-            </a:r>
-            <a:r>
-              <a:rPr lang="en-US" sz="2000" b="1" dirty="0">
-                <a:solidFill>
-                  <a:schemeClr val="accent1"/>
-                </a:solidFill>
-                <a:latin typeface="Courier New" pitchFamily="49" charset="0"/>
-                <a:sym typeface="Symbol" pitchFamily="18" charset="2"/>
-              </a:rPr>
-              <a:t>)</a:t>
-            </a:r>
-            <a:endParaRPr lang="en-US" sz="2000" b="1" dirty="0">
-              <a:latin typeface="Courier New" pitchFamily="49" charset="0"/>
+        <p:spPr/>
+        <p:txBody>
+          <a:bodyPr/>
+          <a:lstStyle/>
+          <a:p>
+            <a:r>
+              <a:rPr lang="en-US" dirty="0"/>
+              <a:t>Both Dijkstra and Prim have same structure, and suffer from a naïve, slow implementation of </a:t>
+            </a:r>
+            <a:r>
+              <a:rPr lang="en-US" dirty="0" err="1"/>
+              <a:t>decreaseKey</a:t>
+            </a:r>
+            <a:r>
+              <a:rPr lang="en-US" dirty="0"/>
+              <a:t>()</a:t>
+            </a:r>
+          </a:p>
+          <a:p>
+            <a:endParaRPr lang="en-US" dirty="0">
               <a:sym typeface="Symbol" pitchFamily="18" charset="2"/>
             </a:endParaRPr>
           </a:p>
           <a:p>
-            <a:pPr>
-              <a:lnSpc>
-                <a:spcPct val="80000"/>
-              </a:lnSpc>
-              <a:buFont typeface="Monotype Sorts" charset="2"/>
-              <a:buNone/>
-            </a:pPr>
-            <a:r>
-              <a:rPr lang="en-US" sz="2000" b="1" dirty="0">
-                <a:latin typeface="Courier New" pitchFamily="49" charset="0"/>
+            <a:r>
+              <a:rPr lang="en-US" dirty="0">
                 <a:sym typeface="Symbol" pitchFamily="18" charset="2"/>
               </a:rPr>
-              <a:t>        </a:t>
-            </a:r>
-            <a:r>
-              <a:rPr lang="en-US" sz="2000" b="1" dirty="0" err="1">
-                <a:latin typeface="Courier New" pitchFamily="49" charset="0"/>
+              <a:t>Let’s compare the code real fast, and then introduce the </a:t>
+            </a:r>
+            <a:r>
+              <a:rPr lang="en-US" b="1" i="1" dirty="0">
                 <a:sym typeface="Symbol" pitchFamily="18" charset="2"/>
               </a:rPr>
-              <a:t>PQ.decreaseKey</a:t>
-            </a:r>
-            <a:r>
-              <a:rPr lang="en-US" sz="2000" b="1" dirty="0">
-                <a:latin typeface="Courier New" pitchFamily="49" charset="0"/>
-                <a:sym typeface="Symbol" pitchFamily="18" charset="2"/>
-              </a:rPr>
-              <a:t>(w, </a:t>
-            </a:r>
-            <a:r>
-              <a:rPr lang="en-US" sz="2000" b="1" dirty="0">
-                <a:solidFill>
-                  <a:schemeClr val="accent1"/>
-                </a:solidFill>
-                <a:latin typeface="Courier New" pitchFamily="49" charset="0"/>
-                <a:sym typeface="Symbol" pitchFamily="18" charset="2"/>
-              </a:rPr>
-              <a:t>dist[w]</a:t>
-            </a:r>
-            <a:r>
-              <a:rPr lang="en-US" sz="2000" b="1" dirty="0">
-                <a:latin typeface="Courier New" pitchFamily="49" charset="0"/>
-                <a:sym typeface="Symbol" pitchFamily="18" charset="2"/>
-              </a:rPr>
-              <a:t>);</a:t>
-            </a:r>
-          </a:p>
-          <a:p>
-            <a:pPr>
-              <a:lnSpc>
-                <a:spcPct val="80000"/>
-              </a:lnSpc>
-              <a:buFont typeface="Monotype Sorts" charset="2"/>
-              <a:buNone/>
-            </a:pPr>
-            <a:r>
-              <a:rPr lang="en-US" sz="2000" b="1" dirty="0">
-                <a:latin typeface="Courier New" pitchFamily="49" charset="0"/>
-                <a:sym typeface="Symbol" pitchFamily="18" charset="2"/>
-              </a:rPr>
-              <a:t>        parent[w] = v;</a:t>
-            </a:r>
-          </a:p>
-          <a:p>
-            <a:pPr>
-              <a:lnSpc>
-                <a:spcPct val="80000"/>
-              </a:lnSpc>
-              <a:buFont typeface="Monotype Sorts" charset="2"/>
-              <a:buNone/>
-            </a:pPr>
-            <a:r>
-              <a:rPr lang="en-US" sz="2000" b="1" dirty="0">
-                <a:latin typeface="Courier New" pitchFamily="49" charset="0"/>
-                <a:sym typeface="Symbol" pitchFamily="18" charset="2"/>
-              </a:rPr>
-              <a:t>     }</a:t>
+              <a:t>Indirect Heap</a:t>
             </a:r>
           </a:p>
         </p:txBody>
@@ -13489,7 +12896,7 @@
     </p:spTree>
     <p:extLst>
       <p:ext uri="{BB962C8B-B14F-4D97-AF65-F5344CB8AC3E}">
-        <p14:creationId xmlns:p14="http://schemas.microsoft.com/office/powerpoint/2010/main" val="905171894"/>
+        <p14:creationId xmlns:p14="http://schemas.microsoft.com/office/powerpoint/2010/main" val="2920895330"/>
       </p:ext>
     </p:extLst>
   </p:cSld>
@@ -13518,7 +12925,7 @@
       </p:grpSpPr>
       <p:sp>
         <p:nvSpPr>
-          <p:cNvPr id="47107" name="Rectangle 2"/>
+          <p:cNvPr id="86020" name="Rectangle 3"/>
           <p:cNvSpPr>
             <a:spLocks noGrp="1" noChangeArrowheads="1"/>
           </p:cNvSpPr>
@@ -13535,8 +12942,8 @@
           <a:lstStyle/>
           <a:p>
             <a:r>
-              <a:rPr lang="en-US" dirty="0"/>
-              <a:t>Prim’s Algorithm</a:t>
+              <a:rPr lang="en-US"/>
+              <a:t>Dijkstra' Algorithm</a:t>
             </a:r>
           </a:p>
         </p:txBody>
@@ -13567,7 +12974,7 @@
       </p:sp>
       <p:sp>
         <p:nvSpPr>
-          <p:cNvPr id="47137" name="Rectangle 35"/>
+          <p:cNvPr id="86019" name="Rectangle 2"/>
           <p:cNvSpPr>
             <a:spLocks noGrp="1" noChangeArrowheads="1"/>
           </p:cNvSpPr>
@@ -13579,32 +12986,56 @@
           </p:nvPr>
         </p:nvSpPr>
         <p:spPr>
-          <a:noFill/>
+          <a:xfrm>
+            <a:off x="1981200" y="1219200"/>
+            <a:ext cx="8229600" cy="5334000"/>
+          </a:xfrm>
         </p:spPr>
         <p:txBody>
           <a:bodyPr>
-            <a:normAutofit fontScale="92500" lnSpcReduction="10000"/>
+            <a:noAutofit/>
           </a:bodyPr>
           <a:lstStyle/>
           <a:p>
             <a:pPr>
               <a:lnSpc>
-                <a:spcPct val="90000"/>
+                <a:spcPct val="80000"/>
               </a:lnSpc>
               <a:buFont typeface="Monotype Sorts" charset="2"/>
               <a:buNone/>
             </a:pPr>
             <a:r>
+              <a:rPr lang="en-US" sz="2000" b="1" dirty="0" err="1">
+                <a:latin typeface="Courier New" pitchFamily="49" charset="0"/>
+              </a:rPr>
+              <a:t>dijkstra</a:t>
+            </a:r>
+            <a:r>
               <a:rPr lang="en-US" sz="2000" b="1" dirty="0">
                 <a:latin typeface="Courier New" pitchFamily="49" charset="0"/>
               </a:rPr>
-              <a:t>MST-Prim(G, wt)</a:t>
+              <a:t>(G, wt,</a:t>
+            </a:r>
+            <a:r>
+              <a:rPr lang="en-US" sz="2000" b="1" dirty="0">
+                <a:solidFill>
+                  <a:schemeClr val="accent1"/>
+                </a:solidFill>
+                <a:latin typeface="Courier New" pitchFamily="49" charset="0"/>
+              </a:rPr>
+              <a:t> s</a:t>
+            </a:r>
+            <a:r>
+              <a:rPr lang="en-US" sz="2000" b="1" dirty="0">
+                <a:latin typeface="Courier New" pitchFamily="49" charset="0"/>
+              </a:rPr>
+              <a:t>)</a:t>
             </a:r>
           </a:p>
           <a:p>
             <a:pPr>
               <a:lnSpc>
-                <a:spcPct val="90000"/>
+                <a:spcPct val="80000"/>
               </a:lnSpc>
               <a:buFont typeface="Monotype Sorts" charset="2"/>
               <a:buNone/>
@@ -13619,7 +13050,7 @@
           <a:p>
             <a:pPr>
               <a:lnSpc>
-                <a:spcPct val="90000"/>
+                <a:spcPct val="80000"/>
               </a:lnSpc>
               <a:buFont typeface="Monotype Sorts" charset="2"/>
               <a:buNone/>
@@ -13640,13 +13071,28 @@
               <a:rPr lang="en-US" sz="2000" b="1" dirty="0">
                 <a:latin typeface="Courier New" pitchFamily="49" charset="0"/>
               </a:rPr>
-              <a:t>(s, wt=0);</a:t>
+              <a:t>(s, </a:t>
+            </a:r>
+            <a:r>
+              <a:rPr lang="en-US" sz="2000" b="1" dirty="0">
+                <a:solidFill>
+                  <a:schemeClr val="accent1"/>
+                </a:solidFill>
+                <a:latin typeface="Courier New" pitchFamily="49" charset="0"/>
+              </a:rPr>
+              <a:t>dist=0</a:t>
+            </a:r>
+            <a:r>
+              <a:rPr lang="en-US" sz="2000" b="1" dirty="0">
+                <a:latin typeface="Courier New" pitchFamily="49" charset="0"/>
+              </a:rPr>
+              <a:t>);</a:t>
             </a:r>
           </a:p>
           <a:p>
             <a:pPr>
               <a:lnSpc>
-                <a:spcPct val="90000"/>
+                <a:spcPct val="80000"/>
               </a:lnSpc>
               <a:buFont typeface="Monotype Sorts" charset="2"/>
               <a:buNone/>
@@ -13656,13 +13102,30 @@
                 <a:latin typeface="Courier New" pitchFamily="49" charset="0"/>
                 <a:sym typeface="Symbol" pitchFamily="18" charset="2"/>
               </a:rPr>
-              <a:t> parent[s] = NULL;</a:t>
+              <a:t> parent[s] = NULL; </a:t>
+            </a:r>
+            <a:r>
+              <a:rPr lang="en-US" sz="2000" b="1" dirty="0">
+                <a:solidFill>
+                  <a:schemeClr val="accent1"/>
+                </a:solidFill>
+                <a:latin typeface="Courier New" pitchFamily="49" charset="0"/>
+                <a:sym typeface="Symbol" pitchFamily="18" charset="2"/>
+              </a:rPr>
+              <a:t>dist[s] = 0</a:t>
+            </a:r>
+            <a:r>
+              <a:rPr lang="en-US" sz="2000" b="1" dirty="0">
+                <a:latin typeface="Courier New" pitchFamily="49" charset="0"/>
+                <a:sym typeface="Symbol" pitchFamily="18" charset="2"/>
+              </a:rPr>
+              <a:t>;</a:t>
             </a:r>
           </a:p>
           <a:p>
             <a:pPr>
               <a:lnSpc>
-                <a:spcPct val="90000"/>
+                <a:spcPct val="80000"/>
               </a:lnSpc>
               <a:buFont typeface="Monotype Sorts" charset="2"/>
               <a:buNone/>
@@ -13678,7 +13141,7 @@
           <a:p>
             <a:pPr>
               <a:lnSpc>
-                <a:spcPct val="90000"/>
+                <a:spcPct val="80000"/>
               </a:lnSpc>
               <a:buFont typeface="Monotype Sorts" charset="2"/>
               <a:buNone/>
@@ -13708,7 +13171,7 @@
           <a:p>
             <a:pPr>
               <a:lnSpc>
-                <a:spcPct val="90000"/>
+                <a:spcPct val="80000"/>
               </a:lnSpc>
               <a:buFont typeface="Monotype Sorts" charset="2"/>
               <a:buNone/>
@@ -13718,7 +13181,14 @@
                 <a:latin typeface="Courier New" pitchFamily="49" charset="0"/>
                 <a:sym typeface="Symbol" pitchFamily="18" charset="2"/>
               </a:rPr>
-              <a:t>   for each w</a:t>
+              <a:t>   for each </a:t>
+            </a:r>
+            <a:r>
+              <a:rPr lang="en-US" sz="2000" b="1" i="1" dirty="0">
+                <a:latin typeface="Courier New" pitchFamily="49" charset="0"/>
+                <a:sym typeface="Symbol" pitchFamily="18" charset="2"/>
+              </a:rPr>
+              <a:t>w</a:t>
             </a:r>
             <a:r>
               <a:rPr lang="en-US" sz="2000" b="1" dirty="0">
@@ -13744,7 +13214,7 @@
           <a:p>
             <a:pPr>
               <a:lnSpc>
-                <a:spcPct val="90000"/>
+                <a:spcPct val="80000"/>
               </a:lnSpc>
               <a:buFont typeface="Monotype Sorts" charset="2"/>
               <a:buNone/>
@@ -13773,7 +13243,7 @@
           <a:p>
             <a:pPr>
               <a:lnSpc>
-                <a:spcPct val="90000"/>
+                <a:spcPct val="80000"/>
               </a:lnSpc>
               <a:buFont typeface="Monotype Sorts" charset="2"/>
               <a:buNone/>
@@ -13786,35 +13256,36 @@
               <a:t>        </a:t>
             </a:r>
             <a:r>
-              <a:rPr lang="en-US" sz="2000" b="1" dirty="0" err="1">
+              <a:rPr lang="en-US" sz="2000" b="1" dirty="0">
                 <a:solidFill>
-                  <a:schemeClr val="accent1">
-                    <a:lumMod val="75000"/>
-                  </a:schemeClr>
+                  <a:schemeClr val="accent1"/>
                 </a:solidFill>
                 <a:latin typeface="Courier New" pitchFamily="49" charset="0"/>
                 <a:sym typeface="Symbol" pitchFamily="18" charset="2"/>
               </a:rPr>
-              <a:t>PQ.Insert</a:t>
+              <a:t>dist[w] =</a:t>
+            </a:r>
+            <a:r>
+              <a:rPr lang="en-US" sz="2000" b="1" dirty="0">
+                <a:latin typeface="Courier New" pitchFamily="49" charset="0"/>
+                <a:sym typeface="Symbol" pitchFamily="18" charset="2"/>
+              </a:rPr>
+              <a:t> </a:t>
             </a:r>
             <a:r>
               <a:rPr lang="en-US" sz="2000" b="1" dirty="0">
                 <a:solidFill>
-                  <a:schemeClr val="accent1">
-                    <a:lumMod val="75000"/>
-                  </a:schemeClr>
+                  <a:schemeClr val="accent1"/>
                 </a:solidFill>
                 <a:latin typeface="Courier New" pitchFamily="49" charset="0"/>
                 <a:sym typeface="Symbol" pitchFamily="18" charset="2"/>
               </a:rPr>
-              <a:t>(w, wt(</a:t>
+              <a:t>dist[v] + wt(</a:t>
             </a:r>
             <a:r>
               <a:rPr lang="en-US" sz="2000" b="1" dirty="0" err="1">
                 <a:solidFill>
-                  <a:schemeClr val="accent1">
-                    <a:lumMod val="75000"/>
-                  </a:schemeClr>
+                  <a:schemeClr val="accent1"/>
                 </a:solidFill>
                 <a:latin typeface="Courier New" pitchFamily="49" charset="0"/>
                 <a:sym typeface="Symbol" pitchFamily="18" charset="2"/>
@@ -13824,20 +13295,25 @@
             <a:r>
               <a:rPr lang="en-US" sz="2000" b="1" dirty="0">
                 <a:solidFill>
-                  <a:schemeClr val="accent1">
-                    <a:lumMod val="75000"/>
-                  </a:schemeClr>
+                  <a:schemeClr val="accent1"/>
                 </a:solidFill>
                 <a:latin typeface="Courier New" pitchFamily="49" charset="0"/>
                 <a:sym typeface="Symbol" pitchFamily="18" charset="2"/>
               </a:rPr>
-              <a:t>));</a:t>
+              <a:t>)</a:t>
+            </a:r>
+            <a:r>
+              <a:rPr lang="en-US" sz="2000" b="1" dirty="0">
+                <a:latin typeface="Courier New" pitchFamily="49" charset="0"/>
+                <a:sym typeface="Symbol" pitchFamily="18" charset="2"/>
+              </a:rPr>
+              <a:t> </a:t>
             </a:r>
           </a:p>
           <a:p>
             <a:pPr>
               <a:lnSpc>
-                <a:spcPct val="90000"/>
+                <a:spcPct val="80000"/>
               </a:lnSpc>
               <a:buFont typeface="Monotype Sorts" charset="2"/>
               <a:buNone/>
@@ -13847,13 +13323,44 @@
                 <a:latin typeface="Courier New" pitchFamily="49" charset="0"/>
                 <a:sym typeface="Symbol" pitchFamily="18" charset="2"/>
               </a:rPr>
-              <a:t>        parent[w] = v;</a:t>
+              <a:t>        </a:t>
+            </a:r>
+            <a:r>
+              <a:rPr lang="en-US" sz="2000" b="1" dirty="0" err="1">
+                <a:latin typeface="Courier New" pitchFamily="49" charset="0"/>
+                <a:sym typeface="Symbol" pitchFamily="18" charset="2"/>
+              </a:rPr>
+              <a:t>PQ.Insert</a:t>
+            </a:r>
+            <a:r>
+              <a:rPr lang="en-US" sz="2000" b="1" dirty="0">
+                <a:latin typeface="Courier New" pitchFamily="49" charset="0"/>
+                <a:sym typeface="Symbol" pitchFamily="18" charset="2"/>
+              </a:rPr>
+              <a:t>(w, </a:t>
+            </a:r>
+            <a:r>
+              <a:rPr lang="en-US" sz="2000" b="1" dirty="0">
+                <a:solidFill>
+                  <a:schemeClr val="accent1"/>
+                </a:solidFill>
+                <a:latin typeface="Courier New" pitchFamily="49" charset="0"/>
+                <a:sym typeface="Symbol" pitchFamily="18" charset="2"/>
+              </a:rPr>
+              <a:t>dist[w] </a:t>
+            </a:r>
+            <a:r>
+              <a:rPr lang="en-US" sz="2000" b="1" dirty="0">
+                <a:latin typeface="Courier New" pitchFamily="49" charset="0"/>
+                <a:sym typeface="Symbol" pitchFamily="18" charset="2"/>
+              </a:rPr>
+              <a:t>);</a:t>
             </a:r>
           </a:p>
           <a:p>
             <a:pPr>
               <a:lnSpc>
-                <a:spcPct val="90000"/>
+                <a:spcPct val="80000"/>
               </a:lnSpc>
               <a:buFont typeface="Monotype Sorts" charset="2"/>
               <a:buNone/>
@@ -13863,13 +13370,13 @@
                 <a:latin typeface="Courier New" pitchFamily="49" charset="0"/>
                 <a:sym typeface="Symbol" pitchFamily="18" charset="2"/>
               </a:rPr>
-              <a:t>	   }</a:t>
+              <a:t>        parent[w] = v;</a:t>
             </a:r>
           </a:p>
           <a:p>
             <a:pPr>
               <a:lnSpc>
-                <a:spcPct val="90000"/>
+                <a:spcPct val="80000"/>
               </a:lnSpc>
               <a:buFont typeface="Monotype Sorts" charset="2"/>
               <a:buNone/>
@@ -13879,80 +13386,13 @@
                 <a:latin typeface="Courier New" pitchFamily="49" charset="0"/>
                 <a:sym typeface="Symbol" pitchFamily="18" charset="2"/>
               </a:rPr>
-              <a:t>     else if (w is fringe &amp;&amp; </a:t>
-            </a:r>
-            <a:r>
-              <a:rPr lang="en-US" sz="2000" b="1" dirty="0">
-                <a:solidFill>
-                  <a:schemeClr val="accent1">
-                    <a:lumMod val="75000"/>
-                  </a:schemeClr>
-                </a:solidFill>
-                <a:latin typeface="Courier New" pitchFamily="49" charset="0"/>
-                <a:sym typeface="Symbol" pitchFamily="18" charset="2"/>
-              </a:rPr>
-              <a:t>wt[</a:t>
-            </a:r>
-            <a:r>
-              <a:rPr lang="en-US" sz="2000" b="1" dirty="0" err="1">
-                <a:solidFill>
-                  <a:schemeClr val="accent1">
-                    <a:lumMod val="75000"/>
-                  </a:schemeClr>
-                </a:solidFill>
-                <a:latin typeface="Courier New" pitchFamily="49" charset="0"/>
-                <a:sym typeface="Symbol" pitchFamily="18" charset="2"/>
-              </a:rPr>
-              <a:t>v,w</a:t>
-            </a:r>
-            <a:r>
-              <a:rPr lang="en-US" sz="2000" b="1" dirty="0">
-                <a:solidFill>
-                  <a:schemeClr val="accent1">
-                    <a:lumMod val="75000"/>
-                  </a:schemeClr>
-                </a:solidFill>
-                <a:latin typeface="Courier New" pitchFamily="49" charset="0"/>
-                <a:sym typeface="Symbol" pitchFamily="18" charset="2"/>
-              </a:rPr>
-              <a:t>] &lt; </a:t>
-            </a:r>
-            <a:r>
-              <a:rPr lang="en-US" sz="2000" b="1" dirty="0" err="1">
-                <a:solidFill>
-                  <a:schemeClr val="accent1">
-                    <a:lumMod val="75000"/>
-                  </a:schemeClr>
-                </a:solidFill>
-                <a:latin typeface="Courier New" pitchFamily="49" charset="0"/>
-                <a:sym typeface="Symbol" pitchFamily="18" charset="2"/>
-              </a:rPr>
-              <a:t>fringeWt</a:t>
-            </a:r>
-            <a:r>
-              <a:rPr lang="en-US" sz="2000" b="1" dirty="0">
-                <a:solidFill>
-                  <a:schemeClr val="accent1">
-                    <a:lumMod val="75000"/>
-                  </a:schemeClr>
-                </a:solidFill>
-                <a:latin typeface="Courier New" pitchFamily="49" charset="0"/>
-                <a:sym typeface="Symbol" pitchFamily="18" charset="2"/>
-              </a:rPr>
-              <a:t>(w)</a:t>
-            </a:r>
-            <a:r>
-              <a:rPr lang="en-US" sz="2000" b="1" dirty="0">
-                <a:latin typeface="Courier New" pitchFamily="49" charset="0"/>
-                <a:sym typeface="Symbol" pitchFamily="18" charset="2"/>
-              </a:rPr>
-              <a:t>){</a:t>
+              <a:t>	   }</a:t>
             </a:r>
           </a:p>
           <a:p>
             <a:pPr>
               <a:lnSpc>
-                <a:spcPct val="90000"/>
+                <a:spcPct val="80000"/>
               </a:lnSpc>
               <a:buFont typeface="Monotype Sorts" charset="2"/>
               <a:buNone/>
@@ -13962,61 +13402,50 @@
                 <a:latin typeface="Courier New" pitchFamily="49" charset="0"/>
                 <a:sym typeface="Symbol" pitchFamily="18" charset="2"/>
               </a:rPr>
-              <a:t>        </a:t>
-            </a:r>
-            <a:r>
-              <a:rPr lang="en-US" sz="2000" b="1" dirty="0" err="1">
+              <a:t>     else if (w is fringe &amp;&amp; </a:t>
+            </a:r>
+            <a:r>
+              <a:rPr lang="en-US" sz="2000" b="1" dirty="0">
                 <a:solidFill>
-                  <a:schemeClr val="accent1">
-                    <a:lumMod val="75000"/>
-                  </a:schemeClr>
+                  <a:schemeClr val="accent1"/>
                 </a:solidFill>
                 <a:latin typeface="Courier New" pitchFamily="49" charset="0"/>
                 <a:sym typeface="Symbol" pitchFamily="18" charset="2"/>
               </a:rPr>
-              <a:t>PQ.decreaseKey</a:t>
-            </a:r>
-            <a:r>
-              <a:rPr lang="en-US" sz="2000" b="1" dirty="0">
+              <a:t>dist[v] + wt(</a:t>
+            </a:r>
+            <a:r>
+              <a:rPr lang="en-US" sz="2000" b="1" dirty="0" err="1">
                 <a:solidFill>
-                  <a:schemeClr val="accent1">
-                    <a:lumMod val="75000"/>
-                  </a:schemeClr>
+                  <a:schemeClr val="accent1"/>
                 </a:solidFill>
                 <a:latin typeface="Courier New" pitchFamily="49" charset="0"/>
                 <a:sym typeface="Symbol" pitchFamily="18" charset="2"/>
               </a:rPr>
-              <a:t>(w, wt[</a:t>
-            </a:r>
-            <a:r>
-              <a:rPr lang="en-US" sz="2000" b="1" dirty="0" err="1">
+              <a:t>v,w</a:t>
+            </a:r>
+            <a:r>
+              <a:rPr lang="en-US" sz="2000" b="1" dirty="0">
                 <a:solidFill>
-                  <a:schemeClr val="accent1">
-                    <a:lumMod val="75000"/>
-                  </a:schemeClr>
+                  <a:schemeClr val="accent1"/>
                 </a:solidFill>
                 <a:latin typeface="Courier New" pitchFamily="49" charset="0"/>
                 <a:sym typeface="Symbol" pitchFamily="18" charset="2"/>
               </a:rPr>
-              <a:t>v,w</a:t>
+              <a:t>) &lt; dist[w]</a:t>
             </a:r>
             <a:r>
               <a:rPr lang="en-US" sz="2000" b="1" dirty="0">
-                <a:solidFill>
-                  <a:schemeClr val="accent1">
-                    <a:lumMod val="75000"/>
-                  </a:schemeClr>
-                </a:solidFill>
                 <a:latin typeface="Courier New" pitchFamily="49" charset="0"/>
                 <a:sym typeface="Symbol" pitchFamily="18" charset="2"/>
               </a:rPr>
-              <a:t>]);</a:t>
+              <a:t> ) {</a:t>
             </a:r>
           </a:p>
           <a:p>
             <a:pPr>
               <a:lnSpc>
-                <a:spcPct val="90000"/>
+                <a:spcPct val="80000"/>
               </a:lnSpc>
               <a:buFont typeface="Monotype Sorts" charset="2"/>
               <a:buNone/>
@@ -14026,13 +13455,64 @@
                 <a:latin typeface="Courier New" pitchFamily="49" charset="0"/>
                 <a:sym typeface="Symbol" pitchFamily="18" charset="2"/>
               </a:rPr>
-              <a:t>        parent[w] = v;</a:t>
-            </a:r>
+              <a:t>        </a:t>
+            </a:r>
+            <a:r>
+              <a:rPr lang="en-US" sz="2000" b="1" dirty="0">
+                <a:solidFill>
+                  <a:schemeClr val="accent1"/>
+                </a:solidFill>
+                <a:latin typeface="Courier New" pitchFamily="49" charset="0"/>
+                <a:sym typeface="Symbol" pitchFamily="18" charset="2"/>
+              </a:rPr>
+              <a:t>dist[w] =</a:t>
+            </a:r>
+            <a:r>
+              <a:rPr lang="en-US" sz="2000" b="1" dirty="0">
+                <a:latin typeface="Courier New" pitchFamily="49" charset="0"/>
+                <a:sym typeface="Symbol" pitchFamily="18" charset="2"/>
+              </a:rPr>
+              <a:t> </a:t>
+            </a:r>
+            <a:r>
+              <a:rPr lang="en-US" sz="2000" b="1" dirty="0">
+                <a:solidFill>
+                  <a:schemeClr val="accent1"/>
+                </a:solidFill>
+                <a:latin typeface="Courier New" pitchFamily="49" charset="0"/>
+                <a:sym typeface="Symbol" pitchFamily="18" charset="2"/>
+              </a:rPr>
+              <a:t>dist[v] + wt(</a:t>
+            </a:r>
+            <a:r>
+              <a:rPr lang="en-US" sz="2000" b="1" dirty="0" err="1">
+                <a:solidFill>
+                  <a:schemeClr val="accent1"/>
+                </a:solidFill>
+                <a:latin typeface="Courier New" pitchFamily="49" charset="0"/>
+                <a:sym typeface="Symbol" pitchFamily="18" charset="2"/>
+              </a:rPr>
+              <a:t>v,w</a:t>
+            </a:r>
+            <a:r>
+              <a:rPr lang="en-US" sz="2000" b="1" dirty="0">
+                <a:solidFill>
+                  <a:schemeClr val="accent1"/>
+                </a:solidFill>
+                <a:latin typeface="Courier New" pitchFamily="49" charset="0"/>
+                <a:sym typeface="Symbol" pitchFamily="18" charset="2"/>
+              </a:rPr>
+              <a:t>)</a:t>
+            </a:r>
+            <a:endParaRPr lang="en-US" sz="2000" b="1" dirty="0">
+              <a:latin typeface="Courier New" pitchFamily="49" charset="0"/>
+              <a:sym typeface="Symbol" pitchFamily="18" charset="2"/>
+            </a:endParaRPr>
           </a:p>
           <a:p>
             <a:pPr>
               <a:lnSpc>
-                <a:spcPct val="90000"/>
+                <a:spcPct val="80000"/>
               </a:lnSpc>
               <a:buFont typeface="Monotype Sorts" charset="2"/>
               <a:buNone/>
@@ -14042,6 +13522,69 @@
                 <a:latin typeface="Courier New" pitchFamily="49" charset="0"/>
                 <a:sym typeface="Symbol" pitchFamily="18" charset="2"/>
               </a:rPr>
+              <a:t>        </a:t>
+            </a:r>
+            <a:r>
+              <a:rPr lang="en-US" sz="2000" b="1" dirty="0" err="1">
+                <a:latin typeface="Courier New" pitchFamily="49" charset="0"/>
+                <a:sym typeface="Symbol" pitchFamily="18" charset="2"/>
+              </a:rPr>
+              <a:t>PQ.decreaseKey</a:t>
+            </a:r>
+            <a:r>
+              <a:rPr lang="en-US" sz="2000" b="1" dirty="0">
+                <a:latin typeface="Courier New" pitchFamily="49" charset="0"/>
+                <a:sym typeface="Symbol" pitchFamily="18" charset="2"/>
+              </a:rPr>
+              <a:t>(w, </a:t>
+            </a:r>
+            <a:r>
+              <a:rPr lang="en-US" sz="2000" b="1" dirty="0">
+                <a:solidFill>
+                  <a:schemeClr val="accent1"/>
+                </a:solidFill>
+                <a:latin typeface="Courier New" pitchFamily="49" charset="0"/>
+                <a:sym typeface="Symbol" pitchFamily="18" charset="2"/>
+              </a:rPr>
+              <a:t>dist[w]</a:t>
+            </a:r>
+            <a:r>
+              <a:rPr lang="en-US" sz="2000" b="1" dirty="0">
+                <a:latin typeface="Courier New" pitchFamily="49" charset="0"/>
+                <a:sym typeface="Symbol" pitchFamily="18" charset="2"/>
+              </a:rPr>
+              <a:t>);</a:t>
+            </a:r>
+          </a:p>
+          <a:p>
+            <a:pPr>
+              <a:lnSpc>
+                <a:spcPct val="80000"/>
+              </a:lnSpc>
+              <a:buFont typeface="Monotype Sorts" charset="2"/>
+              <a:buNone/>
+            </a:pPr>
+            <a:r>
+              <a:rPr lang="en-US" sz="2000" b="1" dirty="0">
+                <a:latin typeface="Courier New" pitchFamily="49" charset="0"/>
+                <a:sym typeface="Symbol" pitchFamily="18" charset="2"/>
+              </a:rPr>
+              <a:t>        parent[w] = v;</a:t>
+            </a:r>
+          </a:p>
+          <a:p>
+            <a:pPr>
+              <a:lnSpc>
+                <a:spcPct val="80000"/>
+              </a:lnSpc>
+              <a:buFont typeface="Monotype Sorts" charset="2"/>
+              <a:buNone/>
+            </a:pPr>
+            <a:r>
+              <a:rPr lang="en-US" sz="2000" b="1" dirty="0">
+                <a:latin typeface="Courier New" pitchFamily="49" charset="0"/>
+                <a:sym typeface="Symbol" pitchFamily="18" charset="2"/>
+              </a:rPr>
               <a:t>     }</a:t>
             </a:r>
           </a:p>
@@ -14050,7 +13593,7 @@
     </p:spTree>
     <p:extLst>
       <p:ext uri="{BB962C8B-B14F-4D97-AF65-F5344CB8AC3E}">
-        <p14:creationId xmlns:p14="http://schemas.microsoft.com/office/powerpoint/2010/main" val="3609943632"/>
+        <p14:creationId xmlns:p14="http://schemas.microsoft.com/office/powerpoint/2010/main" val="905171894"/>
       </p:ext>
     </p:extLst>
   </p:cSld>
@@ -14079,7 +13622,7 @@
       </p:grpSpPr>
       <p:sp>
         <p:nvSpPr>
-          <p:cNvPr id="72707" name="Rectangle 2"/>
+          <p:cNvPr id="47107" name="Rectangle 2"/>
           <p:cNvSpPr>
             <a:spLocks noGrp="1" noChangeArrowheads="1"/>
           </p:cNvSpPr>
@@ -14096,10 +13639,8 @@
           <a:lstStyle/>
           <a:p>
             <a:r>
-              <a:rPr lang="en-US">
-                <a:sym typeface="Symbol" pitchFamily="18" charset="2"/>
-              </a:rPr>
-              <a:t>Better PQ Implementations</a:t>
+              <a:rPr lang="en-US" dirty="0"/>
+              <a:t>Prim’s Algorithm</a:t>
             </a:r>
           </a:p>
         </p:txBody>
@@ -14130,7 +13671,7 @@
       </p:sp>
       <p:sp>
         <p:nvSpPr>
-          <p:cNvPr id="72708" name="Rectangle 3"/>
+          <p:cNvPr id="47137" name="Rectangle 35"/>
           <p:cNvSpPr>
             <a:spLocks noGrp="1" noChangeArrowheads="1"/>
           </p:cNvSpPr>
@@ -14141,58 +13682,479 @@
             </p:custDataLst>
           </p:nvPr>
         </p:nvSpPr>
-        <p:spPr/>
-        <p:txBody>
-          <a:bodyPr/>
-          <a:lstStyle/>
-          <a:p>
-            <a:r>
-              <a:rPr lang="en-US" dirty="0">
+        <p:spPr>
+          <a:noFill/>
+        </p:spPr>
+        <p:txBody>
+          <a:bodyPr>
+            <a:normAutofit fontScale="92500" lnSpcReduction="10000"/>
+          </a:bodyPr>
+          <a:lstStyle/>
+          <a:p>
+            <a:pPr>
+              <a:lnSpc>
+                <a:spcPct val="90000"/>
+              </a:lnSpc>
+              <a:buFont typeface="Monotype Sorts" charset="2"/>
+              <a:buNone/>
+            </a:pPr>
+            <a:r>
+              <a:rPr lang="en-US" sz="2000" b="1" dirty="0">
+                <a:latin typeface="Courier New" pitchFamily="49" charset="0"/>
+              </a:rPr>
+              <a:t>MST-Prim(G, wt)</a:t>
+            </a:r>
+          </a:p>
+          <a:p>
+            <a:pPr>
+              <a:lnSpc>
+                <a:spcPct val="90000"/>
+              </a:lnSpc>
+              <a:buFont typeface="Monotype Sorts" charset="2"/>
+              <a:buNone/>
+            </a:pPr>
+            <a:r>
+              <a:rPr lang="en-US" sz="2000" b="1" dirty="0">
+                <a:latin typeface="Courier New" pitchFamily="49" charset="0"/>
+              </a:rPr>
+              <a:t> init PQ to be empty;</a:t>
+            </a:r>
+          </a:p>
+          <a:p>
+            <a:pPr>
+              <a:lnSpc>
+                <a:spcPct val="90000"/>
+              </a:lnSpc>
+              <a:buFont typeface="Monotype Sorts" charset="2"/>
+              <a:buNone/>
+            </a:pPr>
+            <a:r>
+              <a:rPr lang="en-US" sz="2000" b="1" dirty="0">
+                <a:latin typeface="Courier New" pitchFamily="49" charset="0"/>
+              </a:rPr>
+              <a:t> </a:t>
+            </a:r>
+            <a:r>
+              <a:rPr lang="en-US" sz="2000" b="1" dirty="0" err="1">
+                <a:latin typeface="Courier New" pitchFamily="49" charset="0"/>
+              </a:rPr>
+              <a:t>PQ.Insert</a:t>
+            </a:r>
+            <a:r>
+              <a:rPr lang="en-US" sz="2000" b="1" dirty="0">
+                <a:latin typeface="Courier New" pitchFamily="49" charset="0"/>
+              </a:rPr>
+              <a:t>(s, wt=0);</a:t>
+            </a:r>
+          </a:p>
+          <a:p>
+            <a:pPr>
+              <a:lnSpc>
+                <a:spcPct val="90000"/>
+              </a:lnSpc>
+              <a:buFont typeface="Monotype Sorts" charset="2"/>
+              <a:buNone/>
+            </a:pPr>
+            <a:r>
+              <a:rPr lang="en-US" sz="2000" b="1" dirty="0">
+                <a:latin typeface="Courier New" pitchFamily="49" charset="0"/>
                 <a:sym typeface="Symbol" pitchFamily="18" charset="2"/>
               </a:rPr>
-              <a:t>Goal: Lower cost of </a:t>
-            </a:r>
-            <a:r>
-              <a:rPr lang="en-US" dirty="0" err="1">
+              <a:t> parent[s] = NULL;</a:t>
+            </a:r>
+          </a:p>
+          <a:p>
+            <a:pPr>
+              <a:lnSpc>
+                <a:spcPct val="90000"/>
+              </a:lnSpc>
+              <a:buFont typeface="Monotype Sorts" charset="2"/>
+              <a:buNone/>
+            </a:pPr>
+            <a:r>
+              <a:rPr lang="en-US" sz="2000" b="1" dirty="0">
+                <a:latin typeface="Courier New" pitchFamily="49" charset="0"/>
                 <a:sym typeface="Symbol" pitchFamily="18" charset="2"/>
               </a:rPr>
+              <a:t> while (PQ not empty)</a:t>
+            </a:r>
+          </a:p>
+          <a:p>
+            <a:pPr>
+              <a:lnSpc>
+                <a:spcPct val="90000"/>
+              </a:lnSpc>
+              <a:buFont typeface="Monotype Sorts" charset="2"/>
+              <a:buNone/>
+            </a:pPr>
+            <a:r>
+              <a:rPr lang="en-US" sz="2000" b="1" dirty="0">
+                <a:latin typeface="Courier New" pitchFamily="49" charset="0"/>
+                <a:sym typeface="Symbol" pitchFamily="18" charset="2"/>
+              </a:rPr>
+              <a:t>   v = </a:t>
+            </a:r>
+            <a:r>
+              <a:rPr lang="en-US" sz="2000" b="1" dirty="0" err="1">
+                <a:latin typeface="Courier New" pitchFamily="49" charset="0"/>
+                <a:sym typeface="Symbol" pitchFamily="18" charset="2"/>
+              </a:rPr>
+              <a:t>PQ.ExtractMin</a:t>
+            </a:r>
+            <a:r>
+              <a:rPr lang="en-US" sz="2000" b="1" dirty="0">
+                <a:latin typeface="Courier New" pitchFamily="49" charset="0"/>
+                <a:sym typeface="Symbol" pitchFamily="18" charset="2"/>
+              </a:rPr>
+              <a:t>();</a:t>
+            </a:r>
+          </a:p>
+          <a:p>
+            <a:pPr>
+              <a:lnSpc>
+                <a:spcPct val="90000"/>
+              </a:lnSpc>
+              <a:buFont typeface="Monotype Sorts" charset="2"/>
+              <a:buNone/>
+            </a:pPr>
+            <a:r>
+              <a:rPr lang="en-US" sz="2000" b="1" dirty="0">
+                <a:latin typeface="Courier New" pitchFamily="49" charset="0"/>
+                <a:sym typeface="Symbol" pitchFamily="18" charset="2"/>
+              </a:rPr>
+              <a:t>   for each w</a:t>
+            </a:r>
+            <a:r>
+              <a:rPr lang="en-US" sz="2000" b="1" dirty="0">
+                <a:latin typeface="Courier New" pitchFamily="49" charset="0"/>
+              </a:rPr>
+              <a:t> </a:t>
+            </a:r>
+            <a:r>
+              <a:rPr lang="en-US" sz="2000" b="1" dirty="0" err="1">
+                <a:latin typeface="Courier New" pitchFamily="49" charset="0"/>
+                <a:sym typeface="Symbol" pitchFamily="18" charset="2"/>
+              </a:rPr>
+              <a:t>adj</a:t>
+            </a:r>
+            <a:r>
+              <a:rPr lang="en-US" sz="2000" b="1" dirty="0">
+                <a:latin typeface="Courier New" pitchFamily="49" charset="0"/>
+                <a:sym typeface="Symbol" pitchFamily="18" charset="2"/>
+              </a:rPr>
+              <a:t> to v</a:t>
+            </a:r>
+          </a:p>
+          <a:p>
+            <a:pPr>
+              <a:lnSpc>
+                <a:spcPct val="90000"/>
+              </a:lnSpc>
+              <a:buFont typeface="Monotype Sorts" charset="2"/>
+              <a:buNone/>
+            </a:pPr>
+            <a:r>
+              <a:rPr lang="en-US" sz="2000" b="1" dirty="0">
+                <a:latin typeface="Courier New" pitchFamily="49" charset="0"/>
+                <a:sym typeface="Symbol" pitchFamily="18" charset="2"/>
+              </a:rPr>
+              <a:t>     if (w</a:t>
+            </a:r>
+            <a:r>
+              <a:rPr lang="en-US" sz="2000" b="1" dirty="0">
+                <a:latin typeface="Courier New" pitchFamily="49" charset="0"/>
+              </a:rPr>
+              <a:t> </a:t>
+            </a:r>
+            <a:r>
+              <a:rPr lang="en-US" sz="2000" b="1" dirty="0">
+                <a:latin typeface="Courier New" pitchFamily="49" charset="0"/>
+                <a:sym typeface="Symbol" pitchFamily="18" charset="2"/>
+              </a:rPr>
+              <a:t>is unseen) {</a:t>
+            </a:r>
+          </a:p>
+          <a:p>
+            <a:pPr>
+              <a:lnSpc>
+                <a:spcPct val="90000"/>
+              </a:lnSpc>
+              <a:buFont typeface="Monotype Sorts" charset="2"/>
+              <a:buNone/>
+            </a:pPr>
+            <a:r>
+              <a:rPr lang="en-US" sz="2000" b="1" dirty="0">
+                <a:latin typeface="Courier New" pitchFamily="49" charset="0"/>
+                <a:sym typeface="Symbol" pitchFamily="18" charset="2"/>
+              </a:rPr>
+              <a:t>        </a:t>
+            </a:r>
+            <a:r>
+              <a:rPr lang="en-US" sz="2000" b="1" dirty="0" err="1">
+                <a:solidFill>
+                  <a:schemeClr val="accent1">
+                    <a:lumMod val="75000"/>
+                  </a:schemeClr>
+                </a:solidFill>
+                <a:latin typeface="Courier New" pitchFamily="49" charset="0"/>
+                <a:sym typeface="Symbol" pitchFamily="18" charset="2"/>
+              </a:rPr>
+              <a:t>PQ.Insert</a:t>
+            </a:r>
+            <a:r>
+              <a:rPr lang="en-US" sz="2000" b="1" dirty="0">
+                <a:solidFill>
+                  <a:schemeClr val="accent1">
+                    <a:lumMod val="75000"/>
+                  </a:schemeClr>
+                </a:solidFill>
+                <a:latin typeface="Courier New" pitchFamily="49" charset="0"/>
+                <a:sym typeface="Symbol" pitchFamily="18" charset="2"/>
+              </a:rPr>
+              <a:t>(w, wt(</a:t>
+            </a:r>
+            <a:r>
+              <a:rPr lang="en-US" sz="2000" b="1" dirty="0" err="1">
+                <a:solidFill>
+                  <a:schemeClr val="accent1">
+                    <a:lumMod val="75000"/>
+                  </a:schemeClr>
+                </a:solidFill>
+                <a:latin typeface="Courier New" pitchFamily="49" charset="0"/>
+                <a:sym typeface="Symbol" pitchFamily="18" charset="2"/>
+              </a:rPr>
+              <a:t>v,w</a:t>
+            </a:r>
+            <a:r>
+              <a:rPr lang="en-US" sz="2000" b="1" dirty="0">
+                <a:solidFill>
+                  <a:schemeClr val="accent1">
+                    <a:lumMod val="75000"/>
+                  </a:schemeClr>
+                </a:solidFill>
+                <a:latin typeface="Courier New" pitchFamily="49" charset="0"/>
+                <a:sym typeface="Symbol" pitchFamily="18" charset="2"/>
+              </a:rPr>
+              <a:t>));</a:t>
+            </a:r>
+          </a:p>
+          <a:p>
+            <a:pPr>
+              <a:lnSpc>
+                <a:spcPct val="90000"/>
+              </a:lnSpc>
+              <a:buFont typeface="Monotype Sorts" charset="2"/>
+              <a:buNone/>
+            </a:pPr>
+            <a:r>
+              <a:rPr lang="en-US" sz="2000" b="1" dirty="0">
+                <a:latin typeface="Courier New" pitchFamily="49" charset="0"/>
+                <a:sym typeface="Symbol" pitchFamily="18" charset="2"/>
+              </a:rPr>
+              <a:t>        parent[w] = v;</a:t>
+            </a:r>
+          </a:p>
+          <a:p>
+            <a:pPr>
+              <a:lnSpc>
+                <a:spcPct val="90000"/>
+              </a:lnSpc>
+              <a:buFont typeface="Monotype Sorts" charset="2"/>
+              <a:buNone/>
+            </a:pPr>
+            <a:r>
+              <a:rPr lang="en-US" sz="2000" b="1" dirty="0">
+                <a:latin typeface="Courier New" pitchFamily="49" charset="0"/>
+                <a:sym typeface="Symbol" pitchFamily="18" charset="2"/>
+              </a:rPr>
+              <a:t>	   }</a:t>
+            </a:r>
+          </a:p>
+          <a:p>
+            <a:pPr>
+              <a:lnSpc>
+                <a:spcPct val="90000"/>
+              </a:lnSpc>
+              <a:buFont typeface="Monotype Sorts" charset="2"/>
+              <a:buNone/>
+            </a:pPr>
+            <a:r>
+              <a:rPr lang="en-US" sz="2000" b="1" dirty="0">
+                <a:latin typeface="Courier New" pitchFamily="49" charset="0"/>
+                <a:sym typeface="Symbol" pitchFamily="18" charset="2"/>
+              </a:rPr>
+              <a:t>     else if (w is fringe &amp;&amp; </a:t>
+            </a:r>
+            <a:r>
+              <a:rPr lang="en-US" sz="2000" b="1" dirty="0">
+                <a:solidFill>
+                  <a:schemeClr val="accent1">
+                    <a:lumMod val="75000"/>
+                  </a:schemeClr>
+                </a:solidFill>
+                <a:latin typeface="Courier New" pitchFamily="49" charset="0"/>
+                <a:sym typeface="Symbol" pitchFamily="18" charset="2"/>
+              </a:rPr>
+              <a:t>wt[</a:t>
+            </a:r>
+            <a:r>
+              <a:rPr lang="en-US" sz="2000" b="1" dirty="0" err="1">
+                <a:solidFill>
+                  <a:schemeClr val="accent1">
+                    <a:lumMod val="75000"/>
+                  </a:schemeClr>
+                </a:solidFill>
+                <a:latin typeface="Courier New" pitchFamily="49" charset="0"/>
+                <a:sym typeface="Symbol" pitchFamily="18" charset="2"/>
+              </a:rPr>
+              <a:t>v,w</a:t>
+            </a:r>
+            <a:r>
+              <a:rPr lang="en-US" sz="2000" b="1" dirty="0">
+                <a:solidFill>
+                  <a:schemeClr val="accent1">
+                    <a:lumMod val="75000"/>
+                  </a:schemeClr>
+                </a:solidFill>
+                <a:latin typeface="Courier New" pitchFamily="49" charset="0"/>
+                <a:sym typeface="Symbol" pitchFamily="18" charset="2"/>
+              </a:rPr>
+              <a:t>] &lt; </a:t>
+            </a:r>
+            <a:r>
+              <a:rPr lang="en-US" sz="2000" b="1" dirty="0" err="1">
+                <a:solidFill>
+                  <a:schemeClr val="accent1">
+                    <a:lumMod val="75000"/>
+                  </a:schemeClr>
+                </a:solidFill>
+                <a:latin typeface="Courier New" pitchFamily="49" charset="0"/>
+                <a:sym typeface="Symbol" pitchFamily="18" charset="2"/>
+              </a:rPr>
+              <a:t>fringeWt</a:t>
+            </a:r>
+            <a:r>
+              <a:rPr lang="en-US" sz="2000" b="1" dirty="0">
+                <a:solidFill>
+                  <a:schemeClr val="accent1">
+                    <a:lumMod val="75000"/>
+                  </a:schemeClr>
+                </a:solidFill>
+                <a:latin typeface="Courier New" pitchFamily="49" charset="0"/>
+                <a:sym typeface="Symbol" pitchFamily="18" charset="2"/>
+              </a:rPr>
+              <a:t>(w)</a:t>
+            </a:r>
+            <a:r>
+              <a:rPr lang="en-US" sz="2000" b="1" dirty="0">
+                <a:latin typeface="Courier New" pitchFamily="49" charset="0"/>
+                <a:sym typeface="Symbol" pitchFamily="18" charset="2"/>
+              </a:rPr>
+              <a:t>){</a:t>
+            </a:r>
+          </a:p>
+          <a:p>
+            <a:pPr>
+              <a:lnSpc>
+                <a:spcPct val="90000"/>
+              </a:lnSpc>
+              <a:buFont typeface="Monotype Sorts" charset="2"/>
+              <a:buNone/>
+            </a:pPr>
+            <a:r>
+              <a:rPr lang="en-US" sz="2000" b="1" dirty="0">
+                <a:latin typeface="Courier New" pitchFamily="49" charset="0"/>
+                <a:sym typeface="Symbol" pitchFamily="18" charset="2"/>
+              </a:rPr>
+              <a:t>        </a:t>
+            </a:r>
+            <a:r>
+              <a:rPr lang="en-US" sz="2000" b="1" dirty="0" err="1">
+                <a:solidFill>
+                  <a:schemeClr val="accent1">
+                    <a:lumMod val="75000"/>
+                  </a:schemeClr>
+                </a:solidFill>
+                <a:latin typeface="Courier New" pitchFamily="49" charset="0"/>
+                <a:sym typeface="Symbol" pitchFamily="18" charset="2"/>
+              </a:rPr>
               <a:t>PQ.decreaseKey</a:t>
             </a:r>
             <a:r>
-              <a:rPr lang="en-US" dirty="0">
+              <a:rPr lang="en-US" sz="2000" b="1" dirty="0">
+                <a:solidFill>
+                  <a:schemeClr val="accent1">
+                    <a:lumMod val="75000"/>
+                  </a:schemeClr>
+                </a:solidFill>
+                <a:latin typeface="Courier New" pitchFamily="49" charset="0"/>
                 <a:sym typeface="Symbol" pitchFamily="18" charset="2"/>
               </a:rPr>
-              <a:t>()</a:t>
-            </a:r>
-          </a:p>
-          <a:p>
-            <a:endParaRPr lang="en-US" dirty="0">
-              <a:sym typeface="Symbol" pitchFamily="18" charset="2"/>
-            </a:endParaRPr>
-          </a:p>
-          <a:p>
-            <a:r>
-              <a:rPr lang="en-US" dirty="0">
+              <a:t>(w, wt[</a:t>
+            </a:r>
+            <a:r>
+              <a:rPr lang="en-US" sz="2000" b="1" dirty="0" err="1">
+                <a:solidFill>
+                  <a:schemeClr val="accent1">
+                    <a:lumMod val="75000"/>
+                  </a:schemeClr>
+                </a:solidFill>
+                <a:latin typeface="Courier New" pitchFamily="49" charset="0"/>
                 <a:sym typeface="Symbol" pitchFamily="18" charset="2"/>
               </a:rPr>
-              <a:t>Example of naïve approach first </a:t>
-            </a:r>
-            <a:r>
-              <a:rPr lang="en-US" dirty="0">
-                <a:sym typeface="Wingdings" pitchFamily="2" charset="2"/>
-              </a:rPr>
-              <a:t></a:t>
-            </a:r>
-            <a:endParaRPr lang="en-US" dirty="0">
-              <a:sym typeface="Symbol" pitchFamily="18" charset="2"/>
-            </a:endParaRPr>
+              <a:t>v,w</a:t>
+            </a:r>
+            <a:r>
+              <a:rPr lang="en-US" sz="2000" b="1" dirty="0">
+                <a:solidFill>
+                  <a:schemeClr val="accent1">
+                    <a:lumMod val="75000"/>
+                  </a:schemeClr>
+                </a:solidFill>
+                <a:latin typeface="Courier New" pitchFamily="49" charset="0"/>
+                <a:sym typeface="Symbol" pitchFamily="18" charset="2"/>
+              </a:rPr>
+              <a:t>]);</a:t>
+            </a:r>
+          </a:p>
+          <a:p>
+            <a:pPr>
+              <a:lnSpc>
+                <a:spcPct val="90000"/>
+              </a:lnSpc>
+              <a:buFont typeface="Monotype Sorts" charset="2"/>
+              <a:buNone/>
+            </a:pPr>
+            <a:r>
+              <a:rPr lang="en-US" sz="2000" b="1" dirty="0">
+                <a:latin typeface="Courier New" pitchFamily="49" charset="0"/>
+                <a:sym typeface="Symbol" pitchFamily="18" charset="2"/>
+              </a:rPr>
+              <a:t>        parent[w] = v;</a:t>
+            </a:r>
+          </a:p>
+          <a:p>
+            <a:pPr>
+              <a:lnSpc>
+                <a:spcPct val="90000"/>
+              </a:lnSpc>
+              <a:buFont typeface="Monotype Sorts" charset="2"/>
+              <a:buNone/>
+            </a:pPr>
+            <a:r>
+              <a:rPr lang="en-US" sz="2000" b="1" dirty="0">
+                <a:latin typeface="Courier New" pitchFamily="49" charset="0"/>
+                <a:sym typeface="Symbol" pitchFamily="18" charset="2"/>
+              </a:rPr>
+              <a:t>     }</a:t>
+            </a:r>
           </a:p>
         </p:txBody>
       </p:sp>
     </p:spTree>
     <p:extLst>
       <p:ext uri="{BB962C8B-B14F-4D97-AF65-F5344CB8AC3E}">
-        <p14:creationId xmlns:p14="http://schemas.microsoft.com/office/powerpoint/2010/main" val="3025254322"/>
+        <p14:creationId xmlns:p14="http://schemas.microsoft.com/office/powerpoint/2010/main" val="3609943632"/>
       </p:ext>
     </p:extLst>
   </p:cSld>
@@ -14317,7 +14279,7 @@
               <a:rPr lang="en-US" dirty="0">
                 <a:sym typeface="Symbol" pitchFamily="18" charset="2"/>
               </a:rPr>
-              <a:t>Indirect Heap </a:t>
+              <a:t>Example of naïve approach first </a:t>
             </a:r>
             <a:r>
               <a:rPr lang="en-US" dirty="0">
@@ -14334,7 +14296,7 @@
     </p:spTree>
     <p:extLst>
       <p:ext uri="{BB962C8B-B14F-4D97-AF65-F5344CB8AC3E}">
-        <p14:creationId xmlns:p14="http://schemas.microsoft.com/office/powerpoint/2010/main" val="3724557448"/>
+        <p14:creationId xmlns:p14="http://schemas.microsoft.com/office/powerpoint/2010/main" val="3025254322"/>
       </p:ext>
     </p:extLst>
   </p:cSld>
@@ -14363,7 +14325,7 @@
       </p:grpSpPr>
       <p:sp>
         <p:nvSpPr>
-          <p:cNvPr id="73731" name="Rectangle 2"/>
+          <p:cNvPr id="72707" name="Rectangle 2"/>
           <p:cNvSpPr>
             <a:spLocks noGrp="1" noChangeArrowheads="1"/>
           </p:cNvSpPr>
@@ -14383,7 +14345,7 @@
               <a:rPr lang="en-US">
                 <a:sym typeface="Symbol" pitchFamily="18" charset="2"/>
               </a:rPr>
-              <a:t>Better PQ Implementations (2)</a:t>
+              <a:t>Better PQ Implementations</a:t>
             </a:r>
           </a:p>
         </p:txBody>
@@ -14414,7 +14376,7 @@
       </p:sp>
       <p:sp>
         <p:nvSpPr>
-          <p:cNvPr id="73732" name="Rectangle 3"/>
+          <p:cNvPr id="72708" name="Rectangle 3"/>
           <p:cNvSpPr>
             <a:spLocks noGrp="1" noChangeArrowheads="1"/>
           </p:cNvSpPr>
@@ -14434,28 +14396,19 @@
               <a:rPr lang="en-US" dirty="0">
                 <a:sym typeface="Symbol" pitchFamily="18" charset="2"/>
               </a:rPr>
-              <a:t>Cost of Dijkstra’s and Prim’s</a:t>
-            </a:r>
-          </a:p>
-          <a:p>
-            <a:pPr lvl="1"/>
+              <a:t>Goal: Lower cost of </a:t>
+            </a:r>
+            <a:r>
+              <a:rPr lang="en-US" dirty="0" err="1">
+                <a:sym typeface="Symbol" pitchFamily="18" charset="2"/>
+              </a:rPr>
+              <a:t>PQ.decreaseKey</a:t>
+            </a:r>
             <a:r>
               <a:rPr lang="en-US" dirty="0">
                 <a:sym typeface="Symbol" pitchFamily="18" charset="2"/>
               </a:rPr>
-              <a:t>O(V*log(V) + E*</a:t>
-            </a:r>
-            <a:r>
-              <a:rPr lang="en-US" b="1" i="1" dirty="0">
-                <a:sym typeface="Symbol" pitchFamily="18" charset="2"/>
-              </a:rPr>
-              <a:t>V</a:t>
-            </a:r>
-            <a:r>
-              <a:rPr lang="en-US" dirty="0">
-                <a:sym typeface="Symbol" pitchFamily="18" charset="2"/>
-              </a:rPr>
-              <a:t>)</a:t>
+              <a:t>()</a:t>
             </a:r>
           </a:p>
           <a:p>
@@ -14468,43 +14421,24 @@
               <a:rPr lang="en-US" dirty="0">
                 <a:sym typeface="Symbol" pitchFamily="18" charset="2"/>
               </a:rPr>
-              <a:t>Indirect heap makes bolded V become log(V)</a:t>
-            </a:r>
-          </a:p>
-          <a:p>
+              <a:t>Indirect Heap </a:t>
+            </a:r>
+            <a:r>
+              <a:rPr lang="en-US" dirty="0">
+                <a:sym typeface="Wingdings" pitchFamily="2" charset="2"/>
+              </a:rPr>
+              <a:t></a:t>
+            </a:r>
             <a:endParaRPr lang="en-US" dirty="0">
               <a:sym typeface="Symbol" pitchFamily="18" charset="2"/>
             </a:endParaRPr>
           </a:p>
-          <a:p>
-            <a:r>
-              <a:rPr lang="en-US" dirty="0">
-                <a:sym typeface="Symbol" pitchFamily="18" charset="2"/>
-              </a:rPr>
-              <a:t>New Cost:</a:t>
-            </a:r>
-          </a:p>
-          <a:p>
-            <a:pPr lvl="1"/>
-            <a:r>
-              <a:rPr lang="en-US" dirty="0">
-                <a:sym typeface="Symbol" pitchFamily="18" charset="2"/>
-              </a:rPr>
-              <a:t>O(V*log(V) + E*log(V)) = O(E*log(V))</a:t>
-            </a:r>
-          </a:p>
-          <a:p>
-            <a:pPr lvl="2"/>
-            <a:endParaRPr lang="en-US" dirty="0">
-              <a:sym typeface="Symbol" pitchFamily="18" charset="2"/>
-            </a:endParaRPr>
-          </a:p>
         </p:txBody>
       </p:sp>
     </p:spTree>
     <p:extLst>
       <p:ext uri="{BB962C8B-B14F-4D97-AF65-F5344CB8AC3E}">
-        <p14:creationId xmlns:p14="http://schemas.microsoft.com/office/powerpoint/2010/main" val="627208901"/>
+        <p14:creationId xmlns:p14="http://schemas.microsoft.com/office/powerpoint/2010/main" val="3724557448"/>
       </p:ext>
     </p:extLst>
   </p:cSld>
@@ -14533,12 +14467,15 @@
       </p:grpSpPr>
       <p:sp>
         <p:nvSpPr>
-          <p:cNvPr id="5" name="Title 4"/>
+          <p:cNvPr id="73731" name="Rectangle 2"/>
           <p:cNvSpPr>
-            <a:spLocks noGrp="1"/>
+            <a:spLocks noGrp="1" noChangeArrowheads="1"/>
           </p:cNvSpPr>
           <p:nvPr>
             <p:ph type="title"/>
+            <p:custDataLst>
+              <p:tags r:id="rId1"/>
+            </p:custDataLst>
           </p:nvPr>
         </p:nvSpPr>
         <p:spPr/>
@@ -14547,29 +14484,11 @@
           <a:lstStyle/>
           <a:p>
             <a:r>
-              <a:rPr lang="en-US"/>
-              <a:t>Summary</a:t>
-            </a:r>
-            <a:endParaRPr lang="en-US" dirty="0"/>
-          </a:p>
-        </p:txBody>
-      </p:sp>
-      <p:sp>
-        <p:nvSpPr>
-          <p:cNvPr id="6" name="Text Placeholder 5"/>
-          <p:cNvSpPr>
-            <a:spLocks noGrp="1"/>
-          </p:cNvSpPr>
-          <p:nvPr>
-            <p:ph type="body" idx="1"/>
-          </p:nvPr>
-        </p:nvSpPr>
-        <p:spPr/>
-        <p:txBody>
-          <a:bodyPr/>
-          <a:lstStyle/>
-          <a:p>
-            <a:endParaRPr lang="en-US"/>
+              <a:rPr lang="en-US">
+                <a:sym typeface="Symbol" pitchFamily="18" charset="2"/>
+              </a:rPr>
+              <a:t>Better PQ Implementations (2)</a:t>
+            </a:r>
           </a:p>
         </p:txBody>
       </p:sp>
@@ -14588,7 +14507,7 @@
           <a:bodyPr/>
           <a:lstStyle/>
           <a:p>
-            <a:fld id="{030EE116-056E-4288-B7F7-411CB7E437A9}" type="slidenum">
+            <a:fld id="{DACC1BBE-66B1-403A-8C7E-C57A0F3A107F}" type="slidenum">
               <a:rPr lang="en-US" smtClean="0"/>
               <a:pPr/>
               <a:t>29</a:t>
@@ -14597,10 +14516,99 @@
           </a:p>
         </p:txBody>
       </p:sp>
+      <p:sp>
+        <p:nvSpPr>
+          <p:cNvPr id="73732" name="Rectangle 3"/>
+          <p:cNvSpPr>
+            <a:spLocks noGrp="1" noChangeArrowheads="1"/>
+          </p:cNvSpPr>
+          <p:nvPr>
+            <p:ph sz="quarter" idx="1"/>
+            <p:custDataLst>
+              <p:tags r:id="rId2"/>
+            </p:custDataLst>
+          </p:nvPr>
+        </p:nvSpPr>
+        <p:spPr/>
+        <p:txBody>
+          <a:bodyPr/>
+          <a:lstStyle/>
+          <a:p>
+            <a:r>
+              <a:rPr lang="en-US" dirty="0">
+                <a:sym typeface="Symbol" pitchFamily="18" charset="2"/>
+              </a:rPr>
+              <a:t>Cost of Dijkstra’s and Prim’s</a:t>
+            </a:r>
+          </a:p>
+          <a:p>
+            <a:pPr lvl="1"/>
+            <a:r>
+              <a:rPr lang="en-US" dirty="0">
+                <a:sym typeface="Symbol" pitchFamily="18" charset="2"/>
+              </a:rPr>
+              <a:t>O(V*log(V) + E*</a:t>
+            </a:r>
+            <a:r>
+              <a:rPr lang="en-US" b="1" i="1" dirty="0">
+                <a:sym typeface="Symbol" pitchFamily="18" charset="2"/>
+              </a:rPr>
+              <a:t>V</a:t>
+            </a:r>
+            <a:r>
+              <a:rPr lang="en-US" dirty="0">
+                <a:sym typeface="Symbol" pitchFamily="18" charset="2"/>
+              </a:rPr>
+              <a:t>)</a:t>
+            </a:r>
+          </a:p>
+          <a:p>
+            <a:endParaRPr lang="en-US" dirty="0">
+              <a:sym typeface="Symbol" pitchFamily="18" charset="2"/>
+            </a:endParaRPr>
+          </a:p>
+          <a:p>
+            <a:r>
+              <a:rPr lang="en-US" dirty="0">
+                <a:sym typeface="Symbol" pitchFamily="18" charset="2"/>
+              </a:rPr>
+              <a:t>Indirect heap makes bolded V become log(V)</a:t>
+            </a:r>
+          </a:p>
+          <a:p>
+            <a:endParaRPr lang="en-US" dirty="0">
+              <a:sym typeface="Symbol" pitchFamily="18" charset="2"/>
+            </a:endParaRPr>
+          </a:p>
+          <a:p>
+            <a:r>
+              <a:rPr lang="en-US" dirty="0">
+                <a:sym typeface="Symbol" pitchFamily="18" charset="2"/>
+              </a:rPr>
+              <a:t>New Cost:</a:t>
+            </a:r>
+          </a:p>
+          <a:p>
+            <a:pPr lvl="1"/>
+            <a:r>
+              <a:rPr lang="en-US" dirty="0">
+                <a:sym typeface="Symbol" pitchFamily="18" charset="2"/>
+              </a:rPr>
+              <a:t>O(V*log(V) + E*log(V)) = O(E*log(V))</a:t>
+            </a:r>
+          </a:p>
+          <a:p>
+            <a:pPr lvl="2"/>
+            <a:endParaRPr lang="en-US" dirty="0">
+              <a:sym typeface="Symbol" pitchFamily="18" charset="2"/>
+            </a:endParaRPr>
+          </a:p>
+        </p:txBody>
+      </p:sp>
     </p:spTree>
     <p:extLst>
       <p:ext uri="{BB962C8B-B14F-4D97-AF65-F5344CB8AC3E}">
-        <p14:creationId xmlns:p14="http://schemas.microsoft.com/office/powerpoint/2010/main" val="3384825226"/>
+        <p14:creationId xmlns:p14="http://schemas.microsoft.com/office/powerpoint/2010/main" val="627208901"/>
       </p:ext>
     </p:extLst>
   </p:cSld>
@@ -14738,9 +14746,29 @@
           <a:lstStyle/>
           <a:p>
             <a:r>
-              <a:rPr lang="en-US" dirty="0"/>
-              <a:t>What Did We Learn?</a:t>
-            </a:r>
+              <a:rPr lang="en-US"/>
+              <a:t>Summary</a:t>
+            </a:r>
+            <a:endParaRPr lang="en-US" dirty="0"/>
+          </a:p>
+        </p:txBody>
+      </p:sp>
+      <p:sp>
+        <p:nvSpPr>
+          <p:cNvPr id="6" name="Text Placeholder 5"/>
+          <p:cNvSpPr>
+            <a:spLocks noGrp="1"/>
+          </p:cNvSpPr>
+          <p:nvPr>
+            <p:ph type="body" idx="1"/>
+          </p:nvPr>
+        </p:nvSpPr>
+        <p:spPr/>
+        <p:txBody>
+          <a:bodyPr/>
+          <a:lstStyle/>
+          <a:p>
+            <a:endParaRPr lang="en-US"/>
           </a:p>
         </p:txBody>
       </p:sp>
@@ -14768,56 +14796,12 @@
           </a:p>
         </p:txBody>
       </p:sp>
-      <p:sp>
-        <p:nvSpPr>
-          <p:cNvPr id="6" name="Content Placeholder 5"/>
-          <p:cNvSpPr>
-            <a:spLocks noGrp="1"/>
-          </p:cNvSpPr>
-          <p:nvPr>
-            <p:ph sz="quarter" idx="1"/>
-          </p:nvPr>
-        </p:nvSpPr>
-        <p:spPr/>
-        <p:txBody>
-          <a:bodyPr>
-            <a:normAutofit/>
-          </a:bodyPr>
-          <a:lstStyle/>
-          <a:p>
-            <a:r>
-              <a:rPr lang="en-US" dirty="0"/>
-              <a:t>Review of Dijkstra’s and Prim’s</a:t>
-            </a:r>
-          </a:p>
-          <a:p>
-            <a:pPr lvl="1"/>
-            <a:r>
-              <a:rPr lang="en-US" dirty="0"/>
-              <a:t>Almost same algorithm but solve different problems!!</a:t>
-            </a:r>
-          </a:p>
-          <a:p>
-            <a:endParaRPr lang="en-US" dirty="0"/>
-          </a:p>
-          <a:p>
-            <a:r>
-              <a:rPr lang="en-US" dirty="0"/>
-              <a:t>Review of Naïve runtime analysis</a:t>
-            </a:r>
-          </a:p>
-          <a:p>
-            <a:endParaRPr lang="en-US" dirty="0"/>
-          </a:p>
-          <a:p>
-            <a:r>
-              <a:rPr lang="en-US" dirty="0"/>
-              <a:t>Indirect heap and better runtime for each algorithm</a:t>
-            </a:r>
-          </a:p>
-        </p:txBody>
-      </p:sp>
     </p:spTree>
+    <p:extLst>
+      <p:ext uri="{BB962C8B-B14F-4D97-AF65-F5344CB8AC3E}">
+        <p14:creationId xmlns:p14="http://schemas.microsoft.com/office/powerpoint/2010/main" val="3384825226"/>
+      </p:ext>
+    </p:extLst>
   </p:cSld>
   <p:clrMapOvr>
     <a:masterClrMapping/>
@@ -14859,27 +14843,8 @@
           <a:p>
             <a:r>
               <a:rPr lang="en-US" dirty="0"/>
-              <a:t>Extra Problem (If Time Allows)</a:t>
-            </a:r>
-          </a:p>
-        </p:txBody>
-      </p:sp>
-      <p:sp>
-        <p:nvSpPr>
-          <p:cNvPr id="6" name="Text Placeholder 5"/>
-          <p:cNvSpPr>
-            <a:spLocks noGrp="1"/>
-          </p:cNvSpPr>
-          <p:nvPr>
-            <p:ph type="body" idx="1"/>
-          </p:nvPr>
-        </p:nvSpPr>
-        <p:spPr/>
-        <p:txBody>
-          <a:bodyPr/>
-          <a:lstStyle/>
-          <a:p>
-            <a:endParaRPr lang="en-US"/>
+              <a:t>What Did We Learn?</a:t>
+            </a:r>
           </a:p>
         </p:txBody>
       </p:sp>
@@ -14907,12 +14872,56 @@
           </a:p>
         </p:txBody>
       </p:sp>
+      <p:sp>
+        <p:nvSpPr>
+          <p:cNvPr id="6" name="Content Placeholder 5"/>
+          <p:cNvSpPr>
+            <a:spLocks noGrp="1"/>
+          </p:cNvSpPr>
+          <p:nvPr>
+            <p:ph sz="quarter" idx="1"/>
+          </p:nvPr>
+        </p:nvSpPr>
+        <p:spPr/>
+        <p:txBody>
+          <a:bodyPr>
+            <a:normAutofit/>
+          </a:bodyPr>
+          <a:lstStyle/>
+          <a:p>
+            <a:r>
+              <a:rPr lang="en-US" dirty="0"/>
+              <a:t>Review of Dijkstra’s and Prim’s</a:t>
+            </a:r>
+          </a:p>
+          <a:p>
+            <a:pPr lvl="1"/>
+            <a:r>
+              <a:rPr lang="en-US" dirty="0"/>
+              <a:t>Almost same algorithm but solve different problems!!</a:t>
+            </a:r>
+          </a:p>
+          <a:p>
+            <a:endParaRPr lang="en-US" dirty="0"/>
+          </a:p>
+          <a:p>
+            <a:r>
+              <a:rPr lang="en-US" dirty="0"/>
+              <a:t>Review of Naïve runtime analysis</a:t>
+            </a:r>
+          </a:p>
+          <a:p>
+            <a:endParaRPr lang="en-US" dirty="0"/>
+          </a:p>
+          <a:p>
+            <a:r>
+              <a:rPr lang="en-US" dirty="0"/>
+              <a:t>Indirect heap and better runtime for each algorithm</a:t>
+            </a:r>
+          </a:p>
+        </p:txBody>
+      </p:sp>
     </p:spTree>
-    <p:extLst>
-      <p:ext uri="{BB962C8B-B14F-4D97-AF65-F5344CB8AC3E}">
-        <p14:creationId xmlns:p14="http://schemas.microsoft.com/office/powerpoint/2010/main" val="2556928720"/>
-      </p:ext>
-    </p:extLst>
   </p:cSld>
   <p:clrMapOvr>
     <a:masterClrMapping/>
@@ -14939,7 +14948,7 @@
       </p:grpSpPr>
       <p:sp>
         <p:nvSpPr>
-          <p:cNvPr id="35842" name="Title 1"/>
+          <p:cNvPr id="5" name="Title 4"/>
           <p:cNvSpPr>
             <a:spLocks noGrp="1"/>
           </p:cNvSpPr>
@@ -14954,8 +14963,27 @@
           <a:p>
             <a:r>
               <a:rPr lang="en-US" dirty="0"/>
-              <a:t>Solve This Problem</a:t>
-            </a:r>
+              <a:t>Extra Problem (If Time Allows)</a:t>
+            </a:r>
+          </a:p>
+        </p:txBody>
+      </p:sp>
+      <p:sp>
+        <p:nvSpPr>
+          <p:cNvPr id="6" name="Text Placeholder 5"/>
+          <p:cNvSpPr>
+            <a:spLocks noGrp="1"/>
+          </p:cNvSpPr>
+          <p:nvPr>
+            <p:ph type="body" idx="1"/>
+          </p:nvPr>
+        </p:nvSpPr>
+        <p:spPr/>
+        <p:txBody>
+          <a:bodyPr/>
+          <a:lstStyle/>
+          <a:p>
+            <a:endParaRPr lang="en-US"/>
           </a:p>
         </p:txBody>
       </p:sp>
@@ -14974,7 +15002,7 @@
           <a:bodyPr/>
           <a:lstStyle/>
           <a:p>
-            <a:fld id="{DACC1BBE-66B1-403A-8C7E-C57A0F3A107F}" type="slidenum">
+            <a:fld id="{030EE116-056E-4288-B7F7-411CB7E437A9}" type="slidenum">
               <a:rPr lang="en-US" smtClean="0"/>
               <a:pPr/>
               <a:t>32</a:t>
@@ -14983,78 +15011,10 @@
           </a:p>
         </p:txBody>
       </p:sp>
-      <p:sp>
-        <p:nvSpPr>
-          <p:cNvPr id="35843" name="Content Placeholder 2"/>
-          <p:cNvSpPr>
-            <a:spLocks noGrp="1"/>
-          </p:cNvSpPr>
-          <p:nvPr>
-            <p:ph sz="quarter" idx="1"/>
-          </p:nvPr>
-        </p:nvSpPr>
-        <p:spPr/>
-        <p:txBody>
-          <a:bodyPr>
-            <a:normAutofit/>
-          </a:bodyPr>
-          <a:lstStyle/>
-          <a:p>
-            <a:r>
-              <a:rPr lang="en-US" dirty="0"/>
-              <a:t>Suppose </a:t>
-            </a:r>
-            <a:r>
-              <a:rPr lang="en-US" dirty="0" err="1"/>
-              <a:t>Floryan</a:t>
-            </a:r>
-            <a:r>
-              <a:rPr lang="en-US" dirty="0"/>
-              <a:t> is traveling by flying from city S to city D. </a:t>
-            </a:r>
-            <a:r>
-              <a:rPr lang="en-US" dirty="0" err="1"/>
-              <a:t>Floryan</a:t>
-            </a:r>
-            <a:r>
-              <a:rPr lang="en-US" dirty="0"/>
-              <a:t> doesn’t mind sitting on planes, but he REALLY dislikes layovers in airports (I mean, you are just SITTING there not making any progress).</a:t>
-            </a:r>
-          </a:p>
-          <a:p>
-            <a:endParaRPr lang="en-US" dirty="0"/>
-          </a:p>
-          <a:p>
-            <a:r>
-              <a:rPr lang="en-US" dirty="0"/>
-              <a:t>Given </a:t>
-            </a:r>
-            <a:r>
-              <a:rPr lang="en-US" dirty="0" err="1"/>
-              <a:t>Floryan’s</a:t>
-            </a:r>
-            <a:r>
-              <a:rPr lang="en-US" dirty="0"/>
-              <a:t> start city S, destination city D, and a long list of flights (each flight is start city, end city, departure date/time, arrival date/time), can you find the optimal itinerary that minimizes </a:t>
-            </a:r>
-            <a:r>
-              <a:rPr lang="en-US" dirty="0" err="1"/>
-              <a:t>Floryan’s</a:t>
-            </a:r>
-            <a:r>
-              <a:rPr lang="en-US" dirty="0"/>
-              <a:t> layover time?</a:t>
-            </a:r>
-          </a:p>
-          <a:p>
-            <a:endParaRPr lang="en-US" dirty="0"/>
-          </a:p>
-        </p:txBody>
-      </p:sp>
     </p:spTree>
     <p:extLst>
       <p:ext uri="{BB962C8B-B14F-4D97-AF65-F5344CB8AC3E}">
-        <p14:creationId xmlns:p14="http://schemas.microsoft.com/office/powerpoint/2010/main" val="3196957866"/>
+        <p14:creationId xmlns:p14="http://schemas.microsoft.com/office/powerpoint/2010/main" val="2556928720"/>
       </p:ext>
     </p:extLst>
   </p:cSld>
@@ -15098,7 +15058,7 @@
           <a:p>
             <a:r>
               <a:rPr lang="en-US" dirty="0"/>
-              <a:t>Solution:</a:t>
+              <a:t>Solve This Problem</a:t>
             </a:r>
           </a:p>
         </p:txBody>
@@ -15122,6 +15082,150 @@
               <a:rPr lang="en-US" smtClean="0"/>
               <a:pPr/>
               <a:t>33</a:t>
+            </a:fld>
+            <a:endParaRPr lang="en-US"/>
+          </a:p>
+        </p:txBody>
+      </p:sp>
+      <p:sp>
+        <p:nvSpPr>
+          <p:cNvPr id="35843" name="Content Placeholder 2"/>
+          <p:cNvSpPr>
+            <a:spLocks noGrp="1"/>
+          </p:cNvSpPr>
+          <p:nvPr>
+            <p:ph sz="quarter" idx="1"/>
+          </p:nvPr>
+        </p:nvSpPr>
+        <p:spPr/>
+        <p:txBody>
+          <a:bodyPr>
+            <a:normAutofit/>
+          </a:bodyPr>
+          <a:lstStyle/>
+          <a:p>
+            <a:r>
+              <a:rPr lang="en-US" dirty="0"/>
+              <a:t>Suppose </a:t>
+            </a:r>
+            <a:r>
+              <a:rPr lang="en-US" dirty="0" err="1"/>
+              <a:t>Floryan</a:t>
+            </a:r>
+            <a:r>
+              <a:rPr lang="en-US" dirty="0"/>
+              <a:t> is traveling by flying from city S to city D. </a:t>
+            </a:r>
+            <a:r>
+              <a:rPr lang="en-US" dirty="0" err="1"/>
+              <a:t>Floryan</a:t>
+            </a:r>
+            <a:r>
+              <a:rPr lang="en-US" dirty="0"/>
+              <a:t> doesn’t mind sitting on planes, but he REALLY dislikes layovers in airports (I mean, you are just SITTING there not making any progress).</a:t>
+            </a:r>
+          </a:p>
+          <a:p>
+            <a:endParaRPr lang="en-US" dirty="0"/>
+          </a:p>
+          <a:p>
+            <a:r>
+              <a:rPr lang="en-US" dirty="0"/>
+              <a:t>Given </a:t>
+            </a:r>
+            <a:r>
+              <a:rPr lang="en-US" dirty="0" err="1"/>
+              <a:t>Floryan’s</a:t>
+            </a:r>
+            <a:r>
+              <a:rPr lang="en-US" dirty="0"/>
+              <a:t> start city S, destination city D, and a long list of flights (each flight is start city, end city, departure date/time, arrival date/time), can you find the optimal itinerary that minimizes </a:t>
+            </a:r>
+            <a:r>
+              <a:rPr lang="en-US" dirty="0" err="1"/>
+              <a:t>Floryan’s</a:t>
+            </a:r>
+            <a:r>
+              <a:rPr lang="en-US" dirty="0"/>
+              <a:t> layover time?</a:t>
+            </a:r>
+          </a:p>
+          <a:p>
+            <a:endParaRPr lang="en-US" dirty="0"/>
+          </a:p>
+        </p:txBody>
+      </p:sp>
+    </p:spTree>
+    <p:extLst>
+      <p:ext uri="{BB962C8B-B14F-4D97-AF65-F5344CB8AC3E}">
+        <p14:creationId xmlns:p14="http://schemas.microsoft.com/office/powerpoint/2010/main" val="3196957866"/>
+      </p:ext>
+    </p:extLst>
+  </p:cSld>
+  <p:clrMapOvr>
+    <a:masterClrMapping/>
+  </p:clrMapOvr>
+</p:sld>
+</file>
+
+<file path=ppt/slides/slide34.xml><?xml version="1.0" encoding="utf-8"?>
+<p:sld xmlns:a="http://schemas.openxmlformats.org/drawingml/2006/main" xmlns:r="http://schemas.openxmlformats.org/officeDocument/2006/relationships" xmlns:p="http://schemas.openxmlformats.org/presentationml/2006/main">
+  <p:cSld>
+    <p:spTree>
+      <p:nvGrpSpPr>
+        <p:cNvPr id="1" name=""/>
+        <p:cNvGrpSpPr/>
+        <p:nvPr/>
+      </p:nvGrpSpPr>
+      <p:grpSpPr>
+        <a:xfrm>
+          <a:off x="0" y="0"/>
+          <a:ext cx="0" cy="0"/>
+          <a:chOff x="0" y="0"/>
+          <a:chExt cx="0" cy="0"/>
+        </a:xfrm>
+      </p:grpSpPr>
+      <p:sp>
+        <p:nvSpPr>
+          <p:cNvPr id="35842" name="Title 1"/>
+          <p:cNvSpPr>
+            <a:spLocks noGrp="1"/>
+          </p:cNvSpPr>
+          <p:nvPr>
+            <p:ph type="title"/>
+          </p:nvPr>
+        </p:nvSpPr>
+        <p:spPr/>
+        <p:txBody>
+          <a:bodyPr/>
+          <a:lstStyle/>
+          <a:p>
+            <a:r>
+              <a:rPr lang="en-US" dirty="0"/>
+              <a:t>Solution:</a:t>
+            </a:r>
+          </a:p>
+        </p:txBody>
+      </p:sp>
+      <p:sp>
+        <p:nvSpPr>
+          <p:cNvPr id="4" name="Slide Number Placeholder 3"/>
+          <p:cNvSpPr>
+            <a:spLocks noGrp="1"/>
+          </p:cNvSpPr>
+          <p:nvPr>
+            <p:ph type="sldNum" sz="quarter" idx="12"/>
+          </p:nvPr>
+        </p:nvSpPr>
+        <p:spPr/>
+        <p:txBody>
+          <a:bodyPr/>
+          <a:lstStyle/>
+          <a:p>
+            <a:fld id="{DACC1BBE-66B1-403A-8C7E-C57A0F3A107F}" type="slidenum">
+              <a:rPr lang="en-US" smtClean="0"/>
+              <a:pPr/>
+              <a:t>34</a:t>
             </a:fld>
             <a:endParaRPr lang="en-US"/>
           </a:p>
@@ -22959,6 +23063,18 @@
 </p:tagLst>
 </file>
 
+<file path=ppt/tags/tag180.xml><?xml version="1.0" encoding="utf-8"?>
+<p:tagLst xmlns:a="http://schemas.openxmlformats.org/drawingml/2006/main" xmlns:r="http://schemas.openxmlformats.org/officeDocument/2006/relationships" xmlns:p="http://schemas.openxmlformats.org/presentationml/2006/main">
+  <p:tag name="_INSTRUCTOR VIEW19C14C36-AC8E-43BC-9DB6-C2AAF774C7DC|PANE__TAG" val="_"/>
+</p:tagLst>
+</file>
+
+<file path=ppt/tags/tag181.xml><?xml version="1.0" encoding="utf-8"?>
+<p:tagLst xmlns:a="http://schemas.openxmlformats.org/drawingml/2006/main" xmlns:r="http://schemas.openxmlformats.org/officeDocument/2006/relationships" xmlns:p="http://schemas.openxmlformats.org/presentationml/2006/main">
+  <p:tag name="_INSTRUCTOR VIEW19C14C36-AC8E-43BC-9DB6-C2AAF774C7DC|PANE__TAG" val="_"/>
+</p:tagLst>
+</file>
+
 <file path=ppt/tags/tag19.xml><?xml version="1.0" encoding="utf-8"?>
 <p:tagLst xmlns:a="http://schemas.openxmlformats.org/drawingml/2006/main" xmlns:r="http://schemas.openxmlformats.org/officeDocument/2006/relationships" xmlns:p="http://schemas.openxmlformats.org/presentationml/2006/main">
   <p:tag name="_INSTRUCTOR VIEW19C14C36-AC8E-43BC-9DB6-C2AAF774C7DC|PANE__TAG" val="_"/>

--- a/slides/02-DijkstraAndPrim.pptx
+++ b/slides/02-DijkstraAndPrim.pptx
@@ -5,10 +5,10 @@
     <p:sldMasterId id="2147483714" r:id="rId1"/>
   </p:sldMasterIdLst>
   <p:notesMasterIdLst>
-    <p:notesMasterId r:id="rId36"/>
+    <p:notesMasterId r:id="rId40"/>
   </p:notesMasterIdLst>
   <p:handoutMasterIdLst>
-    <p:handoutMasterId r:id="rId37"/>
+    <p:handoutMasterId r:id="rId41"/>
   </p:handoutMasterIdLst>
   <p:sldIdLst>
     <p:sldId id="377" r:id="rId2"/>
@@ -24,32 +24,36 @@
     <p:sldId id="530" r:id="rId12"/>
     <p:sldId id="531" r:id="rId13"/>
     <p:sldId id="532" r:id="rId14"/>
-    <p:sldId id="510" r:id="rId15"/>
-    <p:sldId id="415" r:id="rId16"/>
-    <p:sldId id="416" r:id="rId17"/>
-    <p:sldId id="417" r:id="rId18"/>
-    <p:sldId id="516" r:id="rId19"/>
-    <p:sldId id="446" r:id="rId20"/>
-    <p:sldId id="447" r:id="rId21"/>
-    <p:sldId id="452" r:id="rId22"/>
-    <p:sldId id="440" r:id="rId23"/>
-    <p:sldId id="519" r:id="rId24"/>
-    <p:sldId id="443" r:id="rId25"/>
-    <p:sldId id="522" r:id="rId26"/>
-    <p:sldId id="521" r:id="rId27"/>
-    <p:sldId id="520" r:id="rId28"/>
-    <p:sldId id="524" r:id="rId29"/>
-    <p:sldId id="444" r:id="rId30"/>
-    <p:sldId id="458" r:id="rId31"/>
-    <p:sldId id="410" r:id="rId32"/>
-    <p:sldId id="529" r:id="rId33"/>
-    <p:sldId id="525" r:id="rId34"/>
-    <p:sldId id="526" r:id="rId35"/>
+    <p:sldId id="534" r:id="rId15"/>
+    <p:sldId id="535" r:id="rId16"/>
+    <p:sldId id="536" r:id="rId17"/>
+    <p:sldId id="533" r:id="rId18"/>
+    <p:sldId id="510" r:id="rId19"/>
+    <p:sldId id="415" r:id="rId20"/>
+    <p:sldId id="416" r:id="rId21"/>
+    <p:sldId id="417" r:id="rId22"/>
+    <p:sldId id="516" r:id="rId23"/>
+    <p:sldId id="446" r:id="rId24"/>
+    <p:sldId id="447" r:id="rId25"/>
+    <p:sldId id="452" r:id="rId26"/>
+    <p:sldId id="440" r:id="rId27"/>
+    <p:sldId id="519" r:id="rId28"/>
+    <p:sldId id="443" r:id="rId29"/>
+    <p:sldId id="522" r:id="rId30"/>
+    <p:sldId id="521" r:id="rId31"/>
+    <p:sldId id="520" r:id="rId32"/>
+    <p:sldId id="524" r:id="rId33"/>
+    <p:sldId id="444" r:id="rId34"/>
+    <p:sldId id="458" r:id="rId35"/>
+    <p:sldId id="410" r:id="rId36"/>
+    <p:sldId id="529" r:id="rId37"/>
+    <p:sldId id="525" r:id="rId38"/>
+    <p:sldId id="526" r:id="rId39"/>
   </p:sldIdLst>
   <p:sldSz cx="12192000" cy="6858000"/>
   <p:notesSz cx="7315200" cy="9601200"/>
   <p:custDataLst>
-    <p:tags r:id="rId38"/>
+    <p:tags r:id="rId42"/>
   </p:custDataLst>
   <p:defaultTextStyle>
     <a:defPPr>
@@ -1035,7 +1039,7 @@
             <a:fld id="{01579B5F-A22B-4049-B456-587BD3D5757E}" type="slidenum">
               <a:rPr lang="en-US" smtClean="0"/>
               <a:pPr/>
-              <a:t>15</a:t>
+              <a:t>19</a:t>
             </a:fld>
             <a:endParaRPr lang="en-US"/>
           </a:p>
@@ -1156,7 +1160,7 @@
             <a:fld id="{2EBB3A84-340F-4C09-91DC-CFCF1045DE19}" type="slidenum">
               <a:rPr lang="en-US"/>
               <a:pPr/>
-              <a:t>22</a:t>
+              <a:t>26</a:t>
             </a:fld>
             <a:endParaRPr lang="en-US"/>
           </a:p>
@@ -5868,42 +5872,28 @@
       </p:grpSpPr>
       <p:sp>
         <p:nvSpPr>
-          <p:cNvPr id="5" name="Title 4"/>
+          <p:cNvPr id="39938" name="Rectangle 2"/>
           <p:cNvSpPr>
-            <a:spLocks noGrp="1"/>
+            <a:spLocks noGrp="1" noChangeArrowheads="1"/>
           </p:cNvSpPr>
           <p:nvPr>
             <p:ph type="title"/>
+            <p:custDataLst>
+              <p:tags r:id="rId1"/>
+            </p:custDataLst>
           </p:nvPr>
         </p:nvSpPr>
         <p:spPr/>
         <p:txBody>
-          <a:bodyPr/>
+          <a:bodyPr>
+            <a:normAutofit/>
+          </a:bodyPr>
           <a:lstStyle/>
           <a:p>
             <a:r>
               <a:rPr lang="en-US" dirty="0"/>
-              <a:t>Prim’s Algorithm</a:t>
-            </a:r>
-          </a:p>
-        </p:txBody>
-      </p:sp>
-      <p:sp>
-        <p:nvSpPr>
-          <p:cNvPr id="6" name="Text Placeholder 5"/>
-          <p:cNvSpPr>
-            <a:spLocks noGrp="1"/>
-          </p:cNvSpPr>
-          <p:nvPr>
-            <p:ph type="body" idx="1"/>
-          </p:nvPr>
-        </p:nvSpPr>
-        <p:spPr/>
-        <p:txBody>
-          <a:bodyPr/>
-          <a:lstStyle/>
-          <a:p>
-            <a:endParaRPr lang="en-US"/>
+              <a:t>Proof w/ Picture:</a:t>
+            </a:r>
           </a:p>
         </p:txBody>
       </p:sp>
@@ -5922,7 +5912,7 @@
           <a:bodyPr/>
           <a:lstStyle/>
           <a:p>
-            <a:fld id="{030EE116-056E-4288-B7F7-411CB7E437A9}" type="slidenum">
+            <a:fld id="{DACC1BBE-66B1-403A-8C7E-C57A0F3A107F}" type="slidenum">
               <a:rPr lang="en-US" smtClean="0"/>
               <a:pPr/>
               <a:t>14</a:t>
@@ -5931,10 +5921,334 @@
           </a:p>
         </p:txBody>
       </p:sp>
+      <p:pic>
+        <p:nvPicPr>
+          <p:cNvPr id="3" name="Content Placeholder 2">
+            <a:extLst>
+              <a:ext uri="{FF2B5EF4-FFF2-40B4-BE49-F238E27FC236}">
+                <a16:creationId xmlns:a16="http://schemas.microsoft.com/office/drawing/2014/main" id="{6C9F5769-90F3-4146-AC17-14671C9CA9EC}"/>
+              </a:ext>
+            </a:extLst>
+          </p:cNvPr>
+          <p:cNvPicPr>
+            <a:picLocks noGrp="1" noChangeAspect="1"/>
+          </p:cNvPicPr>
+          <p:nvPr>
+            <p:ph sz="quarter" idx="1"/>
+          </p:nvPr>
+        </p:nvPicPr>
+        <p:blipFill>
+          <a:blip r:embed="rId3"/>
+          <a:stretch>
+            <a:fillRect/>
+          </a:stretch>
+        </p:blipFill>
+        <p:spPr>
+          <a:xfrm>
+            <a:off x="609600" y="1354426"/>
+            <a:ext cx="5562600" cy="4825134"/>
+          </a:xfrm>
+        </p:spPr>
+      </p:pic>
+      <mc:AlternateContent xmlns:mc="http://schemas.openxmlformats.org/markup-compatibility/2006">
+        <mc:Choice xmlns:a14="http://schemas.microsoft.com/office/drawing/2010/main" Requires="a14">
+          <p:sp>
+            <p:nvSpPr>
+              <p:cNvPr id="5" name="TextBox 4">
+                <a:extLst>
+                  <a:ext uri="{FF2B5EF4-FFF2-40B4-BE49-F238E27FC236}">
+                    <a16:creationId xmlns:a16="http://schemas.microsoft.com/office/drawing/2014/main" id="{8C87747A-D345-2B44-9C9B-9DFC716F0F44}"/>
+                  </a:ext>
+                </a:extLst>
+              </p:cNvPr>
+              <p:cNvSpPr txBox="1"/>
+              <p:nvPr/>
+            </p:nvSpPr>
+            <p:spPr>
+              <a:xfrm>
+                <a:off x="1752600" y="2743200"/>
+                <a:ext cx="1142172" cy="461665"/>
+              </a:xfrm>
+              <a:prstGeom prst="rect">
+                <a:avLst/>
+              </a:prstGeom>
+              <a:noFill/>
+            </p:spPr>
+            <p:txBody>
+              <a:bodyPr wrap="none" rtlCol="0">
+                <a:spAutoFit/>
+              </a:bodyPr>
+              <a:lstStyle/>
+              <a:p>
+                <a14:m>
+                  <m:oMathPara xmlns:m="http://schemas.openxmlformats.org/officeDocument/2006/math">
+                    <m:oMathParaPr>
+                      <m:jc m:val="centerGroup"/>
+                    </m:oMathParaPr>
+                    <m:oMath xmlns:m="http://schemas.openxmlformats.org/officeDocument/2006/math">
+                      <m:r>
+                        <a:rPr lang="en-US" b="0" i="1" smtClean="0">
+                          <a:latin typeface="Cambria Math" panose="02040503050406030204" pitchFamily="18" charset="0"/>
+                        </a:rPr>
+                        <m:t>𝛿</m:t>
+                      </m:r>
+                      <m:r>
+                        <a:rPr lang="en-US" b="0" i="1" smtClean="0">
+                          <a:latin typeface="Cambria Math" panose="02040503050406030204" pitchFamily="18" charset="0"/>
+                        </a:rPr>
+                        <m:t>(</m:t>
+                      </m:r>
+                      <m:r>
+                        <a:rPr lang="en-US" b="0" i="1" smtClean="0">
+                          <a:latin typeface="Cambria Math" panose="02040503050406030204" pitchFamily="18" charset="0"/>
+                        </a:rPr>
+                        <m:t>𝑠</m:t>
+                      </m:r>
+                      <m:r>
+                        <a:rPr lang="en-US" b="0" i="1" smtClean="0">
+                          <a:latin typeface="Cambria Math" panose="02040503050406030204" pitchFamily="18" charset="0"/>
+                        </a:rPr>
+                        <m:t>,</m:t>
+                      </m:r>
+                      <m:r>
+                        <a:rPr lang="en-US" b="0" i="1" smtClean="0">
+                          <a:latin typeface="Cambria Math" panose="02040503050406030204" pitchFamily="18" charset="0"/>
+                        </a:rPr>
+                        <m:t>𝑢</m:t>
+                      </m:r>
+                      <m:r>
+                        <a:rPr lang="en-US" b="0" i="1" smtClean="0">
+                          <a:latin typeface="Cambria Math" panose="02040503050406030204" pitchFamily="18" charset="0"/>
+                        </a:rPr>
+                        <m:t>)</m:t>
+                      </m:r>
+                    </m:oMath>
+                  </m:oMathPara>
+                </a14:m>
+                <a:endParaRPr lang="en-US" dirty="0"/>
+              </a:p>
+            </p:txBody>
+          </p:sp>
+        </mc:Choice>
+        <mc:Fallback>
+          <p:sp>
+            <p:nvSpPr>
+              <p:cNvPr id="5" name="TextBox 4">
+                <a:extLst>
+                  <a:ext uri="{FF2B5EF4-FFF2-40B4-BE49-F238E27FC236}">
+                    <a16:creationId xmlns:a16="http://schemas.microsoft.com/office/drawing/2014/main" id="{8C87747A-D345-2B44-9C9B-9DFC716F0F44}"/>
+                  </a:ext>
+                </a:extLst>
+              </p:cNvPr>
+              <p:cNvSpPr txBox="1">
+                <a:spLocks noRot="1" noChangeAspect="1" noMove="1" noResize="1" noEditPoints="1" noAdjustHandles="1" noChangeArrowheads="1" noChangeShapeType="1" noTextEdit="1"/>
+              </p:cNvSpPr>
+              <p:nvPr/>
+            </p:nvSpPr>
+            <p:spPr>
+              <a:xfrm>
+                <a:off x="1752600" y="2743200"/>
+                <a:ext cx="1142172" cy="461665"/>
+              </a:xfrm>
+              <a:prstGeom prst="rect">
+                <a:avLst/>
+              </a:prstGeom>
+              <a:blipFill>
+                <a:blip r:embed="rId4"/>
+                <a:stretch>
+                  <a:fillRect b="-16667"/>
+                </a:stretch>
+              </a:blipFill>
+            </p:spPr>
+            <p:txBody>
+              <a:bodyPr/>
+              <a:lstStyle/>
+              <a:p>
+                <a:r>
+                  <a:rPr lang="en-US">
+                    <a:noFill/>
+                  </a:rPr>
+                  <a:t> </a:t>
+                </a:r>
+              </a:p>
+            </p:txBody>
+          </p:sp>
+        </mc:Fallback>
+      </mc:AlternateContent>
+      <mc:AlternateContent xmlns:mc="http://schemas.openxmlformats.org/markup-compatibility/2006">
+        <mc:Choice xmlns:a14="http://schemas.microsoft.com/office/drawing/2010/main" Requires="a14">
+          <p:sp>
+            <p:nvSpPr>
+              <p:cNvPr id="6" name="TextBox 5">
+                <a:extLst>
+                  <a:ext uri="{FF2B5EF4-FFF2-40B4-BE49-F238E27FC236}">
+                    <a16:creationId xmlns:a16="http://schemas.microsoft.com/office/drawing/2014/main" id="{5A80AF0C-1E58-F84D-B397-492549006E9C}"/>
+                  </a:ext>
+                </a:extLst>
+              </p:cNvPr>
+              <p:cNvSpPr txBox="1"/>
+              <p:nvPr/>
+            </p:nvSpPr>
+            <p:spPr>
+              <a:xfrm>
+                <a:off x="6154882" y="2133600"/>
+                <a:ext cx="5638800" cy="3046988"/>
+              </a:xfrm>
+              <a:prstGeom prst="rect">
+                <a:avLst/>
+              </a:prstGeom>
+              <a:noFill/>
+            </p:spPr>
+            <p:txBody>
+              <a:bodyPr wrap="square" rtlCol="0">
+                <a:spAutoFit/>
+              </a:bodyPr>
+              <a:lstStyle/>
+              <a:p>
+                <a14:m>
+                  <m:oMath xmlns:m="http://schemas.openxmlformats.org/officeDocument/2006/math">
+                    <m:r>
+                      <a:rPr lang="en-US" b="0" i="1" smtClean="0">
+                        <a:latin typeface="Cambria Math" panose="02040503050406030204" pitchFamily="18" charset="0"/>
+                      </a:rPr>
+                      <m:t>𝛿</m:t>
+                    </m:r>
+                    <m:d>
+                      <m:dPr>
+                        <m:ctrlPr>
+                          <a:rPr lang="en-US" b="0" i="1" smtClean="0">
+                            <a:latin typeface="Cambria Math" panose="02040503050406030204" pitchFamily="18" charset="0"/>
+                          </a:rPr>
+                        </m:ctrlPr>
+                      </m:dPr>
+                      <m:e>
+                        <m:r>
+                          <a:rPr lang="en-US" b="0" i="1" smtClean="0">
+                            <a:latin typeface="Cambria Math" panose="02040503050406030204" pitchFamily="18" charset="0"/>
+                          </a:rPr>
+                          <m:t>𝑠</m:t>
+                        </m:r>
+                        <m:r>
+                          <a:rPr lang="en-US" b="0" i="1" smtClean="0">
+                            <a:latin typeface="Cambria Math" panose="02040503050406030204" pitchFamily="18" charset="0"/>
+                          </a:rPr>
+                          <m:t>,</m:t>
+                        </m:r>
+                        <m:r>
+                          <a:rPr lang="en-US" b="0" i="1" smtClean="0">
+                            <a:latin typeface="Cambria Math" panose="02040503050406030204" pitchFamily="18" charset="0"/>
+                          </a:rPr>
+                          <m:t>𝑢</m:t>
+                        </m:r>
+                      </m:e>
+                    </m:d>
+                    <m:r>
+                      <a:rPr lang="en-US" b="0" i="1" smtClean="0">
+                        <a:latin typeface="Cambria Math" panose="02040503050406030204" pitchFamily="18" charset="0"/>
+                      </a:rPr>
+                      <m:t>+</m:t>
+                    </m:r>
+                    <m:r>
+                      <a:rPr lang="en-US" b="0" i="1" smtClean="0">
+                        <a:latin typeface="Cambria Math" panose="02040503050406030204" pitchFamily="18" charset="0"/>
+                      </a:rPr>
+                      <m:t>𝑐</m:t>
+                    </m:r>
+                    <m:r>
+                      <a:rPr lang="en-US" b="0" i="1" smtClean="0">
+                        <a:latin typeface="Cambria Math" panose="02040503050406030204" pitchFamily="18" charset="0"/>
+                      </a:rPr>
+                      <m:t>(</m:t>
+                    </m:r>
+                    <m:r>
+                      <a:rPr lang="en-US" b="0" i="1" smtClean="0">
+                        <a:latin typeface="Cambria Math" panose="02040503050406030204" pitchFamily="18" charset="0"/>
+                      </a:rPr>
+                      <m:t>𝑒</m:t>
+                    </m:r>
+                    <m:r>
+                      <a:rPr lang="en-US" b="0" i="1" smtClean="0">
+                        <a:latin typeface="Cambria Math" panose="02040503050406030204" pitchFamily="18" charset="0"/>
+                      </a:rPr>
+                      <m:t>)</m:t>
+                    </m:r>
+                  </m:oMath>
+                </a14:m>
+                <a:r>
+                  <a:rPr lang="en-US" dirty="0"/>
+                  <a:t> was just by Dijkstra’s</a:t>
+                </a:r>
+              </a:p>
+              <a:p>
+                <a:endParaRPr lang="en-US" dirty="0"/>
+              </a:p>
+              <a:p>
+                <a:r>
+                  <a:rPr lang="en-US" dirty="0"/>
+                  <a:t>Thus, by definition it is the lowest cost of any option of the form (path from s to known node + cost of edge to unknown node)</a:t>
+                </a:r>
+              </a:p>
+              <a:p>
+                <a:endParaRPr lang="en-US" dirty="0"/>
+              </a:p>
+              <a:p>
+                <a:r>
+                  <a:rPr lang="en-US" dirty="0"/>
+                  <a:t>^^REMEMBER THIS</a:t>
+                </a:r>
+              </a:p>
+            </p:txBody>
+          </p:sp>
+        </mc:Choice>
+        <mc:Fallback>
+          <p:sp>
+            <p:nvSpPr>
+              <p:cNvPr id="6" name="TextBox 5">
+                <a:extLst>
+                  <a:ext uri="{FF2B5EF4-FFF2-40B4-BE49-F238E27FC236}">
+                    <a16:creationId xmlns:a16="http://schemas.microsoft.com/office/drawing/2014/main" id="{5A80AF0C-1E58-F84D-B397-492549006E9C}"/>
+                  </a:ext>
+                </a:extLst>
+              </p:cNvPr>
+              <p:cNvSpPr txBox="1">
+                <a:spLocks noRot="1" noChangeAspect="1" noMove="1" noResize="1" noEditPoints="1" noAdjustHandles="1" noChangeArrowheads="1" noChangeShapeType="1" noTextEdit="1"/>
+              </p:cNvSpPr>
+              <p:nvPr/>
+            </p:nvSpPr>
+            <p:spPr>
+              <a:xfrm>
+                <a:off x="6154882" y="2133600"/>
+                <a:ext cx="5638800" cy="3046988"/>
+              </a:xfrm>
+              <a:prstGeom prst="rect">
+                <a:avLst/>
+              </a:prstGeom>
+              <a:blipFill>
+                <a:blip r:embed="rId5"/>
+                <a:stretch>
+                  <a:fillRect l="-1573" t="-1667" b="-3750"/>
+                </a:stretch>
+              </a:blipFill>
+            </p:spPr>
+            <p:txBody>
+              <a:bodyPr/>
+              <a:lstStyle/>
+              <a:p>
+                <a:r>
+                  <a:rPr lang="en-US">
+                    <a:noFill/>
+                  </a:rPr>
+                  <a:t> </a:t>
+                </a:r>
+              </a:p>
+            </p:txBody>
+          </p:sp>
+        </mc:Fallback>
+      </mc:AlternateContent>
     </p:spTree>
     <p:extLst>
       <p:ext uri="{BB962C8B-B14F-4D97-AF65-F5344CB8AC3E}">
-        <p14:creationId xmlns:p14="http://schemas.microsoft.com/office/powerpoint/2010/main" val="1834445483"/>
+        <p14:creationId xmlns:p14="http://schemas.microsoft.com/office/powerpoint/2010/main" val="1301128043"/>
       </p:ext>
     </p:extLst>
   </p:cSld>
@@ -5963,7 +6277,7 @@
       </p:grpSpPr>
       <p:sp>
         <p:nvSpPr>
-          <p:cNvPr id="65538" name="Rectangle 2"/>
+          <p:cNvPr id="39938" name="Rectangle 2"/>
           <p:cNvSpPr>
             <a:spLocks noGrp="1" noChangeArrowheads="1"/>
           </p:cNvSpPr>
@@ -5976,20 +6290,21 @@
         </p:nvSpPr>
         <p:spPr/>
         <p:txBody>
-          <a:bodyPr/>
+          <a:bodyPr>
+            <a:normAutofit/>
+          </a:bodyPr>
           <a:lstStyle/>
           <a:p>
-            <a:pPr eaLnBrk="1" hangingPunct="1"/>
-            <a:r>
-              <a:rPr lang="en-US"/>
-              <a:t>Prim’s algorithm</a:t>
-            </a:r>
-          </a:p>
-        </p:txBody>
-      </p:sp>
-      <p:sp>
-        <p:nvSpPr>
-          <p:cNvPr id="23" name="Slide Number Placeholder 22"/>
+            <a:r>
+              <a:rPr lang="en-US" dirty="0"/>
+              <a:t>Proof w/ Picture:</a:t>
+            </a:r>
+          </a:p>
+        </p:txBody>
+      </p:sp>
+      <p:sp>
+        <p:nvSpPr>
+          <p:cNvPr id="4" name="Slide Number Placeholder 3"/>
           <p:cNvSpPr>
             <a:spLocks noGrp="1"/>
           </p:cNvSpPr>
@@ -6006,6 +6321,2262 @@
               <a:rPr lang="en-US" smtClean="0"/>
               <a:pPr/>
               <a:t>15</a:t>
+            </a:fld>
+            <a:endParaRPr lang="en-US"/>
+          </a:p>
+        </p:txBody>
+      </p:sp>
+      <p:sp>
+        <p:nvSpPr>
+          <p:cNvPr id="6" name="TextBox 5">
+            <a:extLst>
+              <a:ext uri="{FF2B5EF4-FFF2-40B4-BE49-F238E27FC236}">
+                <a16:creationId xmlns:a16="http://schemas.microsoft.com/office/drawing/2014/main" id="{5A80AF0C-1E58-F84D-B397-492549006E9C}"/>
+              </a:ext>
+            </a:extLst>
+          </p:cNvPr>
+          <p:cNvSpPr txBox="1"/>
+          <p:nvPr/>
+        </p:nvSpPr>
+        <p:spPr>
+          <a:xfrm>
+            <a:off x="6781800" y="1173540"/>
+            <a:ext cx="5334000" cy="1569660"/>
+          </a:xfrm>
+          <a:prstGeom prst="rect">
+            <a:avLst/>
+          </a:prstGeom>
+          <a:noFill/>
+        </p:spPr>
+        <p:txBody>
+          <a:bodyPr wrap="square" rtlCol="0">
+            <a:spAutoFit/>
+          </a:bodyPr>
+          <a:lstStyle/>
+          <a:p>
+            <a:r>
+              <a:rPr lang="en-US" dirty="0"/>
+              <a:t>Suppose (For sake of contradiction):</a:t>
+            </a:r>
+          </a:p>
+          <a:p>
+            <a:endParaRPr lang="en-US" dirty="0"/>
+          </a:p>
+          <a:p>
+            <a:r>
+              <a:rPr lang="en-US" i="1" dirty="0"/>
+              <a:t>s to u to v is NOT the optimal way to get to v</a:t>
+            </a:r>
+          </a:p>
+        </p:txBody>
+      </p:sp>
+      <p:pic>
+        <p:nvPicPr>
+          <p:cNvPr id="9" name="Content Placeholder 8">
+            <a:extLst>
+              <a:ext uri="{FF2B5EF4-FFF2-40B4-BE49-F238E27FC236}">
+                <a16:creationId xmlns:a16="http://schemas.microsoft.com/office/drawing/2014/main" id="{F23B50AF-AEAB-A04D-A091-E40F1837B166}"/>
+              </a:ext>
+            </a:extLst>
+          </p:cNvPr>
+          <p:cNvPicPr>
+            <a:picLocks noGrp="1" noChangeAspect="1"/>
+          </p:cNvPicPr>
+          <p:nvPr>
+            <p:ph sz="quarter" idx="1"/>
+          </p:nvPr>
+        </p:nvPicPr>
+        <p:blipFill>
+          <a:blip r:embed="rId3"/>
+          <a:stretch>
+            <a:fillRect/>
+          </a:stretch>
+        </p:blipFill>
+        <p:spPr>
+          <a:xfrm>
+            <a:off x="0" y="1188531"/>
+            <a:ext cx="6679639" cy="4937125"/>
+          </a:xfrm>
+        </p:spPr>
+      </p:pic>
+      <mc:AlternateContent xmlns:mc="http://schemas.openxmlformats.org/markup-compatibility/2006">
+        <mc:Choice xmlns:a14="http://schemas.microsoft.com/office/drawing/2010/main" Requires="a14">
+          <p:sp>
+            <p:nvSpPr>
+              <p:cNvPr id="5" name="TextBox 4">
+                <a:extLst>
+                  <a:ext uri="{FF2B5EF4-FFF2-40B4-BE49-F238E27FC236}">
+                    <a16:creationId xmlns:a16="http://schemas.microsoft.com/office/drawing/2014/main" id="{8C87747A-D345-2B44-9C9B-9DFC716F0F44}"/>
+                  </a:ext>
+                </a:extLst>
+              </p:cNvPr>
+              <p:cNvSpPr txBox="1"/>
+              <p:nvPr/>
+            </p:nvSpPr>
+            <p:spPr>
+              <a:xfrm>
+                <a:off x="1752600" y="2743200"/>
+                <a:ext cx="1142172" cy="461665"/>
+              </a:xfrm>
+              <a:prstGeom prst="rect">
+                <a:avLst/>
+              </a:prstGeom>
+              <a:noFill/>
+            </p:spPr>
+            <p:txBody>
+              <a:bodyPr wrap="none" rtlCol="0">
+                <a:spAutoFit/>
+              </a:bodyPr>
+              <a:lstStyle/>
+              <a:p>
+                <a14:m>
+                  <m:oMathPara xmlns:m="http://schemas.openxmlformats.org/officeDocument/2006/math">
+                    <m:oMathParaPr>
+                      <m:jc m:val="centerGroup"/>
+                    </m:oMathParaPr>
+                    <m:oMath xmlns:m="http://schemas.openxmlformats.org/officeDocument/2006/math">
+                      <m:r>
+                        <a:rPr lang="en-US" b="0" i="1" smtClean="0">
+                          <a:latin typeface="Cambria Math" panose="02040503050406030204" pitchFamily="18" charset="0"/>
+                        </a:rPr>
+                        <m:t>𝛿</m:t>
+                      </m:r>
+                      <m:r>
+                        <a:rPr lang="en-US" b="0" i="1" smtClean="0">
+                          <a:latin typeface="Cambria Math" panose="02040503050406030204" pitchFamily="18" charset="0"/>
+                        </a:rPr>
+                        <m:t>(</m:t>
+                      </m:r>
+                      <m:r>
+                        <a:rPr lang="en-US" b="0" i="1" smtClean="0">
+                          <a:latin typeface="Cambria Math" panose="02040503050406030204" pitchFamily="18" charset="0"/>
+                        </a:rPr>
+                        <m:t>𝑠</m:t>
+                      </m:r>
+                      <m:r>
+                        <a:rPr lang="en-US" b="0" i="1" smtClean="0">
+                          <a:latin typeface="Cambria Math" panose="02040503050406030204" pitchFamily="18" charset="0"/>
+                        </a:rPr>
+                        <m:t>,</m:t>
+                      </m:r>
+                      <m:r>
+                        <a:rPr lang="en-US" b="0" i="1" smtClean="0">
+                          <a:latin typeface="Cambria Math" panose="02040503050406030204" pitchFamily="18" charset="0"/>
+                        </a:rPr>
+                        <m:t>𝑢</m:t>
+                      </m:r>
+                      <m:r>
+                        <a:rPr lang="en-US" b="0" i="1" smtClean="0">
+                          <a:latin typeface="Cambria Math" panose="02040503050406030204" pitchFamily="18" charset="0"/>
+                        </a:rPr>
+                        <m:t>)</m:t>
+                      </m:r>
+                    </m:oMath>
+                  </m:oMathPara>
+                </a14:m>
+                <a:endParaRPr lang="en-US" dirty="0"/>
+              </a:p>
+            </p:txBody>
+          </p:sp>
+        </mc:Choice>
+        <mc:Fallback>
+          <p:sp>
+            <p:nvSpPr>
+              <p:cNvPr id="5" name="TextBox 4">
+                <a:extLst>
+                  <a:ext uri="{FF2B5EF4-FFF2-40B4-BE49-F238E27FC236}">
+                    <a16:creationId xmlns:a16="http://schemas.microsoft.com/office/drawing/2014/main" id="{8C87747A-D345-2B44-9C9B-9DFC716F0F44}"/>
+                  </a:ext>
+                </a:extLst>
+              </p:cNvPr>
+              <p:cNvSpPr txBox="1">
+                <a:spLocks noRot="1" noChangeAspect="1" noMove="1" noResize="1" noEditPoints="1" noAdjustHandles="1" noChangeArrowheads="1" noChangeShapeType="1" noTextEdit="1"/>
+              </p:cNvSpPr>
+              <p:nvPr/>
+            </p:nvSpPr>
+            <p:spPr>
+              <a:xfrm>
+                <a:off x="1752600" y="2743200"/>
+                <a:ext cx="1142172" cy="461665"/>
+              </a:xfrm>
+              <a:prstGeom prst="rect">
+                <a:avLst/>
+              </a:prstGeom>
+              <a:blipFill>
+                <a:blip r:embed="rId4"/>
+                <a:stretch>
+                  <a:fillRect b="-16667"/>
+                </a:stretch>
+              </a:blipFill>
+            </p:spPr>
+            <p:txBody>
+              <a:bodyPr/>
+              <a:lstStyle/>
+              <a:p>
+                <a:r>
+                  <a:rPr lang="en-US">
+                    <a:noFill/>
+                  </a:rPr>
+                  <a:t> </a:t>
+                </a:r>
+              </a:p>
+            </p:txBody>
+          </p:sp>
+        </mc:Fallback>
+      </mc:AlternateContent>
+      <mc:AlternateContent xmlns:mc="http://schemas.openxmlformats.org/markup-compatibility/2006">
+        <mc:Choice xmlns:a14="http://schemas.microsoft.com/office/drawing/2010/main" Requires="a14">
+          <p:sp>
+            <p:nvSpPr>
+              <p:cNvPr id="11" name="TextBox 10">
+                <a:extLst>
+                  <a:ext uri="{FF2B5EF4-FFF2-40B4-BE49-F238E27FC236}">
+                    <a16:creationId xmlns:a16="http://schemas.microsoft.com/office/drawing/2014/main" id="{5C5564DD-82B8-B24B-9C81-D3A6574F6193}"/>
+                  </a:ext>
+                </a:extLst>
+              </p:cNvPr>
+              <p:cNvSpPr txBox="1"/>
+              <p:nvPr/>
+            </p:nvSpPr>
+            <p:spPr>
+              <a:xfrm>
+                <a:off x="1447800" y="4297869"/>
+                <a:ext cx="1214499" cy="461665"/>
+              </a:xfrm>
+              <a:prstGeom prst="rect">
+                <a:avLst/>
+              </a:prstGeom>
+              <a:noFill/>
+            </p:spPr>
+            <p:txBody>
+              <a:bodyPr wrap="none" rtlCol="0">
+                <a:spAutoFit/>
+              </a:bodyPr>
+              <a:lstStyle/>
+              <a:p>
+                <a14:m>
+                  <m:oMathPara xmlns:m="http://schemas.openxmlformats.org/officeDocument/2006/math">
+                    <m:oMathParaPr>
+                      <m:jc m:val="centerGroup"/>
+                    </m:oMathParaPr>
+                    <m:oMath xmlns:m="http://schemas.openxmlformats.org/officeDocument/2006/math">
+                      <m:r>
+                        <a:rPr lang="en-US" b="0" i="1" smtClean="0">
+                          <a:latin typeface="Cambria Math" panose="02040503050406030204" pitchFamily="18" charset="0"/>
+                        </a:rPr>
+                        <m:t>𝛿</m:t>
+                      </m:r>
+                      <m:r>
+                        <a:rPr lang="en-US" b="0" i="1" smtClean="0">
+                          <a:latin typeface="Cambria Math" panose="02040503050406030204" pitchFamily="18" charset="0"/>
+                        </a:rPr>
+                        <m:t>(</m:t>
+                      </m:r>
+                      <m:r>
+                        <a:rPr lang="en-US" b="0" i="1" smtClean="0">
+                          <a:latin typeface="Cambria Math" panose="02040503050406030204" pitchFamily="18" charset="0"/>
+                        </a:rPr>
+                        <m:t>𝑠</m:t>
+                      </m:r>
+                      <m:r>
+                        <a:rPr lang="en-US" b="0" i="1" smtClean="0">
+                          <a:latin typeface="Cambria Math" panose="02040503050406030204" pitchFamily="18" charset="0"/>
+                        </a:rPr>
+                        <m:t>,</m:t>
+                      </m:r>
+                      <m:r>
+                        <a:rPr lang="en-US" b="0" i="1" smtClean="0">
+                          <a:latin typeface="Cambria Math" panose="02040503050406030204" pitchFamily="18" charset="0"/>
+                        </a:rPr>
+                        <m:t>𝑢</m:t>
+                      </m:r>
+                      <m:r>
+                        <a:rPr lang="en-US" b="0" i="1" smtClean="0">
+                          <a:latin typeface="Cambria Math" panose="02040503050406030204" pitchFamily="18" charset="0"/>
+                        </a:rPr>
+                        <m:t>′)</m:t>
+                      </m:r>
+                    </m:oMath>
+                  </m:oMathPara>
+                </a14:m>
+                <a:endParaRPr lang="en-US" dirty="0"/>
+              </a:p>
+            </p:txBody>
+          </p:sp>
+        </mc:Choice>
+        <mc:Fallback>
+          <p:sp>
+            <p:nvSpPr>
+              <p:cNvPr id="11" name="TextBox 10">
+                <a:extLst>
+                  <a:ext uri="{FF2B5EF4-FFF2-40B4-BE49-F238E27FC236}">
+                    <a16:creationId xmlns:a16="http://schemas.microsoft.com/office/drawing/2014/main" id="{5C5564DD-82B8-B24B-9C81-D3A6574F6193}"/>
+                  </a:ext>
+                </a:extLst>
+              </p:cNvPr>
+              <p:cNvSpPr txBox="1">
+                <a:spLocks noRot="1" noChangeAspect="1" noMove="1" noResize="1" noEditPoints="1" noAdjustHandles="1" noChangeArrowheads="1" noChangeShapeType="1" noTextEdit="1"/>
+              </p:cNvSpPr>
+              <p:nvPr/>
+            </p:nvSpPr>
+            <p:spPr>
+              <a:xfrm>
+                <a:off x="1447800" y="4297869"/>
+                <a:ext cx="1214499" cy="461665"/>
+              </a:xfrm>
+              <a:prstGeom prst="rect">
+                <a:avLst/>
+              </a:prstGeom>
+              <a:blipFill>
+                <a:blip r:embed="rId5"/>
+                <a:stretch>
+                  <a:fillRect b="-15789"/>
+                </a:stretch>
+              </a:blipFill>
+            </p:spPr>
+            <p:txBody>
+              <a:bodyPr/>
+              <a:lstStyle/>
+              <a:p>
+                <a:r>
+                  <a:rPr lang="en-US">
+                    <a:noFill/>
+                  </a:rPr>
+                  <a:t> </a:t>
+                </a:r>
+              </a:p>
+            </p:txBody>
+          </p:sp>
+        </mc:Fallback>
+      </mc:AlternateContent>
+    </p:spTree>
+    <p:extLst>
+      <p:ext uri="{BB962C8B-B14F-4D97-AF65-F5344CB8AC3E}">
+        <p14:creationId xmlns:p14="http://schemas.microsoft.com/office/powerpoint/2010/main" val="904370994"/>
+      </p:ext>
+    </p:extLst>
+  </p:cSld>
+  <p:clrMapOvr>
+    <a:masterClrMapping/>
+  </p:clrMapOvr>
+</p:sld>
+</file>
+
+<file path=ppt/slides/slide16.xml><?xml version="1.0" encoding="utf-8"?>
+<p:sld xmlns:a="http://schemas.openxmlformats.org/drawingml/2006/main" xmlns:r="http://schemas.openxmlformats.org/officeDocument/2006/relationships" xmlns:p="http://schemas.openxmlformats.org/presentationml/2006/main">
+  <p:cSld>
+    <p:spTree>
+      <p:nvGrpSpPr>
+        <p:cNvPr id="1" name=""/>
+        <p:cNvGrpSpPr/>
+        <p:nvPr/>
+      </p:nvGrpSpPr>
+      <p:grpSpPr>
+        <a:xfrm>
+          <a:off x="0" y="0"/>
+          <a:ext cx="0" cy="0"/>
+          <a:chOff x="0" y="0"/>
+          <a:chExt cx="0" cy="0"/>
+        </a:xfrm>
+      </p:grpSpPr>
+      <p:sp>
+        <p:nvSpPr>
+          <p:cNvPr id="39938" name="Rectangle 2"/>
+          <p:cNvSpPr>
+            <a:spLocks noGrp="1" noChangeArrowheads="1"/>
+          </p:cNvSpPr>
+          <p:nvPr>
+            <p:ph type="title"/>
+            <p:custDataLst>
+              <p:tags r:id="rId1"/>
+            </p:custDataLst>
+          </p:nvPr>
+        </p:nvSpPr>
+        <p:spPr/>
+        <p:txBody>
+          <a:bodyPr>
+            <a:normAutofit/>
+          </a:bodyPr>
+          <a:lstStyle/>
+          <a:p>
+            <a:r>
+              <a:rPr lang="en-US" dirty="0"/>
+              <a:t>Proof w/ Picture:</a:t>
+            </a:r>
+          </a:p>
+        </p:txBody>
+      </p:sp>
+      <p:sp>
+        <p:nvSpPr>
+          <p:cNvPr id="4" name="Slide Number Placeholder 3"/>
+          <p:cNvSpPr>
+            <a:spLocks noGrp="1"/>
+          </p:cNvSpPr>
+          <p:nvPr>
+            <p:ph type="sldNum" sz="quarter" idx="12"/>
+          </p:nvPr>
+        </p:nvSpPr>
+        <p:spPr/>
+        <p:txBody>
+          <a:bodyPr/>
+          <a:lstStyle/>
+          <a:p>
+            <a:fld id="{DACC1BBE-66B1-403A-8C7E-C57A0F3A107F}" type="slidenum">
+              <a:rPr lang="en-US" smtClean="0"/>
+              <a:pPr/>
+              <a:t>16</a:t>
+            </a:fld>
+            <a:endParaRPr lang="en-US"/>
+          </a:p>
+        </p:txBody>
+      </p:sp>
+      <p:sp>
+        <p:nvSpPr>
+          <p:cNvPr id="6" name="TextBox 5">
+            <a:extLst>
+              <a:ext uri="{FF2B5EF4-FFF2-40B4-BE49-F238E27FC236}">
+                <a16:creationId xmlns:a16="http://schemas.microsoft.com/office/drawing/2014/main" id="{5A80AF0C-1E58-F84D-B397-492549006E9C}"/>
+              </a:ext>
+            </a:extLst>
+          </p:cNvPr>
+          <p:cNvSpPr txBox="1"/>
+          <p:nvPr/>
+        </p:nvSpPr>
+        <p:spPr>
+          <a:xfrm>
+            <a:off x="6781800" y="1173540"/>
+            <a:ext cx="5334000" cy="1569660"/>
+          </a:xfrm>
+          <a:prstGeom prst="rect">
+            <a:avLst/>
+          </a:prstGeom>
+          <a:noFill/>
+        </p:spPr>
+        <p:txBody>
+          <a:bodyPr wrap="square" rtlCol="0">
+            <a:spAutoFit/>
+          </a:bodyPr>
+          <a:lstStyle/>
+          <a:p>
+            <a:r>
+              <a:rPr lang="en-US" dirty="0"/>
+              <a:t>Suppose (For sake of contradiction):</a:t>
+            </a:r>
+          </a:p>
+          <a:p>
+            <a:endParaRPr lang="en-US" dirty="0"/>
+          </a:p>
+          <a:p>
+            <a:r>
+              <a:rPr lang="en-US" i="1" dirty="0"/>
+              <a:t>s to u to v is NOT the optimal way to get to v</a:t>
+            </a:r>
+          </a:p>
+        </p:txBody>
+      </p:sp>
+      <p:pic>
+        <p:nvPicPr>
+          <p:cNvPr id="9" name="Content Placeholder 8">
+            <a:extLst>
+              <a:ext uri="{FF2B5EF4-FFF2-40B4-BE49-F238E27FC236}">
+                <a16:creationId xmlns:a16="http://schemas.microsoft.com/office/drawing/2014/main" id="{F23B50AF-AEAB-A04D-A091-E40F1837B166}"/>
+              </a:ext>
+            </a:extLst>
+          </p:cNvPr>
+          <p:cNvPicPr>
+            <a:picLocks noGrp="1" noChangeAspect="1"/>
+          </p:cNvPicPr>
+          <p:nvPr>
+            <p:ph sz="quarter" idx="1"/>
+          </p:nvPr>
+        </p:nvPicPr>
+        <p:blipFill>
+          <a:blip r:embed="rId3"/>
+          <a:stretch>
+            <a:fillRect/>
+          </a:stretch>
+        </p:blipFill>
+        <p:spPr>
+          <a:xfrm>
+            <a:off x="0" y="1188531"/>
+            <a:ext cx="6679639" cy="4937125"/>
+          </a:xfrm>
+        </p:spPr>
+      </p:pic>
+      <mc:AlternateContent xmlns:mc="http://schemas.openxmlformats.org/markup-compatibility/2006">
+        <mc:Choice xmlns:a14="http://schemas.microsoft.com/office/drawing/2010/main" Requires="a14">
+          <p:sp>
+            <p:nvSpPr>
+              <p:cNvPr id="5" name="TextBox 4">
+                <a:extLst>
+                  <a:ext uri="{FF2B5EF4-FFF2-40B4-BE49-F238E27FC236}">
+                    <a16:creationId xmlns:a16="http://schemas.microsoft.com/office/drawing/2014/main" id="{8C87747A-D345-2B44-9C9B-9DFC716F0F44}"/>
+                  </a:ext>
+                </a:extLst>
+              </p:cNvPr>
+              <p:cNvSpPr txBox="1"/>
+              <p:nvPr/>
+            </p:nvSpPr>
+            <p:spPr>
+              <a:xfrm>
+                <a:off x="1752600" y="2743200"/>
+                <a:ext cx="1142172" cy="461665"/>
+              </a:xfrm>
+              <a:prstGeom prst="rect">
+                <a:avLst/>
+              </a:prstGeom>
+              <a:noFill/>
+            </p:spPr>
+            <p:txBody>
+              <a:bodyPr wrap="none" rtlCol="0">
+                <a:spAutoFit/>
+              </a:bodyPr>
+              <a:lstStyle/>
+              <a:p>
+                <a14:m>
+                  <m:oMathPara xmlns:m="http://schemas.openxmlformats.org/officeDocument/2006/math">
+                    <m:oMathParaPr>
+                      <m:jc m:val="centerGroup"/>
+                    </m:oMathParaPr>
+                    <m:oMath xmlns:m="http://schemas.openxmlformats.org/officeDocument/2006/math">
+                      <m:r>
+                        <a:rPr lang="en-US" b="0" i="1" smtClean="0">
+                          <a:latin typeface="Cambria Math" panose="02040503050406030204" pitchFamily="18" charset="0"/>
+                        </a:rPr>
+                        <m:t>𝛿</m:t>
+                      </m:r>
+                      <m:r>
+                        <a:rPr lang="en-US" b="0" i="1" smtClean="0">
+                          <a:latin typeface="Cambria Math" panose="02040503050406030204" pitchFamily="18" charset="0"/>
+                        </a:rPr>
+                        <m:t>(</m:t>
+                      </m:r>
+                      <m:r>
+                        <a:rPr lang="en-US" b="0" i="1" smtClean="0">
+                          <a:latin typeface="Cambria Math" panose="02040503050406030204" pitchFamily="18" charset="0"/>
+                        </a:rPr>
+                        <m:t>𝑠</m:t>
+                      </m:r>
+                      <m:r>
+                        <a:rPr lang="en-US" b="0" i="1" smtClean="0">
+                          <a:latin typeface="Cambria Math" panose="02040503050406030204" pitchFamily="18" charset="0"/>
+                        </a:rPr>
+                        <m:t>,</m:t>
+                      </m:r>
+                      <m:r>
+                        <a:rPr lang="en-US" b="0" i="1" smtClean="0">
+                          <a:latin typeface="Cambria Math" panose="02040503050406030204" pitchFamily="18" charset="0"/>
+                        </a:rPr>
+                        <m:t>𝑢</m:t>
+                      </m:r>
+                      <m:r>
+                        <a:rPr lang="en-US" b="0" i="1" smtClean="0">
+                          <a:latin typeface="Cambria Math" panose="02040503050406030204" pitchFamily="18" charset="0"/>
+                        </a:rPr>
+                        <m:t>)</m:t>
+                      </m:r>
+                    </m:oMath>
+                  </m:oMathPara>
+                </a14:m>
+                <a:endParaRPr lang="en-US" dirty="0"/>
+              </a:p>
+            </p:txBody>
+          </p:sp>
+        </mc:Choice>
+        <mc:Fallback>
+          <p:sp>
+            <p:nvSpPr>
+              <p:cNvPr id="5" name="TextBox 4">
+                <a:extLst>
+                  <a:ext uri="{FF2B5EF4-FFF2-40B4-BE49-F238E27FC236}">
+                    <a16:creationId xmlns:a16="http://schemas.microsoft.com/office/drawing/2014/main" id="{8C87747A-D345-2B44-9C9B-9DFC716F0F44}"/>
+                  </a:ext>
+                </a:extLst>
+              </p:cNvPr>
+              <p:cNvSpPr txBox="1">
+                <a:spLocks noRot="1" noChangeAspect="1" noMove="1" noResize="1" noEditPoints="1" noAdjustHandles="1" noChangeArrowheads="1" noChangeShapeType="1" noTextEdit="1"/>
+              </p:cNvSpPr>
+              <p:nvPr/>
+            </p:nvSpPr>
+            <p:spPr>
+              <a:xfrm>
+                <a:off x="1752600" y="2743200"/>
+                <a:ext cx="1142172" cy="461665"/>
+              </a:xfrm>
+              <a:prstGeom prst="rect">
+                <a:avLst/>
+              </a:prstGeom>
+              <a:blipFill>
+                <a:blip r:embed="rId4"/>
+                <a:stretch>
+                  <a:fillRect b="-16667"/>
+                </a:stretch>
+              </a:blipFill>
+            </p:spPr>
+            <p:txBody>
+              <a:bodyPr/>
+              <a:lstStyle/>
+              <a:p>
+                <a:r>
+                  <a:rPr lang="en-US">
+                    <a:noFill/>
+                  </a:rPr>
+                  <a:t> </a:t>
+                </a:r>
+              </a:p>
+            </p:txBody>
+          </p:sp>
+        </mc:Fallback>
+      </mc:AlternateContent>
+      <mc:AlternateContent xmlns:mc="http://schemas.openxmlformats.org/markup-compatibility/2006">
+        <mc:Choice xmlns:a14="http://schemas.microsoft.com/office/drawing/2010/main" Requires="a14">
+          <p:sp>
+            <p:nvSpPr>
+              <p:cNvPr id="11" name="TextBox 10">
+                <a:extLst>
+                  <a:ext uri="{FF2B5EF4-FFF2-40B4-BE49-F238E27FC236}">
+                    <a16:creationId xmlns:a16="http://schemas.microsoft.com/office/drawing/2014/main" id="{5C5564DD-82B8-B24B-9C81-D3A6574F6193}"/>
+                  </a:ext>
+                </a:extLst>
+              </p:cNvPr>
+              <p:cNvSpPr txBox="1"/>
+              <p:nvPr/>
+            </p:nvSpPr>
+            <p:spPr>
+              <a:xfrm>
+                <a:off x="1447800" y="4297869"/>
+                <a:ext cx="1214499" cy="461665"/>
+              </a:xfrm>
+              <a:prstGeom prst="rect">
+                <a:avLst/>
+              </a:prstGeom>
+              <a:noFill/>
+            </p:spPr>
+            <p:txBody>
+              <a:bodyPr wrap="none" rtlCol="0">
+                <a:spAutoFit/>
+              </a:bodyPr>
+              <a:lstStyle/>
+              <a:p>
+                <a14:m>
+                  <m:oMathPara xmlns:m="http://schemas.openxmlformats.org/officeDocument/2006/math">
+                    <m:oMathParaPr>
+                      <m:jc m:val="centerGroup"/>
+                    </m:oMathParaPr>
+                    <m:oMath xmlns:m="http://schemas.openxmlformats.org/officeDocument/2006/math">
+                      <m:r>
+                        <a:rPr lang="en-US" b="0" i="1" smtClean="0">
+                          <a:latin typeface="Cambria Math" panose="02040503050406030204" pitchFamily="18" charset="0"/>
+                        </a:rPr>
+                        <m:t>𝛿</m:t>
+                      </m:r>
+                      <m:r>
+                        <a:rPr lang="en-US" b="0" i="1" smtClean="0">
+                          <a:latin typeface="Cambria Math" panose="02040503050406030204" pitchFamily="18" charset="0"/>
+                        </a:rPr>
+                        <m:t>(</m:t>
+                      </m:r>
+                      <m:r>
+                        <a:rPr lang="en-US" b="0" i="1" smtClean="0">
+                          <a:latin typeface="Cambria Math" panose="02040503050406030204" pitchFamily="18" charset="0"/>
+                        </a:rPr>
+                        <m:t>𝑠</m:t>
+                      </m:r>
+                      <m:r>
+                        <a:rPr lang="en-US" b="0" i="1" smtClean="0">
+                          <a:latin typeface="Cambria Math" panose="02040503050406030204" pitchFamily="18" charset="0"/>
+                        </a:rPr>
+                        <m:t>,</m:t>
+                      </m:r>
+                      <m:r>
+                        <a:rPr lang="en-US" b="0" i="1" smtClean="0">
+                          <a:latin typeface="Cambria Math" panose="02040503050406030204" pitchFamily="18" charset="0"/>
+                        </a:rPr>
+                        <m:t>𝑢</m:t>
+                      </m:r>
+                      <m:r>
+                        <a:rPr lang="en-US" b="0" i="1" smtClean="0">
+                          <a:latin typeface="Cambria Math" panose="02040503050406030204" pitchFamily="18" charset="0"/>
+                        </a:rPr>
+                        <m:t>′)</m:t>
+                      </m:r>
+                    </m:oMath>
+                  </m:oMathPara>
+                </a14:m>
+                <a:endParaRPr lang="en-US" dirty="0"/>
+              </a:p>
+            </p:txBody>
+          </p:sp>
+        </mc:Choice>
+        <mc:Fallback>
+          <p:sp>
+            <p:nvSpPr>
+              <p:cNvPr id="11" name="TextBox 10">
+                <a:extLst>
+                  <a:ext uri="{FF2B5EF4-FFF2-40B4-BE49-F238E27FC236}">
+                    <a16:creationId xmlns:a16="http://schemas.microsoft.com/office/drawing/2014/main" id="{5C5564DD-82B8-B24B-9C81-D3A6574F6193}"/>
+                  </a:ext>
+                </a:extLst>
+              </p:cNvPr>
+              <p:cNvSpPr txBox="1">
+                <a:spLocks noRot="1" noChangeAspect="1" noMove="1" noResize="1" noEditPoints="1" noAdjustHandles="1" noChangeArrowheads="1" noChangeShapeType="1" noTextEdit="1"/>
+              </p:cNvSpPr>
+              <p:nvPr/>
+            </p:nvSpPr>
+            <p:spPr>
+              <a:xfrm>
+                <a:off x="1447800" y="4297869"/>
+                <a:ext cx="1214499" cy="461665"/>
+              </a:xfrm>
+              <a:prstGeom prst="rect">
+                <a:avLst/>
+              </a:prstGeom>
+              <a:blipFill>
+                <a:blip r:embed="rId5"/>
+                <a:stretch>
+                  <a:fillRect b="-15789"/>
+                </a:stretch>
+              </a:blipFill>
+            </p:spPr>
+            <p:txBody>
+              <a:bodyPr/>
+              <a:lstStyle/>
+              <a:p>
+                <a:r>
+                  <a:rPr lang="en-US">
+                    <a:noFill/>
+                  </a:rPr>
+                  <a:t> </a:t>
+                </a:r>
+              </a:p>
+            </p:txBody>
+          </p:sp>
+        </mc:Fallback>
+      </mc:AlternateContent>
+      <mc:AlternateContent xmlns:mc="http://schemas.openxmlformats.org/markup-compatibility/2006">
+        <mc:Choice xmlns:a14="http://schemas.microsoft.com/office/drawing/2010/main" Requires="a14">
+          <p:sp>
+            <p:nvSpPr>
+              <p:cNvPr id="12" name="TextBox 11">
+                <a:extLst>
+                  <a:ext uri="{FF2B5EF4-FFF2-40B4-BE49-F238E27FC236}">
+                    <a16:creationId xmlns:a16="http://schemas.microsoft.com/office/drawing/2014/main" id="{2FA45D2A-16FE-3343-A2B1-2EC7966EE149}"/>
+                  </a:ext>
+                </a:extLst>
+              </p:cNvPr>
+              <p:cNvSpPr txBox="1"/>
+              <p:nvPr/>
+            </p:nvSpPr>
+            <p:spPr>
+              <a:xfrm>
+                <a:off x="6754091" y="2971800"/>
+                <a:ext cx="5334000" cy="3785652"/>
+              </a:xfrm>
+              <a:prstGeom prst="rect">
+                <a:avLst/>
+              </a:prstGeom>
+              <a:noFill/>
+            </p:spPr>
+            <p:txBody>
+              <a:bodyPr wrap="square" rtlCol="0">
+                <a:spAutoFit/>
+              </a:bodyPr>
+              <a:lstStyle/>
+              <a:p>
+                <a:r>
+                  <a:rPr lang="en-US" dirty="0"/>
+                  <a:t>What follows:</a:t>
+                </a:r>
+              </a:p>
+              <a:p>
+                <a:endParaRPr lang="en-US" i="1" dirty="0"/>
+              </a:p>
+              <a:p>
+                <a:r>
+                  <a:rPr lang="en-US" i="1" dirty="0"/>
+                  <a:t>There must be SOME better way to get to v. What does it look like:</a:t>
+                </a:r>
+              </a:p>
+              <a:p>
+                <a:endParaRPr lang="en-US" i="1" dirty="0"/>
+              </a:p>
+              <a:p>
+                <a14:m>
+                  <m:oMathPara xmlns:m="http://schemas.openxmlformats.org/officeDocument/2006/math">
+                    <m:oMathParaPr>
+                      <m:jc m:val="centerGroup"/>
+                    </m:oMathParaPr>
+                    <m:oMath xmlns:m="http://schemas.openxmlformats.org/officeDocument/2006/math">
+                      <m:r>
+                        <a:rPr lang="en-US" b="0" i="1" smtClean="0">
+                          <a:latin typeface="Cambria Math" panose="02040503050406030204" pitchFamily="18" charset="0"/>
+                        </a:rPr>
+                        <m:t>𝛿</m:t>
+                      </m:r>
+                      <m:d>
+                        <m:dPr>
+                          <m:ctrlPr>
+                            <a:rPr lang="en-US" b="0" i="1" smtClean="0">
+                              <a:latin typeface="Cambria Math" panose="02040503050406030204" pitchFamily="18" charset="0"/>
+                            </a:rPr>
+                          </m:ctrlPr>
+                        </m:dPr>
+                        <m:e>
+                          <m:r>
+                            <a:rPr lang="en-US" b="0" i="1" smtClean="0">
+                              <a:latin typeface="Cambria Math" panose="02040503050406030204" pitchFamily="18" charset="0"/>
+                            </a:rPr>
+                            <m:t>𝑠</m:t>
+                          </m:r>
+                          <m:r>
+                            <a:rPr lang="en-US" b="0" i="1" smtClean="0">
+                              <a:latin typeface="Cambria Math" panose="02040503050406030204" pitchFamily="18" charset="0"/>
+                            </a:rPr>
+                            <m:t>,</m:t>
+                          </m:r>
+                          <m:sSup>
+                            <m:sSupPr>
+                              <m:ctrlPr>
+                                <a:rPr lang="en-US" b="0" i="1" smtClean="0">
+                                  <a:latin typeface="Cambria Math" panose="02040503050406030204" pitchFamily="18" charset="0"/>
+                                </a:rPr>
+                              </m:ctrlPr>
+                            </m:sSupPr>
+                            <m:e>
+                              <m:r>
+                                <a:rPr lang="en-US" b="0" i="1" smtClean="0">
+                                  <a:latin typeface="Cambria Math" panose="02040503050406030204" pitchFamily="18" charset="0"/>
+                                </a:rPr>
+                                <m:t>𝑢</m:t>
+                              </m:r>
+                            </m:e>
+                            <m:sup>
+                              <m:r>
+                                <a:rPr lang="en-US" b="0" i="1" smtClean="0">
+                                  <a:latin typeface="Cambria Math" panose="02040503050406030204" pitchFamily="18" charset="0"/>
+                                </a:rPr>
+                                <m:t>′</m:t>
+                              </m:r>
+                            </m:sup>
+                          </m:sSup>
+                        </m:e>
+                      </m:d>
+                      <m:r>
+                        <a:rPr lang="en-US" b="0" i="1" smtClean="0">
+                          <a:latin typeface="Cambria Math" panose="02040503050406030204" pitchFamily="18" charset="0"/>
+                        </a:rPr>
+                        <m:t>+</m:t>
+                      </m:r>
+                      <m:r>
+                        <a:rPr lang="en-US" b="0" i="1" smtClean="0">
+                          <a:latin typeface="Cambria Math" panose="02040503050406030204" pitchFamily="18" charset="0"/>
+                        </a:rPr>
+                        <m:t>𝑐</m:t>
+                      </m:r>
+                      <m:d>
+                        <m:dPr>
+                          <m:ctrlPr>
+                            <a:rPr lang="en-US" b="0" i="1" smtClean="0">
+                              <a:latin typeface="Cambria Math" panose="02040503050406030204" pitchFamily="18" charset="0"/>
+                            </a:rPr>
+                          </m:ctrlPr>
+                        </m:dPr>
+                        <m:e>
+                          <m:sSup>
+                            <m:sSupPr>
+                              <m:ctrlPr>
+                                <a:rPr lang="en-US" b="0" i="1" smtClean="0">
+                                  <a:latin typeface="Cambria Math" panose="02040503050406030204" pitchFamily="18" charset="0"/>
+                                </a:rPr>
+                              </m:ctrlPr>
+                            </m:sSupPr>
+                            <m:e>
+                              <m:r>
+                                <a:rPr lang="en-US" b="0" i="1" smtClean="0">
+                                  <a:latin typeface="Cambria Math" panose="02040503050406030204" pitchFamily="18" charset="0"/>
+                                </a:rPr>
+                                <m:t>𝑒</m:t>
+                              </m:r>
+                            </m:e>
+                            <m:sup>
+                              <m:r>
+                                <a:rPr lang="en-US" b="0" i="1" smtClean="0">
+                                  <a:latin typeface="Cambria Math" panose="02040503050406030204" pitchFamily="18" charset="0"/>
+                                </a:rPr>
+                                <m:t>′</m:t>
+                              </m:r>
+                            </m:sup>
+                          </m:sSup>
+                        </m:e>
+                      </m:d>
+                      <m:r>
+                        <a:rPr lang="en-US" b="0" i="1" smtClean="0">
+                          <a:latin typeface="Cambria Math" panose="02040503050406030204" pitchFamily="18" charset="0"/>
+                        </a:rPr>
+                        <m:t>+</m:t>
+                      </m:r>
+                      <m:r>
+                        <m:rPr>
+                          <m:sty m:val="p"/>
+                        </m:rPr>
+                        <a:rPr lang="en-US" b="0" i="0" smtClean="0">
+                          <a:latin typeface="Cambria Math" panose="02040503050406030204" pitchFamily="18" charset="0"/>
+                        </a:rPr>
+                        <m:t>Δ</m:t>
+                      </m:r>
+                    </m:oMath>
+                  </m:oMathPara>
+                </a14:m>
+                <a:endParaRPr lang="en-US" i="1" dirty="0"/>
+              </a:p>
+              <a:p>
+                <a:endParaRPr lang="en-US" i="1" dirty="0"/>
+              </a:p>
+              <a:p>
+                <a:r>
+                  <a:rPr lang="en-US" i="1" dirty="0"/>
+                  <a:t>Go from s to a known node, then to an unknown node, then maybe 0 or steps (Delta) to finish route to v</a:t>
+                </a:r>
+              </a:p>
+            </p:txBody>
+          </p:sp>
+        </mc:Choice>
+        <mc:Fallback>
+          <p:sp>
+            <p:nvSpPr>
+              <p:cNvPr id="12" name="TextBox 11">
+                <a:extLst>
+                  <a:ext uri="{FF2B5EF4-FFF2-40B4-BE49-F238E27FC236}">
+                    <a16:creationId xmlns:a16="http://schemas.microsoft.com/office/drawing/2014/main" id="{2FA45D2A-16FE-3343-A2B1-2EC7966EE149}"/>
+                  </a:ext>
+                </a:extLst>
+              </p:cNvPr>
+              <p:cNvSpPr txBox="1">
+                <a:spLocks noRot="1" noChangeAspect="1" noMove="1" noResize="1" noEditPoints="1" noAdjustHandles="1" noChangeArrowheads="1" noChangeShapeType="1" noTextEdit="1"/>
+              </p:cNvSpPr>
+              <p:nvPr/>
+            </p:nvSpPr>
+            <p:spPr>
+              <a:xfrm>
+                <a:off x="6754091" y="2971800"/>
+                <a:ext cx="5334000" cy="3785652"/>
+              </a:xfrm>
+              <a:prstGeom prst="rect">
+                <a:avLst/>
+              </a:prstGeom>
+              <a:blipFill>
+                <a:blip r:embed="rId6"/>
+                <a:stretch>
+                  <a:fillRect l="-1663" t="-1338" r="-713" b="-2676"/>
+                </a:stretch>
+              </a:blipFill>
+            </p:spPr>
+            <p:txBody>
+              <a:bodyPr/>
+              <a:lstStyle/>
+              <a:p>
+                <a:r>
+                  <a:rPr lang="en-US">
+                    <a:noFill/>
+                  </a:rPr>
+                  <a:t> </a:t>
+                </a:r>
+              </a:p>
+            </p:txBody>
+          </p:sp>
+        </mc:Fallback>
+      </mc:AlternateContent>
+    </p:spTree>
+    <p:extLst>
+      <p:ext uri="{BB962C8B-B14F-4D97-AF65-F5344CB8AC3E}">
+        <p14:creationId xmlns:p14="http://schemas.microsoft.com/office/powerpoint/2010/main" val="3520267607"/>
+      </p:ext>
+    </p:extLst>
+  </p:cSld>
+  <p:clrMapOvr>
+    <a:masterClrMapping/>
+  </p:clrMapOvr>
+</p:sld>
+</file>
+
+<file path=ppt/slides/slide17.xml><?xml version="1.0" encoding="utf-8"?>
+<p:sld xmlns:a="http://schemas.openxmlformats.org/drawingml/2006/main" xmlns:r="http://schemas.openxmlformats.org/officeDocument/2006/relationships" xmlns:p="http://schemas.openxmlformats.org/presentationml/2006/main">
+  <p:cSld>
+    <p:spTree>
+      <p:nvGrpSpPr>
+        <p:cNvPr id="1" name=""/>
+        <p:cNvGrpSpPr/>
+        <p:nvPr/>
+      </p:nvGrpSpPr>
+      <p:grpSpPr>
+        <a:xfrm>
+          <a:off x="0" y="0"/>
+          <a:ext cx="0" cy="0"/>
+          <a:chOff x="0" y="0"/>
+          <a:chExt cx="0" cy="0"/>
+        </a:xfrm>
+      </p:grpSpPr>
+      <p:sp>
+        <p:nvSpPr>
+          <p:cNvPr id="39938" name="Rectangle 2"/>
+          <p:cNvSpPr>
+            <a:spLocks noGrp="1" noChangeArrowheads="1"/>
+          </p:cNvSpPr>
+          <p:nvPr>
+            <p:ph type="title"/>
+            <p:custDataLst>
+              <p:tags r:id="rId1"/>
+            </p:custDataLst>
+          </p:nvPr>
+        </p:nvSpPr>
+        <p:spPr/>
+        <p:txBody>
+          <a:bodyPr>
+            <a:normAutofit/>
+          </a:bodyPr>
+          <a:lstStyle/>
+          <a:p>
+            <a:r>
+              <a:rPr lang="en-US" dirty="0"/>
+              <a:t>Formulas</a:t>
+            </a:r>
+          </a:p>
+        </p:txBody>
+      </p:sp>
+      <p:sp>
+        <p:nvSpPr>
+          <p:cNvPr id="4" name="Slide Number Placeholder 3"/>
+          <p:cNvSpPr>
+            <a:spLocks noGrp="1"/>
+          </p:cNvSpPr>
+          <p:nvPr>
+            <p:ph type="sldNum" sz="quarter" idx="12"/>
+          </p:nvPr>
+        </p:nvSpPr>
+        <p:spPr/>
+        <p:txBody>
+          <a:bodyPr/>
+          <a:lstStyle/>
+          <a:p>
+            <a:fld id="{DACC1BBE-66B1-403A-8C7E-C57A0F3A107F}" type="slidenum">
+              <a:rPr lang="en-US" smtClean="0"/>
+              <a:pPr/>
+              <a:t>17</a:t>
+            </a:fld>
+            <a:endParaRPr lang="en-US"/>
+          </a:p>
+        </p:txBody>
+      </p:sp>
+      <mc:AlternateContent xmlns:mc="http://schemas.openxmlformats.org/markup-compatibility/2006">
+        <mc:Choice xmlns:a14="http://schemas.microsoft.com/office/drawing/2010/main" Requires="a14">
+          <p:sp>
+            <p:nvSpPr>
+              <p:cNvPr id="37891" name="Rectangle 3"/>
+              <p:cNvSpPr>
+                <a:spLocks noGrp="1" noChangeArrowheads="1"/>
+              </p:cNvSpPr>
+              <p:nvPr>
+                <p:ph sz="quarter" idx="1"/>
+                <p:custDataLst>
+                  <p:tags r:id="rId2"/>
+                </p:custDataLst>
+              </p:nvPr>
+            </p:nvSpPr>
+            <p:spPr>
+              <a:xfrm>
+                <a:off x="304800" y="1219200"/>
+                <a:ext cx="5791200" cy="5410200"/>
+              </a:xfrm>
+            </p:spPr>
+            <p:txBody>
+              <a:bodyPr/>
+              <a:lstStyle/>
+              <a:p>
+                <a:pPr marL="0" indent="0">
+                  <a:buNone/>
+                </a:pPr>
+                <a14:m>
+                  <m:oMathPara xmlns:m="http://schemas.openxmlformats.org/officeDocument/2006/math">
+                    <m:oMathParaPr>
+                      <m:jc m:val="centerGroup"/>
+                    </m:oMathParaPr>
+                    <m:oMath xmlns:m="http://schemas.openxmlformats.org/officeDocument/2006/math">
+                      <m:r>
+                        <a:rPr lang="en-US" b="0" i="1" smtClean="0">
+                          <a:latin typeface="Cambria Math" panose="02040503050406030204" pitchFamily="18" charset="0"/>
+                        </a:rPr>
+                        <m:t>𝑢</m:t>
+                      </m:r>
+                      <m:r>
+                        <a:rPr lang="en-US" b="0" i="1" smtClean="0">
+                          <a:latin typeface="Cambria Math" panose="02040503050406030204" pitchFamily="18" charset="0"/>
+                        </a:rPr>
+                        <m:t>.</m:t>
+                      </m:r>
+                      <m:r>
+                        <a:rPr lang="en-US" b="0" i="1" smtClean="0">
+                          <a:latin typeface="Cambria Math" panose="02040503050406030204" pitchFamily="18" charset="0"/>
+                        </a:rPr>
+                        <m:t>𝑑</m:t>
+                      </m:r>
+                      <m:r>
+                        <a:rPr lang="en-US" b="0" i="1" smtClean="0">
+                          <a:latin typeface="Cambria Math" panose="02040503050406030204" pitchFamily="18" charset="0"/>
+                        </a:rPr>
+                        <m:t>+</m:t>
+                      </m:r>
+                      <m:r>
+                        <a:rPr lang="en-US" b="0" i="1" smtClean="0">
+                          <a:latin typeface="Cambria Math" panose="02040503050406030204" pitchFamily="18" charset="0"/>
+                        </a:rPr>
+                        <m:t>𝑐</m:t>
+                      </m:r>
+                      <m:d>
+                        <m:dPr>
+                          <m:ctrlPr>
+                            <a:rPr lang="en-US" b="0" i="1" smtClean="0">
+                              <a:latin typeface="Cambria Math" panose="02040503050406030204" pitchFamily="18" charset="0"/>
+                            </a:rPr>
+                          </m:ctrlPr>
+                        </m:dPr>
+                        <m:e>
+                          <m:r>
+                            <a:rPr lang="en-US" b="0" i="1" smtClean="0">
+                              <a:latin typeface="Cambria Math" panose="02040503050406030204" pitchFamily="18" charset="0"/>
+                            </a:rPr>
+                            <m:t>𝑒</m:t>
+                          </m:r>
+                        </m:e>
+                      </m:d>
+                    </m:oMath>
+                  </m:oMathPara>
+                </a14:m>
+                <a:endParaRPr lang="en-US" b="0" dirty="0"/>
+              </a:p>
+              <a:p>
+                <a:pPr marL="0" indent="0">
+                  <a:buNone/>
+                </a:pPr>
+                <a14:m>
+                  <m:oMathPara xmlns:m="http://schemas.openxmlformats.org/officeDocument/2006/math">
+                    <m:oMathParaPr>
+                      <m:jc m:val="centerGroup"/>
+                    </m:oMathParaPr>
+                    <m:oMath xmlns:m="http://schemas.openxmlformats.org/officeDocument/2006/math">
+                      <m:r>
+                        <a:rPr lang="en-US" b="0" i="1" smtClean="0">
+                          <a:latin typeface="Cambria Math" panose="02040503050406030204" pitchFamily="18" charset="0"/>
+                        </a:rPr>
+                        <m:t>𝛿</m:t>
+                      </m:r>
+                      <m:d>
+                        <m:dPr>
+                          <m:ctrlPr>
+                            <a:rPr lang="en-US" b="0" i="1" smtClean="0">
+                              <a:latin typeface="Cambria Math" panose="02040503050406030204" pitchFamily="18" charset="0"/>
+                            </a:rPr>
+                          </m:ctrlPr>
+                        </m:dPr>
+                        <m:e>
+                          <m:r>
+                            <a:rPr lang="en-US" b="0" i="1" smtClean="0">
+                              <a:latin typeface="Cambria Math" panose="02040503050406030204" pitchFamily="18" charset="0"/>
+                            </a:rPr>
+                            <m:t>𝑠</m:t>
+                          </m:r>
+                          <m:r>
+                            <a:rPr lang="en-US" b="0" i="1" smtClean="0">
+                              <a:latin typeface="Cambria Math" panose="02040503050406030204" pitchFamily="18" charset="0"/>
+                            </a:rPr>
+                            <m:t>,</m:t>
+                          </m:r>
+                          <m:r>
+                            <a:rPr lang="en-US" b="0" i="1" smtClean="0">
+                              <a:latin typeface="Cambria Math" panose="02040503050406030204" pitchFamily="18" charset="0"/>
+                            </a:rPr>
+                            <m:t>𝑢</m:t>
+                          </m:r>
+                        </m:e>
+                      </m:d>
+                      <m:r>
+                        <a:rPr lang="en-US" b="0" i="1" smtClean="0">
+                          <a:latin typeface="Cambria Math" panose="02040503050406030204" pitchFamily="18" charset="0"/>
+                        </a:rPr>
+                        <m:t>+</m:t>
+                      </m:r>
+                      <m:r>
+                        <a:rPr lang="en-US" b="0" i="1" smtClean="0">
+                          <a:latin typeface="Cambria Math" panose="02040503050406030204" pitchFamily="18" charset="0"/>
+                        </a:rPr>
+                        <m:t>𝑐</m:t>
+                      </m:r>
+                      <m:d>
+                        <m:dPr>
+                          <m:ctrlPr>
+                            <a:rPr lang="en-US" b="0" i="1" smtClean="0">
+                              <a:latin typeface="Cambria Math" panose="02040503050406030204" pitchFamily="18" charset="0"/>
+                            </a:rPr>
+                          </m:ctrlPr>
+                        </m:dPr>
+                        <m:e>
+                          <m:r>
+                            <a:rPr lang="en-US" b="0" i="1" smtClean="0">
+                              <a:latin typeface="Cambria Math" panose="02040503050406030204" pitchFamily="18" charset="0"/>
+                            </a:rPr>
+                            <m:t>𝑒</m:t>
+                          </m:r>
+                        </m:e>
+                      </m:d>
+                    </m:oMath>
+                  </m:oMathPara>
+                </a14:m>
+                <a:endParaRPr lang="en-US" b="0" dirty="0"/>
+              </a:p>
+              <a:p>
+                <a:pPr marL="0" indent="0">
+                  <a:buNone/>
+                </a:pPr>
+                <a:endParaRPr lang="en-US" b="0" dirty="0"/>
+              </a:p>
+              <a:p>
+                <a:pPr marL="0" indent="0">
+                  <a:buNone/>
+                </a:pPr>
+                <a14:m>
+                  <m:oMathPara xmlns:m="http://schemas.openxmlformats.org/officeDocument/2006/math">
+                    <m:oMathParaPr>
+                      <m:jc m:val="centerGroup"/>
+                    </m:oMathParaPr>
+                    <m:oMath xmlns:m="http://schemas.openxmlformats.org/officeDocument/2006/math">
+                      <m:r>
+                        <a:rPr lang="en-US" b="0" i="1" smtClean="0">
+                          <a:latin typeface="Cambria Math" panose="02040503050406030204" pitchFamily="18" charset="0"/>
+                        </a:rPr>
+                        <m:t>𝛿</m:t>
+                      </m:r>
+                      <m:d>
+                        <m:dPr>
+                          <m:ctrlPr>
+                            <a:rPr lang="en-US" b="0" i="1" smtClean="0">
+                              <a:latin typeface="Cambria Math" panose="02040503050406030204" pitchFamily="18" charset="0"/>
+                            </a:rPr>
+                          </m:ctrlPr>
+                        </m:dPr>
+                        <m:e>
+                          <m:r>
+                            <a:rPr lang="en-US" b="0" i="1" smtClean="0">
+                              <a:latin typeface="Cambria Math" panose="02040503050406030204" pitchFamily="18" charset="0"/>
+                            </a:rPr>
+                            <m:t>𝑠</m:t>
+                          </m:r>
+                          <m:r>
+                            <a:rPr lang="en-US" b="0" i="1" smtClean="0">
+                              <a:latin typeface="Cambria Math" panose="02040503050406030204" pitchFamily="18" charset="0"/>
+                            </a:rPr>
+                            <m:t>,</m:t>
+                          </m:r>
+                          <m:sSup>
+                            <m:sSupPr>
+                              <m:ctrlPr>
+                                <a:rPr lang="en-US" b="0" i="1" smtClean="0">
+                                  <a:latin typeface="Cambria Math" panose="02040503050406030204" pitchFamily="18" charset="0"/>
+                                </a:rPr>
+                              </m:ctrlPr>
+                            </m:sSupPr>
+                            <m:e>
+                              <m:r>
+                                <a:rPr lang="en-US" b="0" i="1" smtClean="0">
+                                  <a:latin typeface="Cambria Math" panose="02040503050406030204" pitchFamily="18" charset="0"/>
+                                </a:rPr>
+                                <m:t>𝑢</m:t>
+                              </m:r>
+                            </m:e>
+                            <m:sup>
+                              <m:r>
+                                <a:rPr lang="en-US" b="0" i="1" smtClean="0">
+                                  <a:latin typeface="Cambria Math" panose="02040503050406030204" pitchFamily="18" charset="0"/>
+                                </a:rPr>
+                                <m:t>′</m:t>
+                              </m:r>
+                            </m:sup>
+                          </m:sSup>
+                        </m:e>
+                      </m:d>
+                      <m:r>
+                        <a:rPr lang="en-US" b="0" i="1" smtClean="0">
+                          <a:latin typeface="Cambria Math" panose="02040503050406030204" pitchFamily="18" charset="0"/>
+                        </a:rPr>
+                        <m:t>+</m:t>
+                      </m:r>
+                      <m:r>
+                        <a:rPr lang="en-US" b="0" i="1" smtClean="0">
+                          <a:latin typeface="Cambria Math" panose="02040503050406030204" pitchFamily="18" charset="0"/>
+                        </a:rPr>
+                        <m:t>𝑐</m:t>
+                      </m:r>
+                      <m:d>
+                        <m:dPr>
+                          <m:ctrlPr>
+                            <a:rPr lang="en-US" b="0" i="1" smtClean="0">
+                              <a:latin typeface="Cambria Math" panose="02040503050406030204" pitchFamily="18" charset="0"/>
+                            </a:rPr>
+                          </m:ctrlPr>
+                        </m:dPr>
+                        <m:e>
+                          <m:sSup>
+                            <m:sSupPr>
+                              <m:ctrlPr>
+                                <a:rPr lang="en-US" b="0" i="1" smtClean="0">
+                                  <a:latin typeface="Cambria Math" panose="02040503050406030204" pitchFamily="18" charset="0"/>
+                                </a:rPr>
+                              </m:ctrlPr>
+                            </m:sSupPr>
+                            <m:e>
+                              <m:r>
+                                <a:rPr lang="en-US" b="0" i="1" smtClean="0">
+                                  <a:latin typeface="Cambria Math" panose="02040503050406030204" pitchFamily="18" charset="0"/>
+                                </a:rPr>
+                                <m:t>𝑒</m:t>
+                              </m:r>
+                            </m:e>
+                            <m:sup>
+                              <m:r>
+                                <a:rPr lang="en-US" b="0" i="1" smtClean="0">
+                                  <a:latin typeface="Cambria Math" panose="02040503050406030204" pitchFamily="18" charset="0"/>
+                                </a:rPr>
+                                <m:t>′</m:t>
+                              </m:r>
+                            </m:sup>
+                          </m:sSup>
+                        </m:e>
+                      </m:d>
+                      <m:r>
+                        <a:rPr lang="en-US" b="0" i="1" smtClean="0">
+                          <a:latin typeface="Cambria Math" panose="02040503050406030204" pitchFamily="18" charset="0"/>
+                        </a:rPr>
+                        <m:t>+</m:t>
+                      </m:r>
+                      <m:r>
+                        <m:rPr>
+                          <m:sty m:val="p"/>
+                        </m:rPr>
+                        <a:rPr lang="en-US" b="0" i="0" smtClean="0">
+                          <a:latin typeface="Cambria Math" panose="02040503050406030204" pitchFamily="18" charset="0"/>
+                        </a:rPr>
+                        <m:t>Δ</m:t>
+                      </m:r>
+                      <m:r>
+                        <a:rPr lang="en-US" b="0" i="1" smtClean="0">
+                          <a:latin typeface="Cambria Math" panose="02040503050406030204" pitchFamily="18" charset="0"/>
+                        </a:rPr>
+                        <m:t>&lt;</m:t>
+                      </m:r>
+                      <m:r>
+                        <a:rPr lang="en-US" b="0" i="1" smtClean="0">
+                          <a:latin typeface="Cambria Math" panose="02040503050406030204" pitchFamily="18" charset="0"/>
+                        </a:rPr>
+                        <m:t>𝛿</m:t>
+                      </m:r>
+                      <m:d>
+                        <m:dPr>
+                          <m:ctrlPr>
+                            <a:rPr lang="en-US" b="0" i="1" smtClean="0">
+                              <a:latin typeface="Cambria Math" panose="02040503050406030204" pitchFamily="18" charset="0"/>
+                            </a:rPr>
+                          </m:ctrlPr>
+                        </m:dPr>
+                        <m:e>
+                          <m:r>
+                            <a:rPr lang="en-US" b="0" i="1" smtClean="0">
+                              <a:latin typeface="Cambria Math" panose="02040503050406030204" pitchFamily="18" charset="0"/>
+                            </a:rPr>
+                            <m:t>𝑠</m:t>
+                          </m:r>
+                          <m:r>
+                            <a:rPr lang="en-US" b="0" i="1" smtClean="0">
+                              <a:latin typeface="Cambria Math" panose="02040503050406030204" pitchFamily="18" charset="0"/>
+                            </a:rPr>
+                            <m:t>,</m:t>
+                          </m:r>
+                          <m:r>
+                            <a:rPr lang="en-US" b="0" i="1" smtClean="0">
+                              <a:latin typeface="Cambria Math" panose="02040503050406030204" pitchFamily="18" charset="0"/>
+                            </a:rPr>
+                            <m:t>𝑢</m:t>
+                          </m:r>
+                        </m:e>
+                      </m:d>
+                      <m:r>
+                        <a:rPr lang="en-US" b="0" i="1" smtClean="0">
+                          <a:latin typeface="Cambria Math" panose="02040503050406030204" pitchFamily="18" charset="0"/>
+                        </a:rPr>
+                        <m:t>+</m:t>
+                      </m:r>
+                      <m:r>
+                        <a:rPr lang="en-US" b="0" i="1" smtClean="0">
+                          <a:latin typeface="Cambria Math" panose="02040503050406030204" pitchFamily="18" charset="0"/>
+                        </a:rPr>
+                        <m:t>𝑐</m:t>
+                      </m:r>
+                      <m:d>
+                        <m:dPr>
+                          <m:ctrlPr>
+                            <a:rPr lang="en-US" b="0" i="1" smtClean="0">
+                              <a:latin typeface="Cambria Math" panose="02040503050406030204" pitchFamily="18" charset="0"/>
+                            </a:rPr>
+                          </m:ctrlPr>
+                        </m:dPr>
+                        <m:e>
+                          <m:r>
+                            <a:rPr lang="en-US" b="0" i="1" smtClean="0">
+                              <a:latin typeface="Cambria Math" panose="02040503050406030204" pitchFamily="18" charset="0"/>
+                            </a:rPr>
+                            <m:t>𝑒</m:t>
+                          </m:r>
+                        </m:e>
+                      </m:d>
+                    </m:oMath>
+                  </m:oMathPara>
+                </a14:m>
+                <a:endParaRPr lang="en-US" b="0" dirty="0"/>
+              </a:p>
+              <a:p>
+                <a:pPr marL="0" indent="0">
+                  <a:buNone/>
+                </a:pPr>
+                <a:endParaRPr lang="en-US" b="0" i="0" dirty="0">
+                  <a:latin typeface="Cambria Math" panose="02040503050406030204" pitchFamily="18" charset="0"/>
+                </a:endParaRPr>
+              </a:p>
+              <a:p>
+                <a:pPr marL="0" indent="0">
+                  <a:buNone/>
+                </a:pPr>
+                <a14:m>
+                  <m:oMathPara xmlns:m="http://schemas.openxmlformats.org/officeDocument/2006/math">
+                    <m:oMathParaPr>
+                      <m:jc m:val="centerGroup"/>
+                    </m:oMathParaPr>
+                    <m:oMath xmlns:m="http://schemas.openxmlformats.org/officeDocument/2006/math">
+                      <m:r>
+                        <m:rPr>
+                          <m:sty m:val="p"/>
+                        </m:rPr>
+                        <a:rPr lang="en-US" b="0" i="0" smtClean="0">
+                          <a:latin typeface="Cambria Math" panose="02040503050406030204" pitchFamily="18" charset="0"/>
+                        </a:rPr>
+                        <m:t>Δ</m:t>
+                      </m:r>
+                      <m:r>
+                        <a:rPr lang="en-US" b="0" i="1" smtClean="0">
+                          <a:latin typeface="Cambria Math" panose="02040503050406030204" pitchFamily="18" charset="0"/>
+                        </a:rPr>
+                        <m:t>≥0</m:t>
+                      </m:r>
+                    </m:oMath>
+                  </m:oMathPara>
+                </a14:m>
+                <a:endParaRPr lang="en-US" b="0" dirty="0"/>
+              </a:p>
+              <a:p>
+                <a:pPr marL="0" indent="0">
+                  <a:buNone/>
+                </a:pPr>
+                <a:endParaRPr lang="en-US" b="0" dirty="0"/>
+              </a:p>
+              <a:p>
+                <a:pPr marL="0" indent="0">
+                  <a:buNone/>
+                </a:pPr>
+                <a14:m>
+                  <m:oMathPara xmlns:m="http://schemas.openxmlformats.org/officeDocument/2006/math">
+                    <m:oMathParaPr>
+                      <m:jc m:val="centerGroup"/>
+                    </m:oMathParaPr>
+                    <m:oMath xmlns:m="http://schemas.openxmlformats.org/officeDocument/2006/math">
+                      <m:r>
+                        <a:rPr lang="en-US" b="0" i="1" smtClean="0">
+                          <a:latin typeface="Cambria Math" panose="02040503050406030204" pitchFamily="18" charset="0"/>
+                        </a:rPr>
+                        <m:t>𝛿</m:t>
+                      </m:r>
+                      <m:d>
+                        <m:dPr>
+                          <m:ctrlPr>
+                            <a:rPr lang="en-US" b="0" i="1" smtClean="0">
+                              <a:latin typeface="Cambria Math" panose="02040503050406030204" pitchFamily="18" charset="0"/>
+                            </a:rPr>
+                          </m:ctrlPr>
+                        </m:dPr>
+                        <m:e>
+                          <m:r>
+                            <a:rPr lang="en-US" b="0" i="1" smtClean="0">
+                              <a:latin typeface="Cambria Math" panose="02040503050406030204" pitchFamily="18" charset="0"/>
+                            </a:rPr>
+                            <m:t>𝑠</m:t>
+                          </m:r>
+                          <m:r>
+                            <a:rPr lang="en-US" b="0" i="1" smtClean="0">
+                              <a:latin typeface="Cambria Math" panose="02040503050406030204" pitchFamily="18" charset="0"/>
+                            </a:rPr>
+                            <m:t>,</m:t>
+                          </m:r>
+                          <m:sSup>
+                            <m:sSupPr>
+                              <m:ctrlPr>
+                                <a:rPr lang="en-US" b="0" i="1" smtClean="0">
+                                  <a:latin typeface="Cambria Math" panose="02040503050406030204" pitchFamily="18" charset="0"/>
+                                </a:rPr>
+                              </m:ctrlPr>
+                            </m:sSupPr>
+                            <m:e>
+                              <m:r>
+                                <a:rPr lang="en-US" b="0" i="1" smtClean="0">
+                                  <a:latin typeface="Cambria Math" panose="02040503050406030204" pitchFamily="18" charset="0"/>
+                                </a:rPr>
+                                <m:t>𝑢</m:t>
+                              </m:r>
+                            </m:e>
+                            <m:sup>
+                              <m:r>
+                                <a:rPr lang="en-US" b="0" i="1" smtClean="0">
+                                  <a:latin typeface="Cambria Math" panose="02040503050406030204" pitchFamily="18" charset="0"/>
+                                </a:rPr>
+                                <m:t>′</m:t>
+                              </m:r>
+                            </m:sup>
+                          </m:sSup>
+                        </m:e>
+                      </m:d>
+                      <m:r>
+                        <a:rPr lang="en-US" b="0" i="1" smtClean="0">
+                          <a:latin typeface="Cambria Math" panose="02040503050406030204" pitchFamily="18" charset="0"/>
+                        </a:rPr>
+                        <m:t>+</m:t>
+                      </m:r>
+                      <m:r>
+                        <a:rPr lang="en-US" b="0" i="1" smtClean="0">
+                          <a:latin typeface="Cambria Math" panose="02040503050406030204" pitchFamily="18" charset="0"/>
+                        </a:rPr>
+                        <m:t>𝑐</m:t>
+                      </m:r>
+                      <m:d>
+                        <m:dPr>
+                          <m:ctrlPr>
+                            <a:rPr lang="en-US" b="0" i="1" smtClean="0">
+                              <a:latin typeface="Cambria Math" panose="02040503050406030204" pitchFamily="18" charset="0"/>
+                            </a:rPr>
+                          </m:ctrlPr>
+                        </m:dPr>
+                        <m:e>
+                          <m:sSup>
+                            <m:sSupPr>
+                              <m:ctrlPr>
+                                <a:rPr lang="en-US" b="0" i="1" smtClean="0">
+                                  <a:latin typeface="Cambria Math" panose="02040503050406030204" pitchFamily="18" charset="0"/>
+                                </a:rPr>
+                              </m:ctrlPr>
+                            </m:sSupPr>
+                            <m:e>
+                              <m:r>
+                                <a:rPr lang="en-US" b="0" i="1" smtClean="0">
+                                  <a:latin typeface="Cambria Math" panose="02040503050406030204" pitchFamily="18" charset="0"/>
+                                </a:rPr>
+                                <m:t>𝑒</m:t>
+                              </m:r>
+                            </m:e>
+                            <m:sup>
+                              <m:r>
+                                <a:rPr lang="en-US" b="0" i="1" smtClean="0">
+                                  <a:latin typeface="Cambria Math" panose="02040503050406030204" pitchFamily="18" charset="0"/>
+                                </a:rPr>
+                                <m:t>′</m:t>
+                              </m:r>
+                            </m:sup>
+                          </m:sSup>
+                        </m:e>
+                      </m:d>
+                      <m:r>
+                        <a:rPr lang="en-US" b="0" i="1" smtClean="0">
+                          <a:latin typeface="Cambria Math" panose="02040503050406030204" pitchFamily="18" charset="0"/>
+                        </a:rPr>
+                        <m:t>&lt;</m:t>
+                      </m:r>
+                      <m:r>
+                        <a:rPr lang="en-US" b="0" i="1" smtClean="0">
+                          <a:latin typeface="Cambria Math" panose="02040503050406030204" pitchFamily="18" charset="0"/>
+                        </a:rPr>
+                        <m:t>𝛿</m:t>
+                      </m:r>
+                      <m:d>
+                        <m:dPr>
+                          <m:ctrlPr>
+                            <a:rPr lang="en-US" b="0" i="1" smtClean="0">
+                              <a:latin typeface="Cambria Math" panose="02040503050406030204" pitchFamily="18" charset="0"/>
+                            </a:rPr>
+                          </m:ctrlPr>
+                        </m:dPr>
+                        <m:e>
+                          <m:r>
+                            <a:rPr lang="en-US" b="0" i="1" smtClean="0">
+                              <a:latin typeface="Cambria Math" panose="02040503050406030204" pitchFamily="18" charset="0"/>
+                            </a:rPr>
+                            <m:t>𝑠</m:t>
+                          </m:r>
+                          <m:r>
+                            <a:rPr lang="en-US" b="0" i="1" smtClean="0">
+                              <a:latin typeface="Cambria Math" panose="02040503050406030204" pitchFamily="18" charset="0"/>
+                            </a:rPr>
+                            <m:t>,</m:t>
+                          </m:r>
+                          <m:r>
+                            <a:rPr lang="en-US" b="0" i="1" smtClean="0">
+                              <a:latin typeface="Cambria Math" panose="02040503050406030204" pitchFamily="18" charset="0"/>
+                            </a:rPr>
+                            <m:t>𝑢</m:t>
+                          </m:r>
+                        </m:e>
+                      </m:d>
+                      <m:r>
+                        <a:rPr lang="en-US" b="0" i="1" smtClean="0">
+                          <a:latin typeface="Cambria Math" panose="02040503050406030204" pitchFamily="18" charset="0"/>
+                        </a:rPr>
+                        <m:t>+</m:t>
+                      </m:r>
+                      <m:r>
+                        <a:rPr lang="en-US" b="0" i="1" smtClean="0">
+                          <a:latin typeface="Cambria Math" panose="02040503050406030204" pitchFamily="18" charset="0"/>
+                        </a:rPr>
+                        <m:t>𝑐</m:t>
+                      </m:r>
+                      <m:r>
+                        <a:rPr lang="en-US" b="0" i="1" smtClean="0">
+                          <a:latin typeface="Cambria Math" panose="02040503050406030204" pitchFamily="18" charset="0"/>
+                        </a:rPr>
+                        <m:t>(</m:t>
+                      </m:r>
+                      <m:r>
+                        <a:rPr lang="en-US" b="0" i="1" smtClean="0">
+                          <a:latin typeface="Cambria Math" panose="02040503050406030204" pitchFamily="18" charset="0"/>
+                        </a:rPr>
+                        <m:t>𝑒</m:t>
+                      </m:r>
+                      <m:r>
+                        <a:rPr lang="en-US" b="0" i="1" smtClean="0">
+                          <a:latin typeface="Cambria Math" panose="02040503050406030204" pitchFamily="18" charset="0"/>
+                        </a:rPr>
+                        <m:t>)</m:t>
+                      </m:r>
+                    </m:oMath>
+                  </m:oMathPara>
+                </a14:m>
+                <a:endParaRPr lang="en-US" b="0" dirty="0"/>
+              </a:p>
+              <a:p>
+                <a:pPr marL="0" indent="0">
+                  <a:buNone/>
+                </a:pPr>
+                <a:endParaRPr lang="en-US" dirty="0"/>
+              </a:p>
+            </p:txBody>
+          </p:sp>
+        </mc:Choice>
+        <mc:Fallback>
+          <p:sp>
+            <p:nvSpPr>
+              <p:cNvPr id="37891" name="Rectangle 3"/>
+              <p:cNvSpPr>
+                <a:spLocks noGrp="1" noRot="1" noChangeAspect="1" noMove="1" noResize="1" noEditPoints="1" noAdjustHandles="1" noChangeArrowheads="1" noChangeShapeType="1" noTextEdit="1"/>
+              </p:cNvSpPr>
+              <p:nvPr>
+                <p:ph sz="quarter" idx="1"/>
+                <p:custDataLst>
+                  <p:tags r:id="rId2"/>
+                </p:custDataLst>
+              </p:nvPr>
+            </p:nvSpPr>
+            <p:spPr>
+              <a:xfrm>
+                <a:off x="304800" y="1219200"/>
+                <a:ext cx="5791200" cy="5410200"/>
+              </a:xfrm>
+              <a:blipFill>
+                <a:blip r:embed="rId5"/>
+                <a:stretch>
+                  <a:fillRect/>
+                </a:stretch>
+              </a:blipFill>
+            </p:spPr>
+            <p:txBody>
+              <a:bodyPr/>
+              <a:lstStyle/>
+              <a:p>
+                <a:r>
+                  <a:rPr lang="en-US">
+                    <a:noFill/>
+                  </a:rPr>
+                  <a:t> </a:t>
+                </a:r>
+              </a:p>
+            </p:txBody>
+          </p:sp>
+        </mc:Fallback>
+      </mc:AlternateContent>
+      <p:sp>
+        <p:nvSpPr>
+          <p:cNvPr id="5" name="Rectangle 3">
+            <a:extLst>
+              <a:ext uri="{FF2B5EF4-FFF2-40B4-BE49-F238E27FC236}">
+                <a16:creationId xmlns:a16="http://schemas.microsoft.com/office/drawing/2014/main" id="{3709DC4E-C2AC-E547-AFEF-1215DDE3ED8C}"/>
+              </a:ext>
+            </a:extLst>
+          </p:cNvPr>
+          <p:cNvSpPr txBox="1">
+            <a:spLocks noChangeArrowheads="1"/>
+          </p:cNvSpPr>
+          <p:nvPr>
+            <p:custDataLst>
+              <p:tags r:id="rId3"/>
+            </p:custDataLst>
+          </p:nvPr>
+        </p:nvSpPr>
+        <p:spPr>
+          <a:xfrm>
+            <a:off x="6248400" y="1219200"/>
+            <a:ext cx="5791200" cy="5410200"/>
+          </a:xfrm>
+          <a:prstGeom prst="rect">
+            <a:avLst/>
+          </a:prstGeom>
+        </p:spPr>
+        <p:txBody>
+          <a:bodyPr vert="horz">
+            <a:normAutofit/>
+          </a:bodyPr>
+          <a:lstStyle>
+            <a:lvl1pPr marL="274320" indent="-274320" algn="just" rtl="0" eaLnBrk="1" latinLnBrk="0" hangingPunct="1">
+              <a:spcBef>
+                <a:spcPts val="600"/>
+              </a:spcBef>
+              <a:buClr>
+                <a:schemeClr val="accent1"/>
+              </a:buClr>
+              <a:buSzPct val="76000"/>
+              <a:buFont typeface="Wingdings 3"/>
+              <a:buChar char=""/>
+              <a:defRPr kumimoji="0" sz="2600" kern="1200">
+                <a:solidFill>
+                  <a:schemeClr val="tx1"/>
+                </a:solidFill>
+                <a:latin typeface="+mn-lt"/>
+                <a:ea typeface="+mn-ea"/>
+                <a:cs typeface="+mn-cs"/>
+              </a:defRPr>
+            </a:lvl1pPr>
+            <a:lvl2pPr marL="548640" indent="-274320" algn="just" rtl="0" eaLnBrk="1" latinLnBrk="0" hangingPunct="1">
+              <a:spcBef>
+                <a:spcPts val="500"/>
+              </a:spcBef>
+              <a:buClr>
+                <a:schemeClr val="accent2"/>
+              </a:buClr>
+              <a:buSzPct val="76000"/>
+              <a:buFont typeface="Wingdings 3"/>
+              <a:buChar char=""/>
+              <a:defRPr kumimoji="0" sz="2300" kern="1200">
+                <a:solidFill>
+                  <a:schemeClr val="tx2"/>
+                </a:solidFill>
+                <a:latin typeface="+mn-lt"/>
+                <a:ea typeface="+mn-ea"/>
+                <a:cs typeface="+mn-cs"/>
+              </a:defRPr>
+            </a:lvl2pPr>
+            <a:lvl3pPr marL="822960" indent="-228600" algn="just" rtl="0" eaLnBrk="1" latinLnBrk="0" hangingPunct="1">
+              <a:spcBef>
+                <a:spcPts val="500"/>
+              </a:spcBef>
+              <a:buClr>
+                <a:schemeClr val="bg1">
+                  <a:shade val="50000"/>
+                </a:schemeClr>
+              </a:buClr>
+              <a:buSzPct val="76000"/>
+              <a:buFont typeface="Wingdings 3"/>
+              <a:buChar char=""/>
+              <a:defRPr kumimoji="0" sz="2000" kern="1200">
+                <a:solidFill>
+                  <a:schemeClr val="tx1"/>
+                </a:solidFill>
+                <a:latin typeface="+mn-lt"/>
+                <a:ea typeface="+mn-ea"/>
+                <a:cs typeface="+mn-cs"/>
+              </a:defRPr>
+            </a:lvl3pPr>
+            <a:lvl4pPr marL="1097280" indent="-228600" algn="just" rtl="0" eaLnBrk="1" latinLnBrk="0" hangingPunct="1">
+              <a:spcBef>
+                <a:spcPts val="400"/>
+              </a:spcBef>
+              <a:buClr>
+                <a:schemeClr val="accent2">
+                  <a:shade val="75000"/>
+                </a:schemeClr>
+              </a:buClr>
+              <a:buSzPct val="70000"/>
+              <a:buFont typeface="Wingdings"/>
+              <a:buChar char=""/>
+              <a:defRPr kumimoji="0" sz="1800" kern="1200">
+                <a:solidFill>
+                  <a:schemeClr val="tx1"/>
+                </a:solidFill>
+                <a:latin typeface="+mn-lt"/>
+                <a:ea typeface="+mn-ea"/>
+                <a:cs typeface="+mn-cs"/>
+              </a:defRPr>
+            </a:lvl4pPr>
+            <a:lvl5pPr marL="1371600" indent="-228600" algn="just" rtl="0" eaLnBrk="1" latinLnBrk="0" hangingPunct="1">
+              <a:spcBef>
+                <a:spcPts val="300"/>
+              </a:spcBef>
+              <a:buClr>
+                <a:schemeClr val="accent2"/>
+              </a:buClr>
+              <a:buSzPct val="70000"/>
+              <a:buFont typeface="Wingdings"/>
+              <a:buChar char=""/>
+              <a:defRPr kumimoji="0" sz="1600" kern="1200">
+                <a:solidFill>
+                  <a:schemeClr val="tx1"/>
+                </a:solidFill>
+                <a:latin typeface="+mn-lt"/>
+                <a:ea typeface="+mn-ea"/>
+                <a:cs typeface="+mn-cs"/>
+              </a:defRPr>
+            </a:lvl5pPr>
+            <a:lvl6pPr marL="1645920" indent="-182880" algn="l" rtl="0" eaLnBrk="1" latinLnBrk="0" hangingPunct="1">
+              <a:spcBef>
+                <a:spcPts val="300"/>
+              </a:spcBef>
+              <a:buClr>
+                <a:srgbClr val="9FB8CD">
+                  <a:shade val="75000"/>
+                </a:srgbClr>
+              </a:buClr>
+              <a:buSzPct val="75000"/>
+              <a:buFont typeface="Wingdings 3"/>
+              <a:buChar char=""/>
+              <a:defRPr kumimoji="0" lang="en-US" sz="1600" kern="1200" smtClean="0">
+                <a:solidFill>
+                  <a:schemeClr val="tx1"/>
+                </a:solidFill>
+                <a:latin typeface="+mn-lt"/>
+                <a:ea typeface="+mn-ea"/>
+                <a:cs typeface="+mn-cs"/>
+              </a:defRPr>
+            </a:lvl6pPr>
+            <a:lvl7pPr marL="1828800" indent="-182880" algn="l" rtl="0" eaLnBrk="1" latinLnBrk="0" hangingPunct="1">
+              <a:spcBef>
+                <a:spcPts val="300"/>
+              </a:spcBef>
+              <a:buClr>
+                <a:srgbClr val="727CA3">
+                  <a:shade val="75000"/>
+                </a:srgbClr>
+              </a:buClr>
+              <a:buSzPct val="75000"/>
+              <a:buFont typeface="Wingdings 3"/>
+              <a:buChar char=""/>
+              <a:defRPr kumimoji="0" lang="en-US" sz="1400" kern="1200" smtClean="0">
+                <a:solidFill>
+                  <a:schemeClr val="tx1"/>
+                </a:solidFill>
+                <a:latin typeface="+mn-lt"/>
+                <a:ea typeface="+mn-ea"/>
+                <a:cs typeface="+mn-cs"/>
+              </a:defRPr>
+            </a:lvl7pPr>
+            <a:lvl8pPr marL="2011680" indent="-182880" algn="l" rtl="0" eaLnBrk="1" latinLnBrk="0" hangingPunct="1">
+              <a:spcBef>
+                <a:spcPts val="300"/>
+              </a:spcBef>
+              <a:buClr>
+                <a:prstClr val="white">
+                  <a:shade val="50000"/>
+                </a:prstClr>
+              </a:buClr>
+              <a:buSzPct val="75000"/>
+              <a:buFont typeface="Wingdings 3"/>
+              <a:buChar char=""/>
+              <a:defRPr kumimoji="0" lang="en-US" sz="1400" kern="1200" smtClean="0">
+                <a:solidFill>
+                  <a:schemeClr val="tx1"/>
+                </a:solidFill>
+                <a:latin typeface="+mn-lt"/>
+                <a:ea typeface="+mn-ea"/>
+                <a:cs typeface="+mn-cs"/>
+              </a:defRPr>
+            </a:lvl8pPr>
+            <a:lvl9pPr marL="2194560" indent="-182880" algn="l" rtl="0" eaLnBrk="1" latinLnBrk="0" hangingPunct="1">
+              <a:spcBef>
+                <a:spcPts val="300"/>
+              </a:spcBef>
+              <a:buClr>
+                <a:srgbClr val="9FB8CD"/>
+              </a:buClr>
+              <a:buSzPct val="75000"/>
+              <a:buFont typeface="Wingdings 3"/>
+              <a:buChar char=""/>
+              <a:defRPr kumimoji="0" lang="en-US" sz="1200" kern="1200" smtClean="0">
+                <a:solidFill>
+                  <a:schemeClr val="tx1"/>
+                </a:solidFill>
+                <a:latin typeface="+mn-lt"/>
+                <a:ea typeface="+mn-ea"/>
+                <a:cs typeface="+mn-cs"/>
+              </a:defRPr>
+            </a:lvl9pPr>
+          </a:lstStyle>
+          <a:p>
+            <a:pPr marL="0" indent="0" fontAlgn="auto">
+              <a:spcAft>
+                <a:spcPts val="0"/>
+              </a:spcAft>
+              <a:buFont typeface="Wingdings 3"/>
+              <a:buNone/>
+            </a:pPr>
+            <a:endParaRPr lang="en-US" dirty="0"/>
+          </a:p>
+          <a:p>
+            <a:pPr marL="0" indent="0" fontAlgn="auto">
+              <a:spcAft>
+                <a:spcPts val="0"/>
+              </a:spcAft>
+              <a:buFont typeface="Wingdings 3"/>
+              <a:buNone/>
+            </a:pPr>
+            <a:endParaRPr lang="en-US" dirty="0"/>
+          </a:p>
+        </p:txBody>
+      </p:sp>
+      <p:sp>
+        <p:nvSpPr>
+          <p:cNvPr id="2" name="TextBox 1">
+            <a:extLst>
+              <a:ext uri="{FF2B5EF4-FFF2-40B4-BE49-F238E27FC236}">
+                <a16:creationId xmlns:a16="http://schemas.microsoft.com/office/drawing/2014/main" id="{613E31DD-FA5D-084C-8274-4FB7C921A6E7}"/>
+              </a:ext>
+            </a:extLst>
+          </p:cNvPr>
+          <p:cNvSpPr txBox="1"/>
+          <p:nvPr/>
+        </p:nvSpPr>
+        <p:spPr>
+          <a:xfrm>
+            <a:off x="4419600" y="1489589"/>
+            <a:ext cx="5715000" cy="369332"/>
+          </a:xfrm>
+          <a:prstGeom prst="rect">
+            <a:avLst/>
+          </a:prstGeom>
+          <a:noFill/>
+        </p:spPr>
+        <p:txBody>
+          <a:bodyPr wrap="square" rtlCol="0">
+            <a:spAutoFit/>
+          </a:bodyPr>
+          <a:lstStyle/>
+          <a:p>
+            <a:r>
+              <a:rPr lang="en-US" sz="1800" dirty="0"/>
+              <a:t>Path that Dijkstra chose. Best path of this form</a:t>
+            </a:r>
+          </a:p>
+        </p:txBody>
+      </p:sp>
+      <p:sp>
+        <p:nvSpPr>
+          <p:cNvPr id="7" name="TextBox 6">
+            <a:extLst>
+              <a:ext uri="{FF2B5EF4-FFF2-40B4-BE49-F238E27FC236}">
+                <a16:creationId xmlns:a16="http://schemas.microsoft.com/office/drawing/2014/main" id="{517FE774-9A8F-834A-9A81-21C8AF96D516}"/>
+              </a:ext>
+            </a:extLst>
+          </p:cNvPr>
+          <p:cNvSpPr txBox="1"/>
+          <p:nvPr/>
+        </p:nvSpPr>
+        <p:spPr>
+          <a:xfrm>
+            <a:off x="5846618" y="2420337"/>
+            <a:ext cx="5715000" cy="646331"/>
+          </a:xfrm>
+          <a:prstGeom prst="rect">
+            <a:avLst/>
+          </a:prstGeom>
+          <a:noFill/>
+        </p:spPr>
+        <p:txBody>
+          <a:bodyPr wrap="square" rtlCol="0">
+            <a:spAutoFit/>
+          </a:bodyPr>
+          <a:lstStyle/>
+          <a:p>
+            <a:r>
+              <a:rPr lang="en-US" sz="1800" dirty="0"/>
+              <a:t>Suppose there is a better path s (start) to u’ (known node) to v’ (unknown node) to v (end node) where e’ = (u’, v’)</a:t>
+            </a:r>
+          </a:p>
+        </p:txBody>
+      </p:sp>
+      <p:sp>
+        <p:nvSpPr>
+          <p:cNvPr id="8" name="TextBox 7">
+            <a:extLst>
+              <a:ext uri="{FF2B5EF4-FFF2-40B4-BE49-F238E27FC236}">
+                <a16:creationId xmlns:a16="http://schemas.microsoft.com/office/drawing/2014/main" id="{270682A3-843C-0246-AD6D-D7ECDC2E2A9B}"/>
+              </a:ext>
+            </a:extLst>
+          </p:cNvPr>
+          <p:cNvSpPr txBox="1"/>
+          <p:nvPr/>
+        </p:nvSpPr>
+        <p:spPr>
+          <a:xfrm>
+            <a:off x="3810000" y="3440668"/>
+            <a:ext cx="6418118" cy="369332"/>
+          </a:xfrm>
+          <a:prstGeom prst="rect">
+            <a:avLst/>
+          </a:prstGeom>
+          <a:noFill/>
+        </p:spPr>
+        <p:txBody>
+          <a:bodyPr wrap="square" rtlCol="0">
+            <a:spAutoFit/>
+          </a:bodyPr>
+          <a:lstStyle/>
+          <a:p>
+            <a:r>
+              <a:rPr lang="en-US" sz="1800" dirty="0"/>
+              <a:t>Delta must be greater than 0 because this is requirement of input</a:t>
+            </a:r>
+          </a:p>
+        </p:txBody>
+      </p:sp>
+      <p:sp>
+        <p:nvSpPr>
+          <p:cNvPr id="9" name="TextBox 8">
+            <a:extLst>
+              <a:ext uri="{FF2B5EF4-FFF2-40B4-BE49-F238E27FC236}">
+                <a16:creationId xmlns:a16="http://schemas.microsoft.com/office/drawing/2014/main" id="{83ACEC02-B328-3749-8723-97E81067C5CF}"/>
+              </a:ext>
+            </a:extLst>
+          </p:cNvPr>
+          <p:cNvSpPr txBox="1"/>
+          <p:nvPr/>
+        </p:nvSpPr>
+        <p:spPr>
+          <a:xfrm>
+            <a:off x="5673436" y="4154269"/>
+            <a:ext cx="5985164" cy="1754326"/>
+          </a:xfrm>
+          <a:prstGeom prst="rect">
+            <a:avLst/>
+          </a:prstGeom>
+          <a:noFill/>
+        </p:spPr>
+        <p:txBody>
+          <a:bodyPr wrap="square" rtlCol="0">
+            <a:spAutoFit/>
+          </a:bodyPr>
+          <a:lstStyle/>
+          <a:p>
+            <a:r>
+              <a:rPr lang="en-US" sz="1800" dirty="0"/>
+              <a:t>Delta gets removed and inequality still holds (left side may get even smaller</a:t>
+            </a:r>
+          </a:p>
+          <a:p>
+            <a:endParaRPr lang="en-US" sz="1800" dirty="0"/>
+          </a:p>
+          <a:p>
+            <a:r>
+              <a:rPr lang="en-US" sz="1800" dirty="0"/>
+              <a:t>This is a CONTRADICTION. If this equation were true, Dijkstra’s algorithm would have selected v’ as the next known node.</a:t>
+            </a:r>
+          </a:p>
+        </p:txBody>
+      </p:sp>
+    </p:spTree>
+    <p:extLst>
+      <p:ext uri="{BB962C8B-B14F-4D97-AF65-F5344CB8AC3E}">
+        <p14:creationId xmlns:p14="http://schemas.microsoft.com/office/powerpoint/2010/main" val="1283610827"/>
+      </p:ext>
+    </p:extLst>
+  </p:cSld>
+  <p:clrMapOvr>
+    <a:masterClrMapping/>
+  </p:clrMapOvr>
+</p:sld>
+</file>
+
+<file path=ppt/slides/slide18.xml><?xml version="1.0" encoding="utf-8"?>
+<p:sld xmlns:a="http://schemas.openxmlformats.org/drawingml/2006/main" xmlns:r="http://schemas.openxmlformats.org/officeDocument/2006/relationships" xmlns:p="http://schemas.openxmlformats.org/presentationml/2006/main">
+  <p:cSld>
+    <p:spTree>
+      <p:nvGrpSpPr>
+        <p:cNvPr id="1" name=""/>
+        <p:cNvGrpSpPr/>
+        <p:nvPr/>
+      </p:nvGrpSpPr>
+      <p:grpSpPr>
+        <a:xfrm>
+          <a:off x="0" y="0"/>
+          <a:ext cx="0" cy="0"/>
+          <a:chOff x="0" y="0"/>
+          <a:chExt cx="0" cy="0"/>
+        </a:xfrm>
+      </p:grpSpPr>
+      <p:sp>
+        <p:nvSpPr>
+          <p:cNvPr id="5" name="Title 4"/>
+          <p:cNvSpPr>
+            <a:spLocks noGrp="1"/>
+          </p:cNvSpPr>
+          <p:nvPr>
+            <p:ph type="title"/>
+          </p:nvPr>
+        </p:nvSpPr>
+        <p:spPr/>
+        <p:txBody>
+          <a:bodyPr/>
+          <a:lstStyle/>
+          <a:p>
+            <a:r>
+              <a:rPr lang="en-US" dirty="0"/>
+              <a:t>Prim’s Algorithm</a:t>
+            </a:r>
+          </a:p>
+        </p:txBody>
+      </p:sp>
+      <p:sp>
+        <p:nvSpPr>
+          <p:cNvPr id="6" name="Text Placeholder 5"/>
+          <p:cNvSpPr>
+            <a:spLocks noGrp="1"/>
+          </p:cNvSpPr>
+          <p:nvPr>
+            <p:ph type="body" idx="1"/>
+          </p:nvPr>
+        </p:nvSpPr>
+        <p:spPr/>
+        <p:txBody>
+          <a:bodyPr/>
+          <a:lstStyle/>
+          <a:p>
+            <a:endParaRPr lang="en-US"/>
+          </a:p>
+        </p:txBody>
+      </p:sp>
+      <p:sp>
+        <p:nvSpPr>
+          <p:cNvPr id="4" name="Slide Number Placeholder 3"/>
+          <p:cNvSpPr>
+            <a:spLocks noGrp="1"/>
+          </p:cNvSpPr>
+          <p:nvPr>
+            <p:ph type="sldNum" sz="quarter" idx="12"/>
+          </p:nvPr>
+        </p:nvSpPr>
+        <p:spPr/>
+        <p:txBody>
+          <a:bodyPr/>
+          <a:lstStyle/>
+          <a:p>
+            <a:fld id="{030EE116-056E-4288-B7F7-411CB7E437A9}" type="slidenum">
+              <a:rPr lang="en-US" smtClean="0"/>
+              <a:pPr/>
+              <a:t>18</a:t>
+            </a:fld>
+            <a:endParaRPr lang="en-US"/>
+          </a:p>
+        </p:txBody>
+      </p:sp>
+    </p:spTree>
+    <p:extLst>
+      <p:ext uri="{BB962C8B-B14F-4D97-AF65-F5344CB8AC3E}">
+        <p14:creationId xmlns:p14="http://schemas.microsoft.com/office/powerpoint/2010/main" val="1834445483"/>
+      </p:ext>
+    </p:extLst>
+  </p:cSld>
+  <p:clrMapOvr>
+    <a:masterClrMapping/>
+  </p:clrMapOvr>
+</p:sld>
+</file>
+
+<file path=ppt/slides/slide19.xml><?xml version="1.0" encoding="utf-8"?>
+<p:sld xmlns:a="http://schemas.openxmlformats.org/drawingml/2006/main" xmlns:r="http://schemas.openxmlformats.org/officeDocument/2006/relationships" xmlns:p="http://schemas.openxmlformats.org/presentationml/2006/main">
+  <p:cSld>
+    <p:spTree>
+      <p:nvGrpSpPr>
+        <p:cNvPr id="1" name=""/>
+        <p:cNvGrpSpPr/>
+        <p:nvPr/>
+      </p:nvGrpSpPr>
+      <p:grpSpPr>
+        <a:xfrm>
+          <a:off x="0" y="0"/>
+          <a:ext cx="0" cy="0"/>
+          <a:chOff x="0" y="0"/>
+          <a:chExt cx="0" cy="0"/>
+        </a:xfrm>
+      </p:grpSpPr>
+      <p:sp>
+        <p:nvSpPr>
+          <p:cNvPr id="65538" name="Rectangle 2"/>
+          <p:cNvSpPr>
+            <a:spLocks noGrp="1" noChangeArrowheads="1"/>
+          </p:cNvSpPr>
+          <p:nvPr>
+            <p:ph type="title"/>
+            <p:custDataLst>
+              <p:tags r:id="rId1"/>
+            </p:custDataLst>
+          </p:nvPr>
+        </p:nvSpPr>
+        <p:spPr/>
+        <p:txBody>
+          <a:bodyPr/>
+          <a:lstStyle/>
+          <a:p>
+            <a:pPr eaLnBrk="1" hangingPunct="1"/>
+            <a:r>
+              <a:rPr lang="en-US"/>
+              <a:t>Prim’s algorithm</a:t>
+            </a:r>
+          </a:p>
+        </p:txBody>
+      </p:sp>
+      <p:sp>
+        <p:nvSpPr>
+          <p:cNvPr id="23" name="Slide Number Placeholder 22"/>
+          <p:cNvSpPr>
+            <a:spLocks noGrp="1"/>
+          </p:cNvSpPr>
+          <p:nvPr>
+            <p:ph type="sldNum" sz="quarter" idx="12"/>
+          </p:nvPr>
+        </p:nvSpPr>
+        <p:spPr/>
+        <p:txBody>
+          <a:bodyPr/>
+          <a:lstStyle/>
+          <a:p>
+            <a:fld id="{DACC1BBE-66B1-403A-8C7E-C57A0F3A107F}" type="slidenum">
+              <a:rPr lang="en-US" smtClean="0"/>
+              <a:pPr/>
+              <a:t>19</a:t>
             </a:fld>
             <a:endParaRPr lang="en-US"/>
           </a:p>
@@ -7578,7 +10149,7 @@
 </p:sld>
 </file>
 
-<file path=ppt/slides/slide16.xml><?xml version="1.0" encoding="utf-8"?>
+<file path=ppt/slides/slide2.xml><?xml version="1.0" encoding="utf-8"?>
 <p:sld xmlns:a="http://schemas.openxmlformats.org/drawingml/2006/main" xmlns:r="http://schemas.openxmlformats.org/officeDocument/2006/relationships" xmlns:p="http://schemas.openxmlformats.org/presentationml/2006/main">
   <p:cSld>
     <p:spTree>
@@ -7597,15 +10168,12 @@
       </p:grpSpPr>
       <p:sp>
         <p:nvSpPr>
-          <p:cNvPr id="66562" name="Rectangle 2"/>
+          <p:cNvPr id="35842" name="Title 1"/>
           <p:cNvSpPr>
-            <a:spLocks noGrp="1" noChangeArrowheads="1"/>
+            <a:spLocks noGrp="1"/>
           </p:cNvSpPr>
           <p:nvPr>
             <p:ph type="title"/>
-            <p:custDataLst>
-              <p:tags r:id="rId1"/>
-            </p:custDataLst>
           </p:nvPr>
         </p:nvSpPr>
         <p:spPr/>
@@ -7613,10 +10181,9 @@
           <a:bodyPr/>
           <a:lstStyle/>
           <a:p>
-            <a:pPr eaLnBrk="1" hangingPunct="1"/>
-            <a:r>
-              <a:rPr lang="en-US"/>
-              <a:t>Prim’s Algorithm for MST</a:t>
+            <a:r>
+              <a:rPr lang="en-US" dirty="0"/>
+              <a:t>Topics</a:t>
             </a:r>
           </a:p>
         </p:txBody>
@@ -7639,7 +10206,7 @@
             <a:fld id="{DACC1BBE-66B1-403A-8C7E-C57A0F3A107F}" type="slidenum">
               <a:rPr lang="en-US" smtClean="0"/>
               <a:pPr/>
-              <a:t>16</a:t>
+              <a:t>2</a:t>
             </a:fld>
             <a:endParaRPr lang="en-US"/>
           </a:p>
@@ -7647,66 +10214,74 @@
       </p:sp>
       <p:sp>
         <p:nvSpPr>
-          <p:cNvPr id="66563" name="Rectangle 3"/>
+          <p:cNvPr id="35843" name="Content Placeholder 2"/>
           <p:cNvSpPr>
-            <a:spLocks noGrp="1" noChangeArrowheads="1"/>
+            <a:spLocks noGrp="1"/>
           </p:cNvSpPr>
           <p:nvPr>
             <p:ph sz="quarter" idx="1"/>
-            <p:custDataLst>
-              <p:tags r:id="rId2"/>
-            </p:custDataLst>
           </p:nvPr>
         </p:nvSpPr>
         <p:spPr/>
         <p:txBody>
-          <a:bodyPr/>
+          <a:bodyPr>
+            <a:normAutofit/>
+          </a:bodyPr>
           <a:lstStyle/>
           <a:p>
-            <a:pPr eaLnBrk="1" hangingPunct="1"/>
-            <a:r>
-              <a:rPr lang="en-US"/>
-              <a:t>Pick one node as the root,</a:t>
-            </a:r>
-          </a:p>
-          <a:p>
-            <a:pPr eaLnBrk="1" hangingPunct="1"/>
-            <a:r>
-              <a:rPr lang="en-US"/>
-              <a:t>Incrementally add edges that connect a “new” vertex to the tree.</a:t>
-            </a:r>
-          </a:p>
-          <a:p>
-            <a:pPr eaLnBrk="1" hangingPunct="1"/>
-            <a:r>
-              <a:rPr lang="en-US"/>
-              <a:t>Pick the edge (u,v) where:</a:t>
-            </a:r>
-          </a:p>
-          <a:p>
-            <a:pPr lvl="1" eaLnBrk="1" hangingPunct="1"/>
-            <a:r>
-              <a:rPr lang="en-US"/>
-              <a:t>u is in the tree, v is not AND </a:t>
-            </a:r>
-          </a:p>
-          <a:p>
-            <a:pPr lvl="1" eaLnBrk="1" hangingPunct="1"/>
-            <a:r>
-              <a:rPr lang="en-US"/>
-              <a:t>where the edge weight is the smallest of all edges (where u is in the tree and v is not).</a:t>
-            </a:r>
-          </a:p>
-          <a:p>
-            <a:pPr eaLnBrk="1" hangingPunct="1"/>
-            <a:endParaRPr lang="en-US"/>
+            <a:r>
+              <a:rPr lang="en-US" dirty="0"/>
+              <a:t>Dijkstra’s algorithm + naïve runtime</a:t>
+            </a:r>
+          </a:p>
+          <a:p>
+            <a:pPr lvl="1"/>
+            <a:r>
+              <a:rPr lang="en-US" dirty="0"/>
+              <a:t>Proof of correctness for Dijkstra’s algorithm</a:t>
+            </a:r>
+          </a:p>
+          <a:p>
+            <a:r>
+              <a:rPr lang="en-US" dirty="0"/>
+              <a:t>Prim’s algorithm + naïve runtime</a:t>
+            </a:r>
+          </a:p>
+          <a:p>
+            <a:pPr lvl="1"/>
+            <a:r>
+              <a:rPr lang="en-US" dirty="0"/>
+              <a:t>No proof, left as exercise</a:t>
+            </a:r>
+          </a:p>
+          <a:p>
+            <a:r>
+              <a:rPr lang="en-US" dirty="0"/>
+              <a:t>Why these two algorithms? Turns out they are VERY similar</a:t>
+            </a:r>
+          </a:p>
+          <a:p>
+            <a:r>
+              <a:rPr lang="en-US" dirty="0"/>
+              <a:t>Indirect Heaps</a:t>
+            </a:r>
+          </a:p>
+          <a:p>
+            <a:pPr lvl="1"/>
+            <a:r>
+              <a:rPr lang="en-US" dirty="0"/>
+              <a:t>A new data structure that makes both algorithms above more efficient</a:t>
+            </a:r>
+          </a:p>
+          <a:p>
+            <a:endParaRPr lang="en-US" dirty="0"/>
           </a:p>
         </p:txBody>
       </p:sp>
     </p:spTree>
     <p:extLst>
       <p:ext uri="{BB962C8B-B14F-4D97-AF65-F5344CB8AC3E}">
-        <p14:creationId xmlns:p14="http://schemas.microsoft.com/office/powerpoint/2010/main" val="2163137422"/>
+        <p14:creationId xmlns:p14="http://schemas.microsoft.com/office/powerpoint/2010/main" val="2190755727"/>
       </p:ext>
     </p:extLst>
   </p:cSld>
@@ -7716,7 +10291,7 @@
 </p:sld>
 </file>
 
-<file path=ppt/slides/slide17.xml><?xml version="1.0" encoding="utf-8"?>
+<file path=ppt/slides/slide20.xml><?xml version="1.0" encoding="utf-8"?>
 <p:sld xmlns:a="http://schemas.openxmlformats.org/drawingml/2006/main" xmlns:r="http://schemas.openxmlformats.org/officeDocument/2006/relationships" xmlns:p="http://schemas.openxmlformats.org/presentationml/2006/main">
   <p:cSld>
     <p:spTree>
@@ -7735,6 +10310,144 @@
       </p:grpSpPr>
       <p:sp>
         <p:nvSpPr>
+          <p:cNvPr id="66562" name="Rectangle 2"/>
+          <p:cNvSpPr>
+            <a:spLocks noGrp="1" noChangeArrowheads="1"/>
+          </p:cNvSpPr>
+          <p:nvPr>
+            <p:ph type="title"/>
+            <p:custDataLst>
+              <p:tags r:id="rId1"/>
+            </p:custDataLst>
+          </p:nvPr>
+        </p:nvSpPr>
+        <p:spPr/>
+        <p:txBody>
+          <a:bodyPr/>
+          <a:lstStyle/>
+          <a:p>
+            <a:pPr eaLnBrk="1" hangingPunct="1"/>
+            <a:r>
+              <a:rPr lang="en-US"/>
+              <a:t>Prim’s Algorithm for MST</a:t>
+            </a:r>
+          </a:p>
+        </p:txBody>
+      </p:sp>
+      <p:sp>
+        <p:nvSpPr>
+          <p:cNvPr id="4" name="Slide Number Placeholder 3"/>
+          <p:cNvSpPr>
+            <a:spLocks noGrp="1"/>
+          </p:cNvSpPr>
+          <p:nvPr>
+            <p:ph type="sldNum" sz="quarter" idx="12"/>
+          </p:nvPr>
+        </p:nvSpPr>
+        <p:spPr/>
+        <p:txBody>
+          <a:bodyPr/>
+          <a:lstStyle/>
+          <a:p>
+            <a:fld id="{DACC1BBE-66B1-403A-8C7E-C57A0F3A107F}" type="slidenum">
+              <a:rPr lang="en-US" smtClean="0"/>
+              <a:pPr/>
+              <a:t>20</a:t>
+            </a:fld>
+            <a:endParaRPr lang="en-US"/>
+          </a:p>
+        </p:txBody>
+      </p:sp>
+      <p:sp>
+        <p:nvSpPr>
+          <p:cNvPr id="66563" name="Rectangle 3"/>
+          <p:cNvSpPr>
+            <a:spLocks noGrp="1" noChangeArrowheads="1"/>
+          </p:cNvSpPr>
+          <p:nvPr>
+            <p:ph sz="quarter" idx="1"/>
+            <p:custDataLst>
+              <p:tags r:id="rId2"/>
+            </p:custDataLst>
+          </p:nvPr>
+        </p:nvSpPr>
+        <p:spPr/>
+        <p:txBody>
+          <a:bodyPr/>
+          <a:lstStyle/>
+          <a:p>
+            <a:pPr eaLnBrk="1" hangingPunct="1"/>
+            <a:r>
+              <a:rPr lang="en-US"/>
+              <a:t>Pick one node as the root,</a:t>
+            </a:r>
+          </a:p>
+          <a:p>
+            <a:pPr eaLnBrk="1" hangingPunct="1"/>
+            <a:r>
+              <a:rPr lang="en-US"/>
+              <a:t>Incrementally add edges that connect a “new” vertex to the tree.</a:t>
+            </a:r>
+          </a:p>
+          <a:p>
+            <a:pPr eaLnBrk="1" hangingPunct="1"/>
+            <a:r>
+              <a:rPr lang="en-US"/>
+              <a:t>Pick the edge (u,v) where:</a:t>
+            </a:r>
+          </a:p>
+          <a:p>
+            <a:pPr lvl="1" eaLnBrk="1" hangingPunct="1"/>
+            <a:r>
+              <a:rPr lang="en-US"/>
+              <a:t>u is in the tree, v is not AND </a:t>
+            </a:r>
+          </a:p>
+          <a:p>
+            <a:pPr lvl="1" eaLnBrk="1" hangingPunct="1"/>
+            <a:r>
+              <a:rPr lang="en-US"/>
+              <a:t>where the edge weight is the smallest of all edges (where u is in the tree and v is not).</a:t>
+            </a:r>
+          </a:p>
+          <a:p>
+            <a:pPr eaLnBrk="1" hangingPunct="1"/>
+            <a:endParaRPr lang="en-US"/>
+          </a:p>
+        </p:txBody>
+      </p:sp>
+    </p:spTree>
+    <p:extLst>
+      <p:ext uri="{BB962C8B-B14F-4D97-AF65-F5344CB8AC3E}">
+        <p14:creationId xmlns:p14="http://schemas.microsoft.com/office/powerpoint/2010/main" val="2163137422"/>
+      </p:ext>
+    </p:extLst>
+  </p:cSld>
+  <p:clrMapOvr>
+    <a:masterClrMapping/>
+  </p:clrMapOvr>
+</p:sld>
+</file>
+
+<file path=ppt/slides/slide21.xml><?xml version="1.0" encoding="utf-8"?>
+<p:sld xmlns:a="http://schemas.openxmlformats.org/drawingml/2006/main" xmlns:r="http://schemas.openxmlformats.org/officeDocument/2006/relationships" xmlns:p="http://schemas.openxmlformats.org/presentationml/2006/main">
+  <p:cSld>
+    <p:spTree>
+      <p:nvGrpSpPr>
+        <p:cNvPr id="1" name=""/>
+        <p:cNvGrpSpPr/>
+        <p:nvPr/>
+      </p:nvGrpSpPr>
+      <p:grpSpPr>
+        <a:xfrm>
+          <a:off x="0" y="0"/>
+          <a:ext cx="0" cy="0"/>
+          <a:chOff x="0" y="0"/>
+          <a:chExt cx="0" cy="0"/>
+        </a:xfrm>
+      </p:grpSpPr>
+      <p:sp>
+        <p:nvSpPr>
           <p:cNvPr id="48" name="Slide Number Placeholder 47"/>
           <p:cNvSpPr>
             <a:spLocks noGrp="1"/>
@@ -7751,7 +10464,7 @@
             <a:fld id="{DACC1BBE-66B1-403A-8C7E-C57A0F3A107F}" type="slidenum">
               <a:rPr lang="en-US" smtClean="0"/>
               <a:pPr/>
-              <a:t>17</a:t>
+              <a:t>21</a:t>
             </a:fld>
             <a:endParaRPr lang="en-US"/>
           </a:p>
@@ -9011,7 +11724,7 @@
 </p:sld>
 </file>
 
-<file path=ppt/slides/slide18.xml><?xml version="1.0" encoding="utf-8"?>
+<file path=ppt/slides/slide22.xml><?xml version="1.0" encoding="utf-8"?>
 <p:sld xmlns:a="http://schemas.openxmlformats.org/drawingml/2006/main" xmlns:r="http://schemas.openxmlformats.org/officeDocument/2006/relationships" xmlns:p="http://schemas.openxmlformats.org/presentationml/2006/main">
   <p:cSld>
     <p:spTree>
@@ -9046,7 +11759,7 @@
             <a:fld id="{DACC1BBE-66B1-403A-8C7E-C57A0F3A107F}" type="slidenum">
               <a:rPr lang="en-US" smtClean="0"/>
               <a:pPr/>
-              <a:t>18</a:t>
+              <a:t>22</a:t>
             </a:fld>
             <a:endParaRPr lang="en-US"/>
           </a:p>
@@ -11517,1167 +14230,6 @@
 </p:sld>
 </file>
 
-<file path=ppt/slides/slide19.xml><?xml version="1.0" encoding="utf-8"?>
-<p:sld xmlns:a="http://schemas.openxmlformats.org/drawingml/2006/main" xmlns:r="http://schemas.openxmlformats.org/officeDocument/2006/relationships" xmlns:p="http://schemas.openxmlformats.org/presentationml/2006/main">
-  <p:cSld>
-    <p:spTree>
-      <p:nvGrpSpPr>
-        <p:cNvPr id="1" name=""/>
-        <p:cNvGrpSpPr/>
-        <p:nvPr/>
-      </p:nvGrpSpPr>
-      <p:grpSpPr>
-        <a:xfrm>
-          <a:off x="0" y="0"/>
-          <a:ext cx="0" cy="0"/>
-          <a:chOff x="0" y="0"/>
-          <a:chExt cx="0" cy="0"/>
-        </a:xfrm>
-      </p:grpSpPr>
-      <p:sp>
-        <p:nvSpPr>
-          <p:cNvPr id="45059" name="Rectangle 2"/>
-          <p:cNvSpPr>
-            <a:spLocks noGrp="1" noChangeArrowheads="1"/>
-          </p:cNvSpPr>
-          <p:nvPr>
-            <p:ph type="title"/>
-            <p:custDataLst>
-              <p:tags r:id="rId1"/>
-            </p:custDataLst>
-          </p:nvPr>
-        </p:nvSpPr>
-        <p:spPr/>
-        <p:txBody>
-          <a:bodyPr/>
-          <a:lstStyle/>
-          <a:p>
-            <a:r>
-              <a:rPr lang="en-US"/>
-              <a:t>Prim’s MST Algorithm</a:t>
-            </a:r>
-          </a:p>
-        </p:txBody>
-      </p:sp>
-      <p:sp>
-        <p:nvSpPr>
-          <p:cNvPr id="4" name="Slide Number Placeholder 3"/>
-          <p:cNvSpPr>
-            <a:spLocks noGrp="1"/>
-          </p:cNvSpPr>
-          <p:nvPr>
-            <p:ph type="sldNum" sz="quarter" idx="12"/>
-          </p:nvPr>
-        </p:nvSpPr>
-        <p:spPr/>
-        <p:txBody>
-          <a:bodyPr/>
-          <a:lstStyle/>
-          <a:p>
-            <a:fld id="{DACC1BBE-66B1-403A-8C7E-C57A0F3A107F}" type="slidenum">
-              <a:rPr lang="en-US" smtClean="0"/>
-              <a:pPr/>
-              <a:t>19</a:t>
-            </a:fld>
-            <a:endParaRPr lang="en-US"/>
-          </a:p>
-        </p:txBody>
-      </p:sp>
-      <p:sp>
-        <p:nvSpPr>
-          <p:cNvPr id="45060" name="Rectangle 3"/>
-          <p:cNvSpPr>
-            <a:spLocks noGrp="1" noChangeArrowheads="1"/>
-          </p:cNvSpPr>
-          <p:nvPr>
-            <p:ph sz="quarter" idx="1"/>
-            <p:custDataLst>
-              <p:tags r:id="rId2"/>
-            </p:custDataLst>
-          </p:nvPr>
-        </p:nvSpPr>
-        <p:spPr/>
-        <p:txBody>
-          <a:bodyPr/>
-          <a:lstStyle/>
-          <a:p>
-            <a:r>
-              <a:rPr lang="en-US" sz="2800" dirty="0"/>
-              <a:t>Greedy strategy:</a:t>
-            </a:r>
-          </a:p>
-          <a:p>
-            <a:pPr lvl="1"/>
-            <a:r>
-              <a:rPr lang="en-US" sz="2400" dirty="0"/>
-              <a:t>Choose some start vertex as current-tree</a:t>
-            </a:r>
-          </a:p>
-          <a:p>
-            <a:pPr lvl="1"/>
-            <a:r>
-              <a:rPr lang="en-US" sz="2400" dirty="0"/>
-              <a:t>Greedy rule: Add edge from graph to current-tree that</a:t>
-            </a:r>
-          </a:p>
-          <a:p>
-            <a:pPr lvl="2"/>
-            <a:r>
-              <a:rPr lang="en-US" sz="2200" dirty="0"/>
-              <a:t>has the lowest weight of edges that…</a:t>
-            </a:r>
-          </a:p>
-          <a:p>
-            <a:pPr lvl="2"/>
-            <a:r>
-              <a:rPr lang="en-US" sz="2200" dirty="0"/>
-              <a:t>have one vertex in the tree and one not in the tree.</a:t>
-            </a:r>
-          </a:p>
-          <a:p>
-            <a:r>
-              <a:rPr lang="en-US" sz="2800" dirty="0"/>
-              <a:t>Thus builds-up one tree by adding a new edge to it</a:t>
-            </a:r>
-          </a:p>
-          <a:p>
-            <a:pPr algn="l"/>
-            <a:r>
-              <a:rPr lang="en-US" sz="2800" dirty="0"/>
-              <a:t>Can this lead to an infeasible solution?</a:t>
-            </a:r>
-            <a:br>
-              <a:rPr lang="en-US" sz="2800" dirty="0"/>
-            </a:br>
-            <a:r>
-              <a:rPr lang="en-US" sz="2800" dirty="0"/>
-              <a:t>(Tell me why not.)</a:t>
-            </a:r>
-          </a:p>
-          <a:p>
-            <a:r>
-              <a:rPr lang="en-US" sz="2800" dirty="0"/>
-              <a:t>Is it optimal? (Yes. Need a proof.)</a:t>
-            </a:r>
-          </a:p>
-        </p:txBody>
-      </p:sp>
-    </p:spTree>
-    <p:extLst>
-      <p:ext uri="{BB962C8B-B14F-4D97-AF65-F5344CB8AC3E}">
-        <p14:creationId xmlns:p14="http://schemas.microsoft.com/office/powerpoint/2010/main" val="231288105"/>
-      </p:ext>
-    </p:extLst>
-  </p:cSld>
-  <p:clrMapOvr>
-    <a:masterClrMapping/>
-  </p:clrMapOvr>
-</p:sld>
-</file>
-
-<file path=ppt/slides/slide2.xml><?xml version="1.0" encoding="utf-8"?>
-<p:sld xmlns:a="http://schemas.openxmlformats.org/drawingml/2006/main" xmlns:r="http://schemas.openxmlformats.org/officeDocument/2006/relationships" xmlns:p="http://schemas.openxmlformats.org/presentationml/2006/main">
-  <p:cSld>
-    <p:spTree>
-      <p:nvGrpSpPr>
-        <p:cNvPr id="1" name=""/>
-        <p:cNvGrpSpPr/>
-        <p:nvPr/>
-      </p:nvGrpSpPr>
-      <p:grpSpPr>
-        <a:xfrm>
-          <a:off x="0" y="0"/>
-          <a:ext cx="0" cy="0"/>
-          <a:chOff x="0" y="0"/>
-          <a:chExt cx="0" cy="0"/>
-        </a:xfrm>
-      </p:grpSpPr>
-      <p:sp>
-        <p:nvSpPr>
-          <p:cNvPr id="35842" name="Title 1"/>
-          <p:cNvSpPr>
-            <a:spLocks noGrp="1"/>
-          </p:cNvSpPr>
-          <p:nvPr>
-            <p:ph type="title"/>
-          </p:nvPr>
-        </p:nvSpPr>
-        <p:spPr/>
-        <p:txBody>
-          <a:bodyPr/>
-          <a:lstStyle/>
-          <a:p>
-            <a:r>
-              <a:rPr lang="en-US" dirty="0"/>
-              <a:t>Topics</a:t>
-            </a:r>
-          </a:p>
-        </p:txBody>
-      </p:sp>
-      <p:sp>
-        <p:nvSpPr>
-          <p:cNvPr id="4" name="Slide Number Placeholder 3"/>
-          <p:cNvSpPr>
-            <a:spLocks noGrp="1"/>
-          </p:cNvSpPr>
-          <p:nvPr>
-            <p:ph type="sldNum" sz="quarter" idx="12"/>
-          </p:nvPr>
-        </p:nvSpPr>
-        <p:spPr/>
-        <p:txBody>
-          <a:bodyPr/>
-          <a:lstStyle/>
-          <a:p>
-            <a:fld id="{DACC1BBE-66B1-403A-8C7E-C57A0F3A107F}" type="slidenum">
-              <a:rPr lang="en-US" smtClean="0"/>
-              <a:pPr/>
-              <a:t>2</a:t>
-            </a:fld>
-            <a:endParaRPr lang="en-US"/>
-          </a:p>
-        </p:txBody>
-      </p:sp>
-      <p:sp>
-        <p:nvSpPr>
-          <p:cNvPr id="35843" name="Content Placeholder 2"/>
-          <p:cNvSpPr>
-            <a:spLocks noGrp="1"/>
-          </p:cNvSpPr>
-          <p:nvPr>
-            <p:ph sz="quarter" idx="1"/>
-          </p:nvPr>
-        </p:nvSpPr>
-        <p:spPr/>
-        <p:txBody>
-          <a:bodyPr>
-            <a:normAutofit/>
-          </a:bodyPr>
-          <a:lstStyle/>
-          <a:p>
-            <a:r>
-              <a:rPr lang="en-US" dirty="0"/>
-              <a:t>Dijkstra’s algorithm + naïve runtime</a:t>
-            </a:r>
-          </a:p>
-          <a:p>
-            <a:pPr lvl="1"/>
-            <a:r>
-              <a:rPr lang="en-US" dirty="0"/>
-              <a:t>Proof of correctness for Dijkstra’s algorithm</a:t>
-            </a:r>
-          </a:p>
-          <a:p>
-            <a:r>
-              <a:rPr lang="en-US" dirty="0"/>
-              <a:t>Prim’s algorithm + naïve runtime</a:t>
-            </a:r>
-          </a:p>
-          <a:p>
-            <a:pPr lvl="1"/>
-            <a:r>
-              <a:rPr lang="en-US" dirty="0"/>
-              <a:t>No proof, left as exercise</a:t>
-            </a:r>
-          </a:p>
-          <a:p>
-            <a:r>
-              <a:rPr lang="en-US" dirty="0"/>
-              <a:t>Why these two algorithms? Turns out they are VERY similar</a:t>
-            </a:r>
-          </a:p>
-          <a:p>
-            <a:r>
-              <a:rPr lang="en-US" dirty="0"/>
-              <a:t>Indirect Heaps</a:t>
-            </a:r>
-          </a:p>
-          <a:p>
-            <a:pPr lvl="1"/>
-            <a:r>
-              <a:rPr lang="en-US" dirty="0"/>
-              <a:t>A new data structure that makes both algorithms above more efficient</a:t>
-            </a:r>
-          </a:p>
-          <a:p>
-            <a:endParaRPr lang="en-US" dirty="0"/>
-          </a:p>
-        </p:txBody>
-      </p:sp>
-    </p:spTree>
-    <p:extLst>
-      <p:ext uri="{BB962C8B-B14F-4D97-AF65-F5344CB8AC3E}">
-        <p14:creationId xmlns:p14="http://schemas.microsoft.com/office/powerpoint/2010/main" val="2190755727"/>
-      </p:ext>
-    </p:extLst>
-  </p:cSld>
-  <p:clrMapOvr>
-    <a:masterClrMapping/>
-  </p:clrMapOvr>
-</p:sld>
-</file>
-
-<file path=ppt/slides/slide20.xml><?xml version="1.0" encoding="utf-8"?>
-<p:sld xmlns:a="http://schemas.openxmlformats.org/drawingml/2006/main" xmlns:r="http://schemas.openxmlformats.org/officeDocument/2006/relationships" xmlns:p="http://schemas.openxmlformats.org/presentationml/2006/main">
-  <p:cSld>
-    <p:spTree>
-      <p:nvGrpSpPr>
-        <p:cNvPr id="1" name=""/>
-        <p:cNvGrpSpPr/>
-        <p:nvPr/>
-      </p:nvGrpSpPr>
-      <p:grpSpPr>
-        <a:xfrm>
-          <a:off x="0" y="0"/>
-          <a:ext cx="0" cy="0"/>
-          <a:chOff x="0" y="0"/>
-          <a:chExt cx="0" cy="0"/>
-        </a:xfrm>
-      </p:grpSpPr>
-      <p:sp>
-        <p:nvSpPr>
-          <p:cNvPr id="46083" name="Rectangle 2"/>
-          <p:cNvSpPr>
-            <a:spLocks noGrp="1" noChangeArrowheads="1"/>
-          </p:cNvSpPr>
-          <p:nvPr>
-            <p:ph type="title"/>
-            <p:custDataLst>
-              <p:tags r:id="rId1"/>
-            </p:custDataLst>
-          </p:nvPr>
-        </p:nvSpPr>
-        <p:spPr/>
-        <p:txBody>
-          <a:bodyPr/>
-          <a:lstStyle/>
-          <a:p>
-            <a:r>
-              <a:rPr lang="en-US"/>
-              <a:t>Tracking Edges for Prim’s MST</a:t>
-            </a:r>
-          </a:p>
-        </p:txBody>
-      </p:sp>
-      <p:sp>
-        <p:nvSpPr>
-          <p:cNvPr id="4" name="Slide Number Placeholder 3"/>
-          <p:cNvSpPr>
-            <a:spLocks noGrp="1"/>
-          </p:cNvSpPr>
-          <p:nvPr>
-            <p:ph type="sldNum" sz="quarter" idx="12"/>
-          </p:nvPr>
-        </p:nvSpPr>
-        <p:spPr/>
-        <p:txBody>
-          <a:bodyPr/>
-          <a:lstStyle/>
-          <a:p>
-            <a:fld id="{DACC1BBE-66B1-403A-8C7E-C57A0F3A107F}" type="slidenum">
-              <a:rPr lang="en-US" smtClean="0"/>
-              <a:pPr/>
-              <a:t>20</a:t>
-            </a:fld>
-            <a:endParaRPr lang="en-US"/>
-          </a:p>
-        </p:txBody>
-      </p:sp>
-      <p:sp>
-        <p:nvSpPr>
-          <p:cNvPr id="46084" name="Rectangle 3"/>
-          <p:cNvSpPr>
-            <a:spLocks noGrp="1" noChangeArrowheads="1"/>
-          </p:cNvSpPr>
-          <p:nvPr>
-            <p:ph sz="quarter" idx="1"/>
-            <p:custDataLst>
-              <p:tags r:id="rId2"/>
-            </p:custDataLst>
-          </p:nvPr>
-        </p:nvSpPr>
-        <p:spPr/>
-        <p:txBody>
-          <a:bodyPr/>
-          <a:lstStyle/>
-          <a:p>
-            <a:pPr>
-              <a:lnSpc>
-                <a:spcPct val="90000"/>
-              </a:lnSpc>
-            </a:pPr>
-            <a:r>
-              <a:rPr lang="en-US" sz="2800" dirty="0"/>
-              <a:t>Candidate edges:  edge from a tree-node to a non-tree node</a:t>
-            </a:r>
-          </a:p>
-          <a:p>
-            <a:pPr lvl="1">
-              <a:lnSpc>
-                <a:spcPct val="90000"/>
-              </a:lnSpc>
-            </a:pPr>
-            <a:r>
-              <a:rPr lang="en-US" sz="2400" dirty="0"/>
-              <a:t>Since we’ll choose smallest, keep only one candidate edge for each non-tree node</a:t>
-            </a:r>
-          </a:p>
-          <a:p>
-            <a:pPr lvl="1">
-              <a:lnSpc>
-                <a:spcPct val="90000"/>
-              </a:lnSpc>
-            </a:pPr>
-            <a:r>
-              <a:rPr lang="en-US" sz="2400" dirty="0"/>
-              <a:t>But, may need to make sure we always have the smallest edge for each non-tree node</a:t>
-            </a:r>
-          </a:p>
-          <a:p>
-            <a:pPr>
-              <a:lnSpc>
-                <a:spcPct val="90000"/>
-              </a:lnSpc>
-            </a:pPr>
-            <a:r>
-              <a:rPr lang="en-US" sz="2800" dirty="0"/>
-              <a:t>Fringe-nodes: non-trees nodes adjacent to the tree</a:t>
-            </a:r>
-          </a:p>
-          <a:p>
-            <a:pPr>
-              <a:lnSpc>
-                <a:spcPct val="90000"/>
-              </a:lnSpc>
-            </a:pPr>
-            <a:r>
-              <a:rPr lang="en-US" sz="2800" dirty="0"/>
-              <a:t>Need data structure to hold fringe-nodes</a:t>
-            </a:r>
-          </a:p>
-          <a:p>
-            <a:pPr lvl="1">
-              <a:lnSpc>
-                <a:spcPct val="90000"/>
-              </a:lnSpc>
-            </a:pPr>
-            <a:r>
-              <a:rPr lang="en-US" sz="2400" dirty="0"/>
-              <a:t>Priority queue, ordered by min-edge weight</a:t>
-            </a:r>
-          </a:p>
-          <a:p>
-            <a:pPr lvl="1">
-              <a:lnSpc>
-                <a:spcPct val="90000"/>
-              </a:lnSpc>
-            </a:pPr>
-            <a:r>
-              <a:rPr lang="en-US" sz="2400" dirty="0"/>
-              <a:t>May need to update priorities!</a:t>
-            </a:r>
-          </a:p>
-          <a:p>
-            <a:pPr>
-              <a:lnSpc>
-                <a:spcPct val="90000"/>
-              </a:lnSpc>
-            </a:pPr>
-            <a:endParaRPr lang="en-US" sz="2800" dirty="0"/>
-          </a:p>
-        </p:txBody>
-      </p:sp>
-    </p:spTree>
-    <p:extLst>
-      <p:ext uri="{BB962C8B-B14F-4D97-AF65-F5344CB8AC3E}">
-        <p14:creationId xmlns:p14="http://schemas.microsoft.com/office/powerpoint/2010/main" val="3903810571"/>
-      </p:ext>
-    </p:extLst>
-  </p:cSld>
-  <p:clrMapOvr>
-    <a:masterClrMapping/>
-  </p:clrMapOvr>
-</p:sld>
-</file>
-
-<file path=ppt/slides/slide21.xml><?xml version="1.0" encoding="utf-8"?>
-<p:sld xmlns:a="http://schemas.openxmlformats.org/drawingml/2006/main" xmlns:r="http://schemas.openxmlformats.org/officeDocument/2006/relationships" xmlns:p="http://schemas.openxmlformats.org/presentationml/2006/main">
-  <p:cSld>
-    <p:spTree>
-      <p:nvGrpSpPr>
-        <p:cNvPr id="1" name=""/>
-        <p:cNvGrpSpPr/>
-        <p:nvPr/>
-      </p:nvGrpSpPr>
-      <p:grpSpPr>
-        <a:xfrm>
-          <a:off x="0" y="0"/>
-          <a:ext cx="0" cy="0"/>
-          <a:chOff x="0" y="0"/>
-          <a:chExt cx="0" cy="0"/>
-        </a:xfrm>
-      </p:grpSpPr>
-      <p:sp>
-        <p:nvSpPr>
-          <p:cNvPr id="47107" name="Rectangle 2"/>
-          <p:cNvSpPr>
-            <a:spLocks noGrp="1" noChangeArrowheads="1"/>
-          </p:cNvSpPr>
-          <p:nvPr>
-            <p:ph type="title"/>
-            <p:custDataLst>
-              <p:tags r:id="rId1"/>
-            </p:custDataLst>
-          </p:nvPr>
-        </p:nvSpPr>
-        <p:spPr/>
-        <p:txBody>
-          <a:bodyPr/>
-          <a:lstStyle/>
-          <a:p>
-            <a:r>
-              <a:rPr lang="en-US" dirty="0"/>
-              <a:t>Prim’s Algorithm</a:t>
-            </a:r>
-          </a:p>
-        </p:txBody>
-      </p:sp>
-      <p:sp>
-        <p:nvSpPr>
-          <p:cNvPr id="4" name="Slide Number Placeholder 3"/>
-          <p:cNvSpPr>
-            <a:spLocks noGrp="1"/>
-          </p:cNvSpPr>
-          <p:nvPr>
-            <p:ph type="sldNum" sz="quarter" idx="12"/>
-          </p:nvPr>
-        </p:nvSpPr>
-        <p:spPr/>
-        <p:txBody>
-          <a:bodyPr/>
-          <a:lstStyle/>
-          <a:p>
-            <a:fld id="{DACC1BBE-66B1-403A-8C7E-C57A0F3A107F}" type="slidenum">
-              <a:rPr lang="en-US" smtClean="0"/>
-              <a:pPr/>
-              <a:t>21</a:t>
-            </a:fld>
-            <a:endParaRPr lang="en-US"/>
-          </a:p>
-        </p:txBody>
-      </p:sp>
-      <p:sp>
-        <p:nvSpPr>
-          <p:cNvPr id="47137" name="Rectangle 35"/>
-          <p:cNvSpPr>
-            <a:spLocks noGrp="1" noChangeArrowheads="1"/>
-          </p:cNvSpPr>
-          <p:nvPr>
-            <p:ph sz="quarter" idx="1"/>
-            <p:custDataLst>
-              <p:tags r:id="rId2"/>
-            </p:custDataLst>
-          </p:nvPr>
-        </p:nvSpPr>
-        <p:spPr>
-          <a:noFill/>
-        </p:spPr>
-        <p:txBody>
-          <a:bodyPr>
-            <a:normAutofit fontScale="92500" lnSpcReduction="10000"/>
-          </a:bodyPr>
-          <a:lstStyle/>
-          <a:p>
-            <a:pPr>
-              <a:lnSpc>
-                <a:spcPct val="90000"/>
-              </a:lnSpc>
-              <a:buFont typeface="Monotype Sorts" charset="2"/>
-              <a:buNone/>
-            </a:pPr>
-            <a:r>
-              <a:rPr lang="en-US" sz="2000" b="1" dirty="0">
-                <a:latin typeface="Courier New" pitchFamily="49" charset="0"/>
-              </a:rPr>
-              <a:t>MST-Prim(G, wt)</a:t>
-            </a:r>
-          </a:p>
-          <a:p>
-            <a:pPr>
-              <a:lnSpc>
-                <a:spcPct val="90000"/>
-              </a:lnSpc>
-              <a:buFont typeface="Monotype Sorts" charset="2"/>
-              <a:buNone/>
-            </a:pPr>
-            <a:r>
-              <a:rPr lang="en-US" sz="2000" b="1" dirty="0">
-                <a:latin typeface="Courier New" pitchFamily="49" charset="0"/>
-              </a:rPr>
-              <a:t> init PQ to be empty;</a:t>
-            </a:r>
-          </a:p>
-          <a:p>
-            <a:pPr>
-              <a:lnSpc>
-                <a:spcPct val="90000"/>
-              </a:lnSpc>
-              <a:buFont typeface="Monotype Sorts" charset="2"/>
-              <a:buNone/>
-            </a:pPr>
-            <a:r>
-              <a:rPr lang="en-US" sz="2000" b="1" dirty="0">
-                <a:latin typeface="Courier New" pitchFamily="49" charset="0"/>
-              </a:rPr>
-              <a:t> </a:t>
-            </a:r>
-            <a:r>
-              <a:rPr lang="en-US" sz="2000" b="1" dirty="0" err="1">
-                <a:latin typeface="Courier New" pitchFamily="49" charset="0"/>
-              </a:rPr>
-              <a:t>PQ.Insert</a:t>
-            </a:r>
-            <a:r>
-              <a:rPr lang="en-US" sz="2000" b="1" dirty="0">
-                <a:latin typeface="Courier New" pitchFamily="49" charset="0"/>
-              </a:rPr>
-              <a:t>(s, wt=0);</a:t>
-            </a:r>
-          </a:p>
-          <a:p>
-            <a:pPr>
-              <a:lnSpc>
-                <a:spcPct val="90000"/>
-              </a:lnSpc>
-              <a:buFont typeface="Monotype Sorts" charset="2"/>
-              <a:buNone/>
-            </a:pPr>
-            <a:r>
-              <a:rPr lang="en-US" sz="2000" b="1" dirty="0">
-                <a:latin typeface="Courier New" pitchFamily="49" charset="0"/>
-                <a:sym typeface="Symbol" pitchFamily="18" charset="2"/>
-              </a:rPr>
-              <a:t> parent[s] = NULL;</a:t>
-            </a:r>
-          </a:p>
-          <a:p>
-            <a:pPr>
-              <a:lnSpc>
-                <a:spcPct val="90000"/>
-              </a:lnSpc>
-              <a:buFont typeface="Monotype Sorts" charset="2"/>
-              <a:buNone/>
-            </a:pPr>
-            <a:r>
-              <a:rPr lang="en-US" sz="2000" b="1" dirty="0">
-                <a:latin typeface="Courier New" pitchFamily="49" charset="0"/>
-                <a:sym typeface="Symbol" pitchFamily="18" charset="2"/>
-              </a:rPr>
-              <a:t> while (PQ not empty)</a:t>
-            </a:r>
-          </a:p>
-          <a:p>
-            <a:pPr>
-              <a:lnSpc>
-                <a:spcPct val="90000"/>
-              </a:lnSpc>
-              <a:buFont typeface="Monotype Sorts" charset="2"/>
-              <a:buNone/>
-            </a:pPr>
-            <a:r>
-              <a:rPr lang="en-US" sz="2000" b="1" dirty="0">
-                <a:latin typeface="Courier New" pitchFamily="49" charset="0"/>
-                <a:sym typeface="Symbol" pitchFamily="18" charset="2"/>
-              </a:rPr>
-              <a:t>   v = </a:t>
-            </a:r>
-            <a:r>
-              <a:rPr lang="en-US" sz="2000" b="1" dirty="0" err="1">
-                <a:latin typeface="Courier New" pitchFamily="49" charset="0"/>
-                <a:sym typeface="Symbol" pitchFamily="18" charset="2"/>
-              </a:rPr>
-              <a:t>PQ.ExtractMin</a:t>
-            </a:r>
-            <a:r>
-              <a:rPr lang="en-US" sz="2000" b="1" dirty="0">
-                <a:latin typeface="Courier New" pitchFamily="49" charset="0"/>
-                <a:sym typeface="Symbol" pitchFamily="18" charset="2"/>
-              </a:rPr>
-              <a:t>();</a:t>
-            </a:r>
-          </a:p>
-          <a:p>
-            <a:pPr>
-              <a:lnSpc>
-                <a:spcPct val="90000"/>
-              </a:lnSpc>
-              <a:buFont typeface="Monotype Sorts" charset="2"/>
-              <a:buNone/>
-            </a:pPr>
-            <a:r>
-              <a:rPr lang="en-US" sz="2000" b="1" dirty="0">
-                <a:latin typeface="Courier New" pitchFamily="49" charset="0"/>
-                <a:sym typeface="Symbol" pitchFamily="18" charset="2"/>
-              </a:rPr>
-              <a:t>   for each w</a:t>
-            </a:r>
-            <a:r>
-              <a:rPr lang="en-US" sz="2000" b="1" dirty="0">
-                <a:latin typeface="Courier New" pitchFamily="49" charset="0"/>
-              </a:rPr>
-              <a:t> </a:t>
-            </a:r>
-            <a:r>
-              <a:rPr lang="en-US" sz="2000" b="1" dirty="0" err="1">
-                <a:latin typeface="Courier New" pitchFamily="49" charset="0"/>
-                <a:sym typeface="Symbol" pitchFamily="18" charset="2"/>
-              </a:rPr>
-              <a:t>adj</a:t>
-            </a:r>
-            <a:r>
-              <a:rPr lang="en-US" sz="2000" b="1" dirty="0">
-                <a:latin typeface="Courier New" pitchFamily="49" charset="0"/>
-                <a:sym typeface="Symbol" pitchFamily="18" charset="2"/>
-              </a:rPr>
-              <a:t> to v</a:t>
-            </a:r>
-          </a:p>
-          <a:p>
-            <a:pPr>
-              <a:lnSpc>
-                <a:spcPct val="90000"/>
-              </a:lnSpc>
-              <a:buFont typeface="Monotype Sorts" charset="2"/>
-              <a:buNone/>
-            </a:pPr>
-            <a:r>
-              <a:rPr lang="en-US" sz="2000" b="1" dirty="0">
-                <a:latin typeface="Courier New" pitchFamily="49" charset="0"/>
-                <a:sym typeface="Symbol" pitchFamily="18" charset="2"/>
-              </a:rPr>
-              <a:t>     if (w</a:t>
-            </a:r>
-            <a:r>
-              <a:rPr lang="en-US" sz="2000" b="1" dirty="0">
-                <a:latin typeface="Courier New" pitchFamily="49" charset="0"/>
-              </a:rPr>
-              <a:t> </a:t>
-            </a:r>
-            <a:r>
-              <a:rPr lang="en-US" sz="2000" b="1" dirty="0">
-                <a:latin typeface="Courier New" pitchFamily="49" charset="0"/>
-                <a:sym typeface="Symbol" pitchFamily="18" charset="2"/>
-              </a:rPr>
-              <a:t>is unseen) {</a:t>
-            </a:r>
-          </a:p>
-          <a:p>
-            <a:pPr>
-              <a:lnSpc>
-                <a:spcPct val="90000"/>
-              </a:lnSpc>
-              <a:buFont typeface="Monotype Sorts" charset="2"/>
-              <a:buNone/>
-            </a:pPr>
-            <a:r>
-              <a:rPr lang="en-US" sz="2000" b="1" dirty="0">
-                <a:latin typeface="Courier New" pitchFamily="49" charset="0"/>
-                <a:sym typeface="Symbol" pitchFamily="18" charset="2"/>
-              </a:rPr>
-              <a:t>        </a:t>
-            </a:r>
-            <a:r>
-              <a:rPr lang="en-US" sz="2000" b="1" dirty="0" err="1">
-                <a:latin typeface="Courier New" pitchFamily="49" charset="0"/>
-                <a:sym typeface="Symbol" pitchFamily="18" charset="2"/>
-              </a:rPr>
-              <a:t>PQ.Insert</a:t>
-            </a:r>
-            <a:r>
-              <a:rPr lang="en-US" sz="2000" b="1" dirty="0">
-                <a:latin typeface="Courier New" pitchFamily="49" charset="0"/>
-                <a:sym typeface="Symbol" pitchFamily="18" charset="2"/>
-              </a:rPr>
-              <a:t>(w, wt(</a:t>
-            </a:r>
-            <a:r>
-              <a:rPr lang="en-US" sz="2000" b="1" dirty="0" err="1">
-                <a:latin typeface="Courier New" pitchFamily="49" charset="0"/>
-                <a:sym typeface="Symbol" pitchFamily="18" charset="2"/>
-              </a:rPr>
-              <a:t>v,w</a:t>
-            </a:r>
-            <a:r>
-              <a:rPr lang="en-US" sz="2000" b="1" dirty="0">
-                <a:latin typeface="Courier New" pitchFamily="49" charset="0"/>
-                <a:sym typeface="Symbol" pitchFamily="18" charset="2"/>
-              </a:rPr>
-              <a:t>));</a:t>
-            </a:r>
-          </a:p>
-          <a:p>
-            <a:pPr>
-              <a:lnSpc>
-                <a:spcPct val="90000"/>
-              </a:lnSpc>
-              <a:buFont typeface="Monotype Sorts" charset="2"/>
-              <a:buNone/>
-            </a:pPr>
-            <a:r>
-              <a:rPr lang="en-US" sz="2000" b="1" dirty="0">
-                <a:latin typeface="Courier New" pitchFamily="49" charset="0"/>
-                <a:sym typeface="Symbol" pitchFamily="18" charset="2"/>
-              </a:rPr>
-              <a:t>        parent[w] = v;</a:t>
-            </a:r>
-          </a:p>
-          <a:p>
-            <a:pPr>
-              <a:lnSpc>
-                <a:spcPct val="90000"/>
-              </a:lnSpc>
-              <a:buFont typeface="Monotype Sorts" charset="2"/>
-              <a:buNone/>
-            </a:pPr>
-            <a:r>
-              <a:rPr lang="en-US" sz="2000" b="1" dirty="0">
-                <a:latin typeface="Courier New" pitchFamily="49" charset="0"/>
-                <a:sym typeface="Symbol" pitchFamily="18" charset="2"/>
-              </a:rPr>
-              <a:t>	   }</a:t>
-            </a:r>
-          </a:p>
-          <a:p>
-            <a:pPr>
-              <a:lnSpc>
-                <a:spcPct val="90000"/>
-              </a:lnSpc>
-              <a:buFont typeface="Monotype Sorts" charset="2"/>
-              <a:buNone/>
-            </a:pPr>
-            <a:r>
-              <a:rPr lang="en-US" sz="2000" b="1" dirty="0">
-                <a:latin typeface="Courier New" pitchFamily="49" charset="0"/>
-                <a:sym typeface="Symbol" pitchFamily="18" charset="2"/>
-              </a:rPr>
-              <a:t>     else if (w is fringe &amp;&amp; wt[</a:t>
-            </a:r>
-            <a:r>
-              <a:rPr lang="en-US" sz="2000" b="1" dirty="0" err="1">
-                <a:latin typeface="Courier New" pitchFamily="49" charset="0"/>
-                <a:sym typeface="Symbol" pitchFamily="18" charset="2"/>
-              </a:rPr>
-              <a:t>v,w</a:t>
-            </a:r>
-            <a:r>
-              <a:rPr lang="en-US" sz="2000" b="1" dirty="0">
-                <a:latin typeface="Courier New" pitchFamily="49" charset="0"/>
-                <a:sym typeface="Symbol" pitchFamily="18" charset="2"/>
-              </a:rPr>
-              <a:t>] &lt; </a:t>
-            </a:r>
-            <a:r>
-              <a:rPr lang="en-US" sz="2000" b="1" dirty="0" err="1">
-                <a:latin typeface="Courier New" pitchFamily="49" charset="0"/>
-                <a:sym typeface="Symbol" pitchFamily="18" charset="2"/>
-              </a:rPr>
-              <a:t>fringeWt</a:t>
-            </a:r>
-            <a:r>
-              <a:rPr lang="en-US" sz="2000" b="1" dirty="0">
-                <a:latin typeface="Courier New" pitchFamily="49" charset="0"/>
-                <a:sym typeface="Symbol" pitchFamily="18" charset="2"/>
-              </a:rPr>
-              <a:t>(w)){</a:t>
-            </a:r>
-          </a:p>
-          <a:p>
-            <a:pPr>
-              <a:lnSpc>
-                <a:spcPct val="90000"/>
-              </a:lnSpc>
-              <a:buFont typeface="Monotype Sorts" charset="2"/>
-              <a:buNone/>
-            </a:pPr>
-            <a:r>
-              <a:rPr lang="en-US" sz="2000" b="1" dirty="0">
-                <a:latin typeface="Courier New" pitchFamily="49" charset="0"/>
-                <a:sym typeface="Symbol" pitchFamily="18" charset="2"/>
-              </a:rPr>
-              <a:t>        </a:t>
-            </a:r>
-            <a:r>
-              <a:rPr lang="en-US" sz="2000" b="1" dirty="0" err="1">
-                <a:latin typeface="Courier New" pitchFamily="49" charset="0"/>
-                <a:sym typeface="Symbol" pitchFamily="18" charset="2"/>
-              </a:rPr>
-              <a:t>PQ.decreaseKey</a:t>
-            </a:r>
-            <a:r>
-              <a:rPr lang="en-US" sz="2000" b="1" dirty="0">
-                <a:latin typeface="Courier New" pitchFamily="49" charset="0"/>
-                <a:sym typeface="Symbol" pitchFamily="18" charset="2"/>
-              </a:rPr>
-              <a:t>(w, wt[</a:t>
-            </a:r>
-            <a:r>
-              <a:rPr lang="en-US" sz="2000" b="1" dirty="0" err="1">
-                <a:latin typeface="Courier New" pitchFamily="49" charset="0"/>
-                <a:sym typeface="Symbol" pitchFamily="18" charset="2"/>
-              </a:rPr>
-              <a:t>v,w</a:t>
-            </a:r>
-            <a:r>
-              <a:rPr lang="en-US" sz="2000" b="1" dirty="0">
-                <a:latin typeface="Courier New" pitchFamily="49" charset="0"/>
-                <a:sym typeface="Symbol" pitchFamily="18" charset="2"/>
-              </a:rPr>
-              <a:t>]);</a:t>
-            </a:r>
-          </a:p>
-          <a:p>
-            <a:pPr>
-              <a:lnSpc>
-                <a:spcPct val="90000"/>
-              </a:lnSpc>
-              <a:buFont typeface="Monotype Sorts" charset="2"/>
-              <a:buNone/>
-            </a:pPr>
-            <a:r>
-              <a:rPr lang="en-US" sz="2000" b="1" dirty="0">
-                <a:latin typeface="Courier New" pitchFamily="49" charset="0"/>
-                <a:sym typeface="Symbol" pitchFamily="18" charset="2"/>
-              </a:rPr>
-              <a:t>        parent[w] = v;</a:t>
-            </a:r>
-          </a:p>
-          <a:p>
-            <a:pPr>
-              <a:lnSpc>
-                <a:spcPct val="90000"/>
-              </a:lnSpc>
-              <a:buFont typeface="Monotype Sorts" charset="2"/>
-              <a:buNone/>
-            </a:pPr>
-            <a:r>
-              <a:rPr lang="en-US" sz="2000" b="1" dirty="0">
-                <a:latin typeface="Courier New" pitchFamily="49" charset="0"/>
-                <a:sym typeface="Symbol" pitchFamily="18" charset="2"/>
-              </a:rPr>
-              <a:t>     }</a:t>
-            </a:r>
-          </a:p>
-        </p:txBody>
-      </p:sp>
-    </p:spTree>
-    <p:extLst>
-      <p:ext uri="{BB962C8B-B14F-4D97-AF65-F5344CB8AC3E}">
-        <p14:creationId xmlns:p14="http://schemas.microsoft.com/office/powerpoint/2010/main" val="2057633374"/>
-      </p:ext>
-    </p:extLst>
-  </p:cSld>
-  <p:clrMapOvr>
-    <a:masterClrMapping/>
-  </p:clrMapOvr>
-</p:sld>
-</file>
-
-<file path=ppt/slides/slide22.xml><?xml version="1.0" encoding="utf-8"?>
-<p:sld xmlns:a="http://schemas.openxmlformats.org/drawingml/2006/main" xmlns:r="http://schemas.openxmlformats.org/officeDocument/2006/relationships" xmlns:p="http://schemas.openxmlformats.org/presentationml/2006/main">
-  <p:cSld>
-    <p:spTree>
-      <p:nvGrpSpPr>
-        <p:cNvPr id="1" name=""/>
-        <p:cNvGrpSpPr/>
-        <p:nvPr/>
-      </p:nvGrpSpPr>
-      <p:grpSpPr>
-        <a:xfrm>
-          <a:off x="0" y="0"/>
-          <a:ext cx="0" cy="0"/>
-          <a:chOff x="0" y="0"/>
-          <a:chExt cx="0" cy="0"/>
-        </a:xfrm>
-      </p:grpSpPr>
-      <p:sp>
-        <p:nvSpPr>
-          <p:cNvPr id="68611" name="Rectangle 2"/>
-          <p:cNvSpPr>
-            <a:spLocks noGrp="1" noChangeArrowheads="1"/>
-          </p:cNvSpPr>
-          <p:nvPr>
-            <p:ph type="title"/>
-            <p:custDataLst>
-              <p:tags r:id="rId1"/>
-            </p:custDataLst>
-          </p:nvPr>
-        </p:nvSpPr>
-        <p:spPr/>
-        <p:txBody>
-          <a:bodyPr/>
-          <a:lstStyle/>
-          <a:p>
-            <a:r>
-              <a:rPr lang="en-US"/>
-              <a:t>Cost of Prim’s Algorithm</a:t>
-            </a:r>
-          </a:p>
-        </p:txBody>
-      </p:sp>
-      <p:sp>
-        <p:nvSpPr>
-          <p:cNvPr id="4" name="Slide Number Placeholder 3"/>
-          <p:cNvSpPr>
-            <a:spLocks noGrp="1"/>
-          </p:cNvSpPr>
-          <p:nvPr>
-            <p:ph type="sldNum" sz="quarter" idx="12"/>
-          </p:nvPr>
-        </p:nvSpPr>
-        <p:spPr/>
-        <p:txBody>
-          <a:bodyPr/>
-          <a:lstStyle/>
-          <a:p>
-            <a:fld id="{DACC1BBE-66B1-403A-8C7E-C57A0F3A107F}" type="slidenum">
-              <a:rPr lang="en-US" smtClean="0"/>
-              <a:pPr/>
-              <a:t>22</a:t>
-            </a:fld>
-            <a:endParaRPr lang="en-US"/>
-          </a:p>
-        </p:txBody>
-      </p:sp>
-      <p:sp>
-        <p:nvSpPr>
-          <p:cNvPr id="68612" name="Rectangle 3"/>
-          <p:cNvSpPr>
-            <a:spLocks noGrp="1" noChangeArrowheads="1"/>
-          </p:cNvSpPr>
-          <p:nvPr>
-            <p:ph sz="quarter" idx="1"/>
-            <p:custDataLst>
-              <p:tags r:id="rId2"/>
-            </p:custDataLst>
-          </p:nvPr>
-        </p:nvSpPr>
-        <p:spPr/>
-        <p:txBody>
-          <a:bodyPr/>
-          <a:lstStyle/>
-          <a:p>
-            <a:r>
-              <a:rPr lang="en-US" dirty="0"/>
-              <a:t>Looks VERY similar to Dijkstra’s doesn’t it!!</a:t>
-            </a:r>
-          </a:p>
-          <a:p>
-            <a:endParaRPr lang="en-US" dirty="0">
-              <a:sym typeface="Symbol" pitchFamily="18" charset="2"/>
-            </a:endParaRPr>
-          </a:p>
-          <a:p>
-            <a:r>
-              <a:rPr lang="en-US" dirty="0">
-                <a:sym typeface="Symbol" pitchFamily="18" charset="2"/>
-              </a:rPr>
-              <a:t>Outer loop extracts from PQ total of V times</a:t>
-            </a:r>
-          </a:p>
-          <a:p>
-            <a:pPr lvl="1"/>
-            <a:r>
-              <a:rPr lang="en-US" dirty="0">
-                <a:sym typeface="Symbol" pitchFamily="18" charset="2"/>
-              </a:rPr>
-              <a:t>O(V*log(V))</a:t>
-            </a:r>
-          </a:p>
-          <a:p>
-            <a:pPr lvl="1"/>
-            <a:endParaRPr lang="en-US" dirty="0">
-              <a:sym typeface="Symbol" pitchFamily="18" charset="2"/>
-            </a:endParaRPr>
-          </a:p>
-          <a:p>
-            <a:r>
-              <a:rPr lang="en-US" dirty="0">
-                <a:sym typeface="Symbol" pitchFamily="18" charset="2"/>
-              </a:rPr>
-              <a:t>Inner loop runs E times total, but calls </a:t>
-            </a:r>
-            <a:r>
-              <a:rPr lang="en-US" dirty="0" err="1">
-                <a:sym typeface="Symbol" pitchFamily="18" charset="2"/>
-              </a:rPr>
-              <a:t>decreaseKey</a:t>
-            </a:r>
-            <a:r>
-              <a:rPr lang="en-US" dirty="0">
-                <a:sym typeface="Symbol" pitchFamily="18" charset="2"/>
-              </a:rPr>
-              <a:t>()</a:t>
-            </a:r>
-          </a:p>
-          <a:p>
-            <a:pPr lvl="1"/>
-            <a:r>
-              <a:rPr lang="en-US" dirty="0">
-                <a:sym typeface="Symbol" pitchFamily="18" charset="2"/>
-              </a:rPr>
-              <a:t>If </a:t>
-            </a:r>
-            <a:r>
-              <a:rPr lang="en-US" dirty="0" err="1">
-                <a:sym typeface="Symbol" pitchFamily="18" charset="2"/>
-              </a:rPr>
-              <a:t>decreaseKey</a:t>
-            </a:r>
-            <a:r>
-              <a:rPr lang="en-US" dirty="0">
-                <a:sym typeface="Symbol" pitchFamily="18" charset="2"/>
-              </a:rPr>
-              <a:t>() is naïve and linear (V), then</a:t>
-            </a:r>
-          </a:p>
-          <a:p>
-            <a:pPr lvl="1"/>
-            <a:r>
-              <a:rPr lang="en-US" dirty="0">
-                <a:sym typeface="Symbol" pitchFamily="18" charset="2"/>
-              </a:rPr>
-              <a:t>O(E*V)</a:t>
-            </a:r>
-          </a:p>
-          <a:p>
-            <a:pPr lvl="1"/>
-            <a:endParaRPr lang="en-US" dirty="0">
-              <a:sym typeface="Symbol" pitchFamily="18" charset="2"/>
-            </a:endParaRPr>
-          </a:p>
-          <a:p>
-            <a:r>
-              <a:rPr lang="en-US" dirty="0">
-                <a:sym typeface="Symbol" pitchFamily="18" charset="2"/>
-              </a:rPr>
-              <a:t>Total: O(V*log(V) + E*V)</a:t>
-            </a:r>
-          </a:p>
-        </p:txBody>
-      </p:sp>
-    </p:spTree>
-    <p:extLst>
-      <p:ext uri="{BB962C8B-B14F-4D97-AF65-F5344CB8AC3E}">
-        <p14:creationId xmlns:p14="http://schemas.microsoft.com/office/powerpoint/2010/main" val="2104563060"/>
-      </p:ext>
-    </p:extLst>
-  </p:cSld>
-  <p:clrMapOvr>
-    <a:masterClrMapping/>
-  </p:clrMapOvr>
-</p:sld>
-</file>
-
 <file path=ppt/slides/slide23.xml><?xml version="1.0" encoding="utf-8"?>
 <p:sld xmlns:a="http://schemas.openxmlformats.org/drawingml/2006/main" xmlns:r="http://schemas.openxmlformats.org/officeDocument/2006/relationships" xmlns:p="http://schemas.openxmlformats.org/presentationml/2006/main">
   <p:cSld>
@@ -12697,12 +14249,15 @@
       </p:grpSpPr>
       <p:sp>
         <p:nvSpPr>
-          <p:cNvPr id="5" name="Title 4"/>
+          <p:cNvPr id="45059" name="Rectangle 2"/>
           <p:cNvSpPr>
-            <a:spLocks noGrp="1"/>
+            <a:spLocks noGrp="1" noChangeArrowheads="1"/>
           </p:cNvSpPr>
           <p:nvPr>
             <p:ph type="title"/>
+            <p:custDataLst>
+              <p:tags r:id="rId1"/>
+            </p:custDataLst>
           </p:nvPr>
         </p:nvSpPr>
         <p:spPr/>
@@ -12711,28 +14266,9 @@
           <a:lstStyle/>
           <a:p>
             <a:r>
-              <a:rPr lang="en-US" dirty="0"/>
-              <a:t>Indirect Heaps</a:t>
-            </a:r>
-          </a:p>
-        </p:txBody>
-      </p:sp>
-      <p:sp>
-        <p:nvSpPr>
-          <p:cNvPr id="6" name="Text Placeholder 5"/>
-          <p:cNvSpPr>
-            <a:spLocks noGrp="1"/>
-          </p:cNvSpPr>
-          <p:nvPr>
-            <p:ph type="body" idx="1"/>
-          </p:nvPr>
-        </p:nvSpPr>
-        <p:spPr/>
-        <p:txBody>
-          <a:bodyPr/>
-          <a:lstStyle/>
-          <a:p>
-            <a:endParaRPr lang="en-US"/>
+              <a:rPr lang="en-US"/>
+              <a:t>Prim’s MST Algorithm</a:t>
+            </a:r>
           </a:p>
         </p:txBody>
       </p:sp>
@@ -12751,7 +14287,7 @@
           <a:bodyPr/>
           <a:lstStyle/>
           <a:p>
-            <a:fld id="{030EE116-056E-4288-B7F7-411CB7E437A9}" type="slidenum">
+            <a:fld id="{DACC1BBE-66B1-403A-8C7E-C57A0F3A107F}" type="slidenum">
               <a:rPr lang="en-US" smtClean="0"/>
               <a:pPr/>
               <a:t>23</a:t>
@@ -12760,10 +14296,89 @@
           </a:p>
         </p:txBody>
       </p:sp>
+      <p:sp>
+        <p:nvSpPr>
+          <p:cNvPr id="45060" name="Rectangle 3"/>
+          <p:cNvSpPr>
+            <a:spLocks noGrp="1" noChangeArrowheads="1"/>
+          </p:cNvSpPr>
+          <p:nvPr>
+            <p:ph sz="quarter" idx="1"/>
+            <p:custDataLst>
+              <p:tags r:id="rId2"/>
+            </p:custDataLst>
+          </p:nvPr>
+        </p:nvSpPr>
+        <p:spPr/>
+        <p:txBody>
+          <a:bodyPr/>
+          <a:lstStyle/>
+          <a:p>
+            <a:r>
+              <a:rPr lang="en-US" sz="2800" dirty="0"/>
+              <a:t>Greedy strategy:</a:t>
+            </a:r>
+          </a:p>
+          <a:p>
+            <a:pPr lvl="1"/>
+            <a:r>
+              <a:rPr lang="en-US" sz="2400" dirty="0"/>
+              <a:t>Choose some start vertex as current-tree</a:t>
+            </a:r>
+          </a:p>
+          <a:p>
+            <a:pPr lvl="1"/>
+            <a:r>
+              <a:rPr lang="en-US" sz="2400" dirty="0"/>
+              <a:t>Greedy rule: Add edge from graph to current-tree that</a:t>
+            </a:r>
+          </a:p>
+          <a:p>
+            <a:pPr lvl="2"/>
+            <a:r>
+              <a:rPr lang="en-US" sz="2200" dirty="0"/>
+              <a:t>has the lowest weight of edges that…</a:t>
+            </a:r>
+          </a:p>
+          <a:p>
+            <a:pPr lvl="2"/>
+            <a:r>
+              <a:rPr lang="en-US" sz="2200" dirty="0"/>
+              <a:t>have one vertex in the tree and one not in the tree.</a:t>
+            </a:r>
+          </a:p>
+          <a:p>
+            <a:r>
+              <a:rPr lang="en-US" sz="2800" dirty="0"/>
+              <a:t>Thus builds-up one tree by adding a new edge to it</a:t>
+            </a:r>
+          </a:p>
+          <a:p>
+            <a:pPr algn="l"/>
+            <a:r>
+              <a:rPr lang="en-US" sz="2800" dirty="0"/>
+              <a:t>Can this lead to an infeasible solution?</a:t>
+            </a:r>
+            <a:br>
+              <a:rPr lang="en-US" sz="2800" dirty="0"/>
+            </a:br>
+            <a:r>
+              <a:rPr lang="en-US" sz="2800" dirty="0"/>
+              <a:t>(Tell me why not.)</a:t>
+            </a:r>
+          </a:p>
+          <a:p>
+            <a:r>
+              <a:rPr lang="en-US" sz="2800" dirty="0"/>
+              <a:t>Is it optimal? (Yes. Need a proof.)</a:t>
+            </a:r>
+          </a:p>
+        </p:txBody>
+      </p:sp>
     </p:spTree>
     <p:extLst>
       <p:ext uri="{BB962C8B-B14F-4D97-AF65-F5344CB8AC3E}">
-        <p14:creationId xmlns:p14="http://schemas.microsoft.com/office/powerpoint/2010/main" val="2264018838"/>
+        <p14:creationId xmlns:p14="http://schemas.microsoft.com/office/powerpoint/2010/main" val="231288105"/>
       </p:ext>
     </p:extLst>
   </p:cSld>
@@ -12792,7 +14407,7 @@
       </p:grpSpPr>
       <p:sp>
         <p:nvSpPr>
-          <p:cNvPr id="72707" name="Rectangle 2"/>
+          <p:cNvPr id="46083" name="Rectangle 2"/>
           <p:cNvSpPr>
             <a:spLocks noGrp="1" noChangeArrowheads="1"/>
           </p:cNvSpPr>
@@ -12809,10 +14424,8 @@
           <a:lstStyle/>
           <a:p>
             <a:r>
-              <a:rPr lang="en-US" dirty="0">
-                <a:sym typeface="Symbol" pitchFamily="18" charset="2"/>
-              </a:rPr>
-              <a:t>Compare</a:t>
+              <a:rPr lang="en-US"/>
+              <a:t>Tracking Edges for Prim’s MST</a:t>
             </a:r>
           </a:p>
         </p:txBody>
@@ -12843,7 +14456,7 @@
       </p:sp>
       <p:sp>
         <p:nvSpPr>
-          <p:cNvPr id="72708" name="Rectangle 3"/>
+          <p:cNvPr id="46084" name="Rectangle 3"/>
           <p:cNvSpPr>
             <a:spLocks noGrp="1" noChangeArrowheads="1"/>
           </p:cNvSpPr>
@@ -12859,44 +14472,96 @@
           <a:bodyPr/>
           <a:lstStyle/>
           <a:p>
-            <a:r>
-              <a:rPr lang="en-US" dirty="0"/>
-              <a:t>Both Dijkstra and Prim have same structure, and suffer from a naïve, slow implementation of </a:t>
-            </a:r>
-            <a:r>
-              <a:rPr lang="en-US" dirty="0" err="1"/>
-              <a:t>decreaseKey</a:t>
-            </a:r>
-            <a:r>
-              <a:rPr lang="en-US" dirty="0"/>
-              <a:t>()</a:t>
-            </a:r>
-          </a:p>
-          <a:p>
-            <a:endParaRPr lang="en-US" dirty="0">
-              <a:sym typeface="Symbol" pitchFamily="18" charset="2"/>
-            </a:endParaRPr>
-          </a:p>
-          <a:p>
-            <a:r>
-              <a:rPr lang="en-US" dirty="0">
-                <a:sym typeface="Symbol" pitchFamily="18" charset="2"/>
-              </a:rPr>
-              <a:t>Let’s compare the code real fast, and then introduce the </a:t>
-            </a:r>
-            <a:r>
-              <a:rPr lang="en-US" b="1" i="1" dirty="0">
-                <a:sym typeface="Symbol" pitchFamily="18" charset="2"/>
-              </a:rPr>
-              <a:t>Indirect Heap</a:t>
-            </a:r>
+            <a:pPr>
+              <a:lnSpc>
+                <a:spcPct val="90000"/>
+              </a:lnSpc>
+            </a:pPr>
+            <a:r>
+              <a:rPr lang="en-US" sz="2800" dirty="0"/>
+              <a:t>Candidate edges:  edge from a tree-node to a non-tree node</a:t>
+            </a:r>
+          </a:p>
+          <a:p>
+            <a:pPr lvl="1">
+              <a:lnSpc>
+                <a:spcPct val="90000"/>
+              </a:lnSpc>
+            </a:pPr>
+            <a:r>
+              <a:rPr lang="en-US" sz="2400" dirty="0"/>
+              <a:t>Since we’ll choose smallest, keep only one candidate edge for each non-tree node</a:t>
+            </a:r>
+          </a:p>
+          <a:p>
+            <a:pPr lvl="1">
+              <a:lnSpc>
+                <a:spcPct val="90000"/>
+              </a:lnSpc>
+            </a:pPr>
+            <a:r>
+              <a:rPr lang="en-US" sz="2400" dirty="0"/>
+              <a:t>But, may need to make sure we always have the smallest edge for each non-tree node</a:t>
+            </a:r>
+          </a:p>
+          <a:p>
+            <a:pPr>
+              <a:lnSpc>
+                <a:spcPct val="90000"/>
+              </a:lnSpc>
+            </a:pPr>
+            <a:r>
+              <a:rPr lang="en-US" sz="2800" dirty="0"/>
+              <a:t>Fringe-nodes: non-trees nodes adjacent to the tree</a:t>
+            </a:r>
+          </a:p>
+          <a:p>
+            <a:pPr>
+              <a:lnSpc>
+                <a:spcPct val="90000"/>
+              </a:lnSpc>
+            </a:pPr>
+            <a:r>
+              <a:rPr lang="en-US" sz="2800" dirty="0"/>
+              <a:t>Need data structure to hold fringe-nodes</a:t>
+            </a:r>
+          </a:p>
+          <a:p>
+            <a:pPr lvl="1">
+              <a:lnSpc>
+                <a:spcPct val="90000"/>
+              </a:lnSpc>
+            </a:pPr>
+            <a:r>
+              <a:rPr lang="en-US" sz="2400" dirty="0"/>
+              <a:t>Priority queue, ordered by min-edge weight</a:t>
+            </a:r>
+          </a:p>
+          <a:p>
+            <a:pPr lvl="1">
+              <a:lnSpc>
+                <a:spcPct val="90000"/>
+              </a:lnSpc>
+            </a:pPr>
+            <a:r>
+              <a:rPr lang="en-US" sz="2400" dirty="0"/>
+              <a:t>May need to update priorities!</a:t>
+            </a:r>
+          </a:p>
+          <a:p>
+            <a:pPr>
+              <a:lnSpc>
+                <a:spcPct val="90000"/>
+              </a:lnSpc>
+            </a:pPr>
+            <a:endParaRPr lang="en-US" sz="2800" dirty="0"/>
           </a:p>
         </p:txBody>
       </p:sp>
     </p:spTree>
     <p:extLst>
       <p:ext uri="{BB962C8B-B14F-4D97-AF65-F5344CB8AC3E}">
-        <p14:creationId xmlns:p14="http://schemas.microsoft.com/office/powerpoint/2010/main" val="2920895330"/>
+        <p14:creationId xmlns:p14="http://schemas.microsoft.com/office/powerpoint/2010/main" val="3903810571"/>
       </p:ext>
     </p:extLst>
   </p:cSld>
@@ -12925,7 +14590,7 @@
       </p:grpSpPr>
       <p:sp>
         <p:nvSpPr>
-          <p:cNvPr id="86020" name="Rectangle 3"/>
+          <p:cNvPr id="47107" name="Rectangle 2"/>
           <p:cNvSpPr>
             <a:spLocks noGrp="1" noChangeArrowheads="1"/>
           </p:cNvSpPr>
@@ -12942,8 +14607,8 @@
           <a:lstStyle/>
           <a:p>
             <a:r>
-              <a:rPr lang="en-US"/>
-              <a:t>Dijkstra' Algorithm</a:t>
+              <a:rPr lang="en-US" dirty="0"/>
+              <a:t>Prim’s Algorithm</a:t>
             </a:r>
           </a:p>
         </p:txBody>
@@ -12974,7 +14639,7 @@
       </p:sp>
       <p:sp>
         <p:nvSpPr>
-          <p:cNvPr id="86019" name="Rectangle 2"/>
+          <p:cNvPr id="47137" name="Rectangle 35"/>
           <p:cNvSpPr>
             <a:spLocks noGrp="1" noChangeArrowheads="1"/>
           </p:cNvSpPr>
@@ -12986,56 +14651,32 @@
           </p:nvPr>
         </p:nvSpPr>
         <p:spPr>
-          <a:xfrm>
-            <a:off x="1981200" y="1219200"/>
-            <a:ext cx="8229600" cy="5334000"/>
-          </a:xfrm>
+          <a:noFill/>
         </p:spPr>
         <p:txBody>
           <a:bodyPr>
-            <a:noAutofit/>
+            <a:normAutofit fontScale="92500" lnSpcReduction="10000"/>
           </a:bodyPr>
           <a:lstStyle/>
           <a:p>
             <a:pPr>
               <a:lnSpc>
-                <a:spcPct val="80000"/>
+                <a:spcPct val="90000"/>
               </a:lnSpc>
               <a:buFont typeface="Monotype Sorts" charset="2"/>
               <a:buNone/>
             </a:pPr>
             <a:r>
-              <a:rPr lang="en-US" sz="2000" b="1" dirty="0" err="1">
-                <a:latin typeface="Courier New" pitchFamily="49" charset="0"/>
-              </a:rPr>
-              <a:t>dijkstra</a:t>
-            </a:r>
-            <a:r>
               <a:rPr lang="en-US" sz="2000" b="1" dirty="0">
                 <a:latin typeface="Courier New" pitchFamily="49" charset="0"/>
               </a:rPr>
-              <a:t>(G, wt,</a:t>
-            </a:r>
-            <a:r>
-              <a:rPr lang="en-US" sz="2000" b="1" dirty="0">
-                <a:solidFill>
-                  <a:schemeClr val="accent1"/>
-                </a:solidFill>
-                <a:latin typeface="Courier New" pitchFamily="49" charset="0"/>
-              </a:rPr>
-              <a:t> s</a:t>
-            </a:r>
-            <a:r>
-              <a:rPr lang="en-US" sz="2000" b="1" dirty="0">
-                <a:latin typeface="Courier New" pitchFamily="49" charset="0"/>
-              </a:rPr>
-              <a:t>)</a:t>
+              <a:t>MST-Prim(G, wt)</a:t>
             </a:r>
           </a:p>
           <a:p>
             <a:pPr>
               <a:lnSpc>
-                <a:spcPct val="80000"/>
+                <a:spcPct val="90000"/>
               </a:lnSpc>
               <a:buFont typeface="Monotype Sorts" charset="2"/>
               <a:buNone/>
@@ -13050,7 +14691,7 @@
           <a:p>
             <a:pPr>
               <a:lnSpc>
-                <a:spcPct val="80000"/>
+                <a:spcPct val="90000"/>
               </a:lnSpc>
               <a:buFont typeface="Monotype Sorts" charset="2"/>
               <a:buNone/>
@@ -13071,28 +14712,13 @@
               <a:rPr lang="en-US" sz="2000" b="1" dirty="0">
                 <a:latin typeface="Courier New" pitchFamily="49" charset="0"/>
               </a:rPr>
-              <a:t>(s, </a:t>
-            </a:r>
-            <a:r>
-              <a:rPr lang="en-US" sz="2000" b="1" dirty="0">
-                <a:solidFill>
-                  <a:schemeClr val="accent1"/>
-                </a:solidFill>
-                <a:latin typeface="Courier New" pitchFamily="49" charset="0"/>
-              </a:rPr>
-              <a:t>dist=0</a:t>
-            </a:r>
-            <a:r>
-              <a:rPr lang="en-US" sz="2000" b="1" dirty="0">
-                <a:latin typeface="Courier New" pitchFamily="49" charset="0"/>
-              </a:rPr>
-              <a:t>);</a:t>
+              <a:t>(s, wt=0);</a:t>
             </a:r>
           </a:p>
           <a:p>
             <a:pPr>
               <a:lnSpc>
-                <a:spcPct val="80000"/>
+                <a:spcPct val="90000"/>
               </a:lnSpc>
               <a:buFont typeface="Monotype Sorts" charset="2"/>
               <a:buNone/>
@@ -13102,30 +14728,13 @@
                 <a:latin typeface="Courier New" pitchFamily="49" charset="0"/>
                 <a:sym typeface="Symbol" pitchFamily="18" charset="2"/>
               </a:rPr>
-              <a:t> parent[s] = NULL; </a:t>
-            </a:r>
-            <a:r>
-              <a:rPr lang="en-US" sz="2000" b="1" dirty="0">
-                <a:solidFill>
-                  <a:schemeClr val="accent1"/>
-                </a:solidFill>
-                <a:latin typeface="Courier New" pitchFamily="49" charset="0"/>
-                <a:sym typeface="Symbol" pitchFamily="18" charset="2"/>
-              </a:rPr>
-              <a:t>dist[s] = 0</a:t>
-            </a:r>
-            <a:r>
-              <a:rPr lang="en-US" sz="2000" b="1" dirty="0">
-                <a:latin typeface="Courier New" pitchFamily="49" charset="0"/>
-                <a:sym typeface="Symbol" pitchFamily="18" charset="2"/>
-              </a:rPr>
-              <a:t>;</a:t>
+              <a:t> parent[s] = NULL;</a:t>
             </a:r>
           </a:p>
           <a:p>
             <a:pPr>
               <a:lnSpc>
-                <a:spcPct val="80000"/>
+                <a:spcPct val="90000"/>
               </a:lnSpc>
               <a:buFont typeface="Monotype Sorts" charset="2"/>
               <a:buNone/>
@@ -13141,7 +14750,7 @@
           <a:p>
             <a:pPr>
               <a:lnSpc>
-                <a:spcPct val="80000"/>
+                <a:spcPct val="90000"/>
               </a:lnSpc>
               <a:buFont typeface="Monotype Sorts" charset="2"/>
               <a:buNone/>
@@ -13171,7 +14780,7 @@
           <a:p>
             <a:pPr>
               <a:lnSpc>
-                <a:spcPct val="80000"/>
+                <a:spcPct val="90000"/>
               </a:lnSpc>
               <a:buFont typeface="Monotype Sorts" charset="2"/>
               <a:buNone/>
@@ -13181,14 +14790,7 @@
                 <a:latin typeface="Courier New" pitchFamily="49" charset="0"/>
                 <a:sym typeface="Symbol" pitchFamily="18" charset="2"/>
               </a:rPr>
-              <a:t>   for each </a:t>
-            </a:r>
-            <a:r>
-              <a:rPr lang="en-US" sz="2000" b="1" i="1" dirty="0">
-                <a:latin typeface="Courier New" pitchFamily="49" charset="0"/>
-                <a:sym typeface="Symbol" pitchFamily="18" charset="2"/>
-              </a:rPr>
-              <a:t>w</a:t>
+              <a:t>   for each w</a:t>
             </a:r>
             <a:r>
               <a:rPr lang="en-US" sz="2000" b="1" dirty="0">
@@ -13214,7 +14816,7 @@
           <a:p>
             <a:pPr>
               <a:lnSpc>
-                <a:spcPct val="80000"/>
+                <a:spcPct val="90000"/>
               </a:lnSpc>
               <a:buFont typeface="Monotype Sorts" charset="2"/>
               <a:buNone/>
@@ -13243,7 +14845,7 @@
           <a:p>
             <a:pPr>
               <a:lnSpc>
-                <a:spcPct val="80000"/>
+                <a:spcPct val="90000"/>
               </a:lnSpc>
               <a:buFont typeface="Monotype Sorts" charset="2"/>
               <a:buNone/>
@@ -13256,37 +14858,21 @@
               <a:t>        </a:t>
             </a:r>
             <a:r>
-              <a:rPr lang="en-US" sz="2000" b="1" dirty="0">
-                <a:solidFill>
-                  <a:schemeClr val="accent1"/>
-                </a:solidFill>
+              <a:rPr lang="en-US" sz="2000" b="1" dirty="0" err="1">
                 <a:latin typeface="Courier New" pitchFamily="49" charset="0"/>
                 <a:sym typeface="Symbol" pitchFamily="18" charset="2"/>
               </a:rPr>
-              <a:t>dist[w] =</a:t>
+              <a:t>PQ.Insert</a:t>
             </a:r>
             <a:r>
               <a:rPr lang="en-US" sz="2000" b="1" dirty="0">
                 <a:latin typeface="Courier New" pitchFamily="49" charset="0"/>
                 <a:sym typeface="Symbol" pitchFamily="18" charset="2"/>
               </a:rPr>
-              <a:t> </a:t>
-            </a:r>
-            <a:r>
-              <a:rPr lang="en-US" sz="2000" b="1" dirty="0">
-                <a:solidFill>
-                  <a:schemeClr val="accent1"/>
-                </a:solidFill>
-                <a:latin typeface="Courier New" pitchFamily="49" charset="0"/>
-                <a:sym typeface="Symbol" pitchFamily="18" charset="2"/>
-              </a:rPr>
-              <a:t>dist[v] + wt(</a:t>
+              <a:t>(w, wt(</a:t>
             </a:r>
             <a:r>
               <a:rPr lang="en-US" sz="2000" b="1" dirty="0" err="1">
-                <a:solidFill>
-                  <a:schemeClr val="accent1"/>
-                </a:solidFill>
                 <a:latin typeface="Courier New" pitchFamily="49" charset="0"/>
                 <a:sym typeface="Symbol" pitchFamily="18" charset="2"/>
               </a:rPr>
@@ -13294,26 +14880,92 @@
             </a:r>
             <a:r>
               <a:rPr lang="en-US" sz="2000" b="1" dirty="0">
-                <a:solidFill>
-                  <a:schemeClr val="accent1"/>
-                </a:solidFill>
                 <a:latin typeface="Courier New" pitchFamily="49" charset="0"/>
                 <a:sym typeface="Symbol" pitchFamily="18" charset="2"/>
               </a:rPr>
-              <a:t>)</a:t>
-            </a:r>
+              <a:t>));</a:t>
+            </a:r>
+          </a:p>
+          <a:p>
+            <a:pPr>
+              <a:lnSpc>
+                <a:spcPct val="90000"/>
+              </a:lnSpc>
+              <a:buFont typeface="Monotype Sorts" charset="2"/>
+              <a:buNone/>
+            </a:pPr>
             <a:r>
               <a:rPr lang="en-US" sz="2000" b="1" dirty="0">
                 <a:latin typeface="Courier New" pitchFamily="49" charset="0"/>
                 <a:sym typeface="Symbol" pitchFamily="18" charset="2"/>
               </a:rPr>
-              <a:t> </a:t>
+              <a:t>        parent[w] = v;</a:t>
             </a:r>
           </a:p>
           <a:p>
             <a:pPr>
               <a:lnSpc>
-                <a:spcPct val="80000"/>
+                <a:spcPct val="90000"/>
+              </a:lnSpc>
+              <a:buFont typeface="Monotype Sorts" charset="2"/>
+              <a:buNone/>
+            </a:pPr>
+            <a:r>
+              <a:rPr lang="en-US" sz="2000" b="1" dirty="0">
+                <a:latin typeface="Courier New" pitchFamily="49" charset="0"/>
+                <a:sym typeface="Symbol" pitchFamily="18" charset="2"/>
+              </a:rPr>
+              <a:t>	   }</a:t>
+            </a:r>
+          </a:p>
+          <a:p>
+            <a:pPr>
+              <a:lnSpc>
+                <a:spcPct val="90000"/>
+              </a:lnSpc>
+              <a:buFont typeface="Monotype Sorts" charset="2"/>
+              <a:buNone/>
+            </a:pPr>
+            <a:r>
+              <a:rPr lang="en-US" sz="2000" b="1" dirty="0">
+                <a:latin typeface="Courier New" pitchFamily="49" charset="0"/>
+                <a:sym typeface="Symbol" pitchFamily="18" charset="2"/>
+              </a:rPr>
+              <a:t>     else if (w is fringe &amp;&amp; wt[</a:t>
+            </a:r>
+            <a:r>
+              <a:rPr lang="en-US" sz="2000" b="1" dirty="0" err="1">
+                <a:latin typeface="Courier New" pitchFamily="49" charset="0"/>
+                <a:sym typeface="Symbol" pitchFamily="18" charset="2"/>
+              </a:rPr>
+              <a:t>v,w</a:t>
+            </a:r>
+            <a:r>
+              <a:rPr lang="en-US" sz="2000" b="1" dirty="0">
+                <a:latin typeface="Courier New" pitchFamily="49" charset="0"/>
+                <a:sym typeface="Symbol" pitchFamily="18" charset="2"/>
+              </a:rPr>
+              <a:t>] &lt; </a:t>
+            </a:r>
+            <a:r>
+              <a:rPr lang="en-US" sz="2000" b="1" dirty="0" err="1">
+                <a:latin typeface="Courier New" pitchFamily="49" charset="0"/>
+                <a:sym typeface="Symbol" pitchFamily="18" charset="2"/>
+              </a:rPr>
+              <a:t>fringeWt</a:t>
+            </a:r>
+            <a:r>
+              <a:rPr lang="en-US" sz="2000" b="1" dirty="0">
+                <a:latin typeface="Courier New" pitchFamily="49" charset="0"/>
+                <a:sym typeface="Symbol" pitchFamily="18" charset="2"/>
+              </a:rPr>
+              <a:t>(w)){</a:t>
+            </a:r>
+          </a:p>
+          <a:p>
+            <a:pPr>
+              <a:lnSpc>
+                <a:spcPct val="90000"/>
               </a:lnSpc>
               <a:buFont typeface="Monotype Sorts" charset="2"/>
               <a:buNone/>
@@ -13330,37 +14982,34 @@
                 <a:latin typeface="Courier New" pitchFamily="49" charset="0"/>
                 <a:sym typeface="Symbol" pitchFamily="18" charset="2"/>
               </a:rPr>
-              <a:t>PQ.Insert</a:t>
+              <a:t>PQ.decreaseKey</a:t>
             </a:r>
             <a:r>
               <a:rPr lang="en-US" sz="2000" b="1" dirty="0">
                 <a:latin typeface="Courier New" pitchFamily="49" charset="0"/>
                 <a:sym typeface="Symbol" pitchFamily="18" charset="2"/>
               </a:rPr>
-              <a:t>(w, </a:t>
-            </a:r>
-            <a:r>
-              <a:rPr lang="en-US" sz="2000" b="1" dirty="0">
-                <a:solidFill>
-                  <a:schemeClr val="accent1"/>
-                </a:solidFill>
+              <a:t>(w, wt[</a:t>
+            </a:r>
+            <a:r>
+              <a:rPr lang="en-US" sz="2000" b="1" dirty="0" err="1">
                 <a:latin typeface="Courier New" pitchFamily="49" charset="0"/>
                 <a:sym typeface="Symbol" pitchFamily="18" charset="2"/>
               </a:rPr>
-              <a:t>dist[w] </a:t>
+              <a:t>v,w</a:t>
             </a:r>
             <a:r>
               <a:rPr lang="en-US" sz="2000" b="1" dirty="0">
                 <a:latin typeface="Courier New" pitchFamily="49" charset="0"/>
                 <a:sym typeface="Symbol" pitchFamily="18" charset="2"/>
               </a:rPr>
-              <a:t>);</a:t>
+              <a:t>]);</a:t>
             </a:r>
           </a:p>
           <a:p>
             <a:pPr>
               <a:lnSpc>
-                <a:spcPct val="80000"/>
+                <a:spcPct val="90000"/>
               </a:lnSpc>
               <a:buFont typeface="Monotype Sorts" charset="2"/>
               <a:buNone/>
@@ -13376,206 +15025,7 @@
           <a:p>
             <a:pPr>
               <a:lnSpc>
-                <a:spcPct val="80000"/>
-              </a:lnSpc>
-              <a:buFont typeface="Monotype Sorts" charset="2"/>
-              <a:buNone/>
-            </a:pPr>
-            <a:r>
-              <a:rPr lang="en-US" sz="2000" b="1" dirty="0">
-                <a:latin typeface="Courier New" pitchFamily="49" charset="0"/>
-                <a:sym typeface="Symbol" pitchFamily="18" charset="2"/>
-              </a:rPr>
-              <a:t>	   }</a:t>
-            </a:r>
-          </a:p>
-          <a:p>
-            <a:pPr>
-              <a:lnSpc>
-                <a:spcPct val="80000"/>
-              </a:lnSpc>
-              <a:buFont typeface="Monotype Sorts" charset="2"/>
-              <a:buNone/>
-            </a:pPr>
-            <a:r>
-              <a:rPr lang="en-US" sz="2000" b="1" dirty="0">
-                <a:latin typeface="Courier New" pitchFamily="49" charset="0"/>
-                <a:sym typeface="Symbol" pitchFamily="18" charset="2"/>
-              </a:rPr>
-              <a:t>     else if (w is fringe &amp;&amp; </a:t>
-            </a:r>
-            <a:r>
-              <a:rPr lang="en-US" sz="2000" b="1" dirty="0">
-                <a:solidFill>
-                  <a:schemeClr val="accent1"/>
-                </a:solidFill>
-                <a:latin typeface="Courier New" pitchFamily="49" charset="0"/>
-                <a:sym typeface="Symbol" pitchFamily="18" charset="2"/>
-              </a:rPr>
-              <a:t>dist[v] + wt(</a:t>
-            </a:r>
-            <a:r>
-              <a:rPr lang="en-US" sz="2000" b="1" dirty="0" err="1">
-                <a:solidFill>
-                  <a:schemeClr val="accent1"/>
-                </a:solidFill>
-                <a:latin typeface="Courier New" pitchFamily="49" charset="0"/>
-                <a:sym typeface="Symbol" pitchFamily="18" charset="2"/>
-              </a:rPr>
-              <a:t>v,w</a:t>
-            </a:r>
-            <a:r>
-              <a:rPr lang="en-US" sz="2000" b="1" dirty="0">
-                <a:solidFill>
-                  <a:schemeClr val="accent1"/>
-                </a:solidFill>
-                <a:latin typeface="Courier New" pitchFamily="49" charset="0"/>
-                <a:sym typeface="Symbol" pitchFamily="18" charset="2"/>
-              </a:rPr>
-              <a:t>) &lt; dist[w]</a:t>
-            </a:r>
-            <a:r>
-              <a:rPr lang="en-US" sz="2000" b="1" dirty="0">
-                <a:latin typeface="Courier New" pitchFamily="49" charset="0"/>
-                <a:sym typeface="Symbol" pitchFamily="18" charset="2"/>
-              </a:rPr>
-              <a:t> ) {</a:t>
-            </a:r>
-          </a:p>
-          <a:p>
-            <a:pPr>
-              <a:lnSpc>
-                <a:spcPct val="80000"/>
-              </a:lnSpc>
-              <a:buFont typeface="Monotype Sorts" charset="2"/>
-              <a:buNone/>
-            </a:pPr>
-            <a:r>
-              <a:rPr lang="en-US" sz="2000" b="1" dirty="0">
-                <a:latin typeface="Courier New" pitchFamily="49" charset="0"/>
-                <a:sym typeface="Symbol" pitchFamily="18" charset="2"/>
-              </a:rPr>
-              <a:t>        </a:t>
-            </a:r>
-            <a:r>
-              <a:rPr lang="en-US" sz="2000" b="1" dirty="0">
-                <a:solidFill>
-                  <a:schemeClr val="accent1"/>
-                </a:solidFill>
-                <a:latin typeface="Courier New" pitchFamily="49" charset="0"/>
-                <a:sym typeface="Symbol" pitchFamily="18" charset="2"/>
-              </a:rPr>
-              <a:t>dist[w] =</a:t>
-            </a:r>
-            <a:r>
-              <a:rPr lang="en-US" sz="2000" b="1" dirty="0">
-                <a:latin typeface="Courier New" pitchFamily="49" charset="0"/>
-                <a:sym typeface="Symbol" pitchFamily="18" charset="2"/>
-              </a:rPr>
-              <a:t> </a:t>
-            </a:r>
-            <a:r>
-              <a:rPr lang="en-US" sz="2000" b="1" dirty="0">
-                <a:solidFill>
-                  <a:schemeClr val="accent1"/>
-                </a:solidFill>
-                <a:latin typeface="Courier New" pitchFamily="49" charset="0"/>
-                <a:sym typeface="Symbol" pitchFamily="18" charset="2"/>
-              </a:rPr>
-              <a:t>dist[v] + wt(</a:t>
-            </a:r>
-            <a:r>
-              <a:rPr lang="en-US" sz="2000" b="1" dirty="0" err="1">
-                <a:solidFill>
-                  <a:schemeClr val="accent1"/>
-                </a:solidFill>
-                <a:latin typeface="Courier New" pitchFamily="49" charset="0"/>
-                <a:sym typeface="Symbol" pitchFamily="18" charset="2"/>
-              </a:rPr>
-              <a:t>v,w</a:t>
-            </a:r>
-            <a:r>
-              <a:rPr lang="en-US" sz="2000" b="1" dirty="0">
-                <a:solidFill>
-                  <a:schemeClr val="accent1"/>
-                </a:solidFill>
-                <a:latin typeface="Courier New" pitchFamily="49" charset="0"/>
-                <a:sym typeface="Symbol" pitchFamily="18" charset="2"/>
-              </a:rPr>
-              <a:t>)</a:t>
-            </a:r>
-            <a:endParaRPr lang="en-US" sz="2000" b="1" dirty="0">
-              <a:latin typeface="Courier New" pitchFamily="49" charset="0"/>
-              <a:sym typeface="Symbol" pitchFamily="18" charset="2"/>
-            </a:endParaRPr>
-          </a:p>
-          <a:p>
-            <a:pPr>
-              <a:lnSpc>
-                <a:spcPct val="80000"/>
-              </a:lnSpc>
-              <a:buFont typeface="Monotype Sorts" charset="2"/>
-              <a:buNone/>
-            </a:pPr>
-            <a:r>
-              <a:rPr lang="en-US" sz="2000" b="1" dirty="0">
-                <a:latin typeface="Courier New" pitchFamily="49" charset="0"/>
-                <a:sym typeface="Symbol" pitchFamily="18" charset="2"/>
-              </a:rPr>
-              <a:t>        </a:t>
-            </a:r>
-            <a:r>
-              <a:rPr lang="en-US" sz="2000" b="1" dirty="0" err="1">
-                <a:latin typeface="Courier New" pitchFamily="49" charset="0"/>
-                <a:sym typeface="Symbol" pitchFamily="18" charset="2"/>
-              </a:rPr>
-              <a:t>PQ.decreaseKey</a:t>
-            </a:r>
-            <a:r>
-              <a:rPr lang="en-US" sz="2000" b="1" dirty="0">
-                <a:latin typeface="Courier New" pitchFamily="49" charset="0"/>
-                <a:sym typeface="Symbol" pitchFamily="18" charset="2"/>
-              </a:rPr>
-              <a:t>(w, </a:t>
-            </a:r>
-            <a:r>
-              <a:rPr lang="en-US" sz="2000" b="1" dirty="0">
-                <a:solidFill>
-                  <a:schemeClr val="accent1"/>
-                </a:solidFill>
-                <a:latin typeface="Courier New" pitchFamily="49" charset="0"/>
-                <a:sym typeface="Symbol" pitchFamily="18" charset="2"/>
-              </a:rPr>
-              <a:t>dist[w]</a:t>
-            </a:r>
-            <a:r>
-              <a:rPr lang="en-US" sz="2000" b="1" dirty="0">
-                <a:latin typeface="Courier New" pitchFamily="49" charset="0"/>
-                <a:sym typeface="Symbol" pitchFamily="18" charset="2"/>
-              </a:rPr>
-              <a:t>);</a:t>
-            </a:r>
-          </a:p>
-          <a:p>
-            <a:pPr>
-              <a:lnSpc>
-                <a:spcPct val="80000"/>
-              </a:lnSpc>
-              <a:buFont typeface="Monotype Sorts" charset="2"/>
-              <a:buNone/>
-            </a:pPr>
-            <a:r>
-              <a:rPr lang="en-US" sz="2000" b="1" dirty="0">
-                <a:latin typeface="Courier New" pitchFamily="49" charset="0"/>
-                <a:sym typeface="Symbol" pitchFamily="18" charset="2"/>
-              </a:rPr>
-              <a:t>        parent[w] = v;</a:t>
-            </a:r>
-          </a:p>
-          <a:p>
-            <a:pPr>
-              <a:lnSpc>
-                <a:spcPct val="80000"/>
+                <a:spcPct val="90000"/>
               </a:lnSpc>
               <a:buFont typeface="Monotype Sorts" charset="2"/>
               <a:buNone/>
@@ -13593,7 +15043,7 @@
     </p:spTree>
     <p:extLst>
       <p:ext uri="{BB962C8B-B14F-4D97-AF65-F5344CB8AC3E}">
-        <p14:creationId xmlns:p14="http://schemas.microsoft.com/office/powerpoint/2010/main" val="905171894"/>
+        <p14:creationId xmlns:p14="http://schemas.microsoft.com/office/powerpoint/2010/main" val="2057633374"/>
       </p:ext>
     </p:extLst>
   </p:cSld>
@@ -13622,7 +15072,7 @@
       </p:grpSpPr>
       <p:sp>
         <p:nvSpPr>
-          <p:cNvPr id="47107" name="Rectangle 2"/>
+          <p:cNvPr id="68611" name="Rectangle 2"/>
           <p:cNvSpPr>
             <a:spLocks noGrp="1" noChangeArrowheads="1"/>
           </p:cNvSpPr>
@@ -13639,8 +15089,8 @@
           <a:lstStyle/>
           <a:p>
             <a:r>
-              <a:rPr lang="en-US" dirty="0"/>
-              <a:t>Prim’s Algorithm</a:t>
+              <a:rPr lang="en-US"/>
+              <a:t>Cost of Prim’s Algorithm</a:t>
             </a:r>
           </a:p>
         </p:txBody>
@@ -13671,7 +15121,7 @@
       </p:sp>
       <p:sp>
         <p:nvSpPr>
-          <p:cNvPr id="47137" name="Rectangle 35"/>
+          <p:cNvPr id="68612" name="Rectangle 3"/>
           <p:cNvSpPr>
             <a:spLocks noGrp="1" noChangeArrowheads="1"/>
           </p:cNvSpPr>
@@ -13682,471 +15132,106 @@
             </p:custDataLst>
           </p:nvPr>
         </p:nvSpPr>
-        <p:spPr>
-          <a:noFill/>
-        </p:spPr>
-        <p:txBody>
-          <a:bodyPr>
-            <a:normAutofit fontScale="92500" lnSpcReduction="10000"/>
-          </a:bodyPr>
+        <p:spPr/>
+        <p:txBody>
+          <a:bodyPr/>
           <a:lstStyle/>
           <a:p>
-            <a:pPr>
-              <a:lnSpc>
-                <a:spcPct val="90000"/>
-              </a:lnSpc>
-              <a:buFont typeface="Monotype Sorts" charset="2"/>
-              <a:buNone/>
-            </a:pPr>
-            <a:r>
-              <a:rPr lang="en-US" sz="2000" b="1" dirty="0">
-                <a:latin typeface="Courier New" pitchFamily="49" charset="0"/>
-              </a:rPr>
-              <a:t>MST-Prim(G, wt)</a:t>
-            </a:r>
-          </a:p>
-          <a:p>
-            <a:pPr>
-              <a:lnSpc>
-                <a:spcPct val="90000"/>
-              </a:lnSpc>
-              <a:buFont typeface="Monotype Sorts" charset="2"/>
-              <a:buNone/>
-            </a:pPr>
-            <a:r>
-              <a:rPr lang="en-US" sz="2000" b="1" dirty="0">
-                <a:latin typeface="Courier New" pitchFamily="49" charset="0"/>
-              </a:rPr>
-              <a:t> init PQ to be empty;</a:t>
-            </a:r>
-          </a:p>
-          <a:p>
-            <a:pPr>
-              <a:lnSpc>
-                <a:spcPct val="90000"/>
-              </a:lnSpc>
-              <a:buFont typeface="Monotype Sorts" charset="2"/>
-              <a:buNone/>
-            </a:pPr>
-            <a:r>
-              <a:rPr lang="en-US" sz="2000" b="1" dirty="0">
-                <a:latin typeface="Courier New" pitchFamily="49" charset="0"/>
-              </a:rPr>
-              <a:t> </a:t>
-            </a:r>
-            <a:r>
-              <a:rPr lang="en-US" sz="2000" b="1" dirty="0" err="1">
-                <a:latin typeface="Courier New" pitchFamily="49" charset="0"/>
-              </a:rPr>
-              <a:t>PQ.Insert</a:t>
-            </a:r>
-            <a:r>
-              <a:rPr lang="en-US" sz="2000" b="1" dirty="0">
-                <a:latin typeface="Courier New" pitchFamily="49" charset="0"/>
-              </a:rPr>
-              <a:t>(s, wt=0);</a:t>
-            </a:r>
-          </a:p>
-          <a:p>
-            <a:pPr>
-              <a:lnSpc>
-                <a:spcPct val="90000"/>
-              </a:lnSpc>
-              <a:buFont typeface="Monotype Sorts" charset="2"/>
-              <a:buNone/>
-            </a:pPr>
-            <a:r>
-              <a:rPr lang="en-US" sz="2000" b="1" dirty="0">
-                <a:latin typeface="Courier New" pitchFamily="49" charset="0"/>
+            <a:r>
+              <a:rPr lang="en-US" dirty="0"/>
+              <a:t>Looks VERY similar to Dijkstra’s doesn’t it!!</a:t>
+            </a:r>
+          </a:p>
+          <a:p>
+            <a:endParaRPr lang="en-US" dirty="0">
+              <a:sym typeface="Symbol" pitchFamily="18" charset="2"/>
+            </a:endParaRPr>
+          </a:p>
+          <a:p>
+            <a:r>
+              <a:rPr lang="en-US" dirty="0">
                 <a:sym typeface="Symbol" pitchFamily="18" charset="2"/>
               </a:rPr>
-              <a:t> parent[s] = NULL;</a:t>
-            </a:r>
-          </a:p>
-          <a:p>
-            <a:pPr>
-              <a:lnSpc>
-                <a:spcPct val="90000"/>
-              </a:lnSpc>
-              <a:buFont typeface="Monotype Sorts" charset="2"/>
-              <a:buNone/>
-            </a:pPr>
-            <a:r>
-              <a:rPr lang="en-US" sz="2000" b="1" dirty="0">
-                <a:latin typeface="Courier New" pitchFamily="49" charset="0"/>
+              <a:t>Outer loop extracts from PQ total of V times</a:t>
+            </a:r>
+          </a:p>
+          <a:p>
+            <a:pPr lvl="1"/>
+            <a:r>
+              <a:rPr lang="en-US" dirty="0">
                 <a:sym typeface="Symbol" pitchFamily="18" charset="2"/>
               </a:rPr>
-              <a:t> while (PQ not empty)</a:t>
-            </a:r>
-          </a:p>
-          <a:p>
-            <a:pPr>
-              <a:lnSpc>
-                <a:spcPct val="90000"/>
-              </a:lnSpc>
-              <a:buFont typeface="Monotype Sorts" charset="2"/>
-              <a:buNone/>
-            </a:pPr>
-            <a:r>
-              <a:rPr lang="en-US" sz="2000" b="1" dirty="0">
-                <a:latin typeface="Courier New" pitchFamily="49" charset="0"/>
+              <a:t>O(V*log(V))</a:t>
+            </a:r>
+          </a:p>
+          <a:p>
+            <a:pPr lvl="1"/>
+            <a:endParaRPr lang="en-US" dirty="0">
+              <a:sym typeface="Symbol" pitchFamily="18" charset="2"/>
+            </a:endParaRPr>
+          </a:p>
+          <a:p>
+            <a:r>
+              <a:rPr lang="en-US" dirty="0">
                 <a:sym typeface="Symbol" pitchFamily="18" charset="2"/>
               </a:rPr>
-              <a:t>   v = </a:t>
-            </a:r>
-            <a:r>
-              <a:rPr lang="en-US" sz="2000" b="1" dirty="0" err="1">
-                <a:latin typeface="Courier New" pitchFamily="49" charset="0"/>
+              <a:t>Inner loop runs E times total, but calls </a:t>
+            </a:r>
+            <a:r>
+              <a:rPr lang="en-US" dirty="0" err="1">
                 <a:sym typeface="Symbol" pitchFamily="18" charset="2"/>
               </a:rPr>
-              <a:t>PQ.ExtractMin</a:t>
-            </a:r>
-            <a:r>
-              <a:rPr lang="en-US" sz="2000" b="1" dirty="0">
-                <a:latin typeface="Courier New" pitchFamily="49" charset="0"/>
+              <a:t>decreaseKey</a:t>
+            </a:r>
+            <a:r>
+              <a:rPr lang="en-US" dirty="0">
                 <a:sym typeface="Symbol" pitchFamily="18" charset="2"/>
               </a:rPr>
-              <a:t>();</a:t>
-            </a:r>
-          </a:p>
-          <a:p>
-            <a:pPr>
-              <a:lnSpc>
-                <a:spcPct val="90000"/>
-              </a:lnSpc>
-              <a:buFont typeface="Monotype Sorts" charset="2"/>
-              <a:buNone/>
-            </a:pPr>
-            <a:r>
-              <a:rPr lang="en-US" sz="2000" b="1" dirty="0">
-                <a:latin typeface="Courier New" pitchFamily="49" charset="0"/>
+              <a:t>()</a:t>
+            </a:r>
+          </a:p>
+          <a:p>
+            <a:pPr lvl="1"/>
+            <a:r>
+              <a:rPr lang="en-US" dirty="0">
                 <a:sym typeface="Symbol" pitchFamily="18" charset="2"/>
               </a:rPr>
-              <a:t>   for each w</a:t>
-            </a:r>
-            <a:r>
-              <a:rPr lang="en-US" sz="2000" b="1" dirty="0">
-                <a:latin typeface="Courier New" pitchFamily="49" charset="0"/>
-              </a:rPr>
-              <a:t> </a:t>
-            </a:r>
-            <a:r>
-              <a:rPr lang="en-US" sz="2000" b="1" dirty="0" err="1">
-                <a:latin typeface="Courier New" pitchFamily="49" charset="0"/>
+              <a:t>If </a:t>
+            </a:r>
+            <a:r>
+              <a:rPr lang="en-US" dirty="0" err="1">
                 <a:sym typeface="Symbol" pitchFamily="18" charset="2"/>
               </a:rPr>
-              <a:t>adj</a:t>
-            </a:r>
-            <a:r>
-              <a:rPr lang="en-US" sz="2000" b="1" dirty="0">
-                <a:latin typeface="Courier New" pitchFamily="49" charset="0"/>
+              <a:t>decreaseKey</a:t>
+            </a:r>
+            <a:r>
+              <a:rPr lang="en-US" dirty="0">
                 <a:sym typeface="Symbol" pitchFamily="18" charset="2"/>
               </a:rPr>
-              <a:t> to v</a:t>
-            </a:r>
-          </a:p>
-          <a:p>
-            <a:pPr>
-              <a:lnSpc>
-                <a:spcPct val="90000"/>
-              </a:lnSpc>
-              <a:buFont typeface="Monotype Sorts" charset="2"/>
-              <a:buNone/>
-            </a:pPr>
-            <a:r>
-              <a:rPr lang="en-US" sz="2000" b="1" dirty="0">
-                <a:latin typeface="Courier New" pitchFamily="49" charset="0"/>
+              <a:t>() is naïve and linear (V), then</a:t>
+            </a:r>
+          </a:p>
+          <a:p>
+            <a:pPr lvl="1"/>
+            <a:r>
+              <a:rPr lang="en-US" dirty="0">
                 <a:sym typeface="Symbol" pitchFamily="18" charset="2"/>
               </a:rPr>
-              <a:t>     if (w</a:t>
-            </a:r>
-            <a:r>
-              <a:rPr lang="en-US" sz="2000" b="1" dirty="0">
-                <a:latin typeface="Courier New" pitchFamily="49" charset="0"/>
-              </a:rPr>
-              <a:t> </a:t>
-            </a:r>
-            <a:r>
-              <a:rPr lang="en-US" sz="2000" b="1" dirty="0">
-                <a:latin typeface="Courier New" pitchFamily="49" charset="0"/>
+              <a:t>O(E*V)</a:t>
+            </a:r>
+          </a:p>
+          <a:p>
+            <a:pPr lvl="1"/>
+            <a:endParaRPr lang="en-US" dirty="0">
+              <a:sym typeface="Symbol" pitchFamily="18" charset="2"/>
+            </a:endParaRPr>
+          </a:p>
+          <a:p>
+            <a:r>
+              <a:rPr lang="en-US" dirty="0">
                 <a:sym typeface="Symbol" pitchFamily="18" charset="2"/>
               </a:rPr>
-              <a:t>is unseen) {</a:t>
-            </a:r>
-          </a:p>
-          <a:p>
-            <a:pPr>
-              <a:lnSpc>
-                <a:spcPct val="90000"/>
-              </a:lnSpc>
-              <a:buFont typeface="Monotype Sorts" charset="2"/>
-              <a:buNone/>
-            </a:pPr>
-            <a:r>
-              <a:rPr lang="en-US" sz="2000" b="1" dirty="0">
-                <a:latin typeface="Courier New" pitchFamily="49" charset="0"/>
-                <a:sym typeface="Symbol" pitchFamily="18" charset="2"/>
-              </a:rPr>
-              <a:t>        </a:t>
-            </a:r>
-            <a:r>
-              <a:rPr lang="en-US" sz="2000" b="1" dirty="0" err="1">
-                <a:solidFill>
-                  <a:schemeClr val="accent1">
-                    <a:lumMod val="75000"/>
-                  </a:schemeClr>
-                </a:solidFill>
-                <a:latin typeface="Courier New" pitchFamily="49" charset="0"/>
-                <a:sym typeface="Symbol" pitchFamily="18" charset="2"/>
-              </a:rPr>
-              <a:t>PQ.Insert</a:t>
-            </a:r>
-            <a:r>
-              <a:rPr lang="en-US" sz="2000" b="1" dirty="0">
-                <a:solidFill>
-                  <a:schemeClr val="accent1">
-                    <a:lumMod val="75000"/>
-                  </a:schemeClr>
-                </a:solidFill>
-                <a:latin typeface="Courier New" pitchFamily="49" charset="0"/>
-                <a:sym typeface="Symbol" pitchFamily="18" charset="2"/>
-              </a:rPr>
-              <a:t>(w, wt(</a:t>
-            </a:r>
-            <a:r>
-              <a:rPr lang="en-US" sz="2000" b="1" dirty="0" err="1">
-                <a:solidFill>
-                  <a:schemeClr val="accent1">
-                    <a:lumMod val="75000"/>
-                  </a:schemeClr>
-                </a:solidFill>
-                <a:latin typeface="Courier New" pitchFamily="49" charset="0"/>
-                <a:sym typeface="Symbol" pitchFamily="18" charset="2"/>
-              </a:rPr>
-              <a:t>v,w</a:t>
-            </a:r>
-            <a:r>
-              <a:rPr lang="en-US" sz="2000" b="1" dirty="0">
-                <a:solidFill>
-                  <a:schemeClr val="accent1">
-                    <a:lumMod val="75000"/>
-                  </a:schemeClr>
-                </a:solidFill>
-                <a:latin typeface="Courier New" pitchFamily="49" charset="0"/>
-                <a:sym typeface="Symbol" pitchFamily="18" charset="2"/>
-              </a:rPr>
-              <a:t>));</a:t>
-            </a:r>
-          </a:p>
-          <a:p>
-            <a:pPr>
-              <a:lnSpc>
-                <a:spcPct val="90000"/>
-              </a:lnSpc>
-              <a:buFont typeface="Monotype Sorts" charset="2"/>
-              <a:buNone/>
-            </a:pPr>
-            <a:r>
-              <a:rPr lang="en-US" sz="2000" b="1" dirty="0">
-                <a:latin typeface="Courier New" pitchFamily="49" charset="0"/>
-                <a:sym typeface="Symbol" pitchFamily="18" charset="2"/>
-              </a:rPr>
-              <a:t>        parent[w] = v;</a:t>
-            </a:r>
-          </a:p>
-          <a:p>
-            <a:pPr>
-              <a:lnSpc>
-                <a:spcPct val="90000"/>
-              </a:lnSpc>
-              <a:buFont typeface="Monotype Sorts" charset="2"/>
-              <a:buNone/>
-            </a:pPr>
-            <a:r>
-              <a:rPr lang="en-US" sz="2000" b="1" dirty="0">
-                <a:latin typeface="Courier New" pitchFamily="49" charset="0"/>
-                <a:sym typeface="Symbol" pitchFamily="18" charset="2"/>
-              </a:rPr>
-              <a:t>	   }</a:t>
-            </a:r>
-          </a:p>
-          <a:p>
-            <a:pPr>
-              <a:lnSpc>
-                <a:spcPct val="90000"/>
-              </a:lnSpc>
-              <a:buFont typeface="Monotype Sorts" charset="2"/>
-              <a:buNone/>
-            </a:pPr>
-            <a:r>
-              <a:rPr lang="en-US" sz="2000" b="1" dirty="0">
-                <a:latin typeface="Courier New" pitchFamily="49" charset="0"/>
-                <a:sym typeface="Symbol" pitchFamily="18" charset="2"/>
-              </a:rPr>
-              <a:t>     else if (w is fringe &amp;&amp; </a:t>
-            </a:r>
-            <a:r>
-              <a:rPr lang="en-US" sz="2000" b="1" dirty="0">
-                <a:solidFill>
-                  <a:schemeClr val="accent1">
-                    <a:lumMod val="75000"/>
-                  </a:schemeClr>
-                </a:solidFill>
-                <a:latin typeface="Courier New" pitchFamily="49" charset="0"/>
-                <a:sym typeface="Symbol" pitchFamily="18" charset="2"/>
-              </a:rPr>
-              <a:t>wt[</a:t>
-            </a:r>
-            <a:r>
-              <a:rPr lang="en-US" sz="2000" b="1" dirty="0" err="1">
-                <a:solidFill>
-                  <a:schemeClr val="accent1">
-                    <a:lumMod val="75000"/>
-                  </a:schemeClr>
-                </a:solidFill>
-                <a:latin typeface="Courier New" pitchFamily="49" charset="0"/>
-                <a:sym typeface="Symbol" pitchFamily="18" charset="2"/>
-              </a:rPr>
-              <a:t>v,w</a:t>
-            </a:r>
-            <a:r>
-              <a:rPr lang="en-US" sz="2000" b="1" dirty="0">
-                <a:solidFill>
-                  <a:schemeClr val="accent1">
-                    <a:lumMod val="75000"/>
-                  </a:schemeClr>
-                </a:solidFill>
-                <a:latin typeface="Courier New" pitchFamily="49" charset="0"/>
-                <a:sym typeface="Symbol" pitchFamily="18" charset="2"/>
-              </a:rPr>
-              <a:t>] &lt; </a:t>
-            </a:r>
-            <a:r>
-              <a:rPr lang="en-US" sz="2000" b="1" dirty="0" err="1">
-                <a:solidFill>
-                  <a:schemeClr val="accent1">
-                    <a:lumMod val="75000"/>
-                  </a:schemeClr>
-                </a:solidFill>
-                <a:latin typeface="Courier New" pitchFamily="49" charset="0"/>
-                <a:sym typeface="Symbol" pitchFamily="18" charset="2"/>
-              </a:rPr>
-              <a:t>fringeWt</a:t>
-            </a:r>
-            <a:r>
-              <a:rPr lang="en-US" sz="2000" b="1" dirty="0">
-                <a:solidFill>
-                  <a:schemeClr val="accent1">
-                    <a:lumMod val="75000"/>
-                  </a:schemeClr>
-                </a:solidFill>
-                <a:latin typeface="Courier New" pitchFamily="49" charset="0"/>
-                <a:sym typeface="Symbol" pitchFamily="18" charset="2"/>
-              </a:rPr>
-              <a:t>(w)</a:t>
-            </a:r>
-            <a:r>
-              <a:rPr lang="en-US" sz="2000" b="1" dirty="0">
-                <a:latin typeface="Courier New" pitchFamily="49" charset="0"/>
-                <a:sym typeface="Symbol" pitchFamily="18" charset="2"/>
-              </a:rPr>
-              <a:t>){</a:t>
-            </a:r>
-          </a:p>
-          <a:p>
-            <a:pPr>
-              <a:lnSpc>
-                <a:spcPct val="90000"/>
-              </a:lnSpc>
-              <a:buFont typeface="Monotype Sorts" charset="2"/>
-              <a:buNone/>
-            </a:pPr>
-            <a:r>
-              <a:rPr lang="en-US" sz="2000" b="1" dirty="0">
-                <a:latin typeface="Courier New" pitchFamily="49" charset="0"/>
-                <a:sym typeface="Symbol" pitchFamily="18" charset="2"/>
-              </a:rPr>
-              <a:t>        </a:t>
-            </a:r>
-            <a:r>
-              <a:rPr lang="en-US" sz="2000" b="1" dirty="0" err="1">
-                <a:solidFill>
-                  <a:schemeClr val="accent1">
-                    <a:lumMod val="75000"/>
-                  </a:schemeClr>
-                </a:solidFill>
-                <a:latin typeface="Courier New" pitchFamily="49" charset="0"/>
-                <a:sym typeface="Symbol" pitchFamily="18" charset="2"/>
-              </a:rPr>
-              <a:t>PQ.decreaseKey</a:t>
-            </a:r>
-            <a:r>
-              <a:rPr lang="en-US" sz="2000" b="1" dirty="0">
-                <a:solidFill>
-                  <a:schemeClr val="accent1">
-                    <a:lumMod val="75000"/>
-                  </a:schemeClr>
-                </a:solidFill>
-                <a:latin typeface="Courier New" pitchFamily="49" charset="0"/>
-                <a:sym typeface="Symbol" pitchFamily="18" charset="2"/>
-              </a:rPr>
-              <a:t>(w, wt[</a:t>
-            </a:r>
-            <a:r>
-              <a:rPr lang="en-US" sz="2000" b="1" dirty="0" err="1">
-                <a:solidFill>
-                  <a:schemeClr val="accent1">
-                    <a:lumMod val="75000"/>
-                  </a:schemeClr>
-                </a:solidFill>
-                <a:latin typeface="Courier New" pitchFamily="49" charset="0"/>
-                <a:sym typeface="Symbol" pitchFamily="18" charset="2"/>
-              </a:rPr>
-              <a:t>v,w</a:t>
-            </a:r>
-            <a:r>
-              <a:rPr lang="en-US" sz="2000" b="1" dirty="0">
-                <a:solidFill>
-                  <a:schemeClr val="accent1">
-                    <a:lumMod val="75000"/>
-                  </a:schemeClr>
-                </a:solidFill>
-                <a:latin typeface="Courier New" pitchFamily="49" charset="0"/>
-                <a:sym typeface="Symbol" pitchFamily="18" charset="2"/>
-              </a:rPr>
-              <a:t>]);</a:t>
-            </a:r>
-          </a:p>
-          <a:p>
-            <a:pPr>
-              <a:lnSpc>
-                <a:spcPct val="90000"/>
-              </a:lnSpc>
-              <a:buFont typeface="Monotype Sorts" charset="2"/>
-              <a:buNone/>
-            </a:pPr>
-            <a:r>
-              <a:rPr lang="en-US" sz="2000" b="1" dirty="0">
-                <a:latin typeface="Courier New" pitchFamily="49" charset="0"/>
-                <a:sym typeface="Symbol" pitchFamily="18" charset="2"/>
-              </a:rPr>
-              <a:t>        parent[w] = v;</a:t>
-            </a:r>
-          </a:p>
-          <a:p>
-            <a:pPr>
-              <a:lnSpc>
-                <a:spcPct val="90000"/>
-              </a:lnSpc>
-              <a:buFont typeface="Monotype Sorts" charset="2"/>
-              <a:buNone/>
-            </a:pPr>
-            <a:r>
-              <a:rPr lang="en-US" sz="2000" b="1" dirty="0">
-                <a:latin typeface="Courier New" pitchFamily="49" charset="0"/>
-                <a:sym typeface="Symbol" pitchFamily="18" charset="2"/>
-              </a:rPr>
-              <a:t>     }</a:t>
+              <a:t>Total: O(V*log(V) + E*V)</a:t>
             </a:r>
           </a:p>
         </p:txBody>
@@ -14154,7 +15239,7 @@
     </p:spTree>
     <p:extLst>
       <p:ext uri="{BB962C8B-B14F-4D97-AF65-F5344CB8AC3E}">
-        <p14:creationId xmlns:p14="http://schemas.microsoft.com/office/powerpoint/2010/main" val="3609943632"/>
+        <p14:creationId xmlns:p14="http://schemas.microsoft.com/office/powerpoint/2010/main" val="2104563060"/>
       </p:ext>
     </p:extLst>
   </p:cSld>
@@ -14183,15 +15268,12 @@
       </p:grpSpPr>
       <p:sp>
         <p:nvSpPr>
-          <p:cNvPr id="72707" name="Rectangle 2"/>
+          <p:cNvPr id="5" name="Title 4"/>
           <p:cNvSpPr>
-            <a:spLocks noGrp="1" noChangeArrowheads="1"/>
+            <a:spLocks noGrp="1"/>
           </p:cNvSpPr>
           <p:nvPr>
             <p:ph type="title"/>
-            <p:custDataLst>
-              <p:tags r:id="rId1"/>
-            </p:custDataLst>
           </p:nvPr>
         </p:nvSpPr>
         <p:spPr/>
@@ -14200,11 +15282,28 @@
           <a:lstStyle/>
           <a:p>
             <a:r>
-              <a:rPr lang="en-US">
-                <a:sym typeface="Symbol" pitchFamily="18" charset="2"/>
-              </a:rPr>
-              <a:t>Better PQ Implementations</a:t>
-            </a:r>
+              <a:rPr lang="en-US" dirty="0"/>
+              <a:t>Indirect Heaps</a:t>
+            </a:r>
+          </a:p>
+        </p:txBody>
+      </p:sp>
+      <p:sp>
+        <p:nvSpPr>
+          <p:cNvPr id="6" name="Text Placeholder 5"/>
+          <p:cNvSpPr>
+            <a:spLocks noGrp="1"/>
+          </p:cNvSpPr>
+          <p:nvPr>
+            <p:ph type="body" idx="1"/>
+          </p:nvPr>
+        </p:nvSpPr>
+        <p:spPr/>
+        <p:txBody>
+          <a:bodyPr/>
+          <a:lstStyle/>
+          <a:p>
+            <a:endParaRPr lang="en-US"/>
           </a:p>
         </p:txBody>
       </p:sp>
@@ -14223,7 +15322,7 @@
           <a:bodyPr/>
           <a:lstStyle/>
           <a:p>
-            <a:fld id="{DACC1BBE-66B1-403A-8C7E-C57A0F3A107F}" type="slidenum">
+            <a:fld id="{030EE116-056E-4288-B7F7-411CB7E437A9}" type="slidenum">
               <a:rPr lang="en-US" smtClean="0"/>
               <a:pPr/>
               <a:t>27</a:t>
@@ -14232,71 +15331,10 @@
           </a:p>
         </p:txBody>
       </p:sp>
-      <p:sp>
-        <p:nvSpPr>
-          <p:cNvPr id="72708" name="Rectangle 3"/>
-          <p:cNvSpPr>
-            <a:spLocks noGrp="1" noChangeArrowheads="1"/>
-          </p:cNvSpPr>
-          <p:nvPr>
-            <p:ph sz="quarter" idx="1"/>
-            <p:custDataLst>
-              <p:tags r:id="rId2"/>
-            </p:custDataLst>
-          </p:nvPr>
-        </p:nvSpPr>
-        <p:spPr/>
-        <p:txBody>
-          <a:bodyPr/>
-          <a:lstStyle/>
-          <a:p>
-            <a:r>
-              <a:rPr lang="en-US" dirty="0">
-                <a:sym typeface="Symbol" pitchFamily="18" charset="2"/>
-              </a:rPr>
-              <a:t>Goal: Lower cost of </a:t>
-            </a:r>
-            <a:r>
-              <a:rPr lang="en-US" dirty="0" err="1">
-                <a:sym typeface="Symbol" pitchFamily="18" charset="2"/>
-              </a:rPr>
-              <a:t>PQ.decreaseKey</a:t>
-            </a:r>
-            <a:r>
-              <a:rPr lang="en-US" dirty="0">
-                <a:sym typeface="Symbol" pitchFamily="18" charset="2"/>
-              </a:rPr>
-              <a:t>()</a:t>
-            </a:r>
-          </a:p>
-          <a:p>
-            <a:endParaRPr lang="en-US" dirty="0">
-              <a:sym typeface="Symbol" pitchFamily="18" charset="2"/>
-            </a:endParaRPr>
-          </a:p>
-          <a:p>
-            <a:r>
-              <a:rPr lang="en-US" dirty="0">
-                <a:sym typeface="Symbol" pitchFamily="18" charset="2"/>
-              </a:rPr>
-              <a:t>Example of naïve approach first </a:t>
-            </a:r>
-            <a:r>
-              <a:rPr lang="en-US" dirty="0">
-                <a:sym typeface="Wingdings" pitchFamily="2" charset="2"/>
-              </a:rPr>
-              <a:t></a:t>
-            </a:r>
-            <a:endParaRPr lang="en-US" dirty="0">
-              <a:sym typeface="Symbol" pitchFamily="18" charset="2"/>
-            </a:endParaRPr>
-          </a:p>
-        </p:txBody>
-      </p:sp>
     </p:spTree>
     <p:extLst>
       <p:ext uri="{BB962C8B-B14F-4D97-AF65-F5344CB8AC3E}">
-        <p14:creationId xmlns:p14="http://schemas.microsoft.com/office/powerpoint/2010/main" val="3025254322"/>
+        <p14:creationId xmlns:p14="http://schemas.microsoft.com/office/powerpoint/2010/main" val="2264018838"/>
       </p:ext>
     </p:extLst>
   </p:cSld>
@@ -14342,10 +15380,10 @@
           <a:lstStyle/>
           <a:p>
             <a:r>
-              <a:rPr lang="en-US">
+              <a:rPr lang="en-US" dirty="0">
                 <a:sym typeface="Symbol" pitchFamily="18" charset="2"/>
               </a:rPr>
-              <a:t>Better PQ Implementations</a:t>
+              <a:t>Compare</a:t>
             </a:r>
           </a:p>
         </p:txBody>
@@ -14393,52 +15431,43 @@
           <a:lstStyle/>
           <a:p>
             <a:r>
+              <a:rPr lang="en-US" dirty="0"/>
+              <a:t>Both Dijkstra and Prim have same structure, and suffer from a naïve, slow implementation of </a:t>
+            </a:r>
+            <a:r>
+              <a:rPr lang="en-US" dirty="0" err="1"/>
+              <a:t>decreaseKey</a:t>
+            </a:r>
+            <a:r>
+              <a:rPr lang="en-US" dirty="0"/>
+              <a:t>()</a:t>
+            </a:r>
+          </a:p>
+          <a:p>
+            <a:endParaRPr lang="en-US" dirty="0">
+              <a:sym typeface="Symbol" pitchFamily="18" charset="2"/>
+            </a:endParaRPr>
+          </a:p>
+          <a:p>
+            <a:r>
               <a:rPr lang="en-US" dirty="0">
                 <a:sym typeface="Symbol" pitchFamily="18" charset="2"/>
               </a:rPr>
-              <a:t>Goal: Lower cost of </a:t>
-            </a:r>
-            <a:r>
-              <a:rPr lang="en-US" dirty="0" err="1">
+              <a:t>Let’s compare the code real fast, and then introduce the </a:t>
+            </a:r>
+            <a:r>
+              <a:rPr lang="en-US" b="1" i="1" dirty="0">
                 <a:sym typeface="Symbol" pitchFamily="18" charset="2"/>
               </a:rPr>
-              <a:t>PQ.decreaseKey</a:t>
-            </a:r>
-            <a:r>
-              <a:rPr lang="en-US" dirty="0">
-                <a:sym typeface="Symbol" pitchFamily="18" charset="2"/>
-              </a:rPr>
-              <a:t>()</a:t>
-            </a:r>
-          </a:p>
-          <a:p>
-            <a:endParaRPr lang="en-US" dirty="0">
-              <a:sym typeface="Symbol" pitchFamily="18" charset="2"/>
-            </a:endParaRPr>
-          </a:p>
-          <a:p>
-            <a:r>
-              <a:rPr lang="en-US" dirty="0">
-                <a:sym typeface="Symbol" pitchFamily="18" charset="2"/>
-              </a:rPr>
-              <a:t>Indirect Heap </a:t>
-            </a:r>
-            <a:r>
-              <a:rPr lang="en-US" dirty="0">
-                <a:sym typeface="Wingdings" pitchFamily="2" charset="2"/>
-              </a:rPr>
-              <a:t></a:t>
-            </a:r>
-            <a:endParaRPr lang="en-US" dirty="0">
-              <a:sym typeface="Symbol" pitchFamily="18" charset="2"/>
-            </a:endParaRPr>
+              <a:t>Indirect Heap</a:t>
+            </a:r>
           </a:p>
         </p:txBody>
       </p:sp>
     </p:spTree>
     <p:extLst>
       <p:ext uri="{BB962C8B-B14F-4D97-AF65-F5344CB8AC3E}">
-        <p14:creationId xmlns:p14="http://schemas.microsoft.com/office/powerpoint/2010/main" val="3724557448"/>
+        <p14:creationId xmlns:p14="http://schemas.microsoft.com/office/powerpoint/2010/main" val="2920895330"/>
       </p:ext>
     </p:extLst>
   </p:cSld>
@@ -14467,7 +15496,7 @@
       </p:grpSpPr>
       <p:sp>
         <p:nvSpPr>
-          <p:cNvPr id="73731" name="Rectangle 2"/>
+          <p:cNvPr id="86020" name="Rectangle 3"/>
           <p:cNvSpPr>
             <a:spLocks noGrp="1" noChangeArrowheads="1"/>
           </p:cNvSpPr>
@@ -14484,10 +15513,8 @@
           <a:lstStyle/>
           <a:p>
             <a:r>
-              <a:rPr lang="en-US">
-                <a:sym typeface="Symbol" pitchFamily="18" charset="2"/>
-              </a:rPr>
-              <a:t>Better PQ Implementations (2)</a:t>
+              <a:rPr lang="en-US"/>
+              <a:t>Dijkstra' Algorithm</a:t>
             </a:r>
           </a:p>
         </p:txBody>
@@ -14518,7 +15545,7 @@
       </p:sp>
       <p:sp>
         <p:nvSpPr>
-          <p:cNvPr id="73732" name="Rectangle 3"/>
+          <p:cNvPr id="86019" name="Rectangle 2"/>
           <p:cNvSpPr>
             <a:spLocks noGrp="1" noChangeArrowheads="1"/>
           </p:cNvSpPr>
@@ -14529,86 +15556,615 @@
             </p:custDataLst>
           </p:nvPr>
         </p:nvSpPr>
-        <p:spPr/>
-        <p:txBody>
-          <a:bodyPr/>
+        <p:spPr>
+          <a:xfrm>
+            <a:off x="1981200" y="1219200"/>
+            <a:ext cx="8229600" cy="5334000"/>
+          </a:xfrm>
+        </p:spPr>
+        <p:txBody>
+          <a:bodyPr>
+            <a:noAutofit/>
+          </a:bodyPr>
           <a:lstStyle/>
           <a:p>
-            <a:r>
-              <a:rPr lang="en-US" dirty="0">
+            <a:pPr>
+              <a:lnSpc>
+                <a:spcPct val="80000"/>
+              </a:lnSpc>
+              <a:buFont typeface="Monotype Sorts" charset="2"/>
+              <a:buNone/>
+            </a:pPr>
+            <a:r>
+              <a:rPr lang="en-US" sz="2000" b="1" dirty="0" err="1">
+                <a:latin typeface="Courier New" pitchFamily="49" charset="0"/>
+              </a:rPr>
+              <a:t>dijkstra</a:t>
+            </a:r>
+            <a:r>
+              <a:rPr lang="en-US" sz="2000" b="1" dirty="0">
+                <a:latin typeface="Courier New" pitchFamily="49" charset="0"/>
+              </a:rPr>
+              <a:t>(G, wt,</a:t>
+            </a:r>
+            <a:r>
+              <a:rPr lang="en-US" sz="2000" b="1" dirty="0">
+                <a:solidFill>
+                  <a:schemeClr val="accent1"/>
+                </a:solidFill>
+                <a:latin typeface="Courier New" pitchFamily="49" charset="0"/>
+              </a:rPr>
+              <a:t> s</a:t>
+            </a:r>
+            <a:r>
+              <a:rPr lang="en-US" sz="2000" b="1" dirty="0">
+                <a:latin typeface="Courier New" pitchFamily="49" charset="0"/>
+              </a:rPr>
+              <a:t>)</a:t>
+            </a:r>
+          </a:p>
+          <a:p>
+            <a:pPr>
+              <a:lnSpc>
+                <a:spcPct val="80000"/>
+              </a:lnSpc>
+              <a:buFont typeface="Monotype Sorts" charset="2"/>
+              <a:buNone/>
+            </a:pPr>
+            <a:r>
+              <a:rPr lang="en-US" sz="2000" b="1" dirty="0">
+                <a:latin typeface="Courier New" pitchFamily="49" charset="0"/>
+              </a:rPr>
+              <a:t> init PQ to be empty;</a:t>
+            </a:r>
+          </a:p>
+          <a:p>
+            <a:pPr>
+              <a:lnSpc>
+                <a:spcPct val="80000"/>
+              </a:lnSpc>
+              <a:buFont typeface="Monotype Sorts" charset="2"/>
+              <a:buNone/>
+            </a:pPr>
+            <a:r>
+              <a:rPr lang="en-US" sz="2000" b="1" dirty="0">
+                <a:latin typeface="Courier New" pitchFamily="49" charset="0"/>
+              </a:rPr>
+              <a:t> </a:t>
+            </a:r>
+            <a:r>
+              <a:rPr lang="en-US" sz="2000" b="1" dirty="0" err="1">
+                <a:latin typeface="Courier New" pitchFamily="49" charset="0"/>
+              </a:rPr>
+              <a:t>PQ.Insert</a:t>
+            </a:r>
+            <a:r>
+              <a:rPr lang="en-US" sz="2000" b="1" dirty="0">
+                <a:latin typeface="Courier New" pitchFamily="49" charset="0"/>
+              </a:rPr>
+              <a:t>(s, </a:t>
+            </a:r>
+            <a:r>
+              <a:rPr lang="en-US" sz="2000" b="1" dirty="0">
+                <a:solidFill>
+                  <a:schemeClr val="accent1"/>
+                </a:solidFill>
+                <a:latin typeface="Courier New" pitchFamily="49" charset="0"/>
+              </a:rPr>
+              <a:t>dist=0</a:t>
+            </a:r>
+            <a:r>
+              <a:rPr lang="en-US" sz="2000" b="1" dirty="0">
+                <a:latin typeface="Courier New" pitchFamily="49" charset="0"/>
+              </a:rPr>
+              <a:t>);</a:t>
+            </a:r>
+          </a:p>
+          <a:p>
+            <a:pPr>
+              <a:lnSpc>
+                <a:spcPct val="80000"/>
+              </a:lnSpc>
+              <a:buFont typeface="Monotype Sorts" charset="2"/>
+              <a:buNone/>
+            </a:pPr>
+            <a:r>
+              <a:rPr lang="en-US" sz="2000" b="1" dirty="0">
+                <a:latin typeface="Courier New" pitchFamily="49" charset="0"/>
                 <a:sym typeface="Symbol" pitchFamily="18" charset="2"/>
               </a:rPr>
-              <a:t>Cost of Dijkstra’s and Prim’s</a:t>
-            </a:r>
-          </a:p>
-          <a:p>
-            <a:pPr lvl="1"/>
-            <a:r>
-              <a:rPr lang="en-US" dirty="0">
+              <a:t> parent[s] = NULL; </a:t>
+            </a:r>
+            <a:r>
+              <a:rPr lang="en-US" sz="2000" b="1" dirty="0">
+                <a:solidFill>
+                  <a:schemeClr val="accent1"/>
+                </a:solidFill>
+                <a:latin typeface="Courier New" pitchFamily="49" charset="0"/>
                 <a:sym typeface="Symbol" pitchFamily="18" charset="2"/>
               </a:rPr>
-              <a:t>O(V*log(V) + E*</a:t>
-            </a:r>
-            <a:r>
-              <a:rPr lang="en-US" b="1" i="1" dirty="0">
+              <a:t>dist[s] = 0</a:t>
+            </a:r>
+            <a:r>
+              <a:rPr lang="en-US" sz="2000" b="1" dirty="0">
+                <a:latin typeface="Courier New" pitchFamily="49" charset="0"/>
                 <a:sym typeface="Symbol" pitchFamily="18" charset="2"/>
               </a:rPr>
-              <a:t>V</a:t>
-            </a:r>
-            <a:r>
-              <a:rPr lang="en-US" dirty="0">
+              <a:t>;</a:t>
+            </a:r>
+          </a:p>
+          <a:p>
+            <a:pPr>
+              <a:lnSpc>
+                <a:spcPct val="80000"/>
+              </a:lnSpc>
+              <a:buFont typeface="Monotype Sorts" charset="2"/>
+              <a:buNone/>
+            </a:pPr>
+            <a:r>
+              <a:rPr lang="en-US" sz="2000" b="1" dirty="0">
+                <a:latin typeface="Courier New" pitchFamily="49" charset="0"/>
+                <a:sym typeface="Symbol" pitchFamily="18" charset="2"/>
+              </a:rPr>
+              <a:t> while (PQ not empty)</a:t>
+            </a:r>
+          </a:p>
+          <a:p>
+            <a:pPr>
+              <a:lnSpc>
+                <a:spcPct val="80000"/>
+              </a:lnSpc>
+              <a:buFont typeface="Monotype Sorts" charset="2"/>
+              <a:buNone/>
+            </a:pPr>
+            <a:r>
+              <a:rPr lang="en-US" sz="2000" b="1" dirty="0">
+                <a:latin typeface="Courier New" pitchFamily="49" charset="0"/>
+                <a:sym typeface="Symbol" pitchFamily="18" charset="2"/>
+              </a:rPr>
+              <a:t>   v = </a:t>
+            </a:r>
+            <a:r>
+              <a:rPr lang="en-US" sz="2000" b="1" dirty="0" err="1">
+                <a:latin typeface="Courier New" pitchFamily="49" charset="0"/>
+                <a:sym typeface="Symbol" pitchFamily="18" charset="2"/>
+              </a:rPr>
+              <a:t>PQ.ExtractMin</a:t>
+            </a:r>
+            <a:r>
+              <a:rPr lang="en-US" sz="2000" b="1" dirty="0">
+                <a:latin typeface="Courier New" pitchFamily="49" charset="0"/>
+                <a:sym typeface="Symbol" pitchFamily="18" charset="2"/>
+              </a:rPr>
+              <a:t>();</a:t>
+            </a:r>
+          </a:p>
+          <a:p>
+            <a:pPr>
+              <a:lnSpc>
+                <a:spcPct val="80000"/>
+              </a:lnSpc>
+              <a:buFont typeface="Monotype Sorts" charset="2"/>
+              <a:buNone/>
+            </a:pPr>
+            <a:r>
+              <a:rPr lang="en-US" sz="2000" b="1" dirty="0">
+                <a:latin typeface="Courier New" pitchFamily="49" charset="0"/>
+                <a:sym typeface="Symbol" pitchFamily="18" charset="2"/>
+              </a:rPr>
+              <a:t>   for each </a:t>
+            </a:r>
+            <a:r>
+              <a:rPr lang="en-US" sz="2000" b="1" i="1" dirty="0">
+                <a:latin typeface="Courier New" pitchFamily="49" charset="0"/>
+                <a:sym typeface="Symbol" pitchFamily="18" charset="2"/>
+              </a:rPr>
+              <a:t>w</a:t>
+            </a:r>
+            <a:r>
+              <a:rPr lang="en-US" sz="2000" b="1" dirty="0">
+                <a:latin typeface="Courier New" pitchFamily="49" charset="0"/>
+              </a:rPr>
+              <a:t> </a:t>
+            </a:r>
+            <a:r>
+              <a:rPr lang="en-US" sz="2000" b="1" dirty="0" err="1">
+                <a:latin typeface="Courier New" pitchFamily="49" charset="0"/>
+                <a:sym typeface="Symbol" pitchFamily="18" charset="2"/>
+              </a:rPr>
+              <a:t>adj</a:t>
+            </a:r>
+            <a:r>
+              <a:rPr lang="en-US" sz="2000" b="1" dirty="0">
+                <a:latin typeface="Courier New" pitchFamily="49" charset="0"/>
+                <a:sym typeface="Symbol" pitchFamily="18" charset="2"/>
+              </a:rPr>
+              <a:t> to v</a:t>
+            </a:r>
+          </a:p>
+          <a:p>
+            <a:pPr>
+              <a:lnSpc>
+                <a:spcPct val="80000"/>
+              </a:lnSpc>
+              <a:buFont typeface="Monotype Sorts" charset="2"/>
+              <a:buNone/>
+            </a:pPr>
+            <a:r>
+              <a:rPr lang="en-US" sz="2000" b="1" dirty="0">
+                <a:latin typeface="Courier New" pitchFamily="49" charset="0"/>
+                <a:sym typeface="Symbol" pitchFamily="18" charset="2"/>
+              </a:rPr>
+              <a:t>     if (w</a:t>
+            </a:r>
+            <a:r>
+              <a:rPr lang="en-US" sz="2000" b="1" dirty="0">
+                <a:latin typeface="Courier New" pitchFamily="49" charset="0"/>
+              </a:rPr>
+              <a:t> </a:t>
+            </a:r>
+            <a:r>
+              <a:rPr lang="en-US" sz="2000" b="1" dirty="0">
+                <a:latin typeface="Courier New" pitchFamily="49" charset="0"/>
+                <a:sym typeface="Symbol" pitchFamily="18" charset="2"/>
+              </a:rPr>
+              <a:t>is unseen) {</a:t>
+            </a:r>
+          </a:p>
+          <a:p>
+            <a:pPr>
+              <a:lnSpc>
+                <a:spcPct val="80000"/>
+              </a:lnSpc>
+              <a:buFont typeface="Monotype Sorts" charset="2"/>
+              <a:buNone/>
+            </a:pPr>
+            <a:r>
+              <a:rPr lang="en-US" sz="2000" b="1" dirty="0">
+                <a:latin typeface="Courier New" pitchFamily="49" charset="0"/>
+                <a:sym typeface="Symbol" pitchFamily="18" charset="2"/>
+              </a:rPr>
+              <a:t>        </a:t>
+            </a:r>
+            <a:r>
+              <a:rPr lang="en-US" sz="2000" b="1" dirty="0">
+                <a:solidFill>
+                  <a:schemeClr val="accent1"/>
+                </a:solidFill>
+                <a:latin typeface="Courier New" pitchFamily="49" charset="0"/>
+                <a:sym typeface="Symbol" pitchFamily="18" charset="2"/>
+              </a:rPr>
+              <a:t>dist[w] =</a:t>
+            </a:r>
+            <a:r>
+              <a:rPr lang="en-US" sz="2000" b="1" dirty="0">
+                <a:latin typeface="Courier New" pitchFamily="49" charset="0"/>
+                <a:sym typeface="Symbol" pitchFamily="18" charset="2"/>
+              </a:rPr>
+              <a:t> </a:t>
+            </a:r>
+            <a:r>
+              <a:rPr lang="en-US" sz="2000" b="1" dirty="0">
+                <a:solidFill>
+                  <a:schemeClr val="accent1"/>
+                </a:solidFill>
+                <a:latin typeface="Courier New" pitchFamily="49" charset="0"/>
+                <a:sym typeface="Symbol" pitchFamily="18" charset="2"/>
+              </a:rPr>
+              <a:t>dist[v] + wt(</a:t>
+            </a:r>
+            <a:r>
+              <a:rPr lang="en-US" sz="2000" b="1" dirty="0" err="1">
+                <a:solidFill>
+                  <a:schemeClr val="accent1"/>
+                </a:solidFill>
+                <a:latin typeface="Courier New" pitchFamily="49" charset="0"/>
+                <a:sym typeface="Symbol" pitchFamily="18" charset="2"/>
+              </a:rPr>
+              <a:t>v,w</a:t>
+            </a:r>
+            <a:r>
+              <a:rPr lang="en-US" sz="2000" b="1" dirty="0">
+                <a:solidFill>
+                  <a:schemeClr val="accent1"/>
+                </a:solidFill>
+                <a:latin typeface="Courier New" pitchFamily="49" charset="0"/>
                 <a:sym typeface="Symbol" pitchFamily="18" charset="2"/>
               </a:rPr>
               <a:t>)</a:t>
             </a:r>
-          </a:p>
-          <a:p>
-            <a:endParaRPr lang="en-US" dirty="0">
+            <a:r>
+              <a:rPr lang="en-US" sz="2000" b="1" dirty="0">
+                <a:latin typeface="Courier New" pitchFamily="49" charset="0"/>
+                <a:sym typeface="Symbol" pitchFamily="18" charset="2"/>
+              </a:rPr>
+              <a:t> </a:t>
+            </a:r>
+          </a:p>
+          <a:p>
+            <a:pPr>
+              <a:lnSpc>
+                <a:spcPct val="80000"/>
+              </a:lnSpc>
+              <a:buFont typeface="Monotype Sorts" charset="2"/>
+              <a:buNone/>
+            </a:pPr>
+            <a:r>
+              <a:rPr lang="en-US" sz="2000" b="1" dirty="0">
+                <a:latin typeface="Courier New" pitchFamily="49" charset="0"/>
+                <a:sym typeface="Symbol" pitchFamily="18" charset="2"/>
+              </a:rPr>
+              <a:t>        </a:t>
+            </a:r>
+            <a:r>
+              <a:rPr lang="en-US" sz="2000" b="1" dirty="0" err="1">
+                <a:latin typeface="Courier New" pitchFamily="49" charset="0"/>
+                <a:sym typeface="Symbol" pitchFamily="18" charset="2"/>
+              </a:rPr>
+              <a:t>PQ.Insert</a:t>
+            </a:r>
+            <a:r>
+              <a:rPr lang="en-US" sz="2000" b="1" dirty="0">
+                <a:latin typeface="Courier New" pitchFamily="49" charset="0"/>
+                <a:sym typeface="Symbol" pitchFamily="18" charset="2"/>
+              </a:rPr>
+              <a:t>(w, </a:t>
+            </a:r>
+            <a:r>
+              <a:rPr lang="en-US" sz="2000" b="1" dirty="0">
+                <a:solidFill>
+                  <a:schemeClr val="accent1"/>
+                </a:solidFill>
+                <a:latin typeface="Courier New" pitchFamily="49" charset="0"/>
+                <a:sym typeface="Symbol" pitchFamily="18" charset="2"/>
+              </a:rPr>
+              <a:t>dist[w] </a:t>
+            </a:r>
+            <a:r>
+              <a:rPr lang="en-US" sz="2000" b="1" dirty="0">
+                <a:latin typeface="Courier New" pitchFamily="49" charset="0"/>
+                <a:sym typeface="Symbol" pitchFamily="18" charset="2"/>
+              </a:rPr>
+              <a:t>);</a:t>
+            </a:r>
+          </a:p>
+          <a:p>
+            <a:pPr>
+              <a:lnSpc>
+                <a:spcPct val="80000"/>
+              </a:lnSpc>
+              <a:buFont typeface="Monotype Sorts" charset="2"/>
+              <a:buNone/>
+            </a:pPr>
+            <a:r>
+              <a:rPr lang="en-US" sz="2000" b="1" dirty="0">
+                <a:latin typeface="Courier New" pitchFamily="49" charset="0"/>
+                <a:sym typeface="Symbol" pitchFamily="18" charset="2"/>
+              </a:rPr>
+              <a:t>        parent[w] = v;</a:t>
+            </a:r>
+          </a:p>
+          <a:p>
+            <a:pPr>
+              <a:lnSpc>
+                <a:spcPct val="80000"/>
+              </a:lnSpc>
+              <a:buFont typeface="Monotype Sorts" charset="2"/>
+              <a:buNone/>
+            </a:pPr>
+            <a:r>
+              <a:rPr lang="en-US" sz="2000" b="1" dirty="0">
+                <a:latin typeface="Courier New" pitchFamily="49" charset="0"/>
+                <a:sym typeface="Symbol" pitchFamily="18" charset="2"/>
+              </a:rPr>
+              <a:t>	   }</a:t>
+            </a:r>
+          </a:p>
+          <a:p>
+            <a:pPr>
+              <a:lnSpc>
+                <a:spcPct val="80000"/>
+              </a:lnSpc>
+              <a:buFont typeface="Monotype Sorts" charset="2"/>
+              <a:buNone/>
+            </a:pPr>
+            <a:r>
+              <a:rPr lang="en-US" sz="2000" b="1" dirty="0">
+                <a:latin typeface="Courier New" pitchFamily="49" charset="0"/>
+                <a:sym typeface="Symbol" pitchFamily="18" charset="2"/>
+              </a:rPr>
+              <a:t>     else if (w is fringe &amp;&amp; </a:t>
+            </a:r>
+            <a:r>
+              <a:rPr lang="en-US" sz="2000" b="1" dirty="0">
+                <a:solidFill>
+                  <a:schemeClr val="accent1"/>
+                </a:solidFill>
+                <a:latin typeface="Courier New" pitchFamily="49" charset="0"/>
+                <a:sym typeface="Symbol" pitchFamily="18" charset="2"/>
+              </a:rPr>
+              <a:t>dist[v] + wt(</a:t>
+            </a:r>
+            <a:r>
+              <a:rPr lang="en-US" sz="2000" b="1" dirty="0" err="1">
+                <a:solidFill>
+                  <a:schemeClr val="accent1"/>
+                </a:solidFill>
+                <a:latin typeface="Courier New" pitchFamily="49" charset="0"/>
+                <a:sym typeface="Symbol" pitchFamily="18" charset="2"/>
+              </a:rPr>
+              <a:t>v,w</a:t>
+            </a:r>
+            <a:r>
+              <a:rPr lang="en-US" sz="2000" b="1" dirty="0">
+                <a:solidFill>
+                  <a:schemeClr val="accent1"/>
+                </a:solidFill>
+                <a:latin typeface="Courier New" pitchFamily="49" charset="0"/>
+                <a:sym typeface="Symbol" pitchFamily="18" charset="2"/>
+              </a:rPr>
+              <a:t>) &lt; dist[w]</a:t>
+            </a:r>
+            <a:r>
+              <a:rPr lang="en-US" sz="2000" b="1" dirty="0">
+                <a:latin typeface="Courier New" pitchFamily="49" charset="0"/>
+                <a:sym typeface="Symbol" pitchFamily="18" charset="2"/>
+              </a:rPr>
+              <a:t> ) {</a:t>
+            </a:r>
+          </a:p>
+          <a:p>
+            <a:pPr>
+              <a:lnSpc>
+                <a:spcPct val="80000"/>
+              </a:lnSpc>
+              <a:buFont typeface="Monotype Sorts" charset="2"/>
+              <a:buNone/>
+            </a:pPr>
+            <a:r>
+              <a:rPr lang="en-US" sz="2000" b="1" dirty="0">
+                <a:latin typeface="Courier New" pitchFamily="49" charset="0"/>
+                <a:sym typeface="Symbol" pitchFamily="18" charset="2"/>
+              </a:rPr>
+              <a:t>        </a:t>
+            </a:r>
+            <a:r>
+              <a:rPr lang="en-US" sz="2000" b="1" dirty="0">
+                <a:solidFill>
+                  <a:schemeClr val="accent1"/>
+                </a:solidFill>
+                <a:latin typeface="Courier New" pitchFamily="49" charset="0"/>
+                <a:sym typeface="Symbol" pitchFamily="18" charset="2"/>
+              </a:rPr>
+              <a:t>dist[w] =</a:t>
+            </a:r>
+            <a:r>
+              <a:rPr lang="en-US" sz="2000" b="1" dirty="0">
+                <a:latin typeface="Courier New" pitchFamily="49" charset="0"/>
+                <a:sym typeface="Symbol" pitchFamily="18" charset="2"/>
+              </a:rPr>
+              <a:t> </a:t>
+            </a:r>
+            <a:r>
+              <a:rPr lang="en-US" sz="2000" b="1" dirty="0">
+                <a:solidFill>
+                  <a:schemeClr val="accent1"/>
+                </a:solidFill>
+                <a:latin typeface="Courier New" pitchFamily="49" charset="0"/>
+                <a:sym typeface="Symbol" pitchFamily="18" charset="2"/>
+              </a:rPr>
+              <a:t>dist[v] + wt(</a:t>
+            </a:r>
+            <a:r>
+              <a:rPr lang="en-US" sz="2000" b="1" dirty="0" err="1">
+                <a:solidFill>
+                  <a:schemeClr val="accent1"/>
+                </a:solidFill>
+                <a:latin typeface="Courier New" pitchFamily="49" charset="0"/>
+                <a:sym typeface="Symbol" pitchFamily="18" charset="2"/>
+              </a:rPr>
+              <a:t>v,w</a:t>
+            </a:r>
+            <a:r>
+              <a:rPr lang="en-US" sz="2000" b="1" dirty="0">
+                <a:solidFill>
+                  <a:schemeClr val="accent1"/>
+                </a:solidFill>
+                <a:latin typeface="Courier New" pitchFamily="49" charset="0"/>
+                <a:sym typeface="Symbol" pitchFamily="18" charset="2"/>
+              </a:rPr>
+              <a:t>)</a:t>
+            </a:r>
+            <a:endParaRPr lang="en-US" sz="2000" b="1" dirty="0">
+              <a:latin typeface="Courier New" pitchFamily="49" charset="0"/>
               <a:sym typeface="Symbol" pitchFamily="18" charset="2"/>
             </a:endParaRPr>
           </a:p>
           <a:p>
-            <a:r>
-              <a:rPr lang="en-US" dirty="0">
+            <a:pPr>
+              <a:lnSpc>
+                <a:spcPct val="80000"/>
+              </a:lnSpc>
+              <a:buFont typeface="Monotype Sorts" charset="2"/>
+              <a:buNone/>
+            </a:pPr>
+            <a:r>
+              <a:rPr lang="en-US" sz="2000" b="1" dirty="0">
+                <a:latin typeface="Courier New" pitchFamily="49" charset="0"/>
                 <a:sym typeface="Symbol" pitchFamily="18" charset="2"/>
               </a:rPr>
-              <a:t>Indirect heap makes bolded V become log(V)</a:t>
-            </a:r>
-          </a:p>
-          <a:p>
-            <a:endParaRPr lang="en-US" dirty="0">
-              <a:sym typeface="Symbol" pitchFamily="18" charset="2"/>
-            </a:endParaRPr>
-          </a:p>
-          <a:p>
-            <a:r>
-              <a:rPr lang="en-US" dirty="0">
+              <a:t>        </a:t>
+            </a:r>
+            <a:r>
+              <a:rPr lang="en-US" sz="2000" b="1" dirty="0" err="1">
+                <a:latin typeface="Courier New" pitchFamily="49" charset="0"/>
                 <a:sym typeface="Symbol" pitchFamily="18" charset="2"/>
               </a:rPr>
-              <a:t>New Cost:</a:t>
-            </a:r>
-          </a:p>
-          <a:p>
-            <a:pPr lvl="1"/>
-            <a:r>
-              <a:rPr lang="en-US" dirty="0">
+              <a:t>PQ.decreaseKey</a:t>
+            </a:r>
+            <a:r>
+              <a:rPr lang="en-US" sz="2000" b="1" dirty="0">
+                <a:latin typeface="Courier New" pitchFamily="49" charset="0"/>
                 <a:sym typeface="Symbol" pitchFamily="18" charset="2"/>
               </a:rPr>
-              <a:t>O(V*log(V) + E*log(V)) = O(E*log(V))</a:t>
-            </a:r>
-          </a:p>
-          <a:p>
-            <a:pPr lvl="2"/>
-            <a:endParaRPr lang="en-US" dirty="0">
-              <a:sym typeface="Symbol" pitchFamily="18" charset="2"/>
-            </a:endParaRPr>
+              <a:t>(w, </a:t>
+            </a:r>
+            <a:r>
+              <a:rPr lang="en-US" sz="2000" b="1" dirty="0">
+                <a:solidFill>
+                  <a:schemeClr val="accent1"/>
+                </a:solidFill>
+                <a:latin typeface="Courier New" pitchFamily="49" charset="0"/>
+                <a:sym typeface="Symbol" pitchFamily="18" charset="2"/>
+              </a:rPr>
+              <a:t>dist[w]</a:t>
+            </a:r>
+            <a:r>
+              <a:rPr lang="en-US" sz="2000" b="1" dirty="0">
+                <a:latin typeface="Courier New" pitchFamily="49" charset="0"/>
+                <a:sym typeface="Symbol" pitchFamily="18" charset="2"/>
+              </a:rPr>
+              <a:t>);</a:t>
+            </a:r>
+          </a:p>
+          <a:p>
+            <a:pPr>
+              <a:lnSpc>
+                <a:spcPct val="80000"/>
+              </a:lnSpc>
+              <a:buFont typeface="Monotype Sorts" charset="2"/>
+              <a:buNone/>
+            </a:pPr>
+            <a:r>
+              <a:rPr lang="en-US" sz="2000" b="1" dirty="0">
+                <a:latin typeface="Courier New" pitchFamily="49" charset="0"/>
+                <a:sym typeface="Symbol" pitchFamily="18" charset="2"/>
+              </a:rPr>
+              <a:t>        parent[w] = v;</a:t>
+            </a:r>
+          </a:p>
+          <a:p>
+            <a:pPr>
+              <a:lnSpc>
+                <a:spcPct val="80000"/>
+              </a:lnSpc>
+              <a:buFont typeface="Monotype Sorts" charset="2"/>
+              <a:buNone/>
+            </a:pPr>
+            <a:r>
+              <a:rPr lang="en-US" sz="2000" b="1" dirty="0">
+                <a:latin typeface="Courier New" pitchFamily="49" charset="0"/>
+                <a:sym typeface="Symbol" pitchFamily="18" charset="2"/>
+              </a:rPr>
+              <a:t>     }</a:t>
+            </a:r>
           </a:p>
         </p:txBody>
       </p:sp>
     </p:spTree>
     <p:extLst>
       <p:ext uri="{BB962C8B-B14F-4D97-AF65-F5344CB8AC3E}">
-        <p14:creationId xmlns:p14="http://schemas.microsoft.com/office/powerpoint/2010/main" val="627208901"/>
+        <p14:creationId xmlns:p14="http://schemas.microsoft.com/office/powerpoint/2010/main" val="905171894"/>
       </p:ext>
     </p:extLst>
   </p:cSld>
@@ -14732,12 +16288,15 @@
       </p:grpSpPr>
       <p:sp>
         <p:nvSpPr>
-          <p:cNvPr id="5" name="Title 4"/>
+          <p:cNvPr id="47107" name="Rectangle 2"/>
           <p:cNvSpPr>
-            <a:spLocks noGrp="1"/>
+            <a:spLocks noGrp="1" noChangeArrowheads="1"/>
           </p:cNvSpPr>
           <p:nvPr>
             <p:ph type="title"/>
+            <p:custDataLst>
+              <p:tags r:id="rId1"/>
+            </p:custDataLst>
           </p:nvPr>
         </p:nvSpPr>
         <p:spPr/>
@@ -14746,29 +16305,9 @@
           <a:lstStyle/>
           <a:p>
             <a:r>
-              <a:rPr lang="en-US"/>
-              <a:t>Summary</a:t>
-            </a:r>
-            <a:endParaRPr lang="en-US" dirty="0"/>
-          </a:p>
-        </p:txBody>
-      </p:sp>
-      <p:sp>
-        <p:nvSpPr>
-          <p:cNvPr id="6" name="Text Placeholder 5"/>
-          <p:cNvSpPr>
-            <a:spLocks noGrp="1"/>
-          </p:cNvSpPr>
-          <p:nvPr>
-            <p:ph type="body" idx="1"/>
-          </p:nvPr>
-        </p:nvSpPr>
-        <p:spPr/>
-        <p:txBody>
-          <a:bodyPr/>
-          <a:lstStyle/>
-          <a:p>
-            <a:endParaRPr lang="en-US"/>
+              <a:rPr lang="en-US" dirty="0"/>
+              <a:t>Prim’s Algorithm</a:t>
+            </a:r>
           </a:p>
         </p:txBody>
       </p:sp>
@@ -14787,7 +16326,7 @@
           <a:bodyPr/>
           <a:lstStyle/>
           <a:p>
-            <a:fld id="{030EE116-056E-4288-B7F7-411CB7E437A9}" type="slidenum">
+            <a:fld id="{DACC1BBE-66B1-403A-8C7E-C57A0F3A107F}" type="slidenum">
               <a:rPr lang="en-US" smtClean="0"/>
               <a:pPr/>
               <a:t>30</a:t>
@@ -14796,10 +16335,492 @@
           </a:p>
         </p:txBody>
       </p:sp>
+      <p:sp>
+        <p:nvSpPr>
+          <p:cNvPr id="47137" name="Rectangle 35"/>
+          <p:cNvSpPr>
+            <a:spLocks noGrp="1" noChangeArrowheads="1"/>
+          </p:cNvSpPr>
+          <p:nvPr>
+            <p:ph sz="quarter" idx="1"/>
+            <p:custDataLst>
+              <p:tags r:id="rId2"/>
+            </p:custDataLst>
+          </p:nvPr>
+        </p:nvSpPr>
+        <p:spPr>
+          <a:noFill/>
+        </p:spPr>
+        <p:txBody>
+          <a:bodyPr>
+            <a:normAutofit fontScale="92500" lnSpcReduction="10000"/>
+          </a:bodyPr>
+          <a:lstStyle/>
+          <a:p>
+            <a:pPr>
+              <a:lnSpc>
+                <a:spcPct val="90000"/>
+              </a:lnSpc>
+              <a:buFont typeface="Monotype Sorts" charset="2"/>
+              <a:buNone/>
+            </a:pPr>
+            <a:r>
+              <a:rPr lang="en-US" sz="2000" b="1" dirty="0">
+                <a:latin typeface="Courier New" pitchFamily="49" charset="0"/>
+              </a:rPr>
+              <a:t>MST-Prim(G, wt)</a:t>
+            </a:r>
+          </a:p>
+          <a:p>
+            <a:pPr>
+              <a:lnSpc>
+                <a:spcPct val="90000"/>
+              </a:lnSpc>
+              <a:buFont typeface="Monotype Sorts" charset="2"/>
+              <a:buNone/>
+            </a:pPr>
+            <a:r>
+              <a:rPr lang="en-US" sz="2000" b="1" dirty="0">
+                <a:latin typeface="Courier New" pitchFamily="49" charset="0"/>
+              </a:rPr>
+              <a:t> init PQ to be empty;</a:t>
+            </a:r>
+          </a:p>
+          <a:p>
+            <a:pPr>
+              <a:lnSpc>
+                <a:spcPct val="90000"/>
+              </a:lnSpc>
+              <a:buFont typeface="Monotype Sorts" charset="2"/>
+              <a:buNone/>
+            </a:pPr>
+            <a:r>
+              <a:rPr lang="en-US" sz="2000" b="1" dirty="0">
+                <a:latin typeface="Courier New" pitchFamily="49" charset="0"/>
+              </a:rPr>
+              <a:t> </a:t>
+            </a:r>
+            <a:r>
+              <a:rPr lang="en-US" sz="2000" b="1" dirty="0" err="1">
+                <a:latin typeface="Courier New" pitchFamily="49" charset="0"/>
+              </a:rPr>
+              <a:t>PQ.Insert</a:t>
+            </a:r>
+            <a:r>
+              <a:rPr lang="en-US" sz="2000" b="1" dirty="0">
+                <a:latin typeface="Courier New" pitchFamily="49" charset="0"/>
+              </a:rPr>
+              <a:t>(s, wt=0);</a:t>
+            </a:r>
+          </a:p>
+          <a:p>
+            <a:pPr>
+              <a:lnSpc>
+                <a:spcPct val="90000"/>
+              </a:lnSpc>
+              <a:buFont typeface="Monotype Sorts" charset="2"/>
+              <a:buNone/>
+            </a:pPr>
+            <a:r>
+              <a:rPr lang="en-US" sz="2000" b="1" dirty="0">
+                <a:latin typeface="Courier New" pitchFamily="49" charset="0"/>
+                <a:sym typeface="Symbol" pitchFamily="18" charset="2"/>
+              </a:rPr>
+              <a:t> parent[s] = NULL;</a:t>
+            </a:r>
+          </a:p>
+          <a:p>
+            <a:pPr>
+              <a:lnSpc>
+                <a:spcPct val="90000"/>
+              </a:lnSpc>
+              <a:buFont typeface="Monotype Sorts" charset="2"/>
+              <a:buNone/>
+            </a:pPr>
+            <a:r>
+              <a:rPr lang="en-US" sz="2000" b="1" dirty="0">
+                <a:latin typeface="Courier New" pitchFamily="49" charset="0"/>
+                <a:sym typeface="Symbol" pitchFamily="18" charset="2"/>
+              </a:rPr>
+              <a:t> while (PQ not empty)</a:t>
+            </a:r>
+          </a:p>
+          <a:p>
+            <a:pPr>
+              <a:lnSpc>
+                <a:spcPct val="90000"/>
+              </a:lnSpc>
+              <a:buFont typeface="Monotype Sorts" charset="2"/>
+              <a:buNone/>
+            </a:pPr>
+            <a:r>
+              <a:rPr lang="en-US" sz="2000" b="1" dirty="0">
+                <a:latin typeface="Courier New" pitchFamily="49" charset="0"/>
+                <a:sym typeface="Symbol" pitchFamily="18" charset="2"/>
+              </a:rPr>
+              <a:t>   v = </a:t>
+            </a:r>
+            <a:r>
+              <a:rPr lang="en-US" sz="2000" b="1" dirty="0" err="1">
+                <a:latin typeface="Courier New" pitchFamily="49" charset="0"/>
+                <a:sym typeface="Symbol" pitchFamily="18" charset="2"/>
+              </a:rPr>
+              <a:t>PQ.ExtractMin</a:t>
+            </a:r>
+            <a:r>
+              <a:rPr lang="en-US" sz="2000" b="1" dirty="0">
+                <a:latin typeface="Courier New" pitchFamily="49" charset="0"/>
+                <a:sym typeface="Symbol" pitchFamily="18" charset="2"/>
+              </a:rPr>
+              <a:t>();</a:t>
+            </a:r>
+          </a:p>
+          <a:p>
+            <a:pPr>
+              <a:lnSpc>
+                <a:spcPct val="90000"/>
+              </a:lnSpc>
+              <a:buFont typeface="Monotype Sorts" charset="2"/>
+              <a:buNone/>
+            </a:pPr>
+            <a:r>
+              <a:rPr lang="en-US" sz="2000" b="1" dirty="0">
+                <a:latin typeface="Courier New" pitchFamily="49" charset="0"/>
+                <a:sym typeface="Symbol" pitchFamily="18" charset="2"/>
+              </a:rPr>
+              <a:t>   for each w</a:t>
+            </a:r>
+            <a:r>
+              <a:rPr lang="en-US" sz="2000" b="1" dirty="0">
+                <a:latin typeface="Courier New" pitchFamily="49" charset="0"/>
+              </a:rPr>
+              <a:t> </a:t>
+            </a:r>
+            <a:r>
+              <a:rPr lang="en-US" sz="2000" b="1" dirty="0" err="1">
+                <a:latin typeface="Courier New" pitchFamily="49" charset="0"/>
+                <a:sym typeface="Symbol" pitchFamily="18" charset="2"/>
+              </a:rPr>
+              <a:t>adj</a:t>
+            </a:r>
+            <a:r>
+              <a:rPr lang="en-US" sz="2000" b="1" dirty="0">
+                <a:latin typeface="Courier New" pitchFamily="49" charset="0"/>
+                <a:sym typeface="Symbol" pitchFamily="18" charset="2"/>
+              </a:rPr>
+              <a:t> to v</a:t>
+            </a:r>
+          </a:p>
+          <a:p>
+            <a:pPr>
+              <a:lnSpc>
+                <a:spcPct val="90000"/>
+              </a:lnSpc>
+              <a:buFont typeface="Monotype Sorts" charset="2"/>
+              <a:buNone/>
+            </a:pPr>
+            <a:r>
+              <a:rPr lang="en-US" sz="2000" b="1" dirty="0">
+                <a:latin typeface="Courier New" pitchFamily="49" charset="0"/>
+                <a:sym typeface="Symbol" pitchFamily="18" charset="2"/>
+              </a:rPr>
+              <a:t>     if (w</a:t>
+            </a:r>
+            <a:r>
+              <a:rPr lang="en-US" sz="2000" b="1" dirty="0">
+                <a:latin typeface="Courier New" pitchFamily="49" charset="0"/>
+              </a:rPr>
+              <a:t> </a:t>
+            </a:r>
+            <a:r>
+              <a:rPr lang="en-US" sz="2000" b="1" dirty="0">
+                <a:latin typeface="Courier New" pitchFamily="49" charset="0"/>
+                <a:sym typeface="Symbol" pitchFamily="18" charset="2"/>
+              </a:rPr>
+              <a:t>is unseen) {</a:t>
+            </a:r>
+          </a:p>
+          <a:p>
+            <a:pPr>
+              <a:lnSpc>
+                <a:spcPct val="90000"/>
+              </a:lnSpc>
+              <a:buFont typeface="Monotype Sorts" charset="2"/>
+              <a:buNone/>
+            </a:pPr>
+            <a:r>
+              <a:rPr lang="en-US" sz="2000" b="1" dirty="0">
+                <a:latin typeface="Courier New" pitchFamily="49" charset="0"/>
+                <a:sym typeface="Symbol" pitchFamily="18" charset="2"/>
+              </a:rPr>
+              <a:t>        </a:t>
+            </a:r>
+            <a:r>
+              <a:rPr lang="en-US" sz="2000" b="1" dirty="0" err="1">
+                <a:solidFill>
+                  <a:schemeClr val="accent1">
+                    <a:lumMod val="75000"/>
+                  </a:schemeClr>
+                </a:solidFill>
+                <a:latin typeface="Courier New" pitchFamily="49" charset="0"/>
+                <a:sym typeface="Symbol" pitchFamily="18" charset="2"/>
+              </a:rPr>
+              <a:t>PQ.Insert</a:t>
+            </a:r>
+            <a:r>
+              <a:rPr lang="en-US" sz="2000" b="1" dirty="0">
+                <a:solidFill>
+                  <a:schemeClr val="accent1">
+                    <a:lumMod val="75000"/>
+                  </a:schemeClr>
+                </a:solidFill>
+                <a:latin typeface="Courier New" pitchFamily="49" charset="0"/>
+                <a:sym typeface="Symbol" pitchFamily="18" charset="2"/>
+              </a:rPr>
+              <a:t>(w, wt(</a:t>
+            </a:r>
+            <a:r>
+              <a:rPr lang="en-US" sz="2000" b="1" dirty="0" err="1">
+                <a:solidFill>
+                  <a:schemeClr val="accent1">
+                    <a:lumMod val="75000"/>
+                  </a:schemeClr>
+                </a:solidFill>
+                <a:latin typeface="Courier New" pitchFamily="49" charset="0"/>
+                <a:sym typeface="Symbol" pitchFamily="18" charset="2"/>
+              </a:rPr>
+              <a:t>v,w</a:t>
+            </a:r>
+            <a:r>
+              <a:rPr lang="en-US" sz="2000" b="1" dirty="0">
+                <a:solidFill>
+                  <a:schemeClr val="accent1">
+                    <a:lumMod val="75000"/>
+                  </a:schemeClr>
+                </a:solidFill>
+                <a:latin typeface="Courier New" pitchFamily="49" charset="0"/>
+                <a:sym typeface="Symbol" pitchFamily="18" charset="2"/>
+              </a:rPr>
+              <a:t>));</a:t>
+            </a:r>
+          </a:p>
+          <a:p>
+            <a:pPr>
+              <a:lnSpc>
+                <a:spcPct val="90000"/>
+              </a:lnSpc>
+              <a:buFont typeface="Monotype Sorts" charset="2"/>
+              <a:buNone/>
+            </a:pPr>
+            <a:r>
+              <a:rPr lang="en-US" sz="2000" b="1" dirty="0">
+                <a:latin typeface="Courier New" pitchFamily="49" charset="0"/>
+                <a:sym typeface="Symbol" pitchFamily="18" charset="2"/>
+              </a:rPr>
+              <a:t>        parent[w] = v;</a:t>
+            </a:r>
+          </a:p>
+          <a:p>
+            <a:pPr>
+              <a:lnSpc>
+                <a:spcPct val="90000"/>
+              </a:lnSpc>
+              <a:buFont typeface="Monotype Sorts" charset="2"/>
+              <a:buNone/>
+            </a:pPr>
+            <a:r>
+              <a:rPr lang="en-US" sz="2000" b="1" dirty="0">
+                <a:latin typeface="Courier New" pitchFamily="49" charset="0"/>
+                <a:sym typeface="Symbol" pitchFamily="18" charset="2"/>
+              </a:rPr>
+              <a:t>	   }</a:t>
+            </a:r>
+          </a:p>
+          <a:p>
+            <a:pPr>
+              <a:lnSpc>
+                <a:spcPct val="90000"/>
+              </a:lnSpc>
+              <a:buFont typeface="Monotype Sorts" charset="2"/>
+              <a:buNone/>
+            </a:pPr>
+            <a:r>
+              <a:rPr lang="en-US" sz="2000" b="1" dirty="0">
+                <a:latin typeface="Courier New" pitchFamily="49" charset="0"/>
+                <a:sym typeface="Symbol" pitchFamily="18" charset="2"/>
+              </a:rPr>
+              <a:t>     else if (w is fringe &amp;&amp; </a:t>
+            </a:r>
+            <a:r>
+              <a:rPr lang="en-US" sz="2000" b="1" dirty="0">
+                <a:solidFill>
+                  <a:schemeClr val="accent1">
+                    <a:lumMod val="75000"/>
+                  </a:schemeClr>
+                </a:solidFill>
+                <a:latin typeface="Courier New" pitchFamily="49" charset="0"/>
+                <a:sym typeface="Symbol" pitchFamily="18" charset="2"/>
+              </a:rPr>
+              <a:t>wt[</a:t>
+            </a:r>
+            <a:r>
+              <a:rPr lang="en-US" sz="2000" b="1" dirty="0" err="1">
+                <a:solidFill>
+                  <a:schemeClr val="accent1">
+                    <a:lumMod val="75000"/>
+                  </a:schemeClr>
+                </a:solidFill>
+                <a:latin typeface="Courier New" pitchFamily="49" charset="0"/>
+                <a:sym typeface="Symbol" pitchFamily="18" charset="2"/>
+              </a:rPr>
+              <a:t>v,w</a:t>
+            </a:r>
+            <a:r>
+              <a:rPr lang="en-US" sz="2000" b="1" dirty="0">
+                <a:solidFill>
+                  <a:schemeClr val="accent1">
+                    <a:lumMod val="75000"/>
+                  </a:schemeClr>
+                </a:solidFill>
+                <a:latin typeface="Courier New" pitchFamily="49" charset="0"/>
+                <a:sym typeface="Symbol" pitchFamily="18" charset="2"/>
+              </a:rPr>
+              <a:t>] &lt; </a:t>
+            </a:r>
+            <a:r>
+              <a:rPr lang="en-US" sz="2000" b="1" dirty="0" err="1">
+                <a:solidFill>
+                  <a:schemeClr val="accent1">
+                    <a:lumMod val="75000"/>
+                  </a:schemeClr>
+                </a:solidFill>
+                <a:latin typeface="Courier New" pitchFamily="49" charset="0"/>
+                <a:sym typeface="Symbol" pitchFamily="18" charset="2"/>
+              </a:rPr>
+              <a:t>fringeWt</a:t>
+            </a:r>
+            <a:r>
+              <a:rPr lang="en-US" sz="2000" b="1" dirty="0">
+                <a:solidFill>
+                  <a:schemeClr val="accent1">
+                    <a:lumMod val="75000"/>
+                  </a:schemeClr>
+                </a:solidFill>
+                <a:latin typeface="Courier New" pitchFamily="49" charset="0"/>
+                <a:sym typeface="Symbol" pitchFamily="18" charset="2"/>
+              </a:rPr>
+              <a:t>(w)</a:t>
+            </a:r>
+            <a:r>
+              <a:rPr lang="en-US" sz="2000" b="1" dirty="0">
+                <a:latin typeface="Courier New" pitchFamily="49" charset="0"/>
+                <a:sym typeface="Symbol" pitchFamily="18" charset="2"/>
+              </a:rPr>
+              <a:t>){</a:t>
+            </a:r>
+          </a:p>
+          <a:p>
+            <a:pPr>
+              <a:lnSpc>
+                <a:spcPct val="90000"/>
+              </a:lnSpc>
+              <a:buFont typeface="Monotype Sorts" charset="2"/>
+              <a:buNone/>
+            </a:pPr>
+            <a:r>
+              <a:rPr lang="en-US" sz="2000" b="1" dirty="0">
+                <a:latin typeface="Courier New" pitchFamily="49" charset="0"/>
+                <a:sym typeface="Symbol" pitchFamily="18" charset="2"/>
+              </a:rPr>
+              <a:t>        </a:t>
+            </a:r>
+            <a:r>
+              <a:rPr lang="en-US" sz="2000" b="1" dirty="0" err="1">
+                <a:solidFill>
+                  <a:schemeClr val="accent1">
+                    <a:lumMod val="75000"/>
+                  </a:schemeClr>
+                </a:solidFill>
+                <a:latin typeface="Courier New" pitchFamily="49" charset="0"/>
+                <a:sym typeface="Symbol" pitchFamily="18" charset="2"/>
+              </a:rPr>
+              <a:t>PQ.decreaseKey</a:t>
+            </a:r>
+            <a:r>
+              <a:rPr lang="en-US" sz="2000" b="1" dirty="0">
+                <a:solidFill>
+                  <a:schemeClr val="accent1">
+                    <a:lumMod val="75000"/>
+                  </a:schemeClr>
+                </a:solidFill>
+                <a:latin typeface="Courier New" pitchFamily="49" charset="0"/>
+                <a:sym typeface="Symbol" pitchFamily="18" charset="2"/>
+              </a:rPr>
+              <a:t>(w, wt[</a:t>
+            </a:r>
+            <a:r>
+              <a:rPr lang="en-US" sz="2000" b="1" dirty="0" err="1">
+                <a:solidFill>
+                  <a:schemeClr val="accent1">
+                    <a:lumMod val="75000"/>
+                  </a:schemeClr>
+                </a:solidFill>
+                <a:latin typeface="Courier New" pitchFamily="49" charset="0"/>
+                <a:sym typeface="Symbol" pitchFamily="18" charset="2"/>
+              </a:rPr>
+              <a:t>v,w</a:t>
+            </a:r>
+            <a:r>
+              <a:rPr lang="en-US" sz="2000" b="1" dirty="0">
+                <a:solidFill>
+                  <a:schemeClr val="accent1">
+                    <a:lumMod val="75000"/>
+                  </a:schemeClr>
+                </a:solidFill>
+                <a:latin typeface="Courier New" pitchFamily="49" charset="0"/>
+                <a:sym typeface="Symbol" pitchFamily="18" charset="2"/>
+              </a:rPr>
+              <a:t>]);</a:t>
+            </a:r>
+          </a:p>
+          <a:p>
+            <a:pPr>
+              <a:lnSpc>
+                <a:spcPct val="90000"/>
+              </a:lnSpc>
+              <a:buFont typeface="Monotype Sorts" charset="2"/>
+              <a:buNone/>
+            </a:pPr>
+            <a:r>
+              <a:rPr lang="en-US" sz="2000" b="1" dirty="0">
+                <a:latin typeface="Courier New" pitchFamily="49" charset="0"/>
+                <a:sym typeface="Symbol" pitchFamily="18" charset="2"/>
+              </a:rPr>
+              <a:t>        parent[w] = v;</a:t>
+            </a:r>
+          </a:p>
+          <a:p>
+            <a:pPr>
+              <a:lnSpc>
+                <a:spcPct val="90000"/>
+              </a:lnSpc>
+              <a:buFont typeface="Monotype Sorts" charset="2"/>
+              <a:buNone/>
+            </a:pPr>
+            <a:r>
+              <a:rPr lang="en-US" sz="2000" b="1" dirty="0">
+                <a:latin typeface="Courier New" pitchFamily="49" charset="0"/>
+                <a:sym typeface="Symbol" pitchFamily="18" charset="2"/>
+              </a:rPr>
+              <a:t>     }</a:t>
+            </a:r>
+          </a:p>
+        </p:txBody>
+      </p:sp>
     </p:spTree>
     <p:extLst>
       <p:ext uri="{BB962C8B-B14F-4D97-AF65-F5344CB8AC3E}">
-        <p14:creationId xmlns:p14="http://schemas.microsoft.com/office/powerpoint/2010/main" val="3384825226"/>
+        <p14:creationId xmlns:p14="http://schemas.microsoft.com/office/powerpoint/2010/main" val="3609943632"/>
       </p:ext>
     </p:extLst>
   </p:cSld>
@@ -14828,12 +16849,15 @@
       </p:grpSpPr>
       <p:sp>
         <p:nvSpPr>
-          <p:cNvPr id="5" name="Title 4"/>
+          <p:cNvPr id="72707" name="Rectangle 2"/>
           <p:cNvSpPr>
-            <a:spLocks noGrp="1"/>
+            <a:spLocks noGrp="1" noChangeArrowheads="1"/>
           </p:cNvSpPr>
           <p:nvPr>
             <p:ph type="title"/>
+            <p:custDataLst>
+              <p:tags r:id="rId1"/>
+            </p:custDataLst>
           </p:nvPr>
         </p:nvSpPr>
         <p:spPr/>
@@ -14842,8 +16866,10 @@
           <a:lstStyle/>
           <a:p>
             <a:r>
-              <a:rPr lang="en-US" dirty="0"/>
-              <a:t>What Did We Learn?</a:t>
+              <a:rPr lang="en-US">
+                <a:sym typeface="Symbol" pitchFamily="18" charset="2"/>
+              </a:rPr>
+              <a:t>Better PQ Implementations</a:t>
             </a:r>
           </a:p>
         </p:txBody>
@@ -14863,7 +16889,7 @@
           <a:bodyPr/>
           <a:lstStyle/>
           <a:p>
-            <a:fld id="{030EE116-056E-4288-B7F7-411CB7E437A9}" type="slidenum">
+            <a:fld id="{DACC1BBE-66B1-403A-8C7E-C57A0F3A107F}" type="slidenum">
               <a:rPr lang="en-US" smtClean="0"/>
               <a:pPr/>
               <a:t>31</a:t>
@@ -14874,54 +16900,71 @@
       </p:sp>
       <p:sp>
         <p:nvSpPr>
-          <p:cNvPr id="6" name="Content Placeholder 5"/>
+          <p:cNvPr id="72708" name="Rectangle 3"/>
           <p:cNvSpPr>
-            <a:spLocks noGrp="1"/>
+            <a:spLocks noGrp="1" noChangeArrowheads="1"/>
           </p:cNvSpPr>
           <p:nvPr>
             <p:ph sz="quarter" idx="1"/>
+            <p:custDataLst>
+              <p:tags r:id="rId2"/>
+            </p:custDataLst>
           </p:nvPr>
         </p:nvSpPr>
         <p:spPr/>
         <p:txBody>
-          <a:bodyPr>
-            <a:normAutofit/>
-          </a:bodyPr>
+          <a:bodyPr/>
           <a:lstStyle/>
           <a:p>
             <a:r>
-              <a:rPr lang="en-US" dirty="0"/>
-              <a:t>Review of Dijkstra’s and Prim’s</a:t>
-            </a:r>
-          </a:p>
-          <a:p>
-            <a:pPr lvl="1"/>
-            <a:r>
-              <a:rPr lang="en-US" dirty="0"/>
-              <a:t>Almost same algorithm but solve different problems!!</a:t>
-            </a:r>
-          </a:p>
-          <a:p>
-            <a:endParaRPr lang="en-US" dirty="0"/>
-          </a:p>
-          <a:p>
-            <a:r>
-              <a:rPr lang="en-US" dirty="0"/>
-              <a:t>Review of Naïve runtime analysis</a:t>
-            </a:r>
-          </a:p>
-          <a:p>
-            <a:endParaRPr lang="en-US" dirty="0"/>
-          </a:p>
-          <a:p>
-            <a:r>
-              <a:rPr lang="en-US" dirty="0"/>
-              <a:t>Indirect heap and better runtime for each algorithm</a:t>
-            </a:r>
+              <a:rPr lang="en-US" dirty="0">
+                <a:sym typeface="Symbol" pitchFamily="18" charset="2"/>
+              </a:rPr>
+              <a:t>Goal: Lower cost of </a:t>
+            </a:r>
+            <a:r>
+              <a:rPr lang="en-US" dirty="0" err="1">
+                <a:sym typeface="Symbol" pitchFamily="18" charset="2"/>
+              </a:rPr>
+              <a:t>PQ.decreaseKey</a:t>
+            </a:r>
+            <a:r>
+              <a:rPr lang="en-US" dirty="0">
+                <a:sym typeface="Symbol" pitchFamily="18" charset="2"/>
+              </a:rPr>
+              <a:t>()</a:t>
+            </a:r>
+          </a:p>
+          <a:p>
+            <a:endParaRPr lang="en-US" dirty="0">
+              <a:sym typeface="Symbol" pitchFamily="18" charset="2"/>
+            </a:endParaRPr>
+          </a:p>
+          <a:p>
+            <a:r>
+              <a:rPr lang="en-US" dirty="0">
+                <a:sym typeface="Symbol" pitchFamily="18" charset="2"/>
+              </a:rPr>
+              <a:t>Example of naïve approach first </a:t>
+            </a:r>
+            <a:r>
+              <a:rPr lang="en-US" dirty="0">
+                <a:sym typeface="Wingdings" pitchFamily="2" charset="2"/>
+              </a:rPr>
+              <a:t></a:t>
+            </a:r>
+            <a:endParaRPr lang="en-US" dirty="0">
+              <a:sym typeface="Symbol" pitchFamily="18" charset="2"/>
+            </a:endParaRPr>
           </a:p>
         </p:txBody>
       </p:sp>
     </p:spTree>
+    <p:extLst>
+      <p:ext uri="{BB962C8B-B14F-4D97-AF65-F5344CB8AC3E}">
+        <p14:creationId xmlns:p14="http://schemas.microsoft.com/office/powerpoint/2010/main" val="3025254322"/>
+      </p:ext>
+    </p:extLst>
   </p:cSld>
   <p:clrMapOvr>
     <a:masterClrMapping/>
@@ -14948,12 +16991,15 @@
       </p:grpSpPr>
       <p:sp>
         <p:nvSpPr>
-          <p:cNvPr id="5" name="Title 4"/>
+          <p:cNvPr id="72707" name="Rectangle 2"/>
           <p:cNvSpPr>
-            <a:spLocks noGrp="1"/>
+            <a:spLocks noGrp="1" noChangeArrowheads="1"/>
           </p:cNvSpPr>
           <p:nvPr>
             <p:ph type="title"/>
+            <p:custDataLst>
+              <p:tags r:id="rId1"/>
+            </p:custDataLst>
           </p:nvPr>
         </p:nvSpPr>
         <p:spPr/>
@@ -14962,28 +17008,11 @@
           <a:lstStyle/>
           <a:p>
             <a:r>
-              <a:rPr lang="en-US" dirty="0"/>
-              <a:t>Extra Problem (If Time Allows)</a:t>
-            </a:r>
-          </a:p>
-        </p:txBody>
-      </p:sp>
-      <p:sp>
-        <p:nvSpPr>
-          <p:cNvPr id="6" name="Text Placeholder 5"/>
-          <p:cNvSpPr>
-            <a:spLocks noGrp="1"/>
-          </p:cNvSpPr>
-          <p:nvPr>
-            <p:ph type="body" idx="1"/>
-          </p:nvPr>
-        </p:nvSpPr>
-        <p:spPr/>
-        <p:txBody>
-          <a:bodyPr/>
-          <a:lstStyle/>
-          <a:p>
-            <a:endParaRPr lang="en-US"/>
+              <a:rPr lang="en-US">
+                <a:sym typeface="Symbol" pitchFamily="18" charset="2"/>
+              </a:rPr>
+              <a:t>Better PQ Implementations</a:t>
+            </a:r>
           </a:p>
         </p:txBody>
       </p:sp>
@@ -15002,7 +17031,7 @@
           <a:bodyPr/>
           <a:lstStyle/>
           <a:p>
-            <a:fld id="{030EE116-056E-4288-B7F7-411CB7E437A9}" type="slidenum">
+            <a:fld id="{DACC1BBE-66B1-403A-8C7E-C57A0F3A107F}" type="slidenum">
               <a:rPr lang="en-US" smtClean="0"/>
               <a:pPr/>
               <a:t>32</a:t>
@@ -15011,10 +17040,71 @@
           </a:p>
         </p:txBody>
       </p:sp>
+      <p:sp>
+        <p:nvSpPr>
+          <p:cNvPr id="72708" name="Rectangle 3"/>
+          <p:cNvSpPr>
+            <a:spLocks noGrp="1" noChangeArrowheads="1"/>
+          </p:cNvSpPr>
+          <p:nvPr>
+            <p:ph sz="quarter" idx="1"/>
+            <p:custDataLst>
+              <p:tags r:id="rId2"/>
+            </p:custDataLst>
+          </p:nvPr>
+        </p:nvSpPr>
+        <p:spPr/>
+        <p:txBody>
+          <a:bodyPr/>
+          <a:lstStyle/>
+          <a:p>
+            <a:r>
+              <a:rPr lang="en-US" dirty="0">
+                <a:sym typeface="Symbol" pitchFamily="18" charset="2"/>
+              </a:rPr>
+              <a:t>Goal: Lower cost of </a:t>
+            </a:r>
+            <a:r>
+              <a:rPr lang="en-US" dirty="0" err="1">
+                <a:sym typeface="Symbol" pitchFamily="18" charset="2"/>
+              </a:rPr>
+              <a:t>PQ.decreaseKey</a:t>
+            </a:r>
+            <a:r>
+              <a:rPr lang="en-US" dirty="0">
+                <a:sym typeface="Symbol" pitchFamily="18" charset="2"/>
+              </a:rPr>
+              <a:t>()</a:t>
+            </a:r>
+          </a:p>
+          <a:p>
+            <a:endParaRPr lang="en-US" dirty="0">
+              <a:sym typeface="Symbol" pitchFamily="18" charset="2"/>
+            </a:endParaRPr>
+          </a:p>
+          <a:p>
+            <a:r>
+              <a:rPr lang="en-US" dirty="0">
+                <a:sym typeface="Symbol" pitchFamily="18" charset="2"/>
+              </a:rPr>
+              <a:t>Indirect Heap </a:t>
+            </a:r>
+            <a:r>
+              <a:rPr lang="en-US" dirty="0">
+                <a:sym typeface="Wingdings" pitchFamily="2" charset="2"/>
+              </a:rPr>
+              <a:t></a:t>
+            </a:r>
+            <a:endParaRPr lang="en-US" dirty="0">
+              <a:sym typeface="Symbol" pitchFamily="18" charset="2"/>
+            </a:endParaRPr>
+          </a:p>
+        </p:txBody>
+      </p:sp>
     </p:spTree>
     <p:extLst>
       <p:ext uri="{BB962C8B-B14F-4D97-AF65-F5344CB8AC3E}">
-        <p14:creationId xmlns:p14="http://schemas.microsoft.com/office/powerpoint/2010/main" val="2556928720"/>
+        <p14:creationId xmlns:p14="http://schemas.microsoft.com/office/powerpoint/2010/main" val="3724557448"/>
       </p:ext>
     </p:extLst>
   </p:cSld>
@@ -15043,12 +17133,15 @@
       </p:grpSpPr>
       <p:sp>
         <p:nvSpPr>
-          <p:cNvPr id="35842" name="Title 1"/>
+          <p:cNvPr id="73731" name="Rectangle 2"/>
           <p:cNvSpPr>
-            <a:spLocks noGrp="1"/>
+            <a:spLocks noGrp="1" noChangeArrowheads="1"/>
           </p:cNvSpPr>
           <p:nvPr>
             <p:ph type="title"/>
+            <p:custDataLst>
+              <p:tags r:id="rId1"/>
+            </p:custDataLst>
           </p:nvPr>
         </p:nvSpPr>
         <p:spPr/>
@@ -15057,8 +17150,10 @@
           <a:lstStyle/>
           <a:p>
             <a:r>
-              <a:rPr lang="en-US" dirty="0"/>
-              <a:t>Solve This Problem</a:t>
+              <a:rPr lang="en-US">
+                <a:sym typeface="Symbol" pitchFamily="18" charset="2"/>
+              </a:rPr>
+              <a:t>Better PQ Implementations (2)</a:t>
             </a:r>
           </a:p>
         </p:txBody>
@@ -15089,76 +17184,97 @@
       </p:sp>
       <p:sp>
         <p:nvSpPr>
-          <p:cNvPr id="35843" name="Content Placeholder 2"/>
+          <p:cNvPr id="73732" name="Rectangle 3"/>
           <p:cNvSpPr>
-            <a:spLocks noGrp="1"/>
+            <a:spLocks noGrp="1" noChangeArrowheads="1"/>
           </p:cNvSpPr>
           <p:nvPr>
             <p:ph sz="quarter" idx="1"/>
+            <p:custDataLst>
+              <p:tags r:id="rId2"/>
+            </p:custDataLst>
           </p:nvPr>
         </p:nvSpPr>
         <p:spPr/>
         <p:txBody>
-          <a:bodyPr>
-            <a:normAutofit/>
-          </a:bodyPr>
+          <a:bodyPr/>
           <a:lstStyle/>
           <a:p>
             <a:r>
-              <a:rPr lang="en-US" dirty="0"/>
-              <a:t>Suppose </a:t>
-            </a:r>
-            <a:r>
-              <a:rPr lang="en-US" dirty="0" err="1"/>
-              <a:t>Floryan</a:t>
-            </a:r>
-            <a:r>
-              <a:rPr lang="en-US" dirty="0"/>
-              <a:t> is traveling by flying from city S to city D. </a:t>
-            </a:r>
-            <a:r>
-              <a:rPr lang="en-US" dirty="0" err="1"/>
-              <a:t>Floryan</a:t>
-            </a:r>
-            <a:r>
-              <a:rPr lang="en-US" dirty="0"/>
-              <a:t> doesn’t mind sitting on planes, but he REALLY dislikes layovers in airports (I mean, you are just SITTING there not making any progress).</a:t>
-            </a:r>
-          </a:p>
-          <a:p>
-            <a:endParaRPr lang="en-US" dirty="0"/>
-          </a:p>
-          <a:p>
-            <a:r>
-              <a:rPr lang="en-US" dirty="0"/>
-              <a:t>Given </a:t>
-            </a:r>
-            <a:r>
-              <a:rPr lang="en-US" dirty="0" err="1"/>
-              <a:t>Floryan’s</a:t>
-            </a:r>
-            <a:r>
-              <a:rPr lang="en-US" dirty="0"/>
-              <a:t> start city S, destination city D, and a long list of flights (each flight is start city, end city, departure date/time, arrival date/time), can you find the optimal itinerary that minimizes </a:t>
-            </a:r>
-            <a:r>
-              <a:rPr lang="en-US" dirty="0" err="1"/>
-              <a:t>Floryan’s</a:t>
-            </a:r>
-            <a:r>
-              <a:rPr lang="en-US" dirty="0"/>
-              <a:t> layover time?</a:t>
-            </a:r>
-          </a:p>
-          <a:p>
-            <a:endParaRPr lang="en-US" dirty="0"/>
+              <a:rPr lang="en-US" dirty="0">
+                <a:sym typeface="Symbol" pitchFamily="18" charset="2"/>
+              </a:rPr>
+              <a:t>Cost of Dijkstra’s and Prim’s</a:t>
+            </a:r>
+          </a:p>
+          <a:p>
+            <a:pPr lvl="1"/>
+            <a:r>
+              <a:rPr lang="en-US" dirty="0">
+                <a:sym typeface="Symbol" pitchFamily="18" charset="2"/>
+              </a:rPr>
+              <a:t>O(V*log(V) + E*</a:t>
+            </a:r>
+            <a:r>
+              <a:rPr lang="en-US" b="1" i="1" dirty="0">
+                <a:sym typeface="Symbol" pitchFamily="18" charset="2"/>
+              </a:rPr>
+              <a:t>V</a:t>
+            </a:r>
+            <a:r>
+              <a:rPr lang="en-US" dirty="0">
+                <a:sym typeface="Symbol" pitchFamily="18" charset="2"/>
+              </a:rPr>
+              <a:t>)</a:t>
+            </a:r>
+          </a:p>
+          <a:p>
+            <a:endParaRPr lang="en-US" dirty="0">
+              <a:sym typeface="Symbol" pitchFamily="18" charset="2"/>
+            </a:endParaRPr>
+          </a:p>
+          <a:p>
+            <a:r>
+              <a:rPr lang="en-US" dirty="0">
+                <a:sym typeface="Symbol" pitchFamily="18" charset="2"/>
+              </a:rPr>
+              <a:t>Indirect heap makes bolded V become log(V)</a:t>
+            </a:r>
+          </a:p>
+          <a:p>
+            <a:endParaRPr lang="en-US" dirty="0">
+              <a:sym typeface="Symbol" pitchFamily="18" charset="2"/>
+            </a:endParaRPr>
+          </a:p>
+          <a:p>
+            <a:r>
+              <a:rPr lang="en-US" dirty="0">
+                <a:sym typeface="Symbol" pitchFamily="18" charset="2"/>
+              </a:rPr>
+              <a:t>New Cost:</a:t>
+            </a:r>
+          </a:p>
+          <a:p>
+            <a:pPr lvl="1"/>
+            <a:r>
+              <a:rPr lang="en-US" dirty="0">
+                <a:sym typeface="Symbol" pitchFamily="18" charset="2"/>
+              </a:rPr>
+              <a:t>O(V*log(V) + E*log(V)) = O(E*log(V))</a:t>
+            </a:r>
+          </a:p>
+          <a:p>
+            <a:pPr lvl="2"/>
+            <a:endParaRPr lang="en-US" dirty="0">
+              <a:sym typeface="Symbol" pitchFamily="18" charset="2"/>
+            </a:endParaRPr>
           </a:p>
         </p:txBody>
       </p:sp>
     </p:spTree>
     <p:extLst>
       <p:ext uri="{BB962C8B-B14F-4D97-AF65-F5344CB8AC3E}">
-        <p14:creationId xmlns:p14="http://schemas.microsoft.com/office/powerpoint/2010/main" val="3196957866"/>
+        <p14:creationId xmlns:p14="http://schemas.microsoft.com/office/powerpoint/2010/main" val="627208901"/>
       </p:ext>
     </p:extLst>
   </p:cSld>
@@ -15187,6 +17303,317 @@
       </p:grpSpPr>
       <p:sp>
         <p:nvSpPr>
+          <p:cNvPr id="5" name="Title 4"/>
+          <p:cNvSpPr>
+            <a:spLocks noGrp="1"/>
+          </p:cNvSpPr>
+          <p:nvPr>
+            <p:ph type="title"/>
+          </p:nvPr>
+        </p:nvSpPr>
+        <p:spPr/>
+        <p:txBody>
+          <a:bodyPr/>
+          <a:lstStyle/>
+          <a:p>
+            <a:r>
+              <a:rPr lang="en-US"/>
+              <a:t>Summary</a:t>
+            </a:r>
+            <a:endParaRPr lang="en-US" dirty="0"/>
+          </a:p>
+        </p:txBody>
+      </p:sp>
+      <p:sp>
+        <p:nvSpPr>
+          <p:cNvPr id="6" name="Text Placeholder 5"/>
+          <p:cNvSpPr>
+            <a:spLocks noGrp="1"/>
+          </p:cNvSpPr>
+          <p:nvPr>
+            <p:ph type="body" idx="1"/>
+          </p:nvPr>
+        </p:nvSpPr>
+        <p:spPr/>
+        <p:txBody>
+          <a:bodyPr/>
+          <a:lstStyle/>
+          <a:p>
+            <a:endParaRPr lang="en-US"/>
+          </a:p>
+        </p:txBody>
+      </p:sp>
+      <p:sp>
+        <p:nvSpPr>
+          <p:cNvPr id="4" name="Slide Number Placeholder 3"/>
+          <p:cNvSpPr>
+            <a:spLocks noGrp="1"/>
+          </p:cNvSpPr>
+          <p:nvPr>
+            <p:ph type="sldNum" sz="quarter" idx="12"/>
+          </p:nvPr>
+        </p:nvSpPr>
+        <p:spPr/>
+        <p:txBody>
+          <a:bodyPr/>
+          <a:lstStyle/>
+          <a:p>
+            <a:fld id="{030EE116-056E-4288-B7F7-411CB7E437A9}" type="slidenum">
+              <a:rPr lang="en-US" smtClean="0"/>
+              <a:pPr/>
+              <a:t>34</a:t>
+            </a:fld>
+            <a:endParaRPr lang="en-US"/>
+          </a:p>
+        </p:txBody>
+      </p:sp>
+    </p:spTree>
+    <p:extLst>
+      <p:ext uri="{BB962C8B-B14F-4D97-AF65-F5344CB8AC3E}">
+        <p14:creationId xmlns:p14="http://schemas.microsoft.com/office/powerpoint/2010/main" val="3384825226"/>
+      </p:ext>
+    </p:extLst>
+  </p:cSld>
+  <p:clrMapOvr>
+    <a:masterClrMapping/>
+  </p:clrMapOvr>
+</p:sld>
+</file>
+
+<file path=ppt/slides/slide35.xml><?xml version="1.0" encoding="utf-8"?>
+<p:sld xmlns:a="http://schemas.openxmlformats.org/drawingml/2006/main" xmlns:r="http://schemas.openxmlformats.org/officeDocument/2006/relationships" xmlns:p="http://schemas.openxmlformats.org/presentationml/2006/main">
+  <p:cSld>
+    <p:spTree>
+      <p:nvGrpSpPr>
+        <p:cNvPr id="1" name=""/>
+        <p:cNvGrpSpPr/>
+        <p:nvPr/>
+      </p:nvGrpSpPr>
+      <p:grpSpPr>
+        <a:xfrm>
+          <a:off x="0" y="0"/>
+          <a:ext cx="0" cy="0"/>
+          <a:chOff x="0" y="0"/>
+          <a:chExt cx="0" cy="0"/>
+        </a:xfrm>
+      </p:grpSpPr>
+      <p:sp>
+        <p:nvSpPr>
+          <p:cNvPr id="5" name="Title 4"/>
+          <p:cNvSpPr>
+            <a:spLocks noGrp="1"/>
+          </p:cNvSpPr>
+          <p:nvPr>
+            <p:ph type="title"/>
+          </p:nvPr>
+        </p:nvSpPr>
+        <p:spPr/>
+        <p:txBody>
+          <a:bodyPr/>
+          <a:lstStyle/>
+          <a:p>
+            <a:r>
+              <a:rPr lang="en-US" dirty="0"/>
+              <a:t>What Did We Learn?</a:t>
+            </a:r>
+          </a:p>
+        </p:txBody>
+      </p:sp>
+      <p:sp>
+        <p:nvSpPr>
+          <p:cNvPr id="4" name="Slide Number Placeholder 3"/>
+          <p:cNvSpPr>
+            <a:spLocks noGrp="1"/>
+          </p:cNvSpPr>
+          <p:nvPr>
+            <p:ph type="sldNum" sz="quarter" idx="12"/>
+          </p:nvPr>
+        </p:nvSpPr>
+        <p:spPr/>
+        <p:txBody>
+          <a:bodyPr/>
+          <a:lstStyle/>
+          <a:p>
+            <a:fld id="{030EE116-056E-4288-B7F7-411CB7E437A9}" type="slidenum">
+              <a:rPr lang="en-US" smtClean="0"/>
+              <a:pPr/>
+              <a:t>35</a:t>
+            </a:fld>
+            <a:endParaRPr lang="en-US"/>
+          </a:p>
+        </p:txBody>
+      </p:sp>
+      <p:sp>
+        <p:nvSpPr>
+          <p:cNvPr id="6" name="Content Placeholder 5"/>
+          <p:cNvSpPr>
+            <a:spLocks noGrp="1"/>
+          </p:cNvSpPr>
+          <p:nvPr>
+            <p:ph sz="quarter" idx="1"/>
+          </p:nvPr>
+        </p:nvSpPr>
+        <p:spPr/>
+        <p:txBody>
+          <a:bodyPr>
+            <a:normAutofit/>
+          </a:bodyPr>
+          <a:lstStyle/>
+          <a:p>
+            <a:r>
+              <a:rPr lang="en-US" dirty="0"/>
+              <a:t>Review of Dijkstra’s and Prim’s</a:t>
+            </a:r>
+          </a:p>
+          <a:p>
+            <a:pPr lvl="1"/>
+            <a:r>
+              <a:rPr lang="en-US" dirty="0"/>
+              <a:t>Almost same algorithm but solve different problems!!</a:t>
+            </a:r>
+          </a:p>
+          <a:p>
+            <a:endParaRPr lang="en-US" dirty="0"/>
+          </a:p>
+          <a:p>
+            <a:r>
+              <a:rPr lang="en-US" dirty="0"/>
+              <a:t>Review of Naïve runtime analysis</a:t>
+            </a:r>
+          </a:p>
+          <a:p>
+            <a:endParaRPr lang="en-US" dirty="0"/>
+          </a:p>
+          <a:p>
+            <a:r>
+              <a:rPr lang="en-US" dirty="0"/>
+              <a:t>Indirect heap and better runtime for each algorithm</a:t>
+            </a:r>
+          </a:p>
+        </p:txBody>
+      </p:sp>
+    </p:spTree>
+  </p:cSld>
+  <p:clrMapOvr>
+    <a:masterClrMapping/>
+  </p:clrMapOvr>
+</p:sld>
+</file>
+
+<file path=ppt/slides/slide36.xml><?xml version="1.0" encoding="utf-8"?>
+<p:sld xmlns:a="http://schemas.openxmlformats.org/drawingml/2006/main" xmlns:r="http://schemas.openxmlformats.org/officeDocument/2006/relationships" xmlns:p="http://schemas.openxmlformats.org/presentationml/2006/main">
+  <p:cSld>
+    <p:spTree>
+      <p:nvGrpSpPr>
+        <p:cNvPr id="1" name=""/>
+        <p:cNvGrpSpPr/>
+        <p:nvPr/>
+      </p:nvGrpSpPr>
+      <p:grpSpPr>
+        <a:xfrm>
+          <a:off x="0" y="0"/>
+          <a:ext cx="0" cy="0"/>
+          <a:chOff x="0" y="0"/>
+          <a:chExt cx="0" cy="0"/>
+        </a:xfrm>
+      </p:grpSpPr>
+      <p:sp>
+        <p:nvSpPr>
+          <p:cNvPr id="5" name="Title 4"/>
+          <p:cNvSpPr>
+            <a:spLocks noGrp="1"/>
+          </p:cNvSpPr>
+          <p:nvPr>
+            <p:ph type="title"/>
+          </p:nvPr>
+        </p:nvSpPr>
+        <p:spPr/>
+        <p:txBody>
+          <a:bodyPr/>
+          <a:lstStyle/>
+          <a:p>
+            <a:r>
+              <a:rPr lang="en-US" dirty="0"/>
+              <a:t>Extra Problem (If Time Allows)</a:t>
+            </a:r>
+          </a:p>
+        </p:txBody>
+      </p:sp>
+      <p:sp>
+        <p:nvSpPr>
+          <p:cNvPr id="6" name="Text Placeholder 5"/>
+          <p:cNvSpPr>
+            <a:spLocks noGrp="1"/>
+          </p:cNvSpPr>
+          <p:nvPr>
+            <p:ph type="body" idx="1"/>
+          </p:nvPr>
+        </p:nvSpPr>
+        <p:spPr/>
+        <p:txBody>
+          <a:bodyPr/>
+          <a:lstStyle/>
+          <a:p>
+            <a:endParaRPr lang="en-US"/>
+          </a:p>
+        </p:txBody>
+      </p:sp>
+      <p:sp>
+        <p:nvSpPr>
+          <p:cNvPr id="4" name="Slide Number Placeholder 3"/>
+          <p:cNvSpPr>
+            <a:spLocks noGrp="1"/>
+          </p:cNvSpPr>
+          <p:nvPr>
+            <p:ph type="sldNum" sz="quarter" idx="12"/>
+          </p:nvPr>
+        </p:nvSpPr>
+        <p:spPr/>
+        <p:txBody>
+          <a:bodyPr/>
+          <a:lstStyle/>
+          <a:p>
+            <a:fld id="{030EE116-056E-4288-B7F7-411CB7E437A9}" type="slidenum">
+              <a:rPr lang="en-US" smtClean="0"/>
+              <a:pPr/>
+              <a:t>36</a:t>
+            </a:fld>
+            <a:endParaRPr lang="en-US"/>
+          </a:p>
+        </p:txBody>
+      </p:sp>
+    </p:spTree>
+    <p:extLst>
+      <p:ext uri="{BB962C8B-B14F-4D97-AF65-F5344CB8AC3E}">
+        <p14:creationId xmlns:p14="http://schemas.microsoft.com/office/powerpoint/2010/main" val="2556928720"/>
+      </p:ext>
+    </p:extLst>
+  </p:cSld>
+  <p:clrMapOvr>
+    <a:masterClrMapping/>
+  </p:clrMapOvr>
+</p:sld>
+</file>
+
+<file path=ppt/slides/slide37.xml><?xml version="1.0" encoding="utf-8"?>
+<p:sld xmlns:a="http://schemas.openxmlformats.org/drawingml/2006/main" xmlns:r="http://schemas.openxmlformats.org/officeDocument/2006/relationships" xmlns:p="http://schemas.openxmlformats.org/presentationml/2006/main">
+  <p:cSld>
+    <p:spTree>
+      <p:nvGrpSpPr>
+        <p:cNvPr id="1" name=""/>
+        <p:cNvGrpSpPr/>
+        <p:nvPr/>
+      </p:nvGrpSpPr>
+      <p:grpSpPr>
+        <a:xfrm>
+          <a:off x="0" y="0"/>
+          <a:ext cx="0" cy="0"/>
+          <a:chOff x="0" y="0"/>
+          <a:chExt cx="0" cy="0"/>
+        </a:xfrm>
+      </p:grpSpPr>
+      <p:sp>
+        <p:nvSpPr>
           <p:cNvPr id="35842" name="Title 1"/>
           <p:cNvSpPr>
             <a:spLocks noGrp="1"/>
@@ -15202,7 +17629,7 @@
           <a:p>
             <a:r>
               <a:rPr lang="en-US" dirty="0"/>
-              <a:t>Solution:</a:t>
+              <a:t>Solve This Problem</a:t>
             </a:r>
           </a:p>
         </p:txBody>
@@ -15225,7 +17652,151 @@
             <a:fld id="{DACC1BBE-66B1-403A-8C7E-C57A0F3A107F}" type="slidenum">
               <a:rPr lang="en-US" smtClean="0"/>
               <a:pPr/>
-              <a:t>34</a:t>
+              <a:t>37</a:t>
+            </a:fld>
+            <a:endParaRPr lang="en-US"/>
+          </a:p>
+        </p:txBody>
+      </p:sp>
+      <p:sp>
+        <p:nvSpPr>
+          <p:cNvPr id="35843" name="Content Placeholder 2"/>
+          <p:cNvSpPr>
+            <a:spLocks noGrp="1"/>
+          </p:cNvSpPr>
+          <p:nvPr>
+            <p:ph sz="quarter" idx="1"/>
+          </p:nvPr>
+        </p:nvSpPr>
+        <p:spPr/>
+        <p:txBody>
+          <a:bodyPr>
+            <a:normAutofit/>
+          </a:bodyPr>
+          <a:lstStyle/>
+          <a:p>
+            <a:r>
+              <a:rPr lang="en-US" dirty="0"/>
+              <a:t>Suppose </a:t>
+            </a:r>
+            <a:r>
+              <a:rPr lang="en-US" dirty="0" err="1"/>
+              <a:t>Floryan</a:t>
+            </a:r>
+            <a:r>
+              <a:rPr lang="en-US" dirty="0"/>
+              <a:t> is traveling by flying from city S to city D. </a:t>
+            </a:r>
+            <a:r>
+              <a:rPr lang="en-US" dirty="0" err="1"/>
+              <a:t>Floryan</a:t>
+            </a:r>
+            <a:r>
+              <a:rPr lang="en-US" dirty="0"/>
+              <a:t> doesn’t mind sitting on planes, but he REALLY dislikes layovers in airports (I mean, you are just SITTING there not making any progress).</a:t>
+            </a:r>
+          </a:p>
+          <a:p>
+            <a:endParaRPr lang="en-US" dirty="0"/>
+          </a:p>
+          <a:p>
+            <a:r>
+              <a:rPr lang="en-US" dirty="0"/>
+              <a:t>Given </a:t>
+            </a:r>
+            <a:r>
+              <a:rPr lang="en-US" dirty="0" err="1"/>
+              <a:t>Floryan’s</a:t>
+            </a:r>
+            <a:r>
+              <a:rPr lang="en-US" dirty="0"/>
+              <a:t> start city S, destination city D, and a long list of flights (each flight is start city, end city, departure date/time, arrival date/time), can you find the optimal itinerary that minimizes </a:t>
+            </a:r>
+            <a:r>
+              <a:rPr lang="en-US" dirty="0" err="1"/>
+              <a:t>Floryan’s</a:t>
+            </a:r>
+            <a:r>
+              <a:rPr lang="en-US" dirty="0"/>
+              <a:t> layover time?</a:t>
+            </a:r>
+          </a:p>
+          <a:p>
+            <a:endParaRPr lang="en-US" dirty="0"/>
+          </a:p>
+        </p:txBody>
+      </p:sp>
+    </p:spTree>
+    <p:extLst>
+      <p:ext uri="{BB962C8B-B14F-4D97-AF65-F5344CB8AC3E}">
+        <p14:creationId xmlns:p14="http://schemas.microsoft.com/office/powerpoint/2010/main" val="3196957866"/>
+      </p:ext>
+    </p:extLst>
+  </p:cSld>
+  <p:clrMapOvr>
+    <a:masterClrMapping/>
+  </p:clrMapOvr>
+</p:sld>
+</file>
+
+<file path=ppt/slides/slide38.xml><?xml version="1.0" encoding="utf-8"?>
+<p:sld xmlns:a="http://schemas.openxmlformats.org/drawingml/2006/main" xmlns:r="http://schemas.openxmlformats.org/officeDocument/2006/relationships" xmlns:p="http://schemas.openxmlformats.org/presentationml/2006/main">
+  <p:cSld>
+    <p:spTree>
+      <p:nvGrpSpPr>
+        <p:cNvPr id="1" name=""/>
+        <p:cNvGrpSpPr/>
+        <p:nvPr/>
+      </p:nvGrpSpPr>
+      <p:grpSpPr>
+        <a:xfrm>
+          <a:off x="0" y="0"/>
+          <a:ext cx="0" cy="0"/>
+          <a:chOff x="0" y="0"/>
+          <a:chExt cx="0" cy="0"/>
+        </a:xfrm>
+      </p:grpSpPr>
+      <p:sp>
+        <p:nvSpPr>
+          <p:cNvPr id="35842" name="Title 1"/>
+          <p:cNvSpPr>
+            <a:spLocks noGrp="1"/>
+          </p:cNvSpPr>
+          <p:nvPr>
+            <p:ph type="title"/>
+          </p:nvPr>
+        </p:nvSpPr>
+        <p:spPr/>
+        <p:txBody>
+          <a:bodyPr/>
+          <a:lstStyle/>
+          <a:p>
+            <a:r>
+              <a:rPr lang="en-US" dirty="0"/>
+              <a:t>Solution:</a:t>
+            </a:r>
+          </a:p>
+        </p:txBody>
+      </p:sp>
+      <p:sp>
+        <p:nvSpPr>
+          <p:cNvPr id="4" name="Slide Number Placeholder 3"/>
+          <p:cNvSpPr>
+            <a:spLocks noGrp="1"/>
+          </p:cNvSpPr>
+          <p:nvPr>
+            <p:ph type="sldNum" sz="quarter" idx="12"/>
+          </p:nvPr>
+        </p:nvSpPr>
+        <p:spPr/>
+        <p:txBody>
+          <a:bodyPr/>
+          <a:lstStyle/>
+          <a:p>
+            <a:fld id="{DACC1BBE-66B1-403A-8C7E-C57A0F3A107F}" type="slidenum">
+              <a:rPr lang="en-US" smtClean="0"/>
+              <a:pPr/>
+              <a:t>38</a:t>
             </a:fld>
             <a:endParaRPr lang="en-US"/>
           </a:p>
@@ -23075,6 +25646,42 @@
 </p:tagLst>
 </file>
 
+<file path=ppt/tags/tag182.xml><?xml version="1.0" encoding="utf-8"?>
+<p:tagLst xmlns:a="http://schemas.openxmlformats.org/drawingml/2006/main" xmlns:r="http://schemas.openxmlformats.org/officeDocument/2006/relationships" xmlns:p="http://schemas.openxmlformats.org/presentationml/2006/main">
+  <p:tag name="_INSTRUCTOR VIEW19C14C36-AC8E-43BC-9DB6-C2AAF774C7DC|PANE__TAG" val="_"/>
+</p:tagLst>
+</file>
+
+<file path=ppt/tags/tag183.xml><?xml version="1.0" encoding="utf-8"?>
+<p:tagLst xmlns:a="http://schemas.openxmlformats.org/drawingml/2006/main" xmlns:r="http://schemas.openxmlformats.org/officeDocument/2006/relationships" xmlns:p="http://schemas.openxmlformats.org/presentationml/2006/main">
+  <p:tag name="_INSTRUCTOR VIEW19C14C36-AC8E-43BC-9DB6-C2AAF774C7DC|PANE__TAG" val="_"/>
+</p:tagLst>
+</file>
+
+<file path=ppt/tags/tag184.xml><?xml version="1.0" encoding="utf-8"?>
+<p:tagLst xmlns:a="http://schemas.openxmlformats.org/drawingml/2006/main" xmlns:r="http://schemas.openxmlformats.org/officeDocument/2006/relationships" xmlns:p="http://schemas.openxmlformats.org/presentationml/2006/main">
+  <p:tag name="_INSTRUCTOR VIEW19C14C36-AC8E-43BC-9DB6-C2AAF774C7DC|PANE__TAG" val="_"/>
+</p:tagLst>
+</file>
+
+<file path=ppt/tags/tag185.xml><?xml version="1.0" encoding="utf-8"?>
+<p:tagLst xmlns:a="http://schemas.openxmlformats.org/drawingml/2006/main" xmlns:r="http://schemas.openxmlformats.org/officeDocument/2006/relationships" xmlns:p="http://schemas.openxmlformats.org/presentationml/2006/main">
+  <p:tag name="_INSTRUCTOR VIEW19C14C36-AC8E-43BC-9DB6-C2AAF774C7DC|PANE__TAG" val="_"/>
+</p:tagLst>
+</file>
+
+<file path=ppt/tags/tag186.xml><?xml version="1.0" encoding="utf-8"?>
+<p:tagLst xmlns:a="http://schemas.openxmlformats.org/drawingml/2006/main" xmlns:r="http://schemas.openxmlformats.org/officeDocument/2006/relationships" xmlns:p="http://schemas.openxmlformats.org/presentationml/2006/main">
+  <p:tag name="_INSTRUCTOR VIEW19C14C36-AC8E-43BC-9DB6-C2AAF774C7DC|PANE__TAG" val="_"/>
+</p:tagLst>
+</file>
+
+<file path=ppt/tags/tag187.xml><?xml version="1.0" encoding="utf-8"?>
+<p:tagLst xmlns:a="http://schemas.openxmlformats.org/drawingml/2006/main" xmlns:r="http://schemas.openxmlformats.org/officeDocument/2006/relationships" xmlns:p="http://schemas.openxmlformats.org/presentationml/2006/main">
+  <p:tag name="_INSTRUCTOR VIEW19C14C36-AC8E-43BC-9DB6-C2AAF774C7DC|PANE__TAG" val="_"/>
+</p:tagLst>
+</file>
+
 <file path=ppt/tags/tag19.xml><?xml version="1.0" encoding="utf-8"?>
 <p:tagLst xmlns:a="http://schemas.openxmlformats.org/drawingml/2006/main" xmlns:r="http://schemas.openxmlformats.org/officeDocument/2006/relationships" xmlns:p="http://schemas.openxmlformats.org/presentationml/2006/main">
   <p:tag name="_INSTRUCTOR VIEW19C14C36-AC8E-43BC-9DB6-C2AAF774C7DC|PANE__TAG" val="_"/>
